--- a/05 Functional Harness Retro.pptx
+++ b/05 Functional Harness Retro.pptx
@@ -5,7 +5,7 @@
     <p:sldMasterId id="2147483659" r:id="rId1"/>
   </p:sldMasterIdLst>
   <p:notesMasterIdLst>
-    <p:notesMasterId r:id="rId7"/>
+    <p:notesMasterId r:id="rId10"/>
   </p:notesMasterIdLst>
   <p:sldIdLst>
     <p:sldId id="287" r:id="rId2"/>
@@ -13,6 +13,9 @@
     <p:sldId id="931" r:id="rId4"/>
     <p:sldId id="932" r:id="rId5"/>
     <p:sldId id="933" r:id="rId6"/>
+    <p:sldId id="934" r:id="rId7"/>
+    <p:sldId id="935" r:id="rId8"/>
+    <p:sldId id="936" r:id="rId9"/>
   </p:sldIdLst>
   <p:sldSz cx="9144000" cy="5143500" type="screen16x9"/>
   <p:notesSz cx="6858000" cy="9144000"/>
@@ -255,6 +258,9 @@
             <p14:sldId id="931"/>
             <p14:sldId id="932"/>
             <p14:sldId id="933"/>
+            <p14:sldId id="934"/>
+            <p14:sldId id="935"/>
+            <p14:sldId id="936"/>
           </p14:sldIdLst>
         </p14:section>
       </p14:sectionLst>
@@ -36380,6 +36386,1734 @@
 </p:sld>
 </file>
 
+<file path=ppt/slides/slide6.xml><?xml version="1.0" encoding="utf-8"?>
+<p:sld xmlns:a="http://schemas.openxmlformats.org/drawingml/2006/main" xmlns:r="http://schemas.openxmlformats.org/officeDocument/2006/relationships" xmlns:p="http://schemas.openxmlformats.org/presentationml/2006/main">
+  <p:cSld>
+    <p:spTree>
+      <p:nvGrpSpPr>
+        <p:cNvPr id="1" name=""/>
+        <p:cNvGrpSpPr/>
+        <p:nvPr/>
+      </p:nvGrpSpPr>
+      <p:grpSpPr>
+        <a:xfrm>
+          <a:off x="0" y="0"/>
+          <a:ext cx="0" cy="0"/>
+          <a:chOff x="0" y="0"/>
+          <a:chExt cx="0" cy="0"/>
+        </a:xfrm>
+      </p:grpSpPr>
+      <p:sp>
+        <p:nvSpPr>
+          <p:cNvPr id="4" name="Title 3"/>
+          <p:cNvSpPr>
+            <a:spLocks noGrp="1"/>
+          </p:cNvSpPr>
+          <p:nvPr>
+            <p:ph type="ctrTitle"/>
+          </p:nvPr>
+        </p:nvSpPr>
+        <p:spPr>
+          <a:xfrm>
+            <a:off x="4419600" y="771818"/>
+            <a:ext cx="4648200" cy="3628732"/>
+          </a:xfrm>
+        </p:spPr>
+        <p:txBody>
+          <a:bodyPr>
+            <a:noAutofit/>
+          </a:bodyPr>
+          <a:lstStyle/>
+          <a:p>
+            <a:pPr algn="r"/>
+            <a:br>
+              <a:rPr lang="en-US" sz="8000" dirty="0"/>
+            </a:br>
+            <a:r>
+              <a:rPr lang="en-US" sz="8000" dirty="0"/>
+              <a:t> Logging</a:t>
+            </a:r>
+          </a:p>
+        </p:txBody>
+      </p:sp>
+      <p:sp>
+        <p:nvSpPr>
+          <p:cNvPr id="8" name="Rounded Rectangle 7"/>
+          <p:cNvSpPr/>
+          <p:nvPr/>
+        </p:nvSpPr>
+        <p:spPr>
+          <a:xfrm>
+            <a:off x="1295400" y="2647950"/>
+            <a:ext cx="1066800" cy="484909"/>
+          </a:xfrm>
+          <a:prstGeom prst="roundRect">
+            <a:avLst/>
+          </a:prstGeom>
+          <a:solidFill>
+            <a:srgbClr val="C20003"/>
+          </a:solidFill>
+        </p:spPr>
+        <p:style>
+          <a:lnRef idx="3">
+            <a:schemeClr val="lt1"/>
+          </a:lnRef>
+          <a:fillRef idx="1">
+            <a:schemeClr val="accent1"/>
+          </a:fillRef>
+          <a:effectRef idx="1">
+            <a:schemeClr val="accent1"/>
+          </a:effectRef>
+          <a:fontRef idx="minor">
+            <a:schemeClr val="lt1"/>
+          </a:fontRef>
+        </p:style>
+        <p:txBody>
+          <a:bodyPr rtlCol="0" anchor="ctr"/>
+          <a:lstStyle/>
+          <a:p>
+            <a:pPr algn="ctr"/>
+            <a:r>
+              <a:rPr lang="en-US" dirty="0"/>
+              <a:t>Hard</a:t>
+            </a:r>
+          </a:p>
+        </p:txBody>
+      </p:sp>
+      <p:cxnSp>
+        <p:nvCxnSpPr>
+          <p:cNvPr id="12" name="Straight Arrow Connector 11"/>
+          <p:cNvCxnSpPr/>
+          <p:nvPr/>
+        </p:nvCxnSpPr>
+        <p:spPr>
+          <a:xfrm>
+            <a:off x="1828800" y="2266950"/>
+            <a:ext cx="0" cy="381000"/>
+          </a:xfrm>
+          <a:prstGeom prst="straightConnector1">
+            <a:avLst/>
+          </a:prstGeom>
+          <a:ln>
+            <a:tailEnd type="arrow"/>
+          </a:ln>
+        </p:spPr>
+        <p:style>
+          <a:lnRef idx="2">
+            <a:schemeClr val="dk1"/>
+          </a:lnRef>
+          <a:fillRef idx="0">
+            <a:schemeClr val="dk1"/>
+          </a:fillRef>
+          <a:effectRef idx="1">
+            <a:schemeClr val="dk1"/>
+          </a:effectRef>
+          <a:fontRef idx="minor">
+            <a:schemeClr val="tx1"/>
+          </a:fontRef>
+        </p:style>
+      </p:cxnSp>
+      <p:cxnSp>
+        <p:nvCxnSpPr>
+          <p:cNvPr id="13" name="Straight Arrow Connector 12"/>
+          <p:cNvCxnSpPr/>
+          <p:nvPr/>
+        </p:nvCxnSpPr>
+        <p:spPr>
+          <a:xfrm>
+            <a:off x="1828800" y="3132859"/>
+            <a:ext cx="0" cy="353291"/>
+          </a:xfrm>
+          <a:prstGeom prst="straightConnector1">
+            <a:avLst/>
+          </a:prstGeom>
+          <a:ln>
+            <a:tailEnd type="arrow"/>
+          </a:ln>
+        </p:spPr>
+        <p:style>
+          <a:lnRef idx="2">
+            <a:schemeClr val="dk1"/>
+          </a:lnRef>
+          <a:fillRef idx="0">
+            <a:schemeClr val="dk1"/>
+          </a:fillRef>
+          <a:effectRef idx="1">
+            <a:schemeClr val="dk1"/>
+          </a:effectRef>
+          <a:fontRef idx="minor">
+            <a:schemeClr val="tx1"/>
+          </a:fontRef>
+        </p:style>
+      </p:cxnSp>
+      <p:cxnSp>
+        <p:nvCxnSpPr>
+          <p:cNvPr id="15" name="Straight Arrow Connector 14"/>
+          <p:cNvCxnSpPr/>
+          <p:nvPr/>
+        </p:nvCxnSpPr>
+        <p:spPr>
+          <a:xfrm>
+            <a:off x="2362200" y="2800350"/>
+            <a:ext cx="533400" cy="0"/>
+          </a:xfrm>
+          <a:prstGeom prst="straightConnector1">
+            <a:avLst/>
+          </a:prstGeom>
+          <a:ln>
+            <a:tailEnd type="arrow"/>
+          </a:ln>
+        </p:spPr>
+        <p:style>
+          <a:lnRef idx="2">
+            <a:schemeClr val="dk1"/>
+          </a:lnRef>
+          <a:fillRef idx="0">
+            <a:schemeClr val="dk1"/>
+          </a:fillRef>
+          <a:effectRef idx="1">
+            <a:schemeClr val="dk1"/>
+          </a:effectRef>
+          <a:fontRef idx="minor">
+            <a:schemeClr val="tx1"/>
+          </a:fontRef>
+        </p:style>
+      </p:cxnSp>
+      <p:sp>
+        <p:nvSpPr>
+          <p:cNvPr id="18" name="TextBox 17"/>
+          <p:cNvSpPr txBox="1"/>
+          <p:nvPr/>
+        </p:nvSpPr>
+        <p:spPr>
+          <a:xfrm>
+            <a:off x="2438400" y="2495550"/>
+            <a:ext cx="402950" cy="276999"/>
+          </a:xfrm>
+          <a:prstGeom prst="rect">
+            <a:avLst/>
+          </a:prstGeom>
+          <a:noFill/>
+        </p:spPr>
+        <p:txBody>
+          <a:bodyPr wrap="none" rtlCol="0">
+            <a:spAutoFit/>
+          </a:bodyPr>
+          <a:lstStyle/>
+          <a:p>
+            <a:r>
+              <a:rPr lang="en-US" sz="1200" dirty="0">
+                <a:solidFill>
+                  <a:schemeClr val="bg2"/>
+                </a:solidFill>
+              </a:rPr>
+              <a:t>Log</a:t>
+            </a:r>
+          </a:p>
+        </p:txBody>
+      </p:sp>
+      <p:sp>
+        <p:nvSpPr>
+          <p:cNvPr id="19" name="Rounded Rectangle 18"/>
+          <p:cNvSpPr/>
+          <p:nvPr/>
+        </p:nvSpPr>
+        <p:spPr>
+          <a:xfrm>
+            <a:off x="2895600" y="2571750"/>
+            <a:ext cx="1143000" cy="1600200"/>
+          </a:xfrm>
+          <a:prstGeom prst="roundRect">
+            <a:avLst/>
+          </a:prstGeom>
+          <a:solidFill>
+            <a:srgbClr val="008000"/>
+          </a:solidFill>
+        </p:spPr>
+        <p:style>
+          <a:lnRef idx="3">
+            <a:schemeClr val="lt1"/>
+          </a:lnRef>
+          <a:fillRef idx="1">
+            <a:schemeClr val="dk1"/>
+          </a:fillRef>
+          <a:effectRef idx="1">
+            <a:schemeClr val="dk1"/>
+          </a:effectRef>
+          <a:fontRef idx="minor">
+            <a:schemeClr val="lt1"/>
+          </a:fontRef>
+        </p:style>
+        <p:txBody>
+          <a:bodyPr rtlCol="0" anchor="ctr"/>
+          <a:lstStyle/>
+          <a:p>
+            <a:pPr algn="ctr"/>
+            <a:r>
+              <a:rPr lang="en-US" dirty="0"/>
+              <a:t>Easy Capture of behavior</a:t>
+            </a:r>
+          </a:p>
+        </p:txBody>
+      </p:sp>
+      <p:sp>
+        <p:nvSpPr>
+          <p:cNvPr id="9" name="Rectangle 8">
+            <a:extLst>
+              <a:ext uri="{FF2B5EF4-FFF2-40B4-BE49-F238E27FC236}">
+                <a16:creationId xmlns:a16="http://schemas.microsoft.com/office/drawing/2014/main" id="{6F630DAD-BFF9-4563-B4E8-6110676B7C6D}"/>
+              </a:ext>
+            </a:extLst>
+          </p:cNvPr>
+          <p:cNvSpPr>
+            <a:spLocks noChangeArrowheads="1"/>
+          </p:cNvSpPr>
+          <p:nvPr/>
+        </p:nvSpPr>
+        <p:spPr bwMode="auto">
+          <a:xfrm>
+            <a:off x="3465768" y="4566528"/>
+            <a:ext cx="2212465" cy="338554"/>
+          </a:xfrm>
+          <a:prstGeom prst="rect">
+            <a:avLst/>
+          </a:prstGeom>
+          <a:solidFill>
+            <a:srgbClr val="FFFFFF"/>
+          </a:solidFill>
+          <a:ln>
+            <a:noFill/>
+          </a:ln>
+          <a:effectLst/>
+          <a:extLst>
+            <a:ext uri="{91240B29-F687-4F45-9708-019B960494DF}">
+              <a14:hiddenLine xmlns:a14="http://schemas.microsoft.com/office/drawing/2010/main" w="9525">
+                <a:solidFill>
+                  <a:schemeClr val="tx1"/>
+                </a:solidFill>
+                <a:miter lim="800000"/>
+                <a:headEnd/>
+                <a:tailEnd/>
+              </a14:hiddenLine>
+            </a:ext>
+            <a:ext uri="{AF507438-7753-43E0-B8FC-AC1667EBCBE1}">
+              <a14:hiddenEffects xmlns:a14="http://schemas.microsoft.com/office/drawing/2010/main">
+                <a:effectLst>
+                  <a:outerShdw dist="35921" dir="2700000" algn="ctr" rotWithShape="0">
+                    <a:schemeClr val="bg2"/>
+                  </a:outerShdw>
+                </a:effectLst>
+              </a14:hiddenEffects>
+            </a:ext>
+          </a:extLst>
+        </p:spPr>
+        <p:txBody>
+          <a:bodyPr vert="horz" wrap="none" lIns="91440" tIns="45720" rIns="91440" bIns="45720" numCol="1" anchor="ctr" anchorCtr="0" compatLnSpc="1">
+            <a:prstTxWarp prst="textNoShape">
+              <a:avLst/>
+            </a:prstTxWarp>
+            <a:spAutoFit/>
+          </a:bodyPr>
+          <a:lstStyle/>
+          <a:p>
+            <a:pPr marL="0" marR="0" lvl="0" indent="0" algn="ctr" defTabSz="914400" rtl="0" eaLnBrk="0" fontAlgn="base" latinLnBrk="0" hangingPunct="0">
+              <a:lnSpc>
+                <a:spcPct val="100000"/>
+              </a:lnSpc>
+              <a:spcBef>
+                <a:spcPct val="0"/>
+              </a:spcBef>
+              <a:spcAft>
+                <a:spcPct val="0"/>
+              </a:spcAft>
+              <a:buClrTx/>
+              <a:buSzTx/>
+              <a:buFontTx/>
+              <a:buNone/>
+              <a:tabLst/>
+            </a:pPr>
+            <a:r>
+              <a:rPr kumimoji="0" lang="en-US" altLang="en-US" sz="1600" b="0" i="0" u="none" strike="noStrike" cap="none" normalizeH="0" baseline="0" dirty="0">
+                <a:ln>
+                  <a:noFill/>
+                </a:ln>
+                <a:solidFill>
+                  <a:srgbClr val="008080"/>
+                </a:solidFill>
+                <a:effectLst/>
+                <a:latin typeface="JetBrains Mono"/>
+              </a:rPr>
+              <a:t>Logs </a:t>
+            </a:r>
+            <a:r>
+              <a:rPr kumimoji="0" lang="en-US" altLang="en-US" sz="1600" b="0" i="0" u="none" strike="noStrike" cap="none" normalizeH="0" baseline="0" dirty="0" err="1">
+                <a:ln>
+                  <a:noFill/>
+                </a:ln>
+                <a:solidFill>
+                  <a:srgbClr val="000000"/>
+                </a:solidFill>
+                <a:effectLst/>
+                <a:latin typeface="JetBrains Mono"/>
+              </a:rPr>
+              <a:t>eventLogs</a:t>
+            </a:r>
+            <a:r>
+              <a:rPr kumimoji="0" lang="en-US" altLang="en-US" sz="1600" b="0" i="0" u="none" strike="noStrike" cap="none" normalizeH="0" baseline="0" dirty="0">
+                <a:ln>
+                  <a:noFill/>
+                </a:ln>
+                <a:solidFill>
+                  <a:srgbClr val="000000"/>
+                </a:solidFill>
+                <a:effectLst/>
+                <a:latin typeface="JetBrains Mono"/>
+              </a:rPr>
+              <a:t> </a:t>
+            </a:r>
+            <a:r>
+              <a:rPr kumimoji="0" lang="en-US" altLang="en-US" sz="1600" b="0" i="0" u="none" strike="noStrike" cap="none" normalizeH="0" baseline="0" dirty="0">
+                <a:ln>
+                  <a:noFill/>
+                </a:ln>
+                <a:solidFill>
+                  <a:srgbClr val="080808"/>
+                </a:solidFill>
+                <a:effectLst/>
+                <a:latin typeface="JetBrains Mono"/>
+              </a:rPr>
+              <a:t>= start();</a:t>
+            </a:r>
+            <a:endParaRPr kumimoji="0" lang="en-US" altLang="en-US" sz="4000" b="0" i="0" u="none" strike="noStrike" cap="none" normalizeH="0" baseline="0" dirty="0">
+              <a:ln>
+                <a:noFill/>
+              </a:ln>
+              <a:solidFill>
+                <a:schemeClr val="tx1"/>
+              </a:solidFill>
+              <a:effectLst/>
+              <a:latin typeface="Arial" panose="020B0604020202020204" pitchFamily="34" charset="0"/>
+            </a:endParaRPr>
+          </a:p>
+        </p:txBody>
+      </p:sp>
+      <p:sp>
+        <p:nvSpPr>
+          <p:cNvPr id="10" name="Rectangle 9">
+            <a:extLst>
+              <a:ext uri="{FF2B5EF4-FFF2-40B4-BE49-F238E27FC236}">
+                <a16:creationId xmlns:a16="http://schemas.microsoft.com/office/drawing/2014/main" id="{AD12F3D3-01CE-469C-A090-0A6211D6B01E}"/>
+              </a:ext>
+            </a:extLst>
+          </p:cNvPr>
+          <p:cNvSpPr>
+            <a:spLocks noChangeArrowheads="1"/>
+          </p:cNvSpPr>
+          <p:nvPr/>
+        </p:nvSpPr>
+        <p:spPr bwMode="auto">
+          <a:xfrm>
+            <a:off x="4113299" y="238418"/>
+            <a:ext cx="1099981" cy="338554"/>
+          </a:xfrm>
+          <a:prstGeom prst="rect">
+            <a:avLst/>
+          </a:prstGeom>
+          <a:solidFill>
+            <a:srgbClr val="FFFFFF"/>
+          </a:solidFill>
+          <a:ln>
+            <a:noFill/>
+          </a:ln>
+          <a:effectLst/>
+          <a:extLst>
+            <a:ext uri="{91240B29-F687-4F45-9708-019B960494DF}">
+              <a14:hiddenLine xmlns:a14="http://schemas.microsoft.com/office/drawing/2010/main" w="9525">
+                <a:solidFill>
+                  <a:schemeClr val="tx1"/>
+                </a:solidFill>
+                <a:miter lim="800000"/>
+                <a:headEnd/>
+                <a:tailEnd/>
+              </a14:hiddenLine>
+            </a:ext>
+            <a:ext uri="{AF507438-7753-43E0-B8FC-AC1667EBCBE1}">
+              <a14:hiddenEffects xmlns:a14="http://schemas.microsoft.com/office/drawing/2010/main">
+                <a:effectLst>
+                  <a:outerShdw dist="35921" dir="2700000" algn="ctr" rotWithShape="0">
+                    <a:schemeClr val="bg2"/>
+                  </a:outerShdw>
+                </a:effectLst>
+              </a14:hiddenEffects>
+            </a:ext>
+          </a:extLst>
+        </p:spPr>
+        <p:txBody>
+          <a:bodyPr vert="horz" wrap="none" lIns="91440" tIns="45720" rIns="91440" bIns="45720" numCol="1" anchor="ctr" anchorCtr="0" compatLnSpc="1">
+            <a:prstTxWarp prst="textNoShape">
+              <a:avLst/>
+            </a:prstTxWarp>
+            <a:spAutoFit/>
+          </a:bodyPr>
+          <a:lstStyle/>
+          <a:p>
+            <a:pPr marL="0" marR="0" lvl="0" indent="0" algn="l" defTabSz="914400" rtl="0" eaLnBrk="0" fontAlgn="base" latinLnBrk="0" hangingPunct="0">
+              <a:lnSpc>
+                <a:spcPct val="100000"/>
+              </a:lnSpc>
+              <a:spcBef>
+                <a:spcPct val="0"/>
+              </a:spcBef>
+              <a:spcAft>
+                <a:spcPct val="0"/>
+              </a:spcAft>
+              <a:buClrTx/>
+              <a:buSzTx/>
+              <a:buFontTx/>
+              <a:buNone/>
+              <a:tabLst/>
+            </a:pPr>
+            <a:r>
+              <a:rPr lang="en-US" altLang="en-US" sz="1600" dirty="0">
+                <a:solidFill>
+                  <a:srgbClr val="008080"/>
+                </a:solidFill>
+                <a:latin typeface="JetBrains Mono"/>
+              </a:rPr>
+              <a:t>v</a:t>
+            </a:r>
+            <a:r>
+              <a:rPr kumimoji="0" lang="en-US" altLang="en-US" sz="1600" b="0" i="0" u="none" strike="noStrike" cap="none" normalizeH="0" baseline="0" dirty="0">
+                <a:ln>
+                  <a:noFill/>
+                </a:ln>
+                <a:solidFill>
+                  <a:srgbClr val="008080"/>
+                </a:solidFill>
+                <a:effectLst/>
+                <a:latin typeface="JetBrains Mono"/>
+              </a:rPr>
+              <a:t>oid </a:t>
+            </a:r>
+            <a:r>
+              <a:rPr kumimoji="0" lang="en-US" altLang="en-US" sz="1600" b="0" i="0" u="none" strike="noStrike" cap="none" normalizeH="0" baseline="0" dirty="0">
+                <a:ln>
+                  <a:noFill/>
+                </a:ln>
+                <a:solidFill>
+                  <a:srgbClr val="080808"/>
+                </a:solidFill>
+                <a:effectLst/>
+                <a:latin typeface="JetBrains Mono"/>
+              </a:rPr>
+              <a:t>start()</a:t>
+            </a:r>
+            <a:endParaRPr kumimoji="0" lang="en-US" altLang="en-US" sz="4000" b="0" i="0" u="none" strike="noStrike" cap="none" normalizeH="0" baseline="0" dirty="0">
+              <a:ln>
+                <a:noFill/>
+              </a:ln>
+              <a:solidFill>
+                <a:schemeClr val="tx1"/>
+              </a:solidFill>
+              <a:effectLst/>
+              <a:latin typeface="Arial" panose="020B0604020202020204" pitchFamily="34" charset="0"/>
+            </a:endParaRPr>
+          </a:p>
+        </p:txBody>
+      </p:sp>
+    </p:spTree>
+    <p:extLst>
+      <p:ext uri="{BB962C8B-B14F-4D97-AF65-F5344CB8AC3E}">
+        <p14:creationId xmlns:p14="http://schemas.microsoft.com/office/powerpoint/2010/main" val="3230512656"/>
+      </p:ext>
+    </p:extLst>
+  </p:cSld>
+  <p:clrMapOvr>
+    <a:masterClrMapping/>
+  </p:clrMapOvr>
+  <p:timing>
+    <p:tnLst>
+      <p:par>
+        <p:cTn id="1" dur="indefinite" restart="never" nodeType="tmRoot">
+          <p:childTnLst>
+            <p:seq concurrent="1" nextAc="seek">
+              <p:cTn id="2" dur="indefinite" nodeType="mainSeq">
+                <p:childTnLst>
+                  <p:par>
+                    <p:cTn id="3" fill="hold">
+                      <p:stCondLst>
+                        <p:cond delay="indefinite"/>
+                      </p:stCondLst>
+                      <p:childTnLst>
+                        <p:par>
+                          <p:cTn id="4" fill="hold">
+                            <p:stCondLst>
+                              <p:cond delay="0"/>
+                            </p:stCondLst>
+                            <p:childTnLst>
+                              <p:par>
+                                <p:cTn id="5" presetID="1" presetClass="entr" presetSubtype="0" fill="hold" grpId="0" nodeType="clickEffect">
+                                  <p:stCondLst>
+                                    <p:cond delay="0"/>
+                                  </p:stCondLst>
+                                  <p:childTnLst>
+                                    <p:set>
+                                      <p:cBhvr>
+                                        <p:cTn id="6" dur="1" fill="hold">
+                                          <p:stCondLst>
+                                            <p:cond delay="0"/>
+                                          </p:stCondLst>
+                                        </p:cTn>
+                                        <p:tgtEl>
+                                          <p:spTgt spid="9"/>
+                                        </p:tgtEl>
+                                        <p:attrNameLst>
+                                          <p:attrName>style.visibility</p:attrName>
+                                        </p:attrNameLst>
+                                      </p:cBhvr>
+                                      <p:to>
+                                        <p:strVal val="visible"/>
+                                      </p:to>
+                                    </p:set>
+                                  </p:childTnLst>
+                                </p:cTn>
+                              </p:par>
+                            </p:childTnLst>
+                          </p:cTn>
+                        </p:par>
+                      </p:childTnLst>
+                    </p:cTn>
+                  </p:par>
+                </p:childTnLst>
+              </p:cTn>
+              <p:prevCondLst>
+                <p:cond evt="onPrev" delay="0">
+                  <p:tgtEl>
+                    <p:sldTgt/>
+                  </p:tgtEl>
+                </p:cond>
+              </p:prevCondLst>
+              <p:nextCondLst>
+                <p:cond evt="onNext" delay="0">
+                  <p:tgtEl>
+                    <p:sldTgt/>
+                  </p:tgtEl>
+                </p:cond>
+              </p:nextCondLst>
+            </p:seq>
+          </p:childTnLst>
+        </p:cTn>
+      </p:par>
+    </p:tnLst>
+    <p:bldLst>
+      <p:bldP spid="9" grpId="0" animBg="1"/>
+    </p:bldLst>
+  </p:timing>
+</p:sld>
+</file>
+
+<file path=ppt/slides/slide7.xml><?xml version="1.0" encoding="utf-8"?>
+<p:sld xmlns:a="http://schemas.openxmlformats.org/drawingml/2006/main" xmlns:r="http://schemas.openxmlformats.org/officeDocument/2006/relationships" xmlns:p="http://schemas.openxmlformats.org/presentationml/2006/main">
+  <p:cSld>
+    <p:spTree>
+      <p:nvGrpSpPr>
+        <p:cNvPr id="1" name=""/>
+        <p:cNvGrpSpPr/>
+        <p:nvPr/>
+      </p:nvGrpSpPr>
+      <p:grpSpPr>
+        <a:xfrm>
+          <a:off x="0" y="0"/>
+          <a:ext cx="0" cy="0"/>
+          <a:chOff x="0" y="0"/>
+          <a:chExt cx="0" cy="0"/>
+        </a:xfrm>
+      </p:grpSpPr>
+      <p:sp>
+        <p:nvSpPr>
+          <p:cNvPr id="4" name="Title 3"/>
+          <p:cNvSpPr>
+            <a:spLocks noGrp="1"/>
+          </p:cNvSpPr>
+          <p:nvPr>
+            <p:ph type="ctrTitle"/>
+          </p:nvPr>
+        </p:nvSpPr>
+        <p:spPr>
+          <a:xfrm>
+            <a:off x="2971800" y="771818"/>
+            <a:ext cx="6096000" cy="3628732"/>
+          </a:xfrm>
+        </p:spPr>
+        <p:txBody>
+          <a:bodyPr>
+            <a:noAutofit/>
+          </a:bodyPr>
+          <a:lstStyle/>
+          <a:p>
+            <a:pPr algn="r"/>
+            <a:br>
+              <a:rPr lang="en-US" sz="8000" dirty="0"/>
+            </a:br>
+            <a:r>
+              <a:rPr lang="en-US" sz="8000" dirty="0"/>
+              <a:t> Files</a:t>
+            </a:r>
+            <a:br>
+              <a:rPr lang="en-US" sz="8000" dirty="0"/>
+            </a:br>
+            <a:r>
+              <a:rPr lang="en-US" sz="2800" dirty="0"/>
+              <a:t>(name &amp; size is usually enough)</a:t>
+            </a:r>
+          </a:p>
+        </p:txBody>
+      </p:sp>
+      <p:sp>
+        <p:nvSpPr>
+          <p:cNvPr id="2" name="TextBox 1"/>
+          <p:cNvSpPr txBox="1"/>
+          <p:nvPr/>
+        </p:nvSpPr>
+        <p:spPr>
+          <a:xfrm>
+            <a:off x="762000" y="1123950"/>
+            <a:ext cx="3581400" cy="1384995"/>
+          </a:xfrm>
+          <a:prstGeom prst="rect">
+            <a:avLst/>
+          </a:prstGeom>
+          <a:solidFill>
+            <a:schemeClr val="tx2"/>
+          </a:solidFill>
+        </p:spPr>
+        <p:txBody>
+          <a:bodyPr wrap="square" rtlCol="0">
+            <a:spAutoFit/>
+          </a:bodyPr>
+          <a:lstStyle/>
+          <a:p>
+            <a:r>
+              <a:rPr lang="en-US" dirty="0" err="1">
+                <a:solidFill>
+                  <a:schemeClr val="accent6"/>
+                </a:solidFill>
+                <a:latin typeface="Consolas"/>
+                <a:cs typeface="Consolas"/>
+              </a:rPr>
+              <a:t>FileA</a:t>
+            </a:r>
+            <a:r>
+              <a:rPr lang="en-US" dirty="0">
+                <a:solidFill>
+                  <a:schemeClr val="accent6"/>
+                </a:solidFill>
+                <a:latin typeface="Consolas"/>
+                <a:cs typeface="Consolas"/>
+              </a:rPr>
+              <a:t>   34,368</a:t>
+            </a:r>
+          </a:p>
+          <a:p>
+            <a:r>
+              <a:rPr lang="en-US" dirty="0" err="1">
+                <a:solidFill>
+                  <a:schemeClr val="accent6"/>
+                </a:solidFill>
+                <a:latin typeface="Consolas"/>
+                <a:cs typeface="Consolas"/>
+              </a:rPr>
+              <a:t>FileB</a:t>
+            </a:r>
+            <a:r>
+              <a:rPr lang="en-US" dirty="0">
+                <a:solidFill>
+                  <a:schemeClr val="accent6"/>
+                </a:solidFill>
+                <a:latin typeface="Consolas"/>
+                <a:cs typeface="Consolas"/>
+              </a:rPr>
+              <a:t>   15,632</a:t>
+            </a:r>
+          </a:p>
+          <a:p>
+            <a:r>
+              <a:rPr lang="en-US" dirty="0" err="1">
+                <a:solidFill>
+                  <a:schemeClr val="accent6"/>
+                </a:solidFill>
+                <a:latin typeface="Consolas"/>
+                <a:cs typeface="Consolas"/>
+              </a:rPr>
+              <a:t>FileC</a:t>
+            </a:r>
+            <a:r>
+              <a:rPr lang="en-US" dirty="0">
+                <a:solidFill>
+                  <a:schemeClr val="accent6"/>
+                </a:solidFill>
+                <a:latin typeface="Consolas"/>
+                <a:cs typeface="Consolas"/>
+              </a:rPr>
+              <a:t>   28,453   </a:t>
+            </a:r>
+          </a:p>
+          <a:p>
+            <a:endParaRPr lang="en-US" dirty="0">
+              <a:solidFill>
+                <a:schemeClr val="accent6"/>
+              </a:solidFill>
+            </a:endParaRPr>
+          </a:p>
+          <a:p>
+            <a:endParaRPr lang="en-US" dirty="0">
+              <a:solidFill>
+                <a:schemeClr val="accent6"/>
+              </a:solidFill>
+            </a:endParaRPr>
+          </a:p>
+          <a:p>
+            <a:endParaRPr lang="en-US" dirty="0">
+              <a:solidFill>
+                <a:schemeClr val="accent6"/>
+              </a:solidFill>
+            </a:endParaRPr>
+          </a:p>
+        </p:txBody>
+      </p:sp>
+      <p:sp>
+        <p:nvSpPr>
+          <p:cNvPr id="5" name="Rectangle 4">
+            <a:extLst>
+              <a:ext uri="{FF2B5EF4-FFF2-40B4-BE49-F238E27FC236}">
+                <a16:creationId xmlns:a16="http://schemas.microsoft.com/office/drawing/2014/main" id="{04A3A03E-C9AF-4A9E-AFE3-C7CA3029D1C9}"/>
+              </a:ext>
+            </a:extLst>
+          </p:cNvPr>
+          <p:cNvSpPr>
+            <a:spLocks noChangeArrowheads="1"/>
+          </p:cNvSpPr>
+          <p:nvPr/>
+        </p:nvSpPr>
+        <p:spPr bwMode="auto">
+          <a:xfrm>
+            <a:off x="2342878" y="4566528"/>
+            <a:ext cx="4458272" cy="338554"/>
+          </a:xfrm>
+          <a:prstGeom prst="rect">
+            <a:avLst/>
+          </a:prstGeom>
+          <a:solidFill>
+            <a:srgbClr val="FFFFFF"/>
+          </a:solidFill>
+          <a:ln>
+            <a:noFill/>
+          </a:ln>
+          <a:effectLst/>
+          <a:extLst>
+            <a:ext uri="{91240B29-F687-4F45-9708-019B960494DF}">
+              <a14:hiddenLine xmlns:a14="http://schemas.microsoft.com/office/drawing/2010/main" w="9525">
+                <a:solidFill>
+                  <a:schemeClr val="tx1"/>
+                </a:solidFill>
+                <a:miter lim="800000"/>
+                <a:headEnd/>
+                <a:tailEnd/>
+              </a14:hiddenLine>
+            </a:ext>
+            <a:ext uri="{AF507438-7753-43E0-B8FC-AC1667EBCBE1}">
+              <a14:hiddenEffects xmlns:a14="http://schemas.microsoft.com/office/drawing/2010/main">
+                <a:effectLst>
+                  <a:outerShdw dist="35921" dir="2700000" algn="ctr" rotWithShape="0">
+                    <a:schemeClr val="bg2"/>
+                  </a:outerShdw>
+                </a:effectLst>
+              </a14:hiddenEffects>
+            </a:ext>
+          </a:extLst>
+        </p:spPr>
+        <p:txBody>
+          <a:bodyPr vert="horz" wrap="none" lIns="91440" tIns="45720" rIns="91440" bIns="45720" numCol="1" anchor="ctr" anchorCtr="0" compatLnSpc="1">
+            <a:prstTxWarp prst="textNoShape">
+              <a:avLst/>
+            </a:prstTxWarp>
+            <a:spAutoFit/>
+          </a:bodyPr>
+          <a:lstStyle/>
+          <a:p>
+            <a:pPr lvl="0" algn="ctr" eaLnBrk="0" fontAlgn="base" hangingPunct="0">
+              <a:spcBef>
+                <a:spcPct val="0"/>
+              </a:spcBef>
+              <a:spcAft>
+                <a:spcPct val="0"/>
+              </a:spcAft>
+              <a:buClrTx/>
+            </a:pPr>
+            <a:r>
+              <a:rPr kumimoji="0" lang="en-US" altLang="en-US" sz="1600" b="0" i="0" u="none" strike="noStrike" cap="none" normalizeH="0" baseline="0" dirty="0">
+                <a:ln>
+                  <a:noFill/>
+                </a:ln>
+                <a:solidFill>
+                  <a:srgbClr val="008080"/>
+                </a:solidFill>
+                <a:effectLst/>
+                <a:latin typeface="JetBrains Mono"/>
+              </a:rPr>
+              <a:t>std::string </a:t>
+            </a:r>
+            <a:r>
+              <a:rPr kumimoji="0" lang="en-US" altLang="en-US" sz="1600" b="0" i="0" u="none" strike="noStrike" cap="none" normalizeH="0" baseline="0" dirty="0" err="1">
+                <a:ln>
+                  <a:noFill/>
+                </a:ln>
+                <a:solidFill>
+                  <a:srgbClr val="000000"/>
+                </a:solidFill>
+                <a:effectLst/>
+                <a:latin typeface="JetBrains Mono"/>
+              </a:rPr>
+              <a:t>directoryFileList</a:t>
+            </a:r>
+            <a:r>
+              <a:rPr kumimoji="0" lang="en-US" altLang="en-US" sz="1600" b="0" i="0" u="none" strike="noStrike" cap="none" normalizeH="0" dirty="0">
+                <a:ln>
+                  <a:noFill/>
+                </a:ln>
+                <a:solidFill>
+                  <a:srgbClr val="000000"/>
+                </a:solidFill>
+                <a:effectLst/>
+                <a:latin typeface="JetBrains Mono"/>
+              </a:rPr>
+              <a:t> </a:t>
+            </a:r>
+            <a:r>
+              <a:rPr kumimoji="0" lang="en-US" altLang="en-US" sz="1600" b="0" i="0" u="none" strike="noStrike" cap="none" normalizeH="0" baseline="0" dirty="0">
+                <a:ln>
+                  <a:noFill/>
+                </a:ln>
+                <a:solidFill>
+                  <a:srgbClr val="080808"/>
+                </a:solidFill>
+                <a:effectLst/>
+                <a:latin typeface="JetBrains Mono"/>
+              </a:rPr>
+              <a:t>= </a:t>
+            </a:r>
+            <a:r>
+              <a:rPr lang="en-US" altLang="en-US" sz="1600" dirty="0" err="1">
+                <a:solidFill>
+                  <a:srgbClr val="080808"/>
+                </a:solidFill>
+                <a:latin typeface="JetBrains Mono"/>
+              </a:rPr>
+              <a:t>writeFilesFor</a:t>
+            </a:r>
+            <a:r>
+              <a:rPr lang="en-US" altLang="en-US" sz="1600" dirty="0">
+                <a:solidFill>
+                  <a:srgbClr val="080808"/>
+                </a:solidFill>
+                <a:latin typeface="JetBrains Mono"/>
+              </a:rPr>
+              <a:t>(“Clare”);</a:t>
+            </a:r>
+            <a:endParaRPr kumimoji="0" lang="en-US" altLang="en-US" sz="4000" b="0" i="0" u="none" strike="noStrike" cap="none" normalizeH="0" baseline="0" dirty="0">
+              <a:ln>
+                <a:noFill/>
+              </a:ln>
+              <a:solidFill>
+                <a:schemeClr val="tx1"/>
+              </a:solidFill>
+              <a:effectLst/>
+              <a:latin typeface="Arial" panose="020B0604020202020204" pitchFamily="34" charset="0"/>
+            </a:endParaRPr>
+          </a:p>
+        </p:txBody>
+      </p:sp>
+      <p:sp>
+        <p:nvSpPr>
+          <p:cNvPr id="6" name="Rectangle 5">
+            <a:extLst>
+              <a:ext uri="{FF2B5EF4-FFF2-40B4-BE49-F238E27FC236}">
+                <a16:creationId xmlns:a16="http://schemas.microsoft.com/office/drawing/2014/main" id="{6A076F44-D5E9-4459-9504-07A2BC04AC78}"/>
+              </a:ext>
+            </a:extLst>
+          </p:cNvPr>
+          <p:cNvSpPr>
+            <a:spLocks noChangeArrowheads="1"/>
+          </p:cNvSpPr>
+          <p:nvPr/>
+        </p:nvSpPr>
+        <p:spPr bwMode="auto">
+          <a:xfrm>
+            <a:off x="2965631" y="238418"/>
+            <a:ext cx="3212739" cy="338554"/>
+          </a:xfrm>
+          <a:prstGeom prst="rect">
+            <a:avLst/>
+          </a:prstGeom>
+          <a:solidFill>
+            <a:srgbClr val="FFFFFF"/>
+          </a:solidFill>
+          <a:ln>
+            <a:noFill/>
+          </a:ln>
+          <a:effectLst/>
+          <a:extLst>
+            <a:ext uri="{91240B29-F687-4F45-9708-019B960494DF}">
+              <a14:hiddenLine xmlns:a14="http://schemas.microsoft.com/office/drawing/2010/main" w="9525">
+                <a:solidFill>
+                  <a:schemeClr val="tx1"/>
+                </a:solidFill>
+                <a:miter lim="800000"/>
+                <a:headEnd/>
+                <a:tailEnd/>
+              </a14:hiddenLine>
+            </a:ext>
+            <a:ext uri="{AF507438-7753-43E0-B8FC-AC1667EBCBE1}">
+              <a14:hiddenEffects xmlns:a14="http://schemas.microsoft.com/office/drawing/2010/main">
+                <a:effectLst>
+                  <a:outerShdw dist="35921" dir="2700000" algn="ctr" rotWithShape="0">
+                    <a:schemeClr val="bg2"/>
+                  </a:outerShdw>
+                </a:effectLst>
+              </a14:hiddenEffects>
+            </a:ext>
+          </a:extLst>
+        </p:spPr>
+        <p:txBody>
+          <a:bodyPr vert="horz" wrap="none" lIns="91440" tIns="45720" rIns="91440" bIns="45720" numCol="1" anchor="ctr" anchorCtr="0" compatLnSpc="1">
+            <a:prstTxWarp prst="textNoShape">
+              <a:avLst/>
+            </a:prstTxWarp>
+            <a:spAutoFit/>
+          </a:bodyPr>
+          <a:lstStyle/>
+          <a:p>
+            <a:pPr marL="0" marR="0" lvl="0" indent="0" algn="l" defTabSz="914400" rtl="0" eaLnBrk="0" fontAlgn="base" latinLnBrk="0" hangingPunct="0">
+              <a:lnSpc>
+                <a:spcPct val="100000"/>
+              </a:lnSpc>
+              <a:spcBef>
+                <a:spcPct val="0"/>
+              </a:spcBef>
+              <a:spcAft>
+                <a:spcPct val="0"/>
+              </a:spcAft>
+              <a:buClrTx/>
+              <a:buSzTx/>
+              <a:buFontTx/>
+              <a:buNone/>
+              <a:tabLst/>
+            </a:pPr>
+            <a:r>
+              <a:rPr lang="en-US" altLang="en-US" sz="1600" dirty="0">
+                <a:solidFill>
+                  <a:srgbClr val="008080"/>
+                </a:solidFill>
+                <a:latin typeface="JetBrains Mono"/>
+              </a:rPr>
+              <a:t>v</a:t>
+            </a:r>
+            <a:r>
+              <a:rPr kumimoji="0" lang="en-US" altLang="en-US" sz="1600" b="0" i="0" u="none" strike="noStrike" cap="none" normalizeH="0" baseline="0" dirty="0">
+                <a:ln>
+                  <a:noFill/>
+                </a:ln>
+                <a:solidFill>
+                  <a:srgbClr val="008080"/>
+                </a:solidFill>
+                <a:effectLst/>
+                <a:latin typeface="JetBrains Mono"/>
+              </a:rPr>
+              <a:t>oid </a:t>
+            </a:r>
+            <a:r>
+              <a:rPr kumimoji="0" lang="en-US" altLang="en-US" sz="1600" b="0" i="0" u="none" strike="noStrike" cap="none" normalizeH="0" baseline="0" dirty="0" err="1">
+                <a:ln>
+                  <a:noFill/>
+                </a:ln>
+                <a:solidFill>
+                  <a:srgbClr val="080808"/>
+                </a:solidFill>
+                <a:effectLst/>
+                <a:latin typeface="JetBrains Mono"/>
+              </a:rPr>
+              <a:t>writeFilesFor</a:t>
+            </a:r>
+            <a:r>
+              <a:rPr kumimoji="0" lang="en-US" altLang="en-US" sz="1600" b="0" i="0" u="none" strike="noStrike" cap="none" normalizeH="0" baseline="0" dirty="0">
+                <a:ln>
+                  <a:noFill/>
+                </a:ln>
+                <a:solidFill>
+                  <a:srgbClr val="080808"/>
+                </a:solidFill>
+                <a:effectLst/>
+                <a:latin typeface="JetBrains Mono"/>
+              </a:rPr>
+              <a:t>(std::string name)</a:t>
+            </a:r>
+            <a:endParaRPr kumimoji="0" lang="en-US" altLang="en-US" sz="4000" b="0" i="0" u="none" strike="noStrike" cap="none" normalizeH="0" baseline="0" dirty="0">
+              <a:ln>
+                <a:noFill/>
+              </a:ln>
+              <a:solidFill>
+                <a:schemeClr val="tx1"/>
+              </a:solidFill>
+              <a:effectLst/>
+              <a:latin typeface="Arial" panose="020B0604020202020204" pitchFamily="34" charset="0"/>
+            </a:endParaRPr>
+          </a:p>
+        </p:txBody>
+      </p:sp>
+    </p:spTree>
+    <p:extLst>
+      <p:ext uri="{BB962C8B-B14F-4D97-AF65-F5344CB8AC3E}">
+        <p14:creationId xmlns:p14="http://schemas.microsoft.com/office/powerpoint/2010/main" val="3924897623"/>
+      </p:ext>
+    </p:extLst>
+  </p:cSld>
+  <p:clrMapOvr>
+    <a:masterClrMapping/>
+  </p:clrMapOvr>
+  <p:timing>
+    <p:tnLst>
+      <p:par>
+        <p:cTn id="1" dur="indefinite" restart="never" nodeType="tmRoot">
+          <p:childTnLst>
+            <p:seq concurrent="1" nextAc="seek">
+              <p:cTn id="2" dur="indefinite" nodeType="mainSeq">
+                <p:childTnLst>
+                  <p:par>
+                    <p:cTn id="3" fill="hold">
+                      <p:stCondLst>
+                        <p:cond delay="indefinite"/>
+                      </p:stCondLst>
+                      <p:childTnLst>
+                        <p:par>
+                          <p:cTn id="4" fill="hold">
+                            <p:stCondLst>
+                              <p:cond delay="0"/>
+                            </p:stCondLst>
+                            <p:childTnLst>
+                              <p:par>
+                                <p:cTn id="5" presetID="1" presetClass="entr" presetSubtype="0" fill="hold" grpId="0" nodeType="clickEffect">
+                                  <p:stCondLst>
+                                    <p:cond delay="0"/>
+                                  </p:stCondLst>
+                                  <p:childTnLst>
+                                    <p:set>
+                                      <p:cBhvr>
+                                        <p:cTn id="6" dur="1" fill="hold">
+                                          <p:stCondLst>
+                                            <p:cond delay="0"/>
+                                          </p:stCondLst>
+                                        </p:cTn>
+                                        <p:tgtEl>
+                                          <p:spTgt spid="5"/>
+                                        </p:tgtEl>
+                                        <p:attrNameLst>
+                                          <p:attrName>style.visibility</p:attrName>
+                                        </p:attrNameLst>
+                                      </p:cBhvr>
+                                      <p:to>
+                                        <p:strVal val="visible"/>
+                                      </p:to>
+                                    </p:set>
+                                  </p:childTnLst>
+                                </p:cTn>
+                              </p:par>
+                            </p:childTnLst>
+                          </p:cTn>
+                        </p:par>
+                      </p:childTnLst>
+                    </p:cTn>
+                  </p:par>
+                </p:childTnLst>
+              </p:cTn>
+              <p:prevCondLst>
+                <p:cond evt="onPrev" delay="0">
+                  <p:tgtEl>
+                    <p:sldTgt/>
+                  </p:tgtEl>
+                </p:cond>
+              </p:prevCondLst>
+              <p:nextCondLst>
+                <p:cond evt="onNext" delay="0">
+                  <p:tgtEl>
+                    <p:sldTgt/>
+                  </p:tgtEl>
+                </p:cond>
+              </p:nextCondLst>
+            </p:seq>
+          </p:childTnLst>
+        </p:cTn>
+      </p:par>
+    </p:tnLst>
+    <p:bldLst>
+      <p:bldP spid="5" grpId="0" animBg="1"/>
+    </p:bldLst>
+  </p:timing>
+</p:sld>
+</file>
+
+<file path=ppt/slides/slide8.xml><?xml version="1.0" encoding="utf-8"?>
+<p:sld xmlns:a="http://schemas.openxmlformats.org/drawingml/2006/main" xmlns:r="http://schemas.openxmlformats.org/officeDocument/2006/relationships" xmlns:p="http://schemas.openxmlformats.org/presentationml/2006/main">
+  <p:cSld>
+    <p:spTree>
+      <p:nvGrpSpPr>
+        <p:cNvPr id="1" name=""/>
+        <p:cNvGrpSpPr/>
+        <p:nvPr/>
+      </p:nvGrpSpPr>
+      <p:grpSpPr>
+        <a:xfrm>
+          <a:off x="0" y="0"/>
+          <a:ext cx="0" cy="0"/>
+          <a:chOff x="0" y="0"/>
+          <a:chExt cx="0" cy="0"/>
+        </a:xfrm>
+      </p:grpSpPr>
+      <p:sp>
+        <p:nvSpPr>
+          <p:cNvPr id="4" name="Title 3"/>
+          <p:cNvSpPr>
+            <a:spLocks noGrp="1"/>
+          </p:cNvSpPr>
+          <p:nvPr>
+            <p:ph type="ctrTitle"/>
+          </p:nvPr>
+        </p:nvSpPr>
+        <p:spPr>
+          <a:xfrm>
+            <a:off x="4419600" y="771818"/>
+            <a:ext cx="4648200" cy="3628732"/>
+          </a:xfrm>
+        </p:spPr>
+        <p:txBody>
+          <a:bodyPr>
+            <a:noAutofit/>
+          </a:bodyPr>
+          <a:lstStyle/>
+          <a:p>
+            <a:pPr algn="r"/>
+            <a:br>
+              <a:rPr lang="en-US" sz="8000" dirty="0"/>
+            </a:br>
+            <a:r>
+              <a:rPr lang="en-US" sz="8000" dirty="0"/>
+              <a:t> Databases</a:t>
+            </a:r>
+          </a:p>
+        </p:txBody>
+      </p:sp>
+      <p:sp>
+        <p:nvSpPr>
+          <p:cNvPr id="2" name="Magnetic Disk 1"/>
+          <p:cNvSpPr/>
+          <p:nvPr/>
+        </p:nvSpPr>
+        <p:spPr>
+          <a:xfrm>
+            <a:off x="304800" y="1123950"/>
+            <a:ext cx="2209800" cy="2362200"/>
+          </a:xfrm>
+          <a:prstGeom prst="flowChartMagneticDisk">
+            <a:avLst/>
+          </a:prstGeom>
+        </p:spPr>
+        <p:style>
+          <a:lnRef idx="1">
+            <a:schemeClr val="accent2"/>
+          </a:lnRef>
+          <a:fillRef idx="3">
+            <a:schemeClr val="accent2"/>
+          </a:fillRef>
+          <a:effectRef idx="2">
+            <a:schemeClr val="accent2"/>
+          </a:effectRef>
+          <a:fontRef idx="minor">
+            <a:schemeClr val="lt1"/>
+          </a:fontRef>
+        </p:style>
+        <p:txBody>
+          <a:bodyPr rtlCol="0" anchor="ctr"/>
+          <a:lstStyle/>
+          <a:p>
+            <a:pPr algn="ctr"/>
+            <a:endParaRPr lang="en-US" dirty="0"/>
+          </a:p>
+        </p:txBody>
+      </p:sp>
+      <p:pic>
+        <p:nvPicPr>
+          <p:cNvPr id="6" name="Picture 5" descr="Screen shot 2012-09-22 at 10.53.53 PM.png"/>
+          <p:cNvPicPr>
+            <a:picLocks noChangeAspect="1"/>
+          </p:cNvPicPr>
+          <p:nvPr/>
+        </p:nvPicPr>
+        <p:blipFill>
+          <a:blip r:embed="rId2">
+            <a:extLst>
+              <a:ext uri="{28A0092B-C50C-407E-A947-70E740481C1C}">
+                <a14:useLocalDpi xmlns:a14="http://schemas.microsoft.com/office/drawing/2010/main" val="0"/>
+              </a:ext>
+            </a:extLst>
+          </a:blip>
+          <a:stretch>
+            <a:fillRect/>
+          </a:stretch>
+        </p:blipFill>
+        <p:spPr>
+          <a:xfrm>
+            <a:off x="1828800" y="2190750"/>
+            <a:ext cx="2552700" cy="914400"/>
+          </a:xfrm>
+          <a:prstGeom prst="rect">
+            <a:avLst/>
+          </a:prstGeom>
+        </p:spPr>
+      </p:pic>
+      <p:sp>
+        <p:nvSpPr>
+          <p:cNvPr id="5" name="TextBox 4"/>
+          <p:cNvSpPr txBox="1"/>
+          <p:nvPr/>
+        </p:nvSpPr>
+        <p:spPr>
+          <a:xfrm>
+            <a:off x="3650129" y="2492276"/>
+            <a:ext cx="389850" cy="369332"/>
+          </a:xfrm>
+          <a:prstGeom prst="rect">
+            <a:avLst/>
+          </a:prstGeom>
+          <a:noFill/>
+        </p:spPr>
+        <p:txBody>
+          <a:bodyPr wrap="none" rtlCol="0">
+            <a:spAutoFit/>
+          </a:bodyPr>
+          <a:lstStyle/>
+          <a:p>
+            <a:r>
+              <a:rPr lang="en-US" dirty="0">
+                <a:solidFill>
+                  <a:srgbClr val="0EB600"/>
+                </a:solidFill>
+                <a:latin typeface="Zapf Dingbats"/>
+                <a:ea typeface="Zapf Dingbats"/>
+                <a:cs typeface="Zapf Dingbats"/>
+                <a:sym typeface="Zapf Dingbats"/>
+              </a:rPr>
+              <a:t>✔</a:t>
+            </a:r>
+            <a:endParaRPr lang="en-US" dirty="0">
+              <a:solidFill>
+                <a:srgbClr val="0EB600"/>
+              </a:solidFill>
+            </a:endParaRPr>
+          </a:p>
+        </p:txBody>
+      </p:sp>
+      <p:sp>
+        <p:nvSpPr>
+          <p:cNvPr id="7" name="Rectangle 6">
+            <a:extLst>
+              <a:ext uri="{FF2B5EF4-FFF2-40B4-BE49-F238E27FC236}">
+                <a16:creationId xmlns:a16="http://schemas.microsoft.com/office/drawing/2014/main" id="{3091D9EF-C7D9-4048-8DBF-929F93BC7D12}"/>
+              </a:ext>
+            </a:extLst>
+          </p:cNvPr>
+          <p:cNvSpPr>
+            <a:spLocks noChangeArrowheads="1"/>
+          </p:cNvSpPr>
+          <p:nvPr/>
+        </p:nvSpPr>
+        <p:spPr bwMode="auto">
+          <a:xfrm>
+            <a:off x="1819491" y="4566528"/>
+            <a:ext cx="5505033" cy="338554"/>
+          </a:xfrm>
+          <a:prstGeom prst="rect">
+            <a:avLst/>
+          </a:prstGeom>
+          <a:solidFill>
+            <a:srgbClr val="FFFFFF"/>
+          </a:solidFill>
+          <a:ln>
+            <a:noFill/>
+          </a:ln>
+          <a:effectLst/>
+          <a:extLst>
+            <a:ext uri="{91240B29-F687-4F45-9708-019B960494DF}">
+              <a14:hiddenLine xmlns:a14="http://schemas.microsoft.com/office/drawing/2010/main" w="9525">
+                <a:solidFill>
+                  <a:schemeClr val="tx1"/>
+                </a:solidFill>
+                <a:miter lim="800000"/>
+                <a:headEnd/>
+                <a:tailEnd/>
+              </a14:hiddenLine>
+            </a:ext>
+            <a:ext uri="{AF507438-7753-43E0-B8FC-AC1667EBCBE1}">
+              <a14:hiddenEffects xmlns:a14="http://schemas.microsoft.com/office/drawing/2010/main">
+                <a:effectLst>
+                  <a:outerShdw dist="35921" dir="2700000" algn="ctr" rotWithShape="0">
+                    <a:schemeClr val="bg2"/>
+                  </a:outerShdw>
+                </a:effectLst>
+              </a14:hiddenEffects>
+            </a:ext>
+          </a:extLst>
+        </p:spPr>
+        <p:txBody>
+          <a:bodyPr vert="horz" wrap="none" lIns="91440" tIns="45720" rIns="91440" bIns="45720" numCol="1" anchor="ctr" anchorCtr="0" compatLnSpc="1">
+            <a:prstTxWarp prst="textNoShape">
+              <a:avLst/>
+            </a:prstTxWarp>
+            <a:spAutoFit/>
+          </a:bodyPr>
+          <a:lstStyle/>
+          <a:p>
+            <a:pPr lvl="0" algn="ctr" eaLnBrk="0" fontAlgn="base" hangingPunct="0">
+              <a:spcBef>
+                <a:spcPct val="0"/>
+              </a:spcBef>
+              <a:spcAft>
+                <a:spcPct val="0"/>
+              </a:spcAft>
+              <a:buClrTx/>
+            </a:pPr>
+            <a:r>
+              <a:rPr kumimoji="0" lang="en-US" altLang="en-US" sz="1600" b="0" i="0" u="none" strike="noStrike" cap="none" normalizeH="0" baseline="0" dirty="0" err="1">
+                <a:ln>
+                  <a:noFill/>
+                </a:ln>
+                <a:solidFill>
+                  <a:srgbClr val="008080"/>
+                </a:solidFill>
+                <a:effectLst/>
+                <a:latin typeface="JetBrains Mono"/>
+              </a:rPr>
+              <a:t>DatabaseLogs</a:t>
+            </a:r>
+            <a:r>
+              <a:rPr kumimoji="0" lang="en-US" altLang="en-US" sz="1600" b="0" i="0" u="none" strike="noStrike" cap="none" normalizeH="0" baseline="0" dirty="0">
+                <a:ln>
+                  <a:noFill/>
+                </a:ln>
+                <a:solidFill>
+                  <a:srgbClr val="008080"/>
+                </a:solidFill>
+                <a:effectLst/>
+                <a:latin typeface="JetBrains Mono"/>
+              </a:rPr>
+              <a:t> </a:t>
+            </a:r>
+            <a:r>
+              <a:rPr kumimoji="0" lang="en-US" altLang="en-US" sz="1600" b="0" i="0" u="none" strike="noStrike" cap="none" normalizeH="0" baseline="0" dirty="0" err="1">
+                <a:ln>
+                  <a:noFill/>
+                </a:ln>
+                <a:solidFill>
+                  <a:srgbClr val="000000"/>
+                </a:solidFill>
+                <a:effectLst/>
+                <a:latin typeface="JetBrains Mono"/>
+              </a:rPr>
+              <a:t>sqlStatements</a:t>
+            </a:r>
+            <a:r>
+              <a:rPr kumimoji="0" lang="en-US" altLang="en-US" sz="1600" b="0" i="0" u="none" strike="noStrike" cap="none" normalizeH="0" baseline="0" dirty="0">
+                <a:ln>
+                  <a:noFill/>
+                </a:ln>
+                <a:solidFill>
+                  <a:srgbClr val="000000"/>
+                </a:solidFill>
+                <a:effectLst/>
+                <a:latin typeface="JetBrains Mono"/>
+              </a:rPr>
+              <a:t> </a:t>
+            </a:r>
+            <a:r>
+              <a:rPr kumimoji="0" lang="en-US" altLang="en-US" sz="1600" b="0" i="0" u="none" strike="noStrike" cap="none" normalizeH="0" baseline="0" dirty="0">
+                <a:ln>
+                  <a:noFill/>
+                </a:ln>
+                <a:solidFill>
+                  <a:srgbClr val="080808"/>
+                </a:solidFill>
+                <a:effectLst/>
+                <a:latin typeface="JetBrains Mono"/>
+              </a:rPr>
+              <a:t>= </a:t>
+            </a:r>
+            <a:r>
+              <a:rPr lang="en-US" altLang="en-US" sz="1600" dirty="0" err="1">
+                <a:solidFill>
+                  <a:srgbClr val="080808"/>
+                </a:solidFill>
+                <a:latin typeface="JetBrains Mono"/>
+              </a:rPr>
+              <a:t>insertIntoDatabase</a:t>
+            </a:r>
+            <a:r>
+              <a:rPr lang="en-US" altLang="en-US" sz="1600" dirty="0">
+                <a:solidFill>
+                  <a:srgbClr val="080808"/>
+                </a:solidFill>
+                <a:latin typeface="JetBrains Mono"/>
+              </a:rPr>
+              <a:t>(parameters);</a:t>
+            </a:r>
+            <a:endParaRPr kumimoji="0" lang="en-US" altLang="en-US" sz="4000" b="0" i="0" u="none" strike="noStrike" cap="none" normalizeH="0" baseline="0" dirty="0">
+              <a:ln>
+                <a:noFill/>
+              </a:ln>
+              <a:solidFill>
+                <a:schemeClr val="tx1"/>
+              </a:solidFill>
+              <a:effectLst/>
+              <a:latin typeface="Arial" panose="020B0604020202020204" pitchFamily="34" charset="0"/>
+            </a:endParaRPr>
+          </a:p>
+        </p:txBody>
+      </p:sp>
+      <p:sp>
+        <p:nvSpPr>
+          <p:cNvPr id="8" name="Rectangle 7">
+            <a:extLst>
+              <a:ext uri="{FF2B5EF4-FFF2-40B4-BE49-F238E27FC236}">
+                <a16:creationId xmlns:a16="http://schemas.microsoft.com/office/drawing/2014/main" id="{1F7F5BD1-2393-4A0F-8BD7-F13BE9F200AB}"/>
+              </a:ext>
+            </a:extLst>
+          </p:cNvPr>
+          <p:cNvSpPr>
+            <a:spLocks noChangeArrowheads="1"/>
+          </p:cNvSpPr>
+          <p:nvPr/>
+        </p:nvSpPr>
+        <p:spPr bwMode="auto">
+          <a:xfrm>
+            <a:off x="2860634" y="238418"/>
+            <a:ext cx="3422732" cy="338554"/>
+          </a:xfrm>
+          <a:prstGeom prst="rect">
+            <a:avLst/>
+          </a:prstGeom>
+          <a:solidFill>
+            <a:srgbClr val="FFFFFF"/>
+          </a:solidFill>
+          <a:ln>
+            <a:noFill/>
+          </a:ln>
+          <a:effectLst/>
+          <a:extLst>
+            <a:ext uri="{91240B29-F687-4F45-9708-019B960494DF}">
+              <a14:hiddenLine xmlns:a14="http://schemas.microsoft.com/office/drawing/2010/main" w="9525">
+                <a:solidFill>
+                  <a:schemeClr val="tx1"/>
+                </a:solidFill>
+                <a:miter lim="800000"/>
+                <a:headEnd/>
+                <a:tailEnd/>
+              </a14:hiddenLine>
+            </a:ext>
+            <a:ext uri="{AF507438-7753-43E0-B8FC-AC1667EBCBE1}">
+              <a14:hiddenEffects xmlns:a14="http://schemas.microsoft.com/office/drawing/2010/main">
+                <a:effectLst>
+                  <a:outerShdw dist="35921" dir="2700000" algn="ctr" rotWithShape="0">
+                    <a:schemeClr val="bg2"/>
+                  </a:outerShdw>
+                </a:effectLst>
+              </a14:hiddenEffects>
+            </a:ext>
+          </a:extLst>
+        </p:spPr>
+        <p:txBody>
+          <a:bodyPr vert="horz" wrap="none" lIns="91440" tIns="45720" rIns="91440" bIns="45720" numCol="1" anchor="ctr" anchorCtr="0" compatLnSpc="1">
+            <a:prstTxWarp prst="textNoShape">
+              <a:avLst/>
+            </a:prstTxWarp>
+            <a:spAutoFit/>
+          </a:bodyPr>
+          <a:lstStyle/>
+          <a:p>
+            <a:pPr marL="0" marR="0" lvl="0" indent="0" algn="l" defTabSz="914400" rtl="0" eaLnBrk="0" fontAlgn="base" latinLnBrk="0" hangingPunct="0">
+              <a:lnSpc>
+                <a:spcPct val="100000"/>
+              </a:lnSpc>
+              <a:spcBef>
+                <a:spcPct val="0"/>
+              </a:spcBef>
+              <a:spcAft>
+                <a:spcPct val="0"/>
+              </a:spcAft>
+              <a:buClrTx/>
+              <a:buSzTx/>
+              <a:buFontTx/>
+              <a:buNone/>
+              <a:tabLst/>
+            </a:pPr>
+            <a:r>
+              <a:rPr lang="en-US" altLang="en-US" sz="1600" dirty="0">
+                <a:solidFill>
+                  <a:srgbClr val="008080"/>
+                </a:solidFill>
+                <a:latin typeface="JetBrains Mono"/>
+              </a:rPr>
+              <a:t>v</a:t>
+            </a:r>
+            <a:r>
+              <a:rPr kumimoji="0" lang="en-US" altLang="en-US" sz="1600" b="0" i="0" u="none" strike="noStrike" cap="none" normalizeH="0" baseline="0" dirty="0">
+                <a:ln>
+                  <a:noFill/>
+                </a:ln>
+                <a:solidFill>
+                  <a:srgbClr val="008080"/>
+                </a:solidFill>
+                <a:effectLst/>
+                <a:latin typeface="JetBrains Mono"/>
+              </a:rPr>
+              <a:t>oid </a:t>
+            </a:r>
+            <a:r>
+              <a:rPr kumimoji="0" lang="en-US" altLang="en-US" sz="1600" b="0" i="0" u="none" strike="noStrike" cap="none" normalizeH="0" baseline="0" dirty="0" err="1">
+                <a:ln>
+                  <a:noFill/>
+                </a:ln>
+                <a:solidFill>
+                  <a:srgbClr val="080808"/>
+                </a:solidFill>
+                <a:effectLst/>
+                <a:latin typeface="JetBrains Mono"/>
+              </a:rPr>
+              <a:t>insertIntoDatabase</a:t>
+            </a:r>
+            <a:r>
+              <a:rPr kumimoji="0" lang="en-US" altLang="en-US" sz="1600" b="0" i="0" u="none" strike="noStrike" cap="none" normalizeH="0" baseline="0" dirty="0">
+                <a:ln>
+                  <a:noFill/>
+                </a:ln>
+                <a:solidFill>
+                  <a:srgbClr val="080808"/>
+                </a:solidFill>
+                <a:effectLst/>
+                <a:latin typeface="JetBrains Mono"/>
+              </a:rPr>
+              <a:t>(Parameters p)</a:t>
+            </a:r>
+            <a:endParaRPr kumimoji="0" lang="en-US" altLang="en-US" sz="4000" b="0" i="0" u="none" strike="noStrike" cap="none" normalizeH="0" baseline="0" dirty="0">
+              <a:ln>
+                <a:noFill/>
+              </a:ln>
+              <a:solidFill>
+                <a:schemeClr val="tx1"/>
+              </a:solidFill>
+              <a:effectLst/>
+              <a:latin typeface="Arial" panose="020B0604020202020204" pitchFamily="34" charset="0"/>
+            </a:endParaRPr>
+          </a:p>
+        </p:txBody>
+      </p:sp>
+    </p:spTree>
+    <p:extLst>
+      <p:ext uri="{BB962C8B-B14F-4D97-AF65-F5344CB8AC3E}">
+        <p14:creationId xmlns:p14="http://schemas.microsoft.com/office/powerpoint/2010/main" val="1302981609"/>
+      </p:ext>
+    </p:extLst>
+  </p:cSld>
+  <p:clrMapOvr>
+    <a:masterClrMapping/>
+  </p:clrMapOvr>
+  <p:timing>
+    <p:tnLst>
+      <p:par>
+        <p:cTn id="1" dur="indefinite" restart="never" nodeType="tmRoot">
+          <p:childTnLst>
+            <p:seq concurrent="1" nextAc="seek">
+              <p:cTn id="2" dur="indefinite" nodeType="mainSeq">
+                <p:childTnLst>
+                  <p:par>
+                    <p:cTn id="3" fill="hold">
+                      <p:stCondLst>
+                        <p:cond delay="indefinite"/>
+                      </p:stCondLst>
+                      <p:childTnLst>
+                        <p:par>
+                          <p:cTn id="4" fill="hold">
+                            <p:stCondLst>
+                              <p:cond delay="0"/>
+                            </p:stCondLst>
+                            <p:childTnLst>
+                              <p:par>
+                                <p:cTn id="5" presetID="1" presetClass="entr" presetSubtype="0" fill="hold" grpId="0" nodeType="clickEffect">
+                                  <p:stCondLst>
+                                    <p:cond delay="0"/>
+                                  </p:stCondLst>
+                                  <p:childTnLst>
+                                    <p:set>
+                                      <p:cBhvr>
+                                        <p:cTn id="6" dur="1" fill="hold">
+                                          <p:stCondLst>
+                                            <p:cond delay="0"/>
+                                          </p:stCondLst>
+                                        </p:cTn>
+                                        <p:tgtEl>
+                                          <p:spTgt spid="7"/>
+                                        </p:tgtEl>
+                                        <p:attrNameLst>
+                                          <p:attrName>style.visibility</p:attrName>
+                                        </p:attrNameLst>
+                                      </p:cBhvr>
+                                      <p:to>
+                                        <p:strVal val="visible"/>
+                                      </p:to>
+                                    </p:set>
+                                  </p:childTnLst>
+                                </p:cTn>
+                              </p:par>
+                            </p:childTnLst>
+                          </p:cTn>
+                        </p:par>
+                      </p:childTnLst>
+                    </p:cTn>
+                  </p:par>
+                </p:childTnLst>
+              </p:cTn>
+              <p:prevCondLst>
+                <p:cond evt="onPrev" delay="0">
+                  <p:tgtEl>
+                    <p:sldTgt/>
+                  </p:tgtEl>
+                </p:cond>
+              </p:prevCondLst>
+              <p:nextCondLst>
+                <p:cond evt="onNext" delay="0">
+                  <p:tgtEl>
+                    <p:sldTgt/>
+                  </p:tgtEl>
+                </p:cond>
+              </p:nextCondLst>
+            </p:seq>
+          </p:childTnLst>
+        </p:cTn>
+      </p:par>
+    </p:tnLst>
+    <p:bldLst>
+      <p:bldP spid="7" grpId="0" animBg="1"/>
+    </p:bldLst>
+  </p:timing>
+</p:sld>
+</file>
+
 <file path=ppt/theme/theme1.xml><?xml version="1.0" encoding="utf-8"?>
 <a:theme xmlns:a="http://schemas.openxmlformats.org/drawingml/2006/main" name="Mowbray template">
   <a:themeElements>

--- a/05 Functional Harness Retro.pptx
+++ b/05 Functional Harness Retro.pptx
@@ -5,7 +5,7 @@
     <p:sldMasterId id="2147483659" r:id="rId1"/>
   </p:sldMasterIdLst>
   <p:notesMasterIdLst>
-    <p:notesMasterId r:id="rId14"/>
+    <p:notesMasterId r:id="rId17"/>
   </p:notesMasterIdLst>
   <p:sldIdLst>
     <p:sldId id="287" r:id="rId2"/>
@@ -14,12 +14,15 @@
     <p:sldId id="932" r:id="rId5"/>
     <p:sldId id="933" r:id="rId6"/>
     <p:sldId id="934" r:id="rId7"/>
-    <p:sldId id="935" r:id="rId8"/>
-    <p:sldId id="936" r:id="rId9"/>
-    <p:sldId id="937" r:id="rId10"/>
-    <p:sldId id="938" r:id="rId11"/>
-    <p:sldId id="939" r:id="rId12"/>
-    <p:sldId id="940" r:id="rId13"/>
+    <p:sldId id="941" r:id="rId8"/>
+    <p:sldId id="942" r:id="rId9"/>
+    <p:sldId id="943" r:id="rId10"/>
+    <p:sldId id="935" r:id="rId11"/>
+    <p:sldId id="936" r:id="rId12"/>
+    <p:sldId id="937" r:id="rId13"/>
+    <p:sldId id="938" r:id="rId14"/>
+    <p:sldId id="939" r:id="rId15"/>
+    <p:sldId id="940" r:id="rId16"/>
   </p:sldIdLst>
   <p:sldSz cx="9144000" cy="5143500" type="screen16x9"/>
   <p:notesSz cx="6858000" cy="9144000"/>
@@ -263,6 +266,9 @@
             <p14:sldId id="932"/>
             <p14:sldId id="933"/>
             <p14:sldId id="934"/>
+            <p14:sldId id="941"/>
+            <p14:sldId id="942"/>
+            <p14:sldId id="943"/>
             <p14:sldId id="935"/>
             <p14:sldId id="936"/>
           </p14:sldIdLst>
@@ -32853,7 +32859,7 @@
                 </a:solidFill>
               </a:rPr>
               <a:pPr/>
-              <a:t>7/20/2020</a:t>
+              <a:t>7/21/2020</a:t>
             </a:fld>
             <a:endParaRPr lang="en-US">
               <a:solidFill>
@@ -32990,7 +32996,7 @@
                 </a:solidFill>
               </a:rPr>
               <a:pPr/>
-              <a:t>7/20/2020</a:t>
+              <a:t>7/21/2020</a:t>
             </a:fld>
             <a:endParaRPr lang="en-US">
               <a:solidFill>
@@ -33329,7 +33335,7 @@
                 </a:solidFill>
               </a:rPr>
               <a:pPr/>
-              <a:t>7/20/2020</a:t>
+              <a:t>7/21/2020</a:t>
             </a:fld>
             <a:endParaRPr lang="en-US">
               <a:solidFill>
@@ -52084,6 +52090,1108 @@
   <p:cSld>
     <p:spTree>
       <p:nvGrpSpPr>
+        <p:cNvPr id="1" name=""/>
+        <p:cNvGrpSpPr/>
+        <p:nvPr/>
+      </p:nvGrpSpPr>
+      <p:grpSpPr>
+        <a:xfrm>
+          <a:off x="0" y="0"/>
+          <a:ext cx="0" cy="0"/>
+          <a:chOff x="0" y="0"/>
+          <a:chExt cx="0" cy="0"/>
+        </a:xfrm>
+      </p:grpSpPr>
+      <p:sp>
+        <p:nvSpPr>
+          <p:cNvPr id="4" name="Title 3"/>
+          <p:cNvSpPr>
+            <a:spLocks noGrp="1"/>
+          </p:cNvSpPr>
+          <p:nvPr>
+            <p:ph type="ctrTitle"/>
+          </p:nvPr>
+        </p:nvSpPr>
+        <p:spPr>
+          <a:xfrm>
+            <a:off x="2971800" y="771818"/>
+            <a:ext cx="6096000" cy="3628732"/>
+          </a:xfrm>
+        </p:spPr>
+        <p:txBody>
+          <a:bodyPr>
+            <a:noAutofit/>
+          </a:bodyPr>
+          <a:lstStyle/>
+          <a:p>
+            <a:pPr algn="r"/>
+            <a:br>
+              <a:rPr lang="en-US" sz="8000" dirty="0"/>
+            </a:br>
+            <a:r>
+              <a:rPr lang="en-US" sz="8000" dirty="0"/>
+              <a:t> Files</a:t>
+            </a:r>
+            <a:br>
+              <a:rPr lang="en-US" sz="8000" dirty="0"/>
+            </a:br>
+            <a:r>
+              <a:rPr lang="en-US" sz="2800" dirty="0"/>
+              <a:t>(name &amp; size is usually enough)</a:t>
+            </a:r>
+          </a:p>
+        </p:txBody>
+      </p:sp>
+      <p:sp>
+        <p:nvSpPr>
+          <p:cNvPr id="2" name="TextBox 1"/>
+          <p:cNvSpPr txBox="1"/>
+          <p:nvPr/>
+        </p:nvSpPr>
+        <p:spPr>
+          <a:xfrm>
+            <a:off x="762000" y="1123950"/>
+            <a:ext cx="3581400" cy="1384995"/>
+          </a:xfrm>
+          <a:prstGeom prst="rect">
+            <a:avLst/>
+          </a:prstGeom>
+          <a:solidFill>
+            <a:schemeClr val="tx2"/>
+          </a:solidFill>
+        </p:spPr>
+        <p:txBody>
+          <a:bodyPr wrap="square" rtlCol="0">
+            <a:spAutoFit/>
+          </a:bodyPr>
+          <a:lstStyle/>
+          <a:p>
+            <a:r>
+              <a:rPr lang="en-US" dirty="0" err="1">
+                <a:solidFill>
+                  <a:schemeClr val="accent6"/>
+                </a:solidFill>
+                <a:latin typeface="Consolas"/>
+                <a:cs typeface="Consolas"/>
+              </a:rPr>
+              <a:t>FileA</a:t>
+            </a:r>
+            <a:r>
+              <a:rPr lang="en-US" dirty="0">
+                <a:solidFill>
+                  <a:schemeClr val="accent6"/>
+                </a:solidFill>
+                <a:latin typeface="Consolas"/>
+                <a:cs typeface="Consolas"/>
+              </a:rPr>
+              <a:t>   34,368</a:t>
+            </a:r>
+          </a:p>
+          <a:p>
+            <a:r>
+              <a:rPr lang="en-US" dirty="0" err="1">
+                <a:solidFill>
+                  <a:schemeClr val="accent6"/>
+                </a:solidFill>
+                <a:latin typeface="Consolas"/>
+                <a:cs typeface="Consolas"/>
+              </a:rPr>
+              <a:t>FileB</a:t>
+            </a:r>
+            <a:r>
+              <a:rPr lang="en-US" dirty="0">
+                <a:solidFill>
+                  <a:schemeClr val="accent6"/>
+                </a:solidFill>
+                <a:latin typeface="Consolas"/>
+                <a:cs typeface="Consolas"/>
+              </a:rPr>
+              <a:t>   15,632</a:t>
+            </a:r>
+          </a:p>
+          <a:p>
+            <a:r>
+              <a:rPr lang="en-US" dirty="0" err="1">
+                <a:solidFill>
+                  <a:schemeClr val="accent6"/>
+                </a:solidFill>
+                <a:latin typeface="Consolas"/>
+                <a:cs typeface="Consolas"/>
+              </a:rPr>
+              <a:t>FileC</a:t>
+            </a:r>
+            <a:r>
+              <a:rPr lang="en-US" dirty="0">
+                <a:solidFill>
+                  <a:schemeClr val="accent6"/>
+                </a:solidFill>
+                <a:latin typeface="Consolas"/>
+                <a:cs typeface="Consolas"/>
+              </a:rPr>
+              <a:t>   28,453   </a:t>
+            </a:r>
+          </a:p>
+          <a:p>
+            <a:endParaRPr lang="en-US" dirty="0">
+              <a:solidFill>
+                <a:schemeClr val="accent6"/>
+              </a:solidFill>
+            </a:endParaRPr>
+          </a:p>
+          <a:p>
+            <a:endParaRPr lang="en-US" dirty="0">
+              <a:solidFill>
+                <a:schemeClr val="accent6"/>
+              </a:solidFill>
+            </a:endParaRPr>
+          </a:p>
+          <a:p>
+            <a:endParaRPr lang="en-US" dirty="0">
+              <a:solidFill>
+                <a:schemeClr val="accent6"/>
+              </a:solidFill>
+            </a:endParaRPr>
+          </a:p>
+        </p:txBody>
+      </p:sp>
+      <p:sp>
+        <p:nvSpPr>
+          <p:cNvPr id="5" name="Rectangle 4">
+            <a:extLst>
+              <a:ext uri="{FF2B5EF4-FFF2-40B4-BE49-F238E27FC236}">
+                <a16:creationId xmlns:a16="http://schemas.microsoft.com/office/drawing/2014/main" id="{04A3A03E-C9AF-4A9E-AFE3-C7CA3029D1C9}"/>
+              </a:ext>
+            </a:extLst>
+          </p:cNvPr>
+          <p:cNvSpPr>
+            <a:spLocks noChangeArrowheads="1"/>
+          </p:cNvSpPr>
+          <p:nvPr/>
+        </p:nvSpPr>
+        <p:spPr bwMode="auto">
+          <a:xfrm>
+            <a:off x="2342878" y="4566528"/>
+            <a:ext cx="4458272" cy="338554"/>
+          </a:xfrm>
+          <a:prstGeom prst="rect">
+            <a:avLst/>
+          </a:prstGeom>
+          <a:solidFill>
+            <a:srgbClr val="FFFFFF"/>
+          </a:solidFill>
+          <a:ln>
+            <a:noFill/>
+          </a:ln>
+          <a:effectLst/>
+          <a:extLst>
+            <a:ext uri="{91240B29-F687-4F45-9708-019B960494DF}">
+              <a14:hiddenLine xmlns:a14="http://schemas.microsoft.com/office/drawing/2010/main" w="9525">
+                <a:solidFill>
+                  <a:schemeClr val="tx1"/>
+                </a:solidFill>
+                <a:miter lim="800000"/>
+                <a:headEnd/>
+                <a:tailEnd/>
+              </a14:hiddenLine>
+            </a:ext>
+            <a:ext uri="{AF507438-7753-43E0-B8FC-AC1667EBCBE1}">
+              <a14:hiddenEffects xmlns:a14="http://schemas.microsoft.com/office/drawing/2010/main">
+                <a:effectLst>
+                  <a:outerShdw dist="35921" dir="2700000" algn="ctr" rotWithShape="0">
+                    <a:schemeClr val="bg2"/>
+                  </a:outerShdw>
+                </a:effectLst>
+              </a14:hiddenEffects>
+            </a:ext>
+          </a:extLst>
+        </p:spPr>
+        <p:txBody>
+          <a:bodyPr vert="horz" wrap="none" lIns="91440" tIns="45720" rIns="91440" bIns="45720" numCol="1" anchor="ctr" anchorCtr="0" compatLnSpc="1">
+            <a:prstTxWarp prst="textNoShape">
+              <a:avLst/>
+            </a:prstTxWarp>
+            <a:spAutoFit/>
+          </a:bodyPr>
+          <a:lstStyle/>
+          <a:p>
+            <a:pPr lvl="0" algn="ctr" eaLnBrk="0" fontAlgn="base" hangingPunct="0">
+              <a:spcBef>
+                <a:spcPct val="0"/>
+              </a:spcBef>
+              <a:spcAft>
+                <a:spcPct val="0"/>
+              </a:spcAft>
+              <a:buClrTx/>
+            </a:pPr>
+            <a:r>
+              <a:rPr kumimoji="0" lang="en-US" altLang="en-US" sz="1600" b="0" i="0" u="none" strike="noStrike" cap="none" normalizeH="0" baseline="0" dirty="0">
+                <a:ln>
+                  <a:noFill/>
+                </a:ln>
+                <a:solidFill>
+                  <a:srgbClr val="008080"/>
+                </a:solidFill>
+                <a:effectLst/>
+                <a:latin typeface="JetBrains Mono"/>
+              </a:rPr>
+              <a:t>std::string </a:t>
+            </a:r>
+            <a:r>
+              <a:rPr kumimoji="0" lang="en-US" altLang="en-US" sz="1600" b="0" i="0" u="none" strike="noStrike" cap="none" normalizeH="0" baseline="0" dirty="0" err="1">
+                <a:ln>
+                  <a:noFill/>
+                </a:ln>
+                <a:solidFill>
+                  <a:srgbClr val="000000"/>
+                </a:solidFill>
+                <a:effectLst/>
+                <a:latin typeface="JetBrains Mono"/>
+              </a:rPr>
+              <a:t>directoryFileList</a:t>
+            </a:r>
+            <a:r>
+              <a:rPr kumimoji="0" lang="en-US" altLang="en-US" sz="1600" b="0" i="0" u="none" strike="noStrike" cap="none" normalizeH="0" dirty="0">
+                <a:ln>
+                  <a:noFill/>
+                </a:ln>
+                <a:solidFill>
+                  <a:srgbClr val="000000"/>
+                </a:solidFill>
+                <a:effectLst/>
+                <a:latin typeface="JetBrains Mono"/>
+              </a:rPr>
+              <a:t> </a:t>
+            </a:r>
+            <a:r>
+              <a:rPr kumimoji="0" lang="en-US" altLang="en-US" sz="1600" b="0" i="0" u="none" strike="noStrike" cap="none" normalizeH="0" baseline="0" dirty="0">
+                <a:ln>
+                  <a:noFill/>
+                </a:ln>
+                <a:solidFill>
+                  <a:srgbClr val="080808"/>
+                </a:solidFill>
+                <a:effectLst/>
+                <a:latin typeface="JetBrains Mono"/>
+              </a:rPr>
+              <a:t>= </a:t>
+            </a:r>
+            <a:r>
+              <a:rPr lang="en-US" altLang="en-US" sz="1600" dirty="0" err="1">
+                <a:solidFill>
+                  <a:srgbClr val="080808"/>
+                </a:solidFill>
+                <a:latin typeface="JetBrains Mono"/>
+              </a:rPr>
+              <a:t>writeFilesFor</a:t>
+            </a:r>
+            <a:r>
+              <a:rPr lang="en-US" altLang="en-US" sz="1600" dirty="0">
+                <a:solidFill>
+                  <a:srgbClr val="080808"/>
+                </a:solidFill>
+                <a:latin typeface="JetBrains Mono"/>
+              </a:rPr>
+              <a:t>(“Clare”);</a:t>
+            </a:r>
+            <a:endParaRPr kumimoji="0" lang="en-US" altLang="en-US" sz="4000" b="0" i="0" u="none" strike="noStrike" cap="none" normalizeH="0" baseline="0" dirty="0">
+              <a:ln>
+                <a:noFill/>
+              </a:ln>
+              <a:solidFill>
+                <a:schemeClr val="tx1"/>
+              </a:solidFill>
+              <a:effectLst/>
+              <a:latin typeface="Arial" panose="020B0604020202020204" pitchFamily="34" charset="0"/>
+            </a:endParaRPr>
+          </a:p>
+        </p:txBody>
+      </p:sp>
+      <p:sp>
+        <p:nvSpPr>
+          <p:cNvPr id="6" name="Rectangle 5">
+            <a:extLst>
+              <a:ext uri="{FF2B5EF4-FFF2-40B4-BE49-F238E27FC236}">
+                <a16:creationId xmlns:a16="http://schemas.microsoft.com/office/drawing/2014/main" id="{6A076F44-D5E9-4459-9504-07A2BC04AC78}"/>
+              </a:ext>
+            </a:extLst>
+          </p:cNvPr>
+          <p:cNvSpPr>
+            <a:spLocks noChangeArrowheads="1"/>
+          </p:cNvSpPr>
+          <p:nvPr/>
+        </p:nvSpPr>
+        <p:spPr bwMode="auto">
+          <a:xfrm>
+            <a:off x="2965631" y="238418"/>
+            <a:ext cx="3212739" cy="338554"/>
+          </a:xfrm>
+          <a:prstGeom prst="rect">
+            <a:avLst/>
+          </a:prstGeom>
+          <a:solidFill>
+            <a:srgbClr val="FFFFFF"/>
+          </a:solidFill>
+          <a:ln>
+            <a:noFill/>
+          </a:ln>
+          <a:effectLst/>
+          <a:extLst>
+            <a:ext uri="{91240B29-F687-4F45-9708-019B960494DF}">
+              <a14:hiddenLine xmlns:a14="http://schemas.microsoft.com/office/drawing/2010/main" w="9525">
+                <a:solidFill>
+                  <a:schemeClr val="tx1"/>
+                </a:solidFill>
+                <a:miter lim="800000"/>
+                <a:headEnd/>
+                <a:tailEnd/>
+              </a14:hiddenLine>
+            </a:ext>
+            <a:ext uri="{AF507438-7753-43E0-B8FC-AC1667EBCBE1}">
+              <a14:hiddenEffects xmlns:a14="http://schemas.microsoft.com/office/drawing/2010/main">
+                <a:effectLst>
+                  <a:outerShdw dist="35921" dir="2700000" algn="ctr" rotWithShape="0">
+                    <a:schemeClr val="bg2"/>
+                  </a:outerShdw>
+                </a:effectLst>
+              </a14:hiddenEffects>
+            </a:ext>
+          </a:extLst>
+        </p:spPr>
+        <p:txBody>
+          <a:bodyPr vert="horz" wrap="none" lIns="91440" tIns="45720" rIns="91440" bIns="45720" numCol="1" anchor="ctr" anchorCtr="0" compatLnSpc="1">
+            <a:prstTxWarp prst="textNoShape">
+              <a:avLst/>
+            </a:prstTxWarp>
+            <a:spAutoFit/>
+          </a:bodyPr>
+          <a:lstStyle/>
+          <a:p>
+            <a:pPr marL="0" marR="0" lvl="0" indent="0" algn="l" defTabSz="914400" rtl="0" eaLnBrk="0" fontAlgn="base" latinLnBrk="0" hangingPunct="0">
+              <a:lnSpc>
+                <a:spcPct val="100000"/>
+              </a:lnSpc>
+              <a:spcBef>
+                <a:spcPct val="0"/>
+              </a:spcBef>
+              <a:spcAft>
+                <a:spcPct val="0"/>
+              </a:spcAft>
+              <a:buClrTx/>
+              <a:buSzTx/>
+              <a:buFontTx/>
+              <a:buNone/>
+              <a:tabLst/>
+            </a:pPr>
+            <a:r>
+              <a:rPr lang="en-US" altLang="en-US" sz="1600" dirty="0">
+                <a:solidFill>
+                  <a:srgbClr val="008080"/>
+                </a:solidFill>
+                <a:latin typeface="JetBrains Mono"/>
+              </a:rPr>
+              <a:t>v</a:t>
+            </a:r>
+            <a:r>
+              <a:rPr kumimoji="0" lang="en-US" altLang="en-US" sz="1600" b="0" i="0" u="none" strike="noStrike" cap="none" normalizeH="0" baseline="0" dirty="0">
+                <a:ln>
+                  <a:noFill/>
+                </a:ln>
+                <a:solidFill>
+                  <a:srgbClr val="008080"/>
+                </a:solidFill>
+                <a:effectLst/>
+                <a:latin typeface="JetBrains Mono"/>
+              </a:rPr>
+              <a:t>oid </a:t>
+            </a:r>
+            <a:r>
+              <a:rPr kumimoji="0" lang="en-US" altLang="en-US" sz="1600" b="0" i="0" u="none" strike="noStrike" cap="none" normalizeH="0" baseline="0" dirty="0" err="1">
+                <a:ln>
+                  <a:noFill/>
+                </a:ln>
+                <a:solidFill>
+                  <a:srgbClr val="080808"/>
+                </a:solidFill>
+                <a:effectLst/>
+                <a:latin typeface="JetBrains Mono"/>
+              </a:rPr>
+              <a:t>writeFilesFor</a:t>
+            </a:r>
+            <a:r>
+              <a:rPr kumimoji="0" lang="en-US" altLang="en-US" sz="1600" b="0" i="0" u="none" strike="noStrike" cap="none" normalizeH="0" baseline="0" dirty="0">
+                <a:ln>
+                  <a:noFill/>
+                </a:ln>
+                <a:solidFill>
+                  <a:srgbClr val="080808"/>
+                </a:solidFill>
+                <a:effectLst/>
+                <a:latin typeface="JetBrains Mono"/>
+              </a:rPr>
+              <a:t>(std::string name)</a:t>
+            </a:r>
+            <a:endParaRPr kumimoji="0" lang="en-US" altLang="en-US" sz="4000" b="0" i="0" u="none" strike="noStrike" cap="none" normalizeH="0" baseline="0" dirty="0">
+              <a:ln>
+                <a:noFill/>
+              </a:ln>
+              <a:solidFill>
+                <a:schemeClr val="tx1"/>
+              </a:solidFill>
+              <a:effectLst/>
+              <a:latin typeface="Arial" panose="020B0604020202020204" pitchFamily="34" charset="0"/>
+            </a:endParaRPr>
+          </a:p>
+        </p:txBody>
+      </p:sp>
+    </p:spTree>
+    <p:extLst>
+      <p:ext uri="{BB962C8B-B14F-4D97-AF65-F5344CB8AC3E}">
+        <p14:creationId xmlns:p14="http://schemas.microsoft.com/office/powerpoint/2010/main" val="3924897623"/>
+      </p:ext>
+    </p:extLst>
+  </p:cSld>
+  <p:clrMapOvr>
+    <a:masterClrMapping/>
+  </p:clrMapOvr>
+  <p:timing>
+    <p:tnLst>
+      <p:par>
+        <p:cTn id="1" dur="indefinite" restart="never" nodeType="tmRoot">
+          <p:childTnLst>
+            <p:seq concurrent="1" nextAc="seek">
+              <p:cTn id="2" dur="indefinite" nodeType="mainSeq">
+                <p:childTnLst>
+                  <p:par>
+                    <p:cTn id="3" fill="hold">
+                      <p:stCondLst>
+                        <p:cond delay="indefinite"/>
+                      </p:stCondLst>
+                      <p:childTnLst>
+                        <p:par>
+                          <p:cTn id="4" fill="hold">
+                            <p:stCondLst>
+                              <p:cond delay="0"/>
+                            </p:stCondLst>
+                            <p:childTnLst>
+                              <p:par>
+                                <p:cTn id="5" presetID="1" presetClass="entr" presetSubtype="0" fill="hold" grpId="0" nodeType="clickEffect">
+                                  <p:stCondLst>
+                                    <p:cond delay="0"/>
+                                  </p:stCondLst>
+                                  <p:childTnLst>
+                                    <p:set>
+                                      <p:cBhvr>
+                                        <p:cTn id="6" dur="1" fill="hold">
+                                          <p:stCondLst>
+                                            <p:cond delay="0"/>
+                                          </p:stCondLst>
+                                        </p:cTn>
+                                        <p:tgtEl>
+                                          <p:spTgt spid="5"/>
+                                        </p:tgtEl>
+                                        <p:attrNameLst>
+                                          <p:attrName>style.visibility</p:attrName>
+                                        </p:attrNameLst>
+                                      </p:cBhvr>
+                                      <p:to>
+                                        <p:strVal val="visible"/>
+                                      </p:to>
+                                    </p:set>
+                                  </p:childTnLst>
+                                </p:cTn>
+                              </p:par>
+                            </p:childTnLst>
+                          </p:cTn>
+                        </p:par>
+                      </p:childTnLst>
+                    </p:cTn>
+                  </p:par>
+                </p:childTnLst>
+              </p:cTn>
+              <p:prevCondLst>
+                <p:cond evt="onPrev" delay="0">
+                  <p:tgtEl>
+                    <p:sldTgt/>
+                  </p:tgtEl>
+                </p:cond>
+              </p:prevCondLst>
+              <p:nextCondLst>
+                <p:cond evt="onNext" delay="0">
+                  <p:tgtEl>
+                    <p:sldTgt/>
+                  </p:tgtEl>
+                </p:cond>
+              </p:nextCondLst>
+            </p:seq>
+          </p:childTnLst>
+        </p:cTn>
+      </p:par>
+    </p:tnLst>
+    <p:bldLst>
+      <p:bldP spid="5" grpId="0" animBg="1"/>
+    </p:bldLst>
+  </p:timing>
+</p:sld>
+</file>
+
+<file path=ppt/slides/slide11.xml><?xml version="1.0" encoding="utf-8"?>
+<p:sld xmlns:a="http://schemas.openxmlformats.org/drawingml/2006/main" xmlns:r="http://schemas.openxmlformats.org/officeDocument/2006/relationships" xmlns:p="http://schemas.openxmlformats.org/presentationml/2006/main">
+  <p:cSld>
+    <p:spTree>
+      <p:nvGrpSpPr>
+        <p:cNvPr id="1" name=""/>
+        <p:cNvGrpSpPr/>
+        <p:nvPr/>
+      </p:nvGrpSpPr>
+      <p:grpSpPr>
+        <a:xfrm>
+          <a:off x="0" y="0"/>
+          <a:ext cx="0" cy="0"/>
+          <a:chOff x="0" y="0"/>
+          <a:chExt cx="0" cy="0"/>
+        </a:xfrm>
+      </p:grpSpPr>
+      <p:sp>
+        <p:nvSpPr>
+          <p:cNvPr id="4" name="Title 3"/>
+          <p:cNvSpPr>
+            <a:spLocks noGrp="1"/>
+          </p:cNvSpPr>
+          <p:nvPr>
+            <p:ph type="ctrTitle"/>
+          </p:nvPr>
+        </p:nvSpPr>
+        <p:spPr>
+          <a:xfrm>
+            <a:off x="4419600" y="771818"/>
+            <a:ext cx="4648200" cy="3628732"/>
+          </a:xfrm>
+        </p:spPr>
+        <p:txBody>
+          <a:bodyPr>
+            <a:noAutofit/>
+          </a:bodyPr>
+          <a:lstStyle/>
+          <a:p>
+            <a:pPr algn="r"/>
+            <a:br>
+              <a:rPr lang="en-US" sz="8000" dirty="0"/>
+            </a:br>
+            <a:r>
+              <a:rPr lang="en-US" sz="8000" dirty="0"/>
+              <a:t> Databases</a:t>
+            </a:r>
+          </a:p>
+        </p:txBody>
+      </p:sp>
+      <p:sp>
+        <p:nvSpPr>
+          <p:cNvPr id="2" name="Magnetic Disk 1"/>
+          <p:cNvSpPr/>
+          <p:nvPr/>
+        </p:nvSpPr>
+        <p:spPr>
+          <a:xfrm>
+            <a:off x="304800" y="1123950"/>
+            <a:ext cx="2209800" cy="2362200"/>
+          </a:xfrm>
+          <a:prstGeom prst="flowChartMagneticDisk">
+            <a:avLst/>
+          </a:prstGeom>
+        </p:spPr>
+        <p:style>
+          <a:lnRef idx="1">
+            <a:schemeClr val="accent2"/>
+          </a:lnRef>
+          <a:fillRef idx="3">
+            <a:schemeClr val="accent2"/>
+          </a:fillRef>
+          <a:effectRef idx="2">
+            <a:schemeClr val="accent2"/>
+          </a:effectRef>
+          <a:fontRef idx="minor">
+            <a:schemeClr val="lt1"/>
+          </a:fontRef>
+        </p:style>
+        <p:txBody>
+          <a:bodyPr rtlCol="0" anchor="ctr"/>
+          <a:lstStyle/>
+          <a:p>
+            <a:pPr algn="ctr"/>
+            <a:endParaRPr lang="en-US" dirty="0"/>
+          </a:p>
+        </p:txBody>
+      </p:sp>
+      <p:pic>
+        <p:nvPicPr>
+          <p:cNvPr id="6" name="Picture 5" descr="Screen shot 2012-09-22 at 10.53.53 PM.png"/>
+          <p:cNvPicPr>
+            <a:picLocks noChangeAspect="1"/>
+          </p:cNvPicPr>
+          <p:nvPr/>
+        </p:nvPicPr>
+        <p:blipFill>
+          <a:blip r:embed="rId2">
+            <a:extLst>
+              <a:ext uri="{28A0092B-C50C-407E-A947-70E740481C1C}">
+                <a14:useLocalDpi xmlns:a14="http://schemas.microsoft.com/office/drawing/2010/main" val="0"/>
+              </a:ext>
+            </a:extLst>
+          </a:blip>
+          <a:stretch>
+            <a:fillRect/>
+          </a:stretch>
+        </p:blipFill>
+        <p:spPr>
+          <a:xfrm>
+            <a:off x="1828800" y="2190750"/>
+            <a:ext cx="2552700" cy="914400"/>
+          </a:xfrm>
+          <a:prstGeom prst="rect">
+            <a:avLst/>
+          </a:prstGeom>
+        </p:spPr>
+      </p:pic>
+      <p:sp>
+        <p:nvSpPr>
+          <p:cNvPr id="5" name="TextBox 4"/>
+          <p:cNvSpPr txBox="1"/>
+          <p:nvPr/>
+        </p:nvSpPr>
+        <p:spPr>
+          <a:xfrm>
+            <a:off x="3650129" y="2492276"/>
+            <a:ext cx="389850" cy="369332"/>
+          </a:xfrm>
+          <a:prstGeom prst="rect">
+            <a:avLst/>
+          </a:prstGeom>
+          <a:noFill/>
+        </p:spPr>
+        <p:txBody>
+          <a:bodyPr wrap="none" rtlCol="0">
+            <a:spAutoFit/>
+          </a:bodyPr>
+          <a:lstStyle/>
+          <a:p>
+            <a:r>
+              <a:rPr lang="en-US" dirty="0">
+                <a:solidFill>
+                  <a:srgbClr val="0EB600"/>
+                </a:solidFill>
+                <a:latin typeface="Zapf Dingbats"/>
+                <a:ea typeface="Zapf Dingbats"/>
+                <a:cs typeface="Zapf Dingbats"/>
+                <a:sym typeface="Zapf Dingbats"/>
+              </a:rPr>
+              <a:t>✔</a:t>
+            </a:r>
+            <a:endParaRPr lang="en-US" dirty="0">
+              <a:solidFill>
+                <a:srgbClr val="0EB600"/>
+              </a:solidFill>
+            </a:endParaRPr>
+          </a:p>
+        </p:txBody>
+      </p:sp>
+      <p:sp>
+        <p:nvSpPr>
+          <p:cNvPr id="7" name="Rectangle 6">
+            <a:extLst>
+              <a:ext uri="{FF2B5EF4-FFF2-40B4-BE49-F238E27FC236}">
+                <a16:creationId xmlns:a16="http://schemas.microsoft.com/office/drawing/2014/main" id="{3091D9EF-C7D9-4048-8DBF-929F93BC7D12}"/>
+              </a:ext>
+            </a:extLst>
+          </p:cNvPr>
+          <p:cNvSpPr>
+            <a:spLocks noChangeArrowheads="1"/>
+          </p:cNvSpPr>
+          <p:nvPr/>
+        </p:nvSpPr>
+        <p:spPr bwMode="auto">
+          <a:xfrm>
+            <a:off x="1819491" y="4566528"/>
+            <a:ext cx="5505033" cy="338554"/>
+          </a:xfrm>
+          <a:prstGeom prst="rect">
+            <a:avLst/>
+          </a:prstGeom>
+          <a:solidFill>
+            <a:srgbClr val="FFFFFF"/>
+          </a:solidFill>
+          <a:ln>
+            <a:noFill/>
+          </a:ln>
+          <a:effectLst/>
+          <a:extLst>
+            <a:ext uri="{91240B29-F687-4F45-9708-019B960494DF}">
+              <a14:hiddenLine xmlns:a14="http://schemas.microsoft.com/office/drawing/2010/main" w="9525">
+                <a:solidFill>
+                  <a:schemeClr val="tx1"/>
+                </a:solidFill>
+                <a:miter lim="800000"/>
+                <a:headEnd/>
+                <a:tailEnd/>
+              </a14:hiddenLine>
+            </a:ext>
+            <a:ext uri="{AF507438-7753-43E0-B8FC-AC1667EBCBE1}">
+              <a14:hiddenEffects xmlns:a14="http://schemas.microsoft.com/office/drawing/2010/main">
+                <a:effectLst>
+                  <a:outerShdw dist="35921" dir="2700000" algn="ctr" rotWithShape="0">
+                    <a:schemeClr val="bg2"/>
+                  </a:outerShdw>
+                </a:effectLst>
+              </a14:hiddenEffects>
+            </a:ext>
+          </a:extLst>
+        </p:spPr>
+        <p:txBody>
+          <a:bodyPr vert="horz" wrap="none" lIns="91440" tIns="45720" rIns="91440" bIns="45720" numCol="1" anchor="ctr" anchorCtr="0" compatLnSpc="1">
+            <a:prstTxWarp prst="textNoShape">
+              <a:avLst/>
+            </a:prstTxWarp>
+            <a:spAutoFit/>
+          </a:bodyPr>
+          <a:lstStyle/>
+          <a:p>
+            <a:pPr lvl="0" algn="ctr" eaLnBrk="0" fontAlgn="base" hangingPunct="0">
+              <a:spcBef>
+                <a:spcPct val="0"/>
+              </a:spcBef>
+              <a:spcAft>
+                <a:spcPct val="0"/>
+              </a:spcAft>
+              <a:buClrTx/>
+            </a:pPr>
+            <a:r>
+              <a:rPr kumimoji="0" lang="en-US" altLang="en-US" sz="1600" b="0" i="0" u="none" strike="noStrike" cap="none" normalizeH="0" baseline="0" dirty="0" err="1">
+                <a:ln>
+                  <a:noFill/>
+                </a:ln>
+                <a:solidFill>
+                  <a:srgbClr val="008080"/>
+                </a:solidFill>
+                <a:effectLst/>
+                <a:latin typeface="JetBrains Mono"/>
+              </a:rPr>
+              <a:t>DatabaseLogs</a:t>
+            </a:r>
+            <a:r>
+              <a:rPr kumimoji="0" lang="en-US" altLang="en-US" sz="1600" b="0" i="0" u="none" strike="noStrike" cap="none" normalizeH="0" baseline="0" dirty="0">
+                <a:ln>
+                  <a:noFill/>
+                </a:ln>
+                <a:solidFill>
+                  <a:srgbClr val="008080"/>
+                </a:solidFill>
+                <a:effectLst/>
+                <a:latin typeface="JetBrains Mono"/>
+              </a:rPr>
+              <a:t> </a:t>
+            </a:r>
+            <a:r>
+              <a:rPr kumimoji="0" lang="en-US" altLang="en-US" sz="1600" b="0" i="0" u="none" strike="noStrike" cap="none" normalizeH="0" baseline="0" dirty="0" err="1">
+                <a:ln>
+                  <a:noFill/>
+                </a:ln>
+                <a:solidFill>
+                  <a:srgbClr val="000000"/>
+                </a:solidFill>
+                <a:effectLst/>
+                <a:latin typeface="JetBrains Mono"/>
+              </a:rPr>
+              <a:t>sqlStatements</a:t>
+            </a:r>
+            <a:r>
+              <a:rPr kumimoji="0" lang="en-US" altLang="en-US" sz="1600" b="0" i="0" u="none" strike="noStrike" cap="none" normalizeH="0" baseline="0" dirty="0">
+                <a:ln>
+                  <a:noFill/>
+                </a:ln>
+                <a:solidFill>
+                  <a:srgbClr val="000000"/>
+                </a:solidFill>
+                <a:effectLst/>
+                <a:latin typeface="JetBrains Mono"/>
+              </a:rPr>
+              <a:t> </a:t>
+            </a:r>
+            <a:r>
+              <a:rPr kumimoji="0" lang="en-US" altLang="en-US" sz="1600" b="0" i="0" u="none" strike="noStrike" cap="none" normalizeH="0" baseline="0" dirty="0">
+                <a:ln>
+                  <a:noFill/>
+                </a:ln>
+                <a:solidFill>
+                  <a:srgbClr val="080808"/>
+                </a:solidFill>
+                <a:effectLst/>
+                <a:latin typeface="JetBrains Mono"/>
+              </a:rPr>
+              <a:t>= </a:t>
+            </a:r>
+            <a:r>
+              <a:rPr lang="en-US" altLang="en-US" sz="1600" dirty="0" err="1">
+                <a:solidFill>
+                  <a:srgbClr val="080808"/>
+                </a:solidFill>
+                <a:latin typeface="JetBrains Mono"/>
+              </a:rPr>
+              <a:t>insertIntoDatabase</a:t>
+            </a:r>
+            <a:r>
+              <a:rPr lang="en-US" altLang="en-US" sz="1600" dirty="0">
+                <a:solidFill>
+                  <a:srgbClr val="080808"/>
+                </a:solidFill>
+                <a:latin typeface="JetBrains Mono"/>
+              </a:rPr>
+              <a:t>(parameters);</a:t>
+            </a:r>
+            <a:endParaRPr kumimoji="0" lang="en-US" altLang="en-US" sz="4000" b="0" i="0" u="none" strike="noStrike" cap="none" normalizeH="0" baseline="0" dirty="0">
+              <a:ln>
+                <a:noFill/>
+              </a:ln>
+              <a:solidFill>
+                <a:schemeClr val="tx1"/>
+              </a:solidFill>
+              <a:effectLst/>
+              <a:latin typeface="Arial" panose="020B0604020202020204" pitchFamily="34" charset="0"/>
+            </a:endParaRPr>
+          </a:p>
+        </p:txBody>
+      </p:sp>
+      <p:sp>
+        <p:nvSpPr>
+          <p:cNvPr id="8" name="Rectangle 7">
+            <a:extLst>
+              <a:ext uri="{FF2B5EF4-FFF2-40B4-BE49-F238E27FC236}">
+                <a16:creationId xmlns:a16="http://schemas.microsoft.com/office/drawing/2014/main" id="{1F7F5BD1-2393-4A0F-8BD7-F13BE9F200AB}"/>
+              </a:ext>
+            </a:extLst>
+          </p:cNvPr>
+          <p:cNvSpPr>
+            <a:spLocks noChangeArrowheads="1"/>
+          </p:cNvSpPr>
+          <p:nvPr/>
+        </p:nvSpPr>
+        <p:spPr bwMode="auto">
+          <a:xfrm>
+            <a:off x="2860634" y="238418"/>
+            <a:ext cx="3422732" cy="338554"/>
+          </a:xfrm>
+          <a:prstGeom prst="rect">
+            <a:avLst/>
+          </a:prstGeom>
+          <a:solidFill>
+            <a:srgbClr val="FFFFFF"/>
+          </a:solidFill>
+          <a:ln>
+            <a:noFill/>
+          </a:ln>
+          <a:effectLst/>
+          <a:extLst>
+            <a:ext uri="{91240B29-F687-4F45-9708-019B960494DF}">
+              <a14:hiddenLine xmlns:a14="http://schemas.microsoft.com/office/drawing/2010/main" w="9525">
+                <a:solidFill>
+                  <a:schemeClr val="tx1"/>
+                </a:solidFill>
+                <a:miter lim="800000"/>
+                <a:headEnd/>
+                <a:tailEnd/>
+              </a14:hiddenLine>
+            </a:ext>
+            <a:ext uri="{AF507438-7753-43E0-B8FC-AC1667EBCBE1}">
+              <a14:hiddenEffects xmlns:a14="http://schemas.microsoft.com/office/drawing/2010/main">
+                <a:effectLst>
+                  <a:outerShdw dist="35921" dir="2700000" algn="ctr" rotWithShape="0">
+                    <a:schemeClr val="bg2"/>
+                  </a:outerShdw>
+                </a:effectLst>
+              </a14:hiddenEffects>
+            </a:ext>
+          </a:extLst>
+        </p:spPr>
+        <p:txBody>
+          <a:bodyPr vert="horz" wrap="none" lIns="91440" tIns="45720" rIns="91440" bIns="45720" numCol="1" anchor="ctr" anchorCtr="0" compatLnSpc="1">
+            <a:prstTxWarp prst="textNoShape">
+              <a:avLst/>
+            </a:prstTxWarp>
+            <a:spAutoFit/>
+          </a:bodyPr>
+          <a:lstStyle/>
+          <a:p>
+            <a:pPr marL="0" marR="0" lvl="0" indent="0" algn="l" defTabSz="914400" rtl="0" eaLnBrk="0" fontAlgn="base" latinLnBrk="0" hangingPunct="0">
+              <a:lnSpc>
+                <a:spcPct val="100000"/>
+              </a:lnSpc>
+              <a:spcBef>
+                <a:spcPct val="0"/>
+              </a:spcBef>
+              <a:spcAft>
+                <a:spcPct val="0"/>
+              </a:spcAft>
+              <a:buClrTx/>
+              <a:buSzTx/>
+              <a:buFontTx/>
+              <a:buNone/>
+              <a:tabLst/>
+            </a:pPr>
+            <a:r>
+              <a:rPr lang="en-US" altLang="en-US" sz="1600" dirty="0">
+                <a:solidFill>
+                  <a:srgbClr val="008080"/>
+                </a:solidFill>
+                <a:latin typeface="JetBrains Mono"/>
+              </a:rPr>
+              <a:t>v</a:t>
+            </a:r>
+            <a:r>
+              <a:rPr kumimoji="0" lang="en-US" altLang="en-US" sz="1600" b="0" i="0" u="none" strike="noStrike" cap="none" normalizeH="0" baseline="0" dirty="0">
+                <a:ln>
+                  <a:noFill/>
+                </a:ln>
+                <a:solidFill>
+                  <a:srgbClr val="008080"/>
+                </a:solidFill>
+                <a:effectLst/>
+                <a:latin typeface="JetBrains Mono"/>
+              </a:rPr>
+              <a:t>oid </a:t>
+            </a:r>
+            <a:r>
+              <a:rPr kumimoji="0" lang="en-US" altLang="en-US" sz="1600" b="0" i="0" u="none" strike="noStrike" cap="none" normalizeH="0" baseline="0" dirty="0" err="1">
+                <a:ln>
+                  <a:noFill/>
+                </a:ln>
+                <a:solidFill>
+                  <a:srgbClr val="080808"/>
+                </a:solidFill>
+                <a:effectLst/>
+                <a:latin typeface="JetBrains Mono"/>
+              </a:rPr>
+              <a:t>insertIntoDatabase</a:t>
+            </a:r>
+            <a:r>
+              <a:rPr kumimoji="0" lang="en-US" altLang="en-US" sz="1600" b="0" i="0" u="none" strike="noStrike" cap="none" normalizeH="0" baseline="0" dirty="0">
+                <a:ln>
+                  <a:noFill/>
+                </a:ln>
+                <a:solidFill>
+                  <a:srgbClr val="080808"/>
+                </a:solidFill>
+                <a:effectLst/>
+                <a:latin typeface="JetBrains Mono"/>
+              </a:rPr>
+              <a:t>(Parameters p)</a:t>
+            </a:r>
+            <a:endParaRPr kumimoji="0" lang="en-US" altLang="en-US" sz="4000" b="0" i="0" u="none" strike="noStrike" cap="none" normalizeH="0" baseline="0" dirty="0">
+              <a:ln>
+                <a:noFill/>
+              </a:ln>
+              <a:solidFill>
+                <a:schemeClr val="tx1"/>
+              </a:solidFill>
+              <a:effectLst/>
+              <a:latin typeface="Arial" panose="020B0604020202020204" pitchFamily="34" charset="0"/>
+            </a:endParaRPr>
+          </a:p>
+        </p:txBody>
+      </p:sp>
+    </p:spTree>
+    <p:extLst>
+      <p:ext uri="{BB962C8B-B14F-4D97-AF65-F5344CB8AC3E}">
+        <p14:creationId xmlns:p14="http://schemas.microsoft.com/office/powerpoint/2010/main" val="1302981609"/>
+      </p:ext>
+    </p:extLst>
+  </p:cSld>
+  <p:clrMapOvr>
+    <a:masterClrMapping/>
+  </p:clrMapOvr>
+  <p:timing>
+    <p:tnLst>
+      <p:par>
+        <p:cTn id="1" dur="indefinite" restart="never" nodeType="tmRoot">
+          <p:childTnLst>
+            <p:seq concurrent="1" nextAc="seek">
+              <p:cTn id="2" dur="indefinite" nodeType="mainSeq">
+                <p:childTnLst>
+                  <p:par>
+                    <p:cTn id="3" fill="hold">
+                      <p:stCondLst>
+                        <p:cond delay="indefinite"/>
+                      </p:stCondLst>
+                      <p:childTnLst>
+                        <p:par>
+                          <p:cTn id="4" fill="hold">
+                            <p:stCondLst>
+                              <p:cond delay="0"/>
+                            </p:stCondLst>
+                            <p:childTnLst>
+                              <p:par>
+                                <p:cTn id="5" presetID="1" presetClass="entr" presetSubtype="0" fill="hold" grpId="0" nodeType="clickEffect">
+                                  <p:stCondLst>
+                                    <p:cond delay="0"/>
+                                  </p:stCondLst>
+                                  <p:childTnLst>
+                                    <p:set>
+                                      <p:cBhvr>
+                                        <p:cTn id="6" dur="1" fill="hold">
+                                          <p:stCondLst>
+                                            <p:cond delay="0"/>
+                                          </p:stCondLst>
+                                        </p:cTn>
+                                        <p:tgtEl>
+                                          <p:spTgt spid="7"/>
+                                        </p:tgtEl>
+                                        <p:attrNameLst>
+                                          <p:attrName>style.visibility</p:attrName>
+                                        </p:attrNameLst>
+                                      </p:cBhvr>
+                                      <p:to>
+                                        <p:strVal val="visible"/>
+                                      </p:to>
+                                    </p:set>
+                                  </p:childTnLst>
+                                </p:cTn>
+                              </p:par>
+                            </p:childTnLst>
+                          </p:cTn>
+                        </p:par>
+                      </p:childTnLst>
+                    </p:cTn>
+                  </p:par>
+                </p:childTnLst>
+              </p:cTn>
+              <p:prevCondLst>
+                <p:cond evt="onPrev" delay="0">
+                  <p:tgtEl>
+                    <p:sldTgt/>
+                  </p:tgtEl>
+                </p:cond>
+              </p:prevCondLst>
+              <p:nextCondLst>
+                <p:cond evt="onNext" delay="0">
+                  <p:tgtEl>
+                    <p:sldTgt/>
+                  </p:tgtEl>
+                </p:cond>
+              </p:nextCondLst>
+            </p:seq>
+          </p:childTnLst>
+        </p:cTn>
+      </p:par>
+    </p:tnLst>
+    <p:bldLst>
+      <p:bldP spid="7" grpId="0" animBg="1"/>
+    </p:bldLst>
+  </p:timing>
+</p:sld>
+</file>
+
+<file path=ppt/slides/slide12.xml><?xml version="1.0" encoding="utf-8"?>
+<p:sld xmlns:a="http://schemas.openxmlformats.org/drawingml/2006/main" xmlns:r="http://schemas.openxmlformats.org/officeDocument/2006/relationships" xmlns:p="http://schemas.openxmlformats.org/presentationml/2006/main">
+  <p:cSld>
+    <p:spTree>
+      <p:nvGrpSpPr>
         <p:cNvPr id="1" name="Shape 3975"/>
         <p:cNvGrpSpPr/>
         <p:nvPr/>
@@ -52128,7 +53236,375 @@
             </a:pPr>
             <a:fld id="{00000000-1234-1234-1234-123412341234}" type="slidenum">
               <a:rPr lang="en"/>
-              <a:t>10</a:t>
+              <a:t>12</a:t>
+            </a:fld>
+            <a:endParaRPr/>
+          </a:p>
+        </p:txBody>
+      </p:sp>
+      <p:sp>
+        <p:nvSpPr>
+          <p:cNvPr id="3" name="Google Shape;3978;p29">
+            <a:extLst>
+              <a:ext uri="{FF2B5EF4-FFF2-40B4-BE49-F238E27FC236}">
+                <a16:creationId xmlns:a16="http://schemas.microsoft.com/office/drawing/2014/main" id="{771A0D18-A4AB-448E-A743-1E3BC1FFA1B1}"/>
+              </a:ext>
+            </a:extLst>
+          </p:cNvPr>
+          <p:cNvSpPr/>
+          <p:nvPr/>
+        </p:nvSpPr>
+        <p:spPr>
+          <a:xfrm>
+            <a:off x="360715" y="355493"/>
+            <a:ext cx="868680" cy="868680"/>
+          </a:xfrm>
+          <a:prstGeom prst="rect">
+            <a:avLst/>
+          </a:prstGeom>
+          <a:noFill/>
+          <a:ln w="76200" cap="flat" cmpd="sng">
+            <a:solidFill>
+              <a:schemeClr val="accent3"/>
+            </a:solidFill>
+            <a:prstDash val="solid"/>
+            <a:miter lim="8000"/>
+            <a:headEnd type="none" w="sm" len="sm"/>
+            <a:tailEnd type="none" w="sm" len="sm"/>
+          </a:ln>
+        </p:spPr>
+        <p:txBody>
+          <a:bodyPr spcFirstLastPara="1" wrap="square" lIns="91425" tIns="91425" rIns="91425" bIns="91425" anchor="ctr" anchorCtr="0">
+            <a:noAutofit/>
+          </a:bodyPr>
+          <a:lstStyle/>
+          <a:p>
+            <a:pPr marL="0" lvl="0" indent="0" algn="ctr" rtl="0">
+              <a:spcBef>
+                <a:spcPts val="0"/>
+              </a:spcBef>
+              <a:spcAft>
+                <a:spcPts val="0"/>
+              </a:spcAft>
+              <a:buNone/>
+            </a:pPr>
+            <a:r>
+              <a:rPr lang="en" sz="1000" dirty="0">
+                <a:solidFill>
+                  <a:srgbClr val="003B55"/>
+                </a:solidFill>
+                <a:latin typeface="Titillium Web Light"/>
+                <a:ea typeface="Titillium Web Light"/>
+                <a:cs typeface="Titillium Web Light"/>
+                <a:sym typeface="Titillium Web Light"/>
+              </a:rPr>
+              <a:t>1. #ifdef TESTING</a:t>
+            </a:r>
+            <a:endParaRPr sz="1000" dirty="0">
+              <a:solidFill>
+                <a:srgbClr val="003B55"/>
+              </a:solidFill>
+              <a:latin typeface="Titillium Web Light"/>
+              <a:ea typeface="Titillium Web Light"/>
+              <a:cs typeface="Titillium Web Light"/>
+              <a:sym typeface="Titillium Web Light"/>
+            </a:endParaRPr>
+          </a:p>
+        </p:txBody>
+      </p:sp>
+      <p:sp>
+        <p:nvSpPr>
+          <p:cNvPr id="12" name="TextBox 11">
+            <a:extLst>
+              <a:ext uri="{FF2B5EF4-FFF2-40B4-BE49-F238E27FC236}">
+                <a16:creationId xmlns:a16="http://schemas.microsoft.com/office/drawing/2014/main" id="{3326CB82-1EEA-4F60-8324-5D96599EDCE4}"/>
+              </a:ext>
+            </a:extLst>
+          </p:cNvPr>
+          <p:cNvSpPr txBox="1"/>
+          <p:nvPr/>
+        </p:nvSpPr>
+        <p:spPr>
+          <a:xfrm>
+            <a:off x="640231" y="1640649"/>
+            <a:ext cx="5650566" cy="2308324"/>
+          </a:xfrm>
+          <a:prstGeom prst="rect">
+            <a:avLst/>
+          </a:prstGeom>
+          <a:noFill/>
+        </p:spPr>
+        <p:txBody>
+          <a:bodyPr wrap="square">
+            <a:spAutoFit/>
+          </a:bodyPr>
+          <a:lstStyle/>
+          <a:p>
+            <a:r>
+              <a:rPr lang="en-US" sz="1600" dirty="0">
+                <a:solidFill>
+                  <a:srgbClr val="0000FF"/>
+                </a:solidFill>
+                <a:latin typeface="Consolas" panose="020B0609020204030204" pitchFamily="49" charset="0"/>
+              </a:rPr>
+              <a:t>int</a:t>
+            </a:r>
+            <a:r>
+              <a:rPr lang="en-US" sz="1600" dirty="0">
+                <a:solidFill>
+                  <a:srgbClr val="000000"/>
+                </a:solidFill>
+                <a:latin typeface="Consolas" panose="020B0609020204030204" pitchFamily="49" charset="0"/>
+              </a:rPr>
+              <a:t> </a:t>
+            </a:r>
+            <a:r>
+              <a:rPr lang="en-US" sz="1600" dirty="0" err="1">
+                <a:solidFill>
+                  <a:srgbClr val="000000"/>
+                </a:solidFill>
+                <a:latin typeface="Consolas" panose="020B0609020204030204" pitchFamily="49" charset="0"/>
+              </a:rPr>
+              <a:t>getID</a:t>
+            </a:r>
+            <a:r>
+              <a:rPr lang="en-US" sz="1600" dirty="0">
+                <a:solidFill>
+                  <a:srgbClr val="000000"/>
+                </a:solidFill>
+                <a:latin typeface="Consolas" panose="020B0609020204030204" pitchFamily="49" charset="0"/>
+              </a:rPr>
+              <a:t>()</a:t>
+            </a:r>
+          </a:p>
+          <a:p>
+            <a:r>
+              <a:rPr lang="en-US" sz="1600" dirty="0">
+                <a:solidFill>
+                  <a:srgbClr val="000000"/>
+                </a:solidFill>
+                <a:latin typeface="Consolas" panose="020B0609020204030204" pitchFamily="49" charset="0"/>
+              </a:rPr>
+              <a:t>{</a:t>
+            </a:r>
+          </a:p>
+          <a:p>
+            <a:r>
+              <a:rPr lang="en-US" sz="1600" dirty="0">
+                <a:solidFill>
+                  <a:srgbClr val="808080"/>
+                </a:solidFill>
+                <a:latin typeface="Consolas" panose="020B0609020204030204" pitchFamily="49" charset="0"/>
+              </a:rPr>
+              <a:t>#ifdef</a:t>
+            </a:r>
+            <a:r>
+              <a:rPr lang="en-US" sz="1600" dirty="0">
+                <a:solidFill>
+                  <a:srgbClr val="000000"/>
+                </a:solidFill>
+                <a:latin typeface="Consolas" panose="020B0609020204030204" pitchFamily="49" charset="0"/>
+              </a:rPr>
+              <a:t> TESTING</a:t>
+            </a:r>
+          </a:p>
+          <a:p>
+            <a:r>
+              <a:rPr lang="en-US" sz="1600" dirty="0">
+                <a:solidFill>
+                  <a:srgbClr val="000000"/>
+                </a:solidFill>
+                <a:latin typeface="Consolas" panose="020B0609020204030204" pitchFamily="49" charset="0"/>
+              </a:rPr>
+              <a:t>    </a:t>
+            </a:r>
+            <a:r>
+              <a:rPr lang="en-US" sz="1600" dirty="0" err="1">
+                <a:solidFill>
+                  <a:srgbClr val="000000"/>
+                </a:solidFill>
+                <a:latin typeface="Consolas" panose="020B0609020204030204" pitchFamily="49" charset="0"/>
+              </a:rPr>
+              <a:t>srand</a:t>
+            </a:r>
+            <a:r>
+              <a:rPr lang="en-US" sz="1600" dirty="0">
+                <a:solidFill>
+                  <a:srgbClr val="000000"/>
+                </a:solidFill>
+                <a:latin typeface="Consolas" panose="020B0609020204030204" pitchFamily="49" charset="0"/>
+              </a:rPr>
+              <a:t>(500);</a:t>
+            </a:r>
+          </a:p>
+          <a:p>
+            <a:r>
+              <a:rPr lang="en-US" sz="1600" dirty="0">
+                <a:solidFill>
+                  <a:srgbClr val="808080"/>
+                </a:solidFill>
+                <a:latin typeface="Consolas" panose="020B0609020204030204" pitchFamily="49" charset="0"/>
+              </a:rPr>
+              <a:t>#else</a:t>
+            </a:r>
+            <a:endParaRPr lang="en-US" sz="1600" dirty="0">
+              <a:solidFill>
+                <a:srgbClr val="000000"/>
+              </a:solidFill>
+              <a:latin typeface="Consolas" panose="020B0609020204030204" pitchFamily="49" charset="0"/>
+            </a:endParaRPr>
+          </a:p>
+          <a:p>
+            <a:r>
+              <a:rPr lang="en-US" sz="1600" dirty="0">
+                <a:solidFill>
+                  <a:srgbClr val="000000"/>
+                </a:solidFill>
+                <a:latin typeface="Consolas" panose="020B0609020204030204" pitchFamily="49" charset="0"/>
+              </a:rPr>
+              <a:t>    </a:t>
+            </a:r>
+            <a:r>
+              <a:rPr lang="en-US" sz="1600" dirty="0" err="1">
+                <a:solidFill>
+                  <a:srgbClr val="000000"/>
+                </a:solidFill>
+                <a:latin typeface="Consolas" panose="020B0609020204030204" pitchFamily="49" charset="0"/>
+              </a:rPr>
+              <a:t>srand</a:t>
+            </a:r>
+            <a:r>
+              <a:rPr lang="en-US" sz="1600" dirty="0">
+                <a:solidFill>
+                  <a:srgbClr val="000000"/>
+                </a:solidFill>
+                <a:latin typeface="Consolas" panose="020B0609020204030204" pitchFamily="49" charset="0"/>
+              </a:rPr>
+              <a:t>(time(0));</a:t>
+            </a:r>
+          </a:p>
+          <a:p>
+            <a:r>
+              <a:rPr lang="en-US" sz="1600" dirty="0">
+                <a:solidFill>
+                  <a:srgbClr val="808080"/>
+                </a:solidFill>
+                <a:latin typeface="Consolas" panose="020B0609020204030204" pitchFamily="49" charset="0"/>
+              </a:rPr>
+              <a:t>#endif</a:t>
+            </a:r>
+            <a:endParaRPr lang="en-US" sz="1600" dirty="0">
+              <a:solidFill>
+                <a:srgbClr val="000000"/>
+              </a:solidFill>
+              <a:latin typeface="Consolas" panose="020B0609020204030204" pitchFamily="49" charset="0"/>
+            </a:endParaRPr>
+          </a:p>
+          <a:p>
+            <a:r>
+              <a:rPr lang="en-US" sz="1600" dirty="0">
+                <a:solidFill>
+                  <a:srgbClr val="000000"/>
+                </a:solidFill>
+                <a:latin typeface="Consolas" panose="020B0609020204030204" pitchFamily="49" charset="0"/>
+              </a:rPr>
+              <a:t>    </a:t>
+            </a:r>
+            <a:r>
+              <a:rPr lang="en-US" sz="1600" dirty="0">
+                <a:solidFill>
+                  <a:srgbClr val="0000FF"/>
+                </a:solidFill>
+                <a:latin typeface="Consolas" panose="020B0609020204030204" pitchFamily="49" charset="0"/>
+              </a:rPr>
+              <a:t>return</a:t>
+            </a:r>
+            <a:r>
+              <a:rPr lang="en-US" sz="1600" dirty="0">
+                <a:solidFill>
+                  <a:srgbClr val="000000"/>
+                </a:solidFill>
+                <a:latin typeface="Consolas" panose="020B0609020204030204" pitchFamily="49" charset="0"/>
+              </a:rPr>
+              <a:t> (rand() % 10 + 1);</a:t>
+            </a:r>
+          </a:p>
+          <a:p>
+            <a:r>
+              <a:rPr lang="en-US" sz="1600" dirty="0">
+                <a:solidFill>
+                  <a:srgbClr val="000000"/>
+                </a:solidFill>
+                <a:latin typeface="Consolas" panose="020B0609020204030204" pitchFamily="49" charset="0"/>
+              </a:rPr>
+              <a:t>}</a:t>
+            </a:r>
+          </a:p>
+        </p:txBody>
+      </p:sp>
+    </p:spTree>
+    <p:extLst>
+      <p:ext uri="{BB962C8B-B14F-4D97-AF65-F5344CB8AC3E}">
+        <p14:creationId xmlns:p14="http://schemas.microsoft.com/office/powerpoint/2010/main" val="1058803651"/>
+      </p:ext>
+    </p:extLst>
+  </p:cSld>
+  <p:clrMapOvr>
+    <a:masterClrMapping/>
+  </p:clrMapOvr>
+</p:sld>
+</file>
+
+<file path=ppt/slides/slide13.xml><?xml version="1.0" encoding="utf-8"?>
+<p:sld xmlns:a="http://schemas.openxmlformats.org/drawingml/2006/main" xmlns:r="http://schemas.openxmlformats.org/officeDocument/2006/relationships" xmlns:p="http://schemas.openxmlformats.org/presentationml/2006/main">
+  <p:cSld>
+    <p:spTree>
+      <p:nvGrpSpPr>
+        <p:cNvPr id="1" name="Shape 3975"/>
+        <p:cNvGrpSpPr/>
+        <p:nvPr/>
+      </p:nvGrpSpPr>
+      <p:grpSpPr>
+        <a:xfrm>
+          <a:off x="0" y="0"/>
+          <a:ext cx="0" cy="0"/>
+          <a:chOff x="0" y="0"/>
+          <a:chExt cx="0" cy="0"/>
+        </a:xfrm>
+      </p:grpSpPr>
+      <p:sp>
+        <p:nvSpPr>
+          <p:cNvPr id="3982" name="Google Shape;3982;p29"/>
+          <p:cNvSpPr txBox="1">
+            <a:spLocks noGrp="1"/>
+          </p:cNvSpPr>
+          <p:nvPr>
+            <p:ph type="sldNum" idx="12"/>
+          </p:nvPr>
+        </p:nvSpPr>
+        <p:spPr>
+          <a:prstGeom prst="rect">
+            <a:avLst/>
+          </a:prstGeom>
+        </p:spPr>
+        <p:txBody>
+          <a:bodyPr spcFirstLastPara="1" wrap="square" lIns="91425" tIns="91425" rIns="91425" bIns="91425" anchor="ctr" anchorCtr="0">
+            <a:noAutofit/>
+          </a:bodyPr>
+          <a:lstStyle/>
+          <a:p>
+            <a:pPr marL="0" lvl="0" indent="0" algn="l" rtl="0">
+              <a:spcBef>
+                <a:spcPts val="0"/>
+              </a:spcBef>
+              <a:spcAft>
+                <a:spcPts val="0"/>
+              </a:spcAft>
+              <a:buNone/>
+            </a:pPr>
+            <a:fld id="{00000000-1234-1234-1234-123412341234}" type="slidenum">
+              <a:rPr lang="en"/>
+              <a:t>13</a:t>
             </a:fld>
             <a:endParaRPr/>
           </a:p>
@@ -52687,7 +54163,7 @@
 </p:sld>
 </file>
 
-<file path=ppt/slides/slide11.xml><?xml version="1.0" encoding="utf-8"?>
+<file path=ppt/slides/slide14.xml><?xml version="1.0" encoding="utf-8"?>
 <p:sld xmlns:a="http://schemas.openxmlformats.org/drawingml/2006/main" xmlns:r="http://schemas.openxmlformats.org/officeDocument/2006/relationships" xmlns:p="http://schemas.openxmlformats.org/presentationml/2006/main">
   <p:cSld>
     <p:spTree>
@@ -52736,7 +54212,7 @@
             </a:pPr>
             <a:fld id="{00000000-1234-1234-1234-123412341234}" type="slidenum">
               <a:rPr lang="en"/>
-              <a:t>11</a:t>
+              <a:t>14</a:t>
             </a:fld>
             <a:endParaRPr/>
           </a:p>
@@ -53267,7 +54743,7 @@
 </p:sld>
 </file>
 
-<file path=ppt/slides/slide12.xml><?xml version="1.0" encoding="utf-8"?>
+<file path=ppt/slides/slide15.xml><?xml version="1.0" encoding="utf-8"?>
 <p:sld xmlns:a="http://schemas.openxmlformats.org/drawingml/2006/main" xmlns:r="http://schemas.openxmlformats.org/officeDocument/2006/relationships" xmlns:p="http://schemas.openxmlformats.org/presentationml/2006/main">
   <p:cSld>
     <p:spTree>
@@ -53833,7 +55309,7 @@
             </a:pPr>
             <a:fld id="{00000000-1234-1234-1234-123412341234}" type="slidenum">
               <a:rPr lang="en"/>
-              <a:t>12</a:t>
+              <a:t>15</a:t>
             </a:fld>
             <a:endParaRPr/>
           </a:p>
@@ -56019,151 +57495,41 @@
       </p:grpSpPr>
       <p:sp>
         <p:nvSpPr>
-          <p:cNvPr id="4" name="Title 3"/>
+          <p:cNvPr id="4" name="Slide Number Placeholder 3">
+            <a:extLst>
+              <a:ext uri="{FF2B5EF4-FFF2-40B4-BE49-F238E27FC236}">
+                <a16:creationId xmlns:a16="http://schemas.microsoft.com/office/drawing/2014/main" id="{1915C1A9-57BA-4ED9-B97B-6BF3DB55DAD4}"/>
+              </a:ext>
+            </a:extLst>
+          </p:cNvPr>
           <p:cNvSpPr>
             <a:spLocks noGrp="1"/>
           </p:cNvSpPr>
           <p:nvPr>
-            <p:ph type="ctrTitle"/>
+            <p:ph type="sldNum" idx="12"/>
           </p:nvPr>
         </p:nvSpPr>
-        <p:spPr>
-          <a:xfrm>
-            <a:off x="2971800" y="771818"/>
-            <a:ext cx="6096000" cy="3628732"/>
-          </a:xfrm>
-        </p:spPr>
+        <p:spPr/>
         <p:txBody>
-          <a:bodyPr>
-            <a:noAutofit/>
-          </a:bodyPr>
+          <a:bodyPr/>
           <a:lstStyle/>
           <a:p>
-            <a:pPr algn="r"/>
-            <a:br>
-              <a:rPr lang="en-US" sz="8000" dirty="0"/>
-            </a:br>
-            <a:r>
-              <a:rPr lang="en-US" sz="8000" dirty="0"/>
-              <a:t> Files</a:t>
-            </a:r>
-            <a:br>
-              <a:rPr lang="en-US" sz="8000" dirty="0"/>
-            </a:br>
-            <a:r>
-              <a:rPr lang="en-US" sz="2800" dirty="0"/>
-              <a:t>(name &amp; size is usually enough)</a:t>
-            </a:r>
-          </a:p>
-        </p:txBody>
-      </p:sp>
-      <p:sp>
-        <p:nvSpPr>
-          <p:cNvPr id="2" name="TextBox 1"/>
-          <p:cNvSpPr txBox="1"/>
-          <p:nvPr/>
-        </p:nvSpPr>
-        <p:spPr>
-          <a:xfrm>
-            <a:off x="762000" y="1123950"/>
-            <a:ext cx="3581400" cy="1384995"/>
-          </a:xfrm>
-          <a:prstGeom prst="rect">
-            <a:avLst/>
-          </a:prstGeom>
-          <a:solidFill>
-            <a:schemeClr val="tx2"/>
-          </a:solidFill>
-        </p:spPr>
-        <p:txBody>
-          <a:bodyPr wrap="square" rtlCol="0">
-            <a:spAutoFit/>
-          </a:bodyPr>
-          <a:lstStyle/>
-          <a:p>
-            <a:r>
-              <a:rPr lang="en-US" dirty="0" err="1">
+            <a:fld id="{FAC4D9A6-F092-9741-8C38-47C4EB7F0618}" type="slidenum">
+              <a:rPr lang="en-US" smtClean="0">
                 <a:solidFill>
-                  <a:schemeClr val="accent6"/>
+                  <a:srgbClr val="808080">
+                    <a:tint val="75000"/>
+                  </a:srgbClr>
                 </a:solidFill>
-                <a:latin typeface="Consolas"/>
-                <a:cs typeface="Consolas"/>
               </a:rPr>
-              <a:t>FileA</a:t>
-            </a:r>
-            <a:r>
-              <a:rPr lang="en-US" dirty="0">
-                <a:solidFill>
-                  <a:schemeClr val="accent6"/>
-                </a:solidFill>
-                <a:latin typeface="Consolas"/>
-                <a:cs typeface="Consolas"/>
-              </a:rPr>
-              <a:t>   34,368</a:t>
-            </a:r>
-          </a:p>
-          <a:p>
-            <a:r>
-              <a:rPr lang="en-US" dirty="0" err="1">
-                <a:solidFill>
-                  <a:schemeClr val="accent6"/>
-                </a:solidFill>
-                <a:latin typeface="Consolas"/>
-                <a:cs typeface="Consolas"/>
-              </a:rPr>
-              <a:t>FileB</a:t>
-            </a:r>
-            <a:r>
-              <a:rPr lang="en-US" dirty="0">
-                <a:solidFill>
-                  <a:schemeClr val="accent6"/>
-                </a:solidFill>
-                <a:latin typeface="Consolas"/>
-                <a:cs typeface="Consolas"/>
-              </a:rPr>
-              <a:t>   15,632</a:t>
-            </a:r>
-          </a:p>
-          <a:p>
-            <a:r>
-              <a:rPr lang="en-US" dirty="0" err="1">
-                <a:solidFill>
-                  <a:schemeClr val="accent6"/>
-                </a:solidFill>
-                <a:latin typeface="Consolas"/>
-                <a:cs typeface="Consolas"/>
-              </a:rPr>
-              <a:t>FileC</a:t>
-            </a:r>
-            <a:r>
-              <a:rPr lang="en-US" dirty="0">
-                <a:solidFill>
-                  <a:schemeClr val="accent6"/>
-                </a:solidFill>
-                <a:latin typeface="Consolas"/>
-                <a:cs typeface="Consolas"/>
-              </a:rPr>
-              <a:t>   28,453   </a:t>
-            </a:r>
-          </a:p>
-          <a:p>
-            <a:endParaRPr lang="en-US" dirty="0">
+              <a:pPr/>
+              <a:t>7</a:t>
+            </a:fld>
+            <a:endParaRPr lang="en-US">
               <a:solidFill>
-                <a:schemeClr val="accent6"/>
-              </a:solidFill>
-            </a:endParaRPr>
-          </a:p>
-          <a:p>
-            <a:endParaRPr lang="en-US" dirty="0">
-              <a:solidFill>
-                <a:schemeClr val="accent6"/>
-              </a:solidFill>
-            </a:endParaRPr>
-          </a:p>
-          <a:p>
-            <a:endParaRPr lang="en-US" dirty="0">
-              <a:solidFill>
-                <a:schemeClr val="accent6"/>
+                <a:srgbClr val="808080">
+                  <a:tint val="75000"/>
+                </a:srgbClr>
               </a:solidFill>
             </a:endParaRPr>
           </a:p>
@@ -56171,297 +57537,558 @@
       </p:sp>
       <p:sp>
         <p:nvSpPr>
-          <p:cNvPr id="5" name="Rectangle 4">
+          <p:cNvPr id="6" name="Title 3">
             <a:extLst>
               <a:ext uri="{FF2B5EF4-FFF2-40B4-BE49-F238E27FC236}">
-                <a16:creationId xmlns:a16="http://schemas.microsoft.com/office/drawing/2014/main" id="{04A3A03E-C9AF-4A9E-AFE3-C7CA3029D1C9}"/>
+                <a16:creationId xmlns:a16="http://schemas.microsoft.com/office/drawing/2014/main" id="{C7AF3132-15AC-4D72-B873-4995D752EE70}"/>
               </a:ext>
             </a:extLst>
           </p:cNvPr>
-          <p:cNvSpPr>
-            <a:spLocks noChangeArrowheads="1"/>
+          <p:cNvSpPr txBox="1">
+            <a:spLocks/>
           </p:cNvSpPr>
           <p:nvPr/>
         </p:nvSpPr>
-        <p:spPr bwMode="auto">
+        <p:spPr>
           <a:xfrm>
-            <a:off x="2342878" y="4566528"/>
-            <a:ext cx="4458272" cy="338554"/>
+            <a:off x="2435902" y="2713216"/>
+            <a:ext cx="4460198" cy="1874707"/>
           </a:xfrm>
           <a:prstGeom prst="rect">
             <a:avLst/>
           </a:prstGeom>
-          <a:solidFill>
-            <a:srgbClr val="FFFFFF"/>
-          </a:solidFill>
-          <a:ln>
-            <a:noFill/>
-          </a:ln>
-          <a:effectLst/>
-          <a:extLst>
-            <a:ext uri="{91240B29-F687-4F45-9708-019B960494DF}">
-              <a14:hiddenLine xmlns:a14="http://schemas.microsoft.com/office/drawing/2010/main" w="9525">
-                <a:solidFill>
-                  <a:schemeClr val="tx1"/>
-                </a:solidFill>
-                <a:miter lim="800000"/>
-                <a:headEnd/>
-                <a:tailEnd/>
-              </a14:hiddenLine>
-            </a:ext>
-            <a:ext uri="{AF507438-7753-43E0-B8FC-AC1667EBCBE1}">
-              <a14:hiddenEffects xmlns:a14="http://schemas.microsoft.com/office/drawing/2010/main">
-                <a:effectLst>
-                  <a:outerShdw dist="35921" dir="2700000" algn="ctr" rotWithShape="0">
-                    <a:schemeClr val="bg2"/>
-                  </a:outerShdw>
-                </a:effectLst>
-              </a14:hiddenEffects>
-            </a:ext>
-          </a:extLst>
         </p:spPr>
         <p:txBody>
-          <a:bodyPr vert="horz" wrap="none" lIns="91440" tIns="45720" rIns="91440" bIns="45720" numCol="1" anchor="ctr" anchorCtr="0" compatLnSpc="1">
-            <a:prstTxWarp prst="textNoShape">
-              <a:avLst/>
-            </a:prstTxWarp>
-            <a:spAutoFit/>
+          <a:bodyPr>
+            <a:noAutofit/>
           </a:bodyPr>
-          <a:lstStyle/>
-          <a:p>
-            <a:pPr lvl="0" algn="ctr" eaLnBrk="0" fontAlgn="base" hangingPunct="0">
+          <a:lstStyle>
+            <a:defPPr marR="0" lvl="0" algn="l" rtl="0">
+              <a:lnSpc>
+                <a:spcPct val="100000"/>
+              </a:lnSpc>
               <a:spcBef>
-                <a:spcPct val="0"/>
+                <a:spcPts val="0"/>
               </a:spcBef>
               <a:spcAft>
-                <a:spcPct val="0"/>
+                <a:spcPts val="0"/>
               </a:spcAft>
-              <a:buClrTx/>
-            </a:pPr>
-            <a:r>
-              <a:rPr kumimoji="0" lang="en-US" altLang="en-US" sz="1600" b="0" i="0" u="none" strike="noStrike" cap="none" normalizeH="0" baseline="0" dirty="0">
-                <a:ln>
-                  <a:noFill/>
-                </a:ln>
-                <a:solidFill>
-                  <a:srgbClr val="008080"/>
-                </a:solidFill>
-                <a:effectLst/>
-                <a:latin typeface="JetBrains Mono"/>
-              </a:rPr>
-              <a:t>std::string </a:t>
-            </a:r>
-            <a:r>
-              <a:rPr kumimoji="0" lang="en-US" altLang="en-US" sz="1600" b="0" i="0" u="none" strike="noStrike" cap="none" normalizeH="0" baseline="0" dirty="0" err="1">
-                <a:ln>
-                  <a:noFill/>
-                </a:ln>
+            </a:defPPr>
+            <a:lvl1pPr marR="0" lvl="0" algn="l" rtl="0">
+              <a:lnSpc>
+                <a:spcPct val="100000"/>
+              </a:lnSpc>
+              <a:spcBef>
+                <a:spcPts val="0"/>
+              </a:spcBef>
+              <a:spcAft>
+                <a:spcPts val="0"/>
+              </a:spcAft>
+              <a:buClr>
+                <a:srgbClr val="000000"/>
+              </a:buClr>
+              <a:buFont typeface="Arial"/>
+              <a:defRPr sz="1400" b="0" i="0" u="none" strike="noStrike" cap="none">
                 <a:solidFill>
                   <a:srgbClr val="000000"/>
                 </a:solidFill>
-                <a:effectLst/>
-                <a:latin typeface="JetBrains Mono"/>
-              </a:rPr>
-              <a:t>directoryFileList</a:t>
-            </a:r>
-            <a:r>
-              <a:rPr kumimoji="0" lang="en-US" altLang="en-US" sz="1600" b="0" i="0" u="none" strike="noStrike" cap="none" normalizeH="0" dirty="0">
-                <a:ln>
-                  <a:noFill/>
-                </a:ln>
+                <a:latin typeface="Arial"/>
+                <a:ea typeface="Arial"/>
+                <a:cs typeface="Arial"/>
+                <a:sym typeface="Arial"/>
+              </a:defRPr>
+            </a:lvl1pPr>
+            <a:lvl2pPr marR="0" lvl="1" algn="l" rtl="0">
+              <a:lnSpc>
+                <a:spcPct val="100000"/>
+              </a:lnSpc>
+              <a:spcBef>
+                <a:spcPts val="0"/>
+              </a:spcBef>
+              <a:spcAft>
+                <a:spcPts val="0"/>
+              </a:spcAft>
+              <a:buClr>
+                <a:srgbClr val="000000"/>
+              </a:buClr>
+              <a:buFont typeface="Arial"/>
+              <a:defRPr sz="1400" b="0" i="0" u="none" strike="noStrike" cap="none">
                 <a:solidFill>
                   <a:srgbClr val="000000"/>
                 </a:solidFill>
-                <a:effectLst/>
-                <a:latin typeface="JetBrains Mono"/>
-              </a:rPr>
+                <a:latin typeface="Arial"/>
+                <a:ea typeface="Arial"/>
+                <a:cs typeface="Arial"/>
+                <a:sym typeface="Arial"/>
+              </a:defRPr>
+            </a:lvl2pPr>
+            <a:lvl3pPr marR="0" lvl="2" algn="l" rtl="0">
+              <a:lnSpc>
+                <a:spcPct val="100000"/>
+              </a:lnSpc>
+              <a:spcBef>
+                <a:spcPts val="0"/>
+              </a:spcBef>
+              <a:spcAft>
+                <a:spcPts val="0"/>
+              </a:spcAft>
+              <a:buClr>
+                <a:srgbClr val="000000"/>
+              </a:buClr>
+              <a:buFont typeface="Arial"/>
+              <a:defRPr sz="1400" b="0" i="0" u="none" strike="noStrike" cap="none">
+                <a:solidFill>
+                  <a:srgbClr val="000000"/>
+                </a:solidFill>
+                <a:latin typeface="Arial"/>
+                <a:ea typeface="Arial"/>
+                <a:cs typeface="Arial"/>
+                <a:sym typeface="Arial"/>
+              </a:defRPr>
+            </a:lvl3pPr>
+            <a:lvl4pPr marR="0" lvl="3" algn="l" rtl="0">
+              <a:lnSpc>
+                <a:spcPct val="100000"/>
+              </a:lnSpc>
+              <a:spcBef>
+                <a:spcPts val="0"/>
+              </a:spcBef>
+              <a:spcAft>
+                <a:spcPts val="0"/>
+              </a:spcAft>
+              <a:buClr>
+                <a:srgbClr val="000000"/>
+              </a:buClr>
+              <a:buFont typeface="Arial"/>
+              <a:defRPr sz="1400" b="0" i="0" u="none" strike="noStrike" cap="none">
+                <a:solidFill>
+                  <a:srgbClr val="000000"/>
+                </a:solidFill>
+                <a:latin typeface="Arial"/>
+                <a:ea typeface="Arial"/>
+                <a:cs typeface="Arial"/>
+                <a:sym typeface="Arial"/>
+              </a:defRPr>
+            </a:lvl4pPr>
+            <a:lvl5pPr marR="0" lvl="4" algn="l" rtl="0">
+              <a:lnSpc>
+                <a:spcPct val="100000"/>
+              </a:lnSpc>
+              <a:spcBef>
+                <a:spcPts val="0"/>
+              </a:spcBef>
+              <a:spcAft>
+                <a:spcPts val="0"/>
+              </a:spcAft>
+              <a:buClr>
+                <a:srgbClr val="000000"/>
+              </a:buClr>
+              <a:buFont typeface="Arial"/>
+              <a:defRPr sz="1400" b="0" i="0" u="none" strike="noStrike" cap="none">
+                <a:solidFill>
+                  <a:srgbClr val="000000"/>
+                </a:solidFill>
+                <a:latin typeface="Arial"/>
+                <a:ea typeface="Arial"/>
+                <a:cs typeface="Arial"/>
+                <a:sym typeface="Arial"/>
+              </a:defRPr>
+            </a:lvl5pPr>
+            <a:lvl6pPr marR="0" lvl="5" algn="l" rtl="0">
+              <a:lnSpc>
+                <a:spcPct val="100000"/>
+              </a:lnSpc>
+              <a:spcBef>
+                <a:spcPts val="0"/>
+              </a:spcBef>
+              <a:spcAft>
+                <a:spcPts val="0"/>
+              </a:spcAft>
+              <a:buClr>
+                <a:srgbClr val="000000"/>
+              </a:buClr>
+              <a:buFont typeface="Arial"/>
+              <a:defRPr sz="1400" b="0" i="0" u="none" strike="noStrike" cap="none">
+                <a:solidFill>
+                  <a:srgbClr val="000000"/>
+                </a:solidFill>
+                <a:latin typeface="Arial"/>
+                <a:ea typeface="Arial"/>
+                <a:cs typeface="Arial"/>
+                <a:sym typeface="Arial"/>
+              </a:defRPr>
+            </a:lvl6pPr>
+            <a:lvl7pPr marR="0" lvl="6" algn="l" rtl="0">
+              <a:lnSpc>
+                <a:spcPct val="100000"/>
+              </a:lnSpc>
+              <a:spcBef>
+                <a:spcPts val="0"/>
+              </a:spcBef>
+              <a:spcAft>
+                <a:spcPts val="0"/>
+              </a:spcAft>
+              <a:buClr>
+                <a:srgbClr val="000000"/>
+              </a:buClr>
+              <a:buFont typeface="Arial"/>
+              <a:defRPr sz="1400" b="0" i="0" u="none" strike="noStrike" cap="none">
+                <a:solidFill>
+                  <a:srgbClr val="000000"/>
+                </a:solidFill>
+                <a:latin typeface="Arial"/>
+                <a:ea typeface="Arial"/>
+                <a:cs typeface="Arial"/>
+                <a:sym typeface="Arial"/>
+              </a:defRPr>
+            </a:lvl7pPr>
+            <a:lvl8pPr marR="0" lvl="7" algn="l" rtl="0">
+              <a:lnSpc>
+                <a:spcPct val="100000"/>
+              </a:lnSpc>
+              <a:spcBef>
+                <a:spcPts val="0"/>
+              </a:spcBef>
+              <a:spcAft>
+                <a:spcPts val="0"/>
+              </a:spcAft>
+              <a:buClr>
+                <a:srgbClr val="000000"/>
+              </a:buClr>
+              <a:buFont typeface="Arial"/>
+              <a:defRPr sz="1400" b="0" i="0" u="none" strike="noStrike" cap="none">
+                <a:solidFill>
+                  <a:srgbClr val="000000"/>
+                </a:solidFill>
+                <a:latin typeface="Arial"/>
+                <a:ea typeface="Arial"/>
+                <a:cs typeface="Arial"/>
+                <a:sym typeface="Arial"/>
+              </a:defRPr>
+            </a:lvl8pPr>
+            <a:lvl9pPr marR="0" lvl="8" algn="l" rtl="0">
+              <a:lnSpc>
+                <a:spcPct val="100000"/>
+              </a:lnSpc>
+              <a:spcBef>
+                <a:spcPts val="0"/>
+              </a:spcBef>
+              <a:spcAft>
+                <a:spcPts val="0"/>
+              </a:spcAft>
+              <a:buClr>
+                <a:srgbClr val="000000"/>
+              </a:buClr>
+              <a:buFont typeface="Arial"/>
+              <a:defRPr sz="1400" b="0" i="0" u="none" strike="noStrike" cap="none">
+                <a:solidFill>
+                  <a:srgbClr val="000000"/>
+                </a:solidFill>
+                <a:latin typeface="Arial"/>
+                <a:ea typeface="Arial"/>
+                <a:cs typeface="Arial"/>
+                <a:sym typeface="Arial"/>
+              </a:defRPr>
+            </a:lvl9pPr>
+          </a:lstStyle>
+          <a:p>
+            <a:pPr algn="r"/>
+            <a:r>
+              <a:rPr lang="en-US" sz="8000" dirty="0"/>
               <a:t> </a:t>
             </a:r>
             <a:r>
-              <a:rPr kumimoji="0" lang="en-US" altLang="en-US" sz="1600" b="0" i="0" u="none" strike="noStrike" cap="none" normalizeH="0" baseline="0" dirty="0">
-                <a:ln>
-                  <a:noFill/>
-                </a:ln>
+              <a:rPr lang="en-US" sz="8000" dirty="0">
                 <a:solidFill>
-                  <a:srgbClr val="080808"/>
+                  <a:schemeClr val="dk2"/>
                 </a:solidFill>
-                <a:effectLst/>
-                <a:latin typeface="JetBrains Mono"/>
+                <a:latin typeface="Dosis ExtraLight"/>
+                <a:sym typeface="Dosis ExtraLight"/>
               </a:rPr>
-              <a:t>= </a:t>
+              <a:t>+Logging</a:t>
             </a:r>
-            <a:r>
-              <a:rPr lang="en-US" altLang="en-US" sz="1600" dirty="0" err="1">
-                <a:solidFill>
-                  <a:srgbClr val="080808"/>
-                </a:solidFill>
-                <a:latin typeface="JetBrains Mono"/>
-              </a:rPr>
-              <a:t>writeFilesFor</a:t>
-            </a:r>
-            <a:r>
-              <a:rPr lang="en-US" altLang="en-US" sz="1600" dirty="0">
-                <a:solidFill>
-                  <a:srgbClr val="080808"/>
-                </a:solidFill>
-                <a:latin typeface="JetBrains Mono"/>
-              </a:rPr>
-              <a:t>(“Clare”);</a:t>
-            </a:r>
-            <a:endParaRPr kumimoji="0" lang="en-US" altLang="en-US" sz="4000" b="0" i="0" u="none" strike="noStrike" cap="none" normalizeH="0" baseline="0" dirty="0">
-              <a:ln>
-                <a:noFill/>
-              </a:ln>
-              <a:solidFill>
-                <a:schemeClr val="tx1"/>
-              </a:solidFill>
-              <a:effectLst/>
-              <a:latin typeface="Arial" panose="020B0604020202020204" pitchFamily="34" charset="0"/>
-            </a:endParaRPr>
           </a:p>
         </p:txBody>
       </p:sp>
       <p:sp>
         <p:nvSpPr>
-          <p:cNvPr id="6" name="Rectangle 5">
+          <p:cNvPr id="8" name="Title 3">
             <a:extLst>
               <a:ext uri="{FF2B5EF4-FFF2-40B4-BE49-F238E27FC236}">
-                <a16:creationId xmlns:a16="http://schemas.microsoft.com/office/drawing/2014/main" id="{6A076F44-D5E9-4459-9504-07A2BC04AC78}"/>
+                <a16:creationId xmlns:a16="http://schemas.microsoft.com/office/drawing/2014/main" id="{92C1881D-AFD9-40B7-801E-F99E48ABEAFE}"/>
               </a:ext>
             </a:extLst>
           </p:cNvPr>
-          <p:cNvSpPr>
-            <a:spLocks noChangeArrowheads="1"/>
+          <p:cNvSpPr txBox="1">
+            <a:spLocks/>
           </p:cNvSpPr>
           <p:nvPr/>
         </p:nvSpPr>
-        <p:spPr bwMode="auto">
+        <p:spPr>
           <a:xfrm>
-            <a:off x="2965631" y="238418"/>
-            <a:ext cx="3212739" cy="338554"/>
+            <a:off x="1593956" y="2713216"/>
+            <a:ext cx="1229192" cy="1874707"/>
           </a:xfrm>
           <a:prstGeom prst="rect">
             <a:avLst/>
           </a:prstGeom>
-          <a:solidFill>
-            <a:srgbClr val="FFFFFF"/>
-          </a:solidFill>
-          <a:ln>
-            <a:noFill/>
-          </a:ln>
-          <a:effectLst/>
-          <a:extLst>
-            <a:ext uri="{91240B29-F687-4F45-9708-019B960494DF}">
-              <a14:hiddenLine xmlns:a14="http://schemas.microsoft.com/office/drawing/2010/main" w="9525">
-                <a:solidFill>
-                  <a:schemeClr val="tx1"/>
-                </a:solidFill>
-                <a:miter lim="800000"/>
-                <a:headEnd/>
-                <a:tailEnd/>
-              </a14:hiddenLine>
-            </a:ext>
-            <a:ext uri="{AF507438-7753-43E0-B8FC-AC1667EBCBE1}">
-              <a14:hiddenEffects xmlns:a14="http://schemas.microsoft.com/office/drawing/2010/main">
-                <a:effectLst>
-                  <a:outerShdw dist="35921" dir="2700000" algn="ctr" rotWithShape="0">
-                    <a:schemeClr val="bg2"/>
-                  </a:outerShdw>
-                </a:effectLst>
-              </a14:hiddenEffects>
-            </a:ext>
-          </a:extLst>
         </p:spPr>
         <p:txBody>
-          <a:bodyPr vert="horz" wrap="none" lIns="91440" tIns="45720" rIns="91440" bIns="45720" numCol="1" anchor="ctr" anchorCtr="0" compatLnSpc="1">
-            <a:prstTxWarp prst="textNoShape">
-              <a:avLst/>
-            </a:prstTxWarp>
-            <a:spAutoFit/>
+          <a:bodyPr>
+            <a:noAutofit/>
           </a:bodyPr>
-          <a:lstStyle/>
-          <a:p>
-            <a:pPr marL="0" marR="0" lvl="0" indent="0" algn="l" defTabSz="914400" rtl="0" eaLnBrk="0" fontAlgn="base" latinLnBrk="0" hangingPunct="0">
+          <a:lstStyle>
+            <a:defPPr marR="0" lvl="0" algn="l" rtl="0">
               <a:lnSpc>
                 <a:spcPct val="100000"/>
               </a:lnSpc>
               <a:spcBef>
-                <a:spcPct val="0"/>
+                <a:spcPts val="0"/>
               </a:spcBef>
               <a:spcAft>
-                <a:spcPct val="0"/>
+                <a:spcPts val="0"/>
               </a:spcAft>
-              <a:buClrTx/>
-              <a:buSzTx/>
-              <a:buFontTx/>
-              <a:buNone/>
-              <a:tabLst/>
-            </a:pPr>
+            </a:defPPr>
+            <a:lvl1pPr marR="0" lvl="0" algn="l" rtl="0">
+              <a:lnSpc>
+                <a:spcPct val="100000"/>
+              </a:lnSpc>
+              <a:spcBef>
+                <a:spcPts val="0"/>
+              </a:spcBef>
+              <a:spcAft>
+                <a:spcPts val="0"/>
+              </a:spcAft>
+              <a:buClr>
+                <a:srgbClr val="000000"/>
+              </a:buClr>
+              <a:buFont typeface="Arial"/>
+              <a:defRPr sz="1400" b="0" i="0" u="none" strike="noStrike" cap="none">
+                <a:solidFill>
+                  <a:srgbClr val="000000"/>
+                </a:solidFill>
+                <a:latin typeface="Arial"/>
+                <a:ea typeface="Arial"/>
+                <a:cs typeface="Arial"/>
+                <a:sym typeface="Arial"/>
+              </a:defRPr>
+            </a:lvl1pPr>
+            <a:lvl2pPr marR="0" lvl="1" algn="l" rtl="0">
+              <a:lnSpc>
+                <a:spcPct val="100000"/>
+              </a:lnSpc>
+              <a:spcBef>
+                <a:spcPts val="0"/>
+              </a:spcBef>
+              <a:spcAft>
+                <a:spcPts val="0"/>
+              </a:spcAft>
+              <a:buClr>
+                <a:srgbClr val="000000"/>
+              </a:buClr>
+              <a:buFont typeface="Arial"/>
+              <a:defRPr sz="1400" b="0" i="0" u="none" strike="noStrike" cap="none">
+                <a:solidFill>
+                  <a:srgbClr val="000000"/>
+                </a:solidFill>
+                <a:latin typeface="Arial"/>
+                <a:ea typeface="Arial"/>
+                <a:cs typeface="Arial"/>
+                <a:sym typeface="Arial"/>
+              </a:defRPr>
+            </a:lvl2pPr>
+            <a:lvl3pPr marR="0" lvl="2" algn="l" rtl="0">
+              <a:lnSpc>
+                <a:spcPct val="100000"/>
+              </a:lnSpc>
+              <a:spcBef>
+                <a:spcPts val="0"/>
+              </a:spcBef>
+              <a:spcAft>
+                <a:spcPts val="0"/>
+              </a:spcAft>
+              <a:buClr>
+                <a:srgbClr val="000000"/>
+              </a:buClr>
+              <a:buFont typeface="Arial"/>
+              <a:defRPr sz="1400" b="0" i="0" u="none" strike="noStrike" cap="none">
+                <a:solidFill>
+                  <a:srgbClr val="000000"/>
+                </a:solidFill>
+                <a:latin typeface="Arial"/>
+                <a:ea typeface="Arial"/>
+                <a:cs typeface="Arial"/>
+                <a:sym typeface="Arial"/>
+              </a:defRPr>
+            </a:lvl3pPr>
+            <a:lvl4pPr marR="0" lvl="3" algn="l" rtl="0">
+              <a:lnSpc>
+                <a:spcPct val="100000"/>
+              </a:lnSpc>
+              <a:spcBef>
+                <a:spcPts val="0"/>
+              </a:spcBef>
+              <a:spcAft>
+                <a:spcPts val="0"/>
+              </a:spcAft>
+              <a:buClr>
+                <a:srgbClr val="000000"/>
+              </a:buClr>
+              <a:buFont typeface="Arial"/>
+              <a:defRPr sz="1400" b="0" i="0" u="none" strike="noStrike" cap="none">
+                <a:solidFill>
+                  <a:srgbClr val="000000"/>
+                </a:solidFill>
+                <a:latin typeface="Arial"/>
+                <a:ea typeface="Arial"/>
+                <a:cs typeface="Arial"/>
+                <a:sym typeface="Arial"/>
+              </a:defRPr>
+            </a:lvl4pPr>
+            <a:lvl5pPr marR="0" lvl="4" algn="l" rtl="0">
+              <a:lnSpc>
+                <a:spcPct val="100000"/>
+              </a:lnSpc>
+              <a:spcBef>
+                <a:spcPts val="0"/>
+              </a:spcBef>
+              <a:spcAft>
+                <a:spcPts val="0"/>
+              </a:spcAft>
+              <a:buClr>
+                <a:srgbClr val="000000"/>
+              </a:buClr>
+              <a:buFont typeface="Arial"/>
+              <a:defRPr sz="1400" b="0" i="0" u="none" strike="noStrike" cap="none">
+                <a:solidFill>
+                  <a:srgbClr val="000000"/>
+                </a:solidFill>
+                <a:latin typeface="Arial"/>
+                <a:ea typeface="Arial"/>
+                <a:cs typeface="Arial"/>
+                <a:sym typeface="Arial"/>
+              </a:defRPr>
+            </a:lvl5pPr>
+            <a:lvl6pPr marR="0" lvl="5" algn="l" rtl="0">
+              <a:lnSpc>
+                <a:spcPct val="100000"/>
+              </a:lnSpc>
+              <a:spcBef>
+                <a:spcPts val="0"/>
+              </a:spcBef>
+              <a:spcAft>
+                <a:spcPts val="0"/>
+              </a:spcAft>
+              <a:buClr>
+                <a:srgbClr val="000000"/>
+              </a:buClr>
+              <a:buFont typeface="Arial"/>
+              <a:defRPr sz="1400" b="0" i="0" u="none" strike="noStrike" cap="none">
+                <a:solidFill>
+                  <a:srgbClr val="000000"/>
+                </a:solidFill>
+                <a:latin typeface="Arial"/>
+                <a:ea typeface="Arial"/>
+                <a:cs typeface="Arial"/>
+                <a:sym typeface="Arial"/>
+              </a:defRPr>
+            </a:lvl6pPr>
+            <a:lvl7pPr marR="0" lvl="6" algn="l" rtl="0">
+              <a:lnSpc>
+                <a:spcPct val="100000"/>
+              </a:lnSpc>
+              <a:spcBef>
+                <a:spcPts val="0"/>
+              </a:spcBef>
+              <a:spcAft>
+                <a:spcPts val="0"/>
+              </a:spcAft>
+              <a:buClr>
+                <a:srgbClr val="000000"/>
+              </a:buClr>
+              <a:buFont typeface="Arial"/>
+              <a:defRPr sz="1400" b="0" i="0" u="none" strike="noStrike" cap="none">
+                <a:solidFill>
+                  <a:srgbClr val="000000"/>
+                </a:solidFill>
+                <a:latin typeface="Arial"/>
+                <a:ea typeface="Arial"/>
+                <a:cs typeface="Arial"/>
+                <a:sym typeface="Arial"/>
+              </a:defRPr>
+            </a:lvl7pPr>
+            <a:lvl8pPr marR="0" lvl="7" algn="l" rtl="0">
+              <a:lnSpc>
+                <a:spcPct val="100000"/>
+              </a:lnSpc>
+              <a:spcBef>
+                <a:spcPts val="0"/>
+              </a:spcBef>
+              <a:spcAft>
+                <a:spcPts val="0"/>
+              </a:spcAft>
+              <a:buClr>
+                <a:srgbClr val="000000"/>
+              </a:buClr>
+              <a:buFont typeface="Arial"/>
+              <a:defRPr sz="1400" b="0" i="0" u="none" strike="noStrike" cap="none">
+                <a:solidFill>
+                  <a:srgbClr val="000000"/>
+                </a:solidFill>
+                <a:latin typeface="Arial"/>
+                <a:ea typeface="Arial"/>
+                <a:cs typeface="Arial"/>
+                <a:sym typeface="Arial"/>
+              </a:defRPr>
+            </a:lvl8pPr>
+            <a:lvl9pPr marR="0" lvl="8" algn="l" rtl="0">
+              <a:lnSpc>
+                <a:spcPct val="100000"/>
+              </a:lnSpc>
+              <a:spcBef>
+                <a:spcPts val="0"/>
+              </a:spcBef>
+              <a:spcAft>
+                <a:spcPts val="0"/>
+              </a:spcAft>
+              <a:buClr>
+                <a:srgbClr val="000000"/>
+              </a:buClr>
+              <a:buFont typeface="Arial"/>
+              <a:defRPr sz="1400" b="0" i="0" u="none" strike="noStrike" cap="none">
+                <a:solidFill>
+                  <a:srgbClr val="000000"/>
+                </a:solidFill>
+                <a:latin typeface="Arial"/>
+                <a:ea typeface="Arial"/>
+                <a:cs typeface="Arial"/>
+                <a:sym typeface="Arial"/>
+              </a:defRPr>
+            </a:lvl9pPr>
+          </a:lstStyle>
+          <a:p>
+            <a:pPr algn="r"/>
             <a:r>
-              <a:rPr lang="en-US" altLang="en-US" sz="1600" dirty="0">
-                <a:solidFill>
-                  <a:srgbClr val="008080"/>
-                </a:solidFill>
-                <a:latin typeface="JetBrains Mono"/>
-              </a:rPr>
-              <a:t>v</a:t>
+              <a:rPr lang="en-US" sz="8000" dirty="0"/>
+              <a:t> </a:t>
             </a:r>
             <a:r>
-              <a:rPr kumimoji="0" lang="en-US" altLang="en-US" sz="1600" b="0" i="0" u="none" strike="noStrike" cap="none" normalizeH="0" baseline="0" dirty="0">
-                <a:ln>
-                  <a:noFill/>
-                </a:ln>
+              <a:rPr lang="en-US" sz="8000" dirty="0">
                 <a:solidFill>
-                  <a:srgbClr val="008080"/>
+                  <a:schemeClr val="dk2"/>
                 </a:solidFill>
-                <a:effectLst/>
-                <a:latin typeface="JetBrains Mono"/>
+                <a:latin typeface="Dosis ExtraLight"/>
+                <a:sym typeface="Dosis ExtraLight"/>
               </a:rPr>
-              <a:t>oid </a:t>
+              <a:t>0</a:t>
             </a:r>
-            <a:r>
-              <a:rPr kumimoji="0" lang="en-US" altLang="en-US" sz="1600" b="0" i="0" u="none" strike="noStrike" cap="none" normalizeH="0" baseline="0" dirty="0" err="1">
-                <a:ln>
-                  <a:noFill/>
-                </a:ln>
-                <a:solidFill>
-                  <a:srgbClr val="080808"/>
-                </a:solidFill>
-                <a:effectLst/>
-                <a:latin typeface="JetBrains Mono"/>
-              </a:rPr>
-              <a:t>writeFilesFor</a:t>
-            </a:r>
-            <a:r>
-              <a:rPr kumimoji="0" lang="en-US" altLang="en-US" sz="1600" b="0" i="0" u="none" strike="noStrike" cap="none" normalizeH="0" baseline="0" dirty="0">
-                <a:ln>
-                  <a:noFill/>
-                </a:ln>
-                <a:solidFill>
-                  <a:srgbClr val="080808"/>
-                </a:solidFill>
-                <a:effectLst/>
-                <a:latin typeface="JetBrains Mono"/>
-              </a:rPr>
-              <a:t>(std::string name)</a:t>
-            </a:r>
-            <a:endParaRPr kumimoji="0" lang="en-US" altLang="en-US" sz="4000" b="0" i="0" u="none" strike="noStrike" cap="none" normalizeH="0" baseline="0" dirty="0">
-              <a:ln>
-                <a:noFill/>
-              </a:ln>
-              <a:solidFill>
-                <a:schemeClr val="tx1"/>
-              </a:solidFill>
-              <a:effectLst/>
-              <a:latin typeface="Arial" panose="020B0604020202020204" pitchFamily="34" charset="0"/>
-            </a:endParaRPr>
           </a:p>
         </p:txBody>
       </p:sp>
     </p:spTree>
     <p:extLst>
       <p:ext uri="{BB962C8B-B14F-4D97-AF65-F5344CB8AC3E}">
-        <p14:creationId xmlns:p14="http://schemas.microsoft.com/office/powerpoint/2010/main" val="3924897623"/>
+        <p14:creationId xmlns:p14="http://schemas.microsoft.com/office/powerpoint/2010/main" val="3236498775"/>
       </p:ext>
     </p:extLst>
   </p:cSld>
@@ -56489,7 +58116,7 @@
                             </p:stCondLst>
                             <p:childTnLst>
                               <p:par>
-                                <p:cTn id="5" presetID="1" presetClass="entr" presetSubtype="0" fill="hold" grpId="0" nodeType="clickEffect">
+                                <p:cTn id="5" presetID="22" presetClass="entr" presetSubtype="8" fill="hold" grpId="0" nodeType="clickEffect">
                                   <p:stCondLst>
                                     <p:cond delay="0"/>
                                   </p:stCondLst>
@@ -56502,7 +58129,5343 @@
                                           </p:stCondLst>
                                         </p:cTn>
                                         <p:tgtEl>
+                                          <p:spTgt spid="6"/>
+                                        </p:tgtEl>
+                                        <p:attrNameLst>
+                                          <p:attrName>style.visibility</p:attrName>
+                                        </p:attrNameLst>
+                                      </p:cBhvr>
+                                      <p:to>
+                                        <p:strVal val="visible"/>
+                                      </p:to>
+                                    </p:set>
+                                    <p:animEffect transition="in" filter="wipe(left)">
+                                      <p:cBhvr>
+                                        <p:cTn id="7" dur="500"/>
+                                        <p:tgtEl>
+                                          <p:spTgt spid="6"/>
+                                        </p:tgtEl>
+                                      </p:cBhvr>
+                                    </p:animEffect>
+                                  </p:childTnLst>
+                                </p:cTn>
+                              </p:par>
+                            </p:childTnLst>
+                          </p:cTn>
+                        </p:par>
+                      </p:childTnLst>
+                    </p:cTn>
+                  </p:par>
+                </p:childTnLst>
+              </p:cTn>
+              <p:prevCondLst>
+                <p:cond evt="onPrev" delay="0">
+                  <p:tgtEl>
+                    <p:sldTgt/>
+                  </p:tgtEl>
+                </p:cond>
+              </p:prevCondLst>
+              <p:nextCondLst>
+                <p:cond evt="onNext" delay="0">
+                  <p:tgtEl>
+                    <p:sldTgt/>
+                  </p:tgtEl>
+                </p:cond>
+              </p:nextCondLst>
+            </p:seq>
+          </p:childTnLst>
+        </p:cTn>
+      </p:par>
+    </p:tnLst>
+    <p:bldLst>
+      <p:bldP spid="6" grpId="0"/>
+    </p:bldLst>
+  </p:timing>
+</p:sld>
+</file>
+
+<file path=ppt/slides/slide8.xml><?xml version="1.0" encoding="utf-8"?>
+<p:sld xmlns:a="http://schemas.openxmlformats.org/drawingml/2006/main" xmlns:r="http://schemas.openxmlformats.org/officeDocument/2006/relationships" xmlns:p="http://schemas.openxmlformats.org/presentationml/2006/main">
+  <p:cSld>
+    <p:spTree>
+      <p:nvGrpSpPr>
+        <p:cNvPr id="1" name=""/>
+        <p:cNvGrpSpPr/>
+        <p:nvPr/>
+      </p:nvGrpSpPr>
+      <p:grpSpPr>
+        <a:xfrm>
+          <a:off x="0" y="0"/>
+          <a:ext cx="0" cy="0"/>
+          <a:chOff x="0" y="0"/>
+          <a:chExt cx="0" cy="0"/>
+        </a:xfrm>
+      </p:grpSpPr>
+      <p:sp>
+        <p:nvSpPr>
+          <p:cNvPr id="4" name="Slide Number Placeholder 3">
+            <a:extLst>
+              <a:ext uri="{FF2B5EF4-FFF2-40B4-BE49-F238E27FC236}">
+                <a16:creationId xmlns:a16="http://schemas.microsoft.com/office/drawing/2014/main" id="{1915C1A9-57BA-4ED9-B97B-6BF3DB55DAD4}"/>
+              </a:ext>
+            </a:extLst>
+          </p:cNvPr>
+          <p:cNvSpPr>
+            <a:spLocks noGrp="1"/>
+          </p:cNvSpPr>
+          <p:nvPr>
+            <p:ph type="sldNum" idx="12"/>
+          </p:nvPr>
+        </p:nvSpPr>
+        <p:spPr/>
+        <p:txBody>
+          <a:bodyPr/>
+          <a:lstStyle/>
+          <a:p>
+            <a:fld id="{FAC4D9A6-F092-9741-8C38-47C4EB7F0618}" type="slidenum">
+              <a:rPr lang="en-US" smtClean="0">
+                <a:solidFill>
+                  <a:srgbClr val="808080">
+                    <a:tint val="75000"/>
+                  </a:srgbClr>
+                </a:solidFill>
+              </a:rPr>
+              <a:pPr/>
+              <a:t>8</a:t>
+            </a:fld>
+            <a:endParaRPr lang="en-US">
+              <a:solidFill>
+                <a:srgbClr val="808080">
+                  <a:tint val="75000"/>
+                </a:srgbClr>
+              </a:solidFill>
+            </a:endParaRPr>
+          </a:p>
+        </p:txBody>
+      </p:sp>
+      <p:sp>
+        <p:nvSpPr>
+          <p:cNvPr id="6" name="Title 3">
+            <a:extLst>
+              <a:ext uri="{FF2B5EF4-FFF2-40B4-BE49-F238E27FC236}">
+                <a16:creationId xmlns:a16="http://schemas.microsoft.com/office/drawing/2014/main" id="{C7AF3132-15AC-4D72-B873-4995D752EE70}"/>
+              </a:ext>
+            </a:extLst>
+          </p:cNvPr>
+          <p:cNvSpPr txBox="1">
+            <a:spLocks/>
+          </p:cNvSpPr>
+          <p:nvPr/>
+        </p:nvSpPr>
+        <p:spPr>
+          <a:xfrm>
+            <a:off x="2435902" y="2713216"/>
+            <a:ext cx="4460198" cy="1874707"/>
+          </a:xfrm>
+          <a:prstGeom prst="rect">
+            <a:avLst/>
+          </a:prstGeom>
+        </p:spPr>
+        <p:txBody>
+          <a:bodyPr>
+            <a:noAutofit/>
+          </a:bodyPr>
+          <a:lstStyle>
+            <a:defPPr marR="0" lvl="0" algn="l" rtl="0">
+              <a:lnSpc>
+                <a:spcPct val="100000"/>
+              </a:lnSpc>
+              <a:spcBef>
+                <a:spcPts val="0"/>
+              </a:spcBef>
+              <a:spcAft>
+                <a:spcPts val="0"/>
+              </a:spcAft>
+            </a:defPPr>
+            <a:lvl1pPr marR="0" lvl="0" algn="l" rtl="0">
+              <a:lnSpc>
+                <a:spcPct val="100000"/>
+              </a:lnSpc>
+              <a:spcBef>
+                <a:spcPts val="0"/>
+              </a:spcBef>
+              <a:spcAft>
+                <a:spcPts val="0"/>
+              </a:spcAft>
+              <a:buClr>
+                <a:srgbClr val="000000"/>
+              </a:buClr>
+              <a:buFont typeface="Arial"/>
+              <a:defRPr sz="1400" b="0" i="0" u="none" strike="noStrike" cap="none">
+                <a:solidFill>
+                  <a:srgbClr val="000000"/>
+                </a:solidFill>
+                <a:latin typeface="Arial"/>
+                <a:ea typeface="Arial"/>
+                <a:cs typeface="Arial"/>
+                <a:sym typeface="Arial"/>
+              </a:defRPr>
+            </a:lvl1pPr>
+            <a:lvl2pPr marR="0" lvl="1" algn="l" rtl="0">
+              <a:lnSpc>
+                <a:spcPct val="100000"/>
+              </a:lnSpc>
+              <a:spcBef>
+                <a:spcPts val="0"/>
+              </a:spcBef>
+              <a:spcAft>
+                <a:spcPts val="0"/>
+              </a:spcAft>
+              <a:buClr>
+                <a:srgbClr val="000000"/>
+              </a:buClr>
+              <a:buFont typeface="Arial"/>
+              <a:defRPr sz="1400" b="0" i="0" u="none" strike="noStrike" cap="none">
+                <a:solidFill>
+                  <a:srgbClr val="000000"/>
+                </a:solidFill>
+                <a:latin typeface="Arial"/>
+                <a:ea typeface="Arial"/>
+                <a:cs typeface="Arial"/>
+                <a:sym typeface="Arial"/>
+              </a:defRPr>
+            </a:lvl2pPr>
+            <a:lvl3pPr marR="0" lvl="2" algn="l" rtl="0">
+              <a:lnSpc>
+                <a:spcPct val="100000"/>
+              </a:lnSpc>
+              <a:spcBef>
+                <a:spcPts val="0"/>
+              </a:spcBef>
+              <a:spcAft>
+                <a:spcPts val="0"/>
+              </a:spcAft>
+              <a:buClr>
+                <a:srgbClr val="000000"/>
+              </a:buClr>
+              <a:buFont typeface="Arial"/>
+              <a:defRPr sz="1400" b="0" i="0" u="none" strike="noStrike" cap="none">
+                <a:solidFill>
+                  <a:srgbClr val="000000"/>
+                </a:solidFill>
+                <a:latin typeface="Arial"/>
+                <a:ea typeface="Arial"/>
+                <a:cs typeface="Arial"/>
+                <a:sym typeface="Arial"/>
+              </a:defRPr>
+            </a:lvl3pPr>
+            <a:lvl4pPr marR="0" lvl="3" algn="l" rtl="0">
+              <a:lnSpc>
+                <a:spcPct val="100000"/>
+              </a:lnSpc>
+              <a:spcBef>
+                <a:spcPts val="0"/>
+              </a:spcBef>
+              <a:spcAft>
+                <a:spcPts val="0"/>
+              </a:spcAft>
+              <a:buClr>
+                <a:srgbClr val="000000"/>
+              </a:buClr>
+              <a:buFont typeface="Arial"/>
+              <a:defRPr sz="1400" b="0" i="0" u="none" strike="noStrike" cap="none">
+                <a:solidFill>
+                  <a:srgbClr val="000000"/>
+                </a:solidFill>
+                <a:latin typeface="Arial"/>
+                <a:ea typeface="Arial"/>
+                <a:cs typeface="Arial"/>
+                <a:sym typeface="Arial"/>
+              </a:defRPr>
+            </a:lvl4pPr>
+            <a:lvl5pPr marR="0" lvl="4" algn="l" rtl="0">
+              <a:lnSpc>
+                <a:spcPct val="100000"/>
+              </a:lnSpc>
+              <a:spcBef>
+                <a:spcPts val="0"/>
+              </a:spcBef>
+              <a:spcAft>
+                <a:spcPts val="0"/>
+              </a:spcAft>
+              <a:buClr>
+                <a:srgbClr val="000000"/>
+              </a:buClr>
+              <a:buFont typeface="Arial"/>
+              <a:defRPr sz="1400" b="0" i="0" u="none" strike="noStrike" cap="none">
+                <a:solidFill>
+                  <a:srgbClr val="000000"/>
+                </a:solidFill>
+                <a:latin typeface="Arial"/>
+                <a:ea typeface="Arial"/>
+                <a:cs typeface="Arial"/>
+                <a:sym typeface="Arial"/>
+              </a:defRPr>
+            </a:lvl5pPr>
+            <a:lvl6pPr marR="0" lvl="5" algn="l" rtl="0">
+              <a:lnSpc>
+                <a:spcPct val="100000"/>
+              </a:lnSpc>
+              <a:spcBef>
+                <a:spcPts val="0"/>
+              </a:spcBef>
+              <a:spcAft>
+                <a:spcPts val="0"/>
+              </a:spcAft>
+              <a:buClr>
+                <a:srgbClr val="000000"/>
+              </a:buClr>
+              <a:buFont typeface="Arial"/>
+              <a:defRPr sz="1400" b="0" i="0" u="none" strike="noStrike" cap="none">
+                <a:solidFill>
+                  <a:srgbClr val="000000"/>
+                </a:solidFill>
+                <a:latin typeface="Arial"/>
+                <a:ea typeface="Arial"/>
+                <a:cs typeface="Arial"/>
+                <a:sym typeface="Arial"/>
+              </a:defRPr>
+            </a:lvl6pPr>
+            <a:lvl7pPr marR="0" lvl="6" algn="l" rtl="0">
+              <a:lnSpc>
+                <a:spcPct val="100000"/>
+              </a:lnSpc>
+              <a:spcBef>
+                <a:spcPts val="0"/>
+              </a:spcBef>
+              <a:spcAft>
+                <a:spcPts val="0"/>
+              </a:spcAft>
+              <a:buClr>
+                <a:srgbClr val="000000"/>
+              </a:buClr>
+              <a:buFont typeface="Arial"/>
+              <a:defRPr sz="1400" b="0" i="0" u="none" strike="noStrike" cap="none">
+                <a:solidFill>
+                  <a:srgbClr val="000000"/>
+                </a:solidFill>
+                <a:latin typeface="Arial"/>
+                <a:ea typeface="Arial"/>
+                <a:cs typeface="Arial"/>
+                <a:sym typeface="Arial"/>
+              </a:defRPr>
+            </a:lvl7pPr>
+            <a:lvl8pPr marR="0" lvl="7" algn="l" rtl="0">
+              <a:lnSpc>
+                <a:spcPct val="100000"/>
+              </a:lnSpc>
+              <a:spcBef>
+                <a:spcPts val="0"/>
+              </a:spcBef>
+              <a:spcAft>
+                <a:spcPts val="0"/>
+              </a:spcAft>
+              <a:buClr>
+                <a:srgbClr val="000000"/>
+              </a:buClr>
+              <a:buFont typeface="Arial"/>
+              <a:defRPr sz="1400" b="0" i="0" u="none" strike="noStrike" cap="none">
+                <a:solidFill>
+                  <a:srgbClr val="000000"/>
+                </a:solidFill>
+                <a:latin typeface="Arial"/>
+                <a:ea typeface="Arial"/>
+                <a:cs typeface="Arial"/>
+                <a:sym typeface="Arial"/>
+              </a:defRPr>
+            </a:lvl8pPr>
+            <a:lvl9pPr marR="0" lvl="8" algn="l" rtl="0">
+              <a:lnSpc>
+                <a:spcPct val="100000"/>
+              </a:lnSpc>
+              <a:spcBef>
+                <a:spcPts val="0"/>
+              </a:spcBef>
+              <a:spcAft>
+                <a:spcPts val="0"/>
+              </a:spcAft>
+              <a:buClr>
+                <a:srgbClr val="000000"/>
+              </a:buClr>
+              <a:buFont typeface="Arial"/>
+              <a:defRPr sz="1400" b="0" i="0" u="none" strike="noStrike" cap="none">
+                <a:solidFill>
+                  <a:srgbClr val="000000"/>
+                </a:solidFill>
+                <a:latin typeface="Arial"/>
+                <a:ea typeface="Arial"/>
+                <a:cs typeface="Arial"/>
+                <a:sym typeface="Arial"/>
+              </a:defRPr>
+            </a:lvl9pPr>
+          </a:lstStyle>
+          <a:p>
+            <a:pPr algn="r"/>
+            <a:r>
+              <a:rPr lang="en-US" sz="8000" dirty="0"/>
+              <a:t> </a:t>
+            </a:r>
+            <a:r>
+              <a:rPr lang="en-US" sz="8000" dirty="0">
+                <a:solidFill>
+                  <a:schemeClr val="dk2"/>
+                </a:solidFill>
+                <a:latin typeface="Dosis ExtraLight"/>
+                <a:sym typeface="Dosis ExtraLight"/>
+              </a:rPr>
+              <a:t>+Logging</a:t>
+            </a:r>
+          </a:p>
+        </p:txBody>
+      </p:sp>
+      <p:sp>
+        <p:nvSpPr>
+          <p:cNvPr id="8" name="Title 3">
+            <a:extLst>
+              <a:ext uri="{FF2B5EF4-FFF2-40B4-BE49-F238E27FC236}">
+                <a16:creationId xmlns:a16="http://schemas.microsoft.com/office/drawing/2014/main" id="{92C1881D-AFD9-40B7-801E-F99E48ABEAFE}"/>
+              </a:ext>
+            </a:extLst>
+          </p:cNvPr>
+          <p:cNvSpPr txBox="1">
+            <a:spLocks/>
+          </p:cNvSpPr>
+          <p:nvPr/>
+        </p:nvSpPr>
+        <p:spPr>
+          <a:xfrm>
+            <a:off x="1593956" y="2713216"/>
+            <a:ext cx="1229192" cy="1874707"/>
+          </a:xfrm>
+          <a:prstGeom prst="rect">
+            <a:avLst/>
+          </a:prstGeom>
+        </p:spPr>
+        <p:txBody>
+          <a:bodyPr>
+            <a:noAutofit/>
+          </a:bodyPr>
+          <a:lstStyle>
+            <a:defPPr marR="0" lvl="0" algn="l" rtl="0">
+              <a:lnSpc>
+                <a:spcPct val="100000"/>
+              </a:lnSpc>
+              <a:spcBef>
+                <a:spcPts val="0"/>
+              </a:spcBef>
+              <a:spcAft>
+                <a:spcPts val="0"/>
+              </a:spcAft>
+            </a:defPPr>
+            <a:lvl1pPr marR="0" lvl="0" algn="l" rtl="0">
+              <a:lnSpc>
+                <a:spcPct val="100000"/>
+              </a:lnSpc>
+              <a:spcBef>
+                <a:spcPts val="0"/>
+              </a:spcBef>
+              <a:spcAft>
+                <a:spcPts val="0"/>
+              </a:spcAft>
+              <a:buClr>
+                <a:srgbClr val="000000"/>
+              </a:buClr>
+              <a:buFont typeface="Arial"/>
+              <a:defRPr sz="1400" b="0" i="0" u="none" strike="noStrike" cap="none">
+                <a:solidFill>
+                  <a:srgbClr val="000000"/>
+                </a:solidFill>
+                <a:latin typeface="Arial"/>
+                <a:ea typeface="Arial"/>
+                <a:cs typeface="Arial"/>
+                <a:sym typeface="Arial"/>
+              </a:defRPr>
+            </a:lvl1pPr>
+            <a:lvl2pPr marR="0" lvl="1" algn="l" rtl="0">
+              <a:lnSpc>
+                <a:spcPct val="100000"/>
+              </a:lnSpc>
+              <a:spcBef>
+                <a:spcPts val="0"/>
+              </a:spcBef>
+              <a:spcAft>
+                <a:spcPts val="0"/>
+              </a:spcAft>
+              <a:buClr>
+                <a:srgbClr val="000000"/>
+              </a:buClr>
+              <a:buFont typeface="Arial"/>
+              <a:defRPr sz="1400" b="0" i="0" u="none" strike="noStrike" cap="none">
+                <a:solidFill>
+                  <a:srgbClr val="000000"/>
+                </a:solidFill>
+                <a:latin typeface="Arial"/>
+                <a:ea typeface="Arial"/>
+                <a:cs typeface="Arial"/>
+                <a:sym typeface="Arial"/>
+              </a:defRPr>
+            </a:lvl2pPr>
+            <a:lvl3pPr marR="0" lvl="2" algn="l" rtl="0">
+              <a:lnSpc>
+                <a:spcPct val="100000"/>
+              </a:lnSpc>
+              <a:spcBef>
+                <a:spcPts val="0"/>
+              </a:spcBef>
+              <a:spcAft>
+                <a:spcPts val="0"/>
+              </a:spcAft>
+              <a:buClr>
+                <a:srgbClr val="000000"/>
+              </a:buClr>
+              <a:buFont typeface="Arial"/>
+              <a:defRPr sz="1400" b="0" i="0" u="none" strike="noStrike" cap="none">
+                <a:solidFill>
+                  <a:srgbClr val="000000"/>
+                </a:solidFill>
+                <a:latin typeface="Arial"/>
+                <a:ea typeface="Arial"/>
+                <a:cs typeface="Arial"/>
+                <a:sym typeface="Arial"/>
+              </a:defRPr>
+            </a:lvl3pPr>
+            <a:lvl4pPr marR="0" lvl="3" algn="l" rtl="0">
+              <a:lnSpc>
+                <a:spcPct val="100000"/>
+              </a:lnSpc>
+              <a:spcBef>
+                <a:spcPts val="0"/>
+              </a:spcBef>
+              <a:spcAft>
+                <a:spcPts val="0"/>
+              </a:spcAft>
+              <a:buClr>
+                <a:srgbClr val="000000"/>
+              </a:buClr>
+              <a:buFont typeface="Arial"/>
+              <a:defRPr sz="1400" b="0" i="0" u="none" strike="noStrike" cap="none">
+                <a:solidFill>
+                  <a:srgbClr val="000000"/>
+                </a:solidFill>
+                <a:latin typeface="Arial"/>
+                <a:ea typeface="Arial"/>
+                <a:cs typeface="Arial"/>
+                <a:sym typeface="Arial"/>
+              </a:defRPr>
+            </a:lvl4pPr>
+            <a:lvl5pPr marR="0" lvl="4" algn="l" rtl="0">
+              <a:lnSpc>
+                <a:spcPct val="100000"/>
+              </a:lnSpc>
+              <a:spcBef>
+                <a:spcPts val="0"/>
+              </a:spcBef>
+              <a:spcAft>
+                <a:spcPts val="0"/>
+              </a:spcAft>
+              <a:buClr>
+                <a:srgbClr val="000000"/>
+              </a:buClr>
+              <a:buFont typeface="Arial"/>
+              <a:defRPr sz="1400" b="0" i="0" u="none" strike="noStrike" cap="none">
+                <a:solidFill>
+                  <a:srgbClr val="000000"/>
+                </a:solidFill>
+                <a:latin typeface="Arial"/>
+                <a:ea typeface="Arial"/>
+                <a:cs typeface="Arial"/>
+                <a:sym typeface="Arial"/>
+              </a:defRPr>
+            </a:lvl5pPr>
+            <a:lvl6pPr marR="0" lvl="5" algn="l" rtl="0">
+              <a:lnSpc>
+                <a:spcPct val="100000"/>
+              </a:lnSpc>
+              <a:spcBef>
+                <a:spcPts val="0"/>
+              </a:spcBef>
+              <a:spcAft>
+                <a:spcPts val="0"/>
+              </a:spcAft>
+              <a:buClr>
+                <a:srgbClr val="000000"/>
+              </a:buClr>
+              <a:buFont typeface="Arial"/>
+              <a:defRPr sz="1400" b="0" i="0" u="none" strike="noStrike" cap="none">
+                <a:solidFill>
+                  <a:srgbClr val="000000"/>
+                </a:solidFill>
+                <a:latin typeface="Arial"/>
+                <a:ea typeface="Arial"/>
+                <a:cs typeface="Arial"/>
+                <a:sym typeface="Arial"/>
+              </a:defRPr>
+            </a:lvl6pPr>
+            <a:lvl7pPr marR="0" lvl="6" algn="l" rtl="0">
+              <a:lnSpc>
+                <a:spcPct val="100000"/>
+              </a:lnSpc>
+              <a:spcBef>
+                <a:spcPts val="0"/>
+              </a:spcBef>
+              <a:spcAft>
+                <a:spcPts val="0"/>
+              </a:spcAft>
+              <a:buClr>
+                <a:srgbClr val="000000"/>
+              </a:buClr>
+              <a:buFont typeface="Arial"/>
+              <a:defRPr sz="1400" b="0" i="0" u="none" strike="noStrike" cap="none">
+                <a:solidFill>
+                  <a:srgbClr val="000000"/>
+                </a:solidFill>
+                <a:latin typeface="Arial"/>
+                <a:ea typeface="Arial"/>
+                <a:cs typeface="Arial"/>
+                <a:sym typeface="Arial"/>
+              </a:defRPr>
+            </a:lvl7pPr>
+            <a:lvl8pPr marR="0" lvl="7" algn="l" rtl="0">
+              <a:lnSpc>
+                <a:spcPct val="100000"/>
+              </a:lnSpc>
+              <a:spcBef>
+                <a:spcPts val="0"/>
+              </a:spcBef>
+              <a:spcAft>
+                <a:spcPts val="0"/>
+              </a:spcAft>
+              <a:buClr>
+                <a:srgbClr val="000000"/>
+              </a:buClr>
+              <a:buFont typeface="Arial"/>
+              <a:defRPr sz="1400" b="0" i="0" u="none" strike="noStrike" cap="none">
+                <a:solidFill>
+                  <a:srgbClr val="000000"/>
+                </a:solidFill>
+                <a:latin typeface="Arial"/>
+                <a:ea typeface="Arial"/>
+                <a:cs typeface="Arial"/>
+                <a:sym typeface="Arial"/>
+              </a:defRPr>
+            </a:lvl8pPr>
+            <a:lvl9pPr marR="0" lvl="8" algn="l" rtl="0">
+              <a:lnSpc>
+                <a:spcPct val="100000"/>
+              </a:lnSpc>
+              <a:spcBef>
+                <a:spcPts val="0"/>
+              </a:spcBef>
+              <a:spcAft>
+                <a:spcPts val="0"/>
+              </a:spcAft>
+              <a:buClr>
+                <a:srgbClr val="000000"/>
+              </a:buClr>
+              <a:buFont typeface="Arial"/>
+              <a:defRPr sz="1400" b="0" i="0" u="none" strike="noStrike" cap="none">
+                <a:solidFill>
+                  <a:srgbClr val="000000"/>
+                </a:solidFill>
+                <a:latin typeface="Arial"/>
+                <a:ea typeface="Arial"/>
+                <a:cs typeface="Arial"/>
+                <a:sym typeface="Arial"/>
+              </a:defRPr>
+            </a:lvl9pPr>
+          </a:lstStyle>
+          <a:p>
+            <a:pPr algn="r"/>
+            <a:r>
+              <a:rPr lang="en-US" sz="8000" dirty="0"/>
+              <a:t> </a:t>
+            </a:r>
+            <a:r>
+              <a:rPr lang="en-US" sz="8000" dirty="0">
+                <a:solidFill>
+                  <a:schemeClr val="dk2"/>
+                </a:solidFill>
+                <a:latin typeface="Dosis ExtraLight"/>
+                <a:sym typeface="Dosis ExtraLight"/>
+              </a:rPr>
+              <a:t>7</a:t>
+            </a:r>
+          </a:p>
+        </p:txBody>
+      </p:sp>
+    </p:spTree>
+    <p:extLst>
+      <p:ext uri="{BB962C8B-B14F-4D97-AF65-F5344CB8AC3E}">
+        <p14:creationId xmlns:p14="http://schemas.microsoft.com/office/powerpoint/2010/main" val="819299909"/>
+      </p:ext>
+    </p:extLst>
+  </p:cSld>
+  <p:clrMapOvr>
+    <a:masterClrMapping/>
+  </p:clrMapOvr>
+  <p:timing>
+    <p:tnLst>
+      <p:par>
+        <p:cTn id="1" dur="indefinite" restart="never" nodeType="tmRoot">
+          <p:childTnLst>
+            <p:seq concurrent="1" nextAc="seek">
+              <p:cTn id="2" dur="indefinite" nodeType="mainSeq">
+                <p:childTnLst>
+                  <p:par>
+                    <p:cTn id="3" fill="hold">
+                      <p:stCondLst>
+                        <p:cond delay="indefinite"/>
+                      </p:stCondLst>
+                      <p:childTnLst>
+                        <p:par>
+                          <p:cTn id="4" fill="hold">
+                            <p:stCondLst>
+                              <p:cond delay="0"/>
+                            </p:stCondLst>
+                            <p:childTnLst>
+                              <p:par>
+                                <p:cTn id="5" presetID="22" presetClass="entr" presetSubtype="8" fill="hold" grpId="0" nodeType="clickEffect">
+                                  <p:stCondLst>
+                                    <p:cond delay="0"/>
+                                  </p:stCondLst>
+                                  <p:childTnLst>
+                                    <p:set>
+                                      <p:cBhvr>
+                                        <p:cTn id="6" dur="1" fill="hold">
+                                          <p:stCondLst>
+                                            <p:cond delay="0"/>
+                                          </p:stCondLst>
+                                        </p:cTn>
+                                        <p:tgtEl>
+                                          <p:spTgt spid="6"/>
+                                        </p:tgtEl>
+                                        <p:attrNameLst>
+                                          <p:attrName>style.visibility</p:attrName>
+                                        </p:attrNameLst>
+                                      </p:cBhvr>
+                                      <p:to>
+                                        <p:strVal val="visible"/>
+                                      </p:to>
+                                    </p:set>
+                                    <p:animEffect transition="in" filter="wipe(left)">
+                                      <p:cBhvr>
+                                        <p:cTn id="7" dur="500"/>
+                                        <p:tgtEl>
+                                          <p:spTgt spid="6"/>
+                                        </p:tgtEl>
+                                      </p:cBhvr>
+                                    </p:animEffect>
+                                  </p:childTnLst>
+                                </p:cTn>
+                              </p:par>
+                            </p:childTnLst>
+                          </p:cTn>
+                        </p:par>
+                      </p:childTnLst>
+                    </p:cTn>
+                  </p:par>
+                </p:childTnLst>
+              </p:cTn>
+              <p:prevCondLst>
+                <p:cond evt="onPrev" delay="0">
+                  <p:tgtEl>
+                    <p:sldTgt/>
+                  </p:tgtEl>
+                </p:cond>
+              </p:prevCondLst>
+              <p:nextCondLst>
+                <p:cond evt="onNext" delay="0">
+                  <p:tgtEl>
+                    <p:sldTgt/>
+                  </p:tgtEl>
+                </p:cond>
+              </p:nextCondLst>
+            </p:seq>
+          </p:childTnLst>
+        </p:cTn>
+      </p:par>
+    </p:tnLst>
+    <p:bldLst>
+      <p:bldP spid="6" grpId="0"/>
+    </p:bldLst>
+  </p:timing>
+</p:sld>
+</file>
+
+<file path=ppt/slides/slide9.xml><?xml version="1.0" encoding="utf-8"?>
+<p:sld xmlns:a="http://schemas.openxmlformats.org/drawingml/2006/main" xmlns:r="http://schemas.openxmlformats.org/officeDocument/2006/relationships" xmlns:p="http://schemas.openxmlformats.org/presentationml/2006/main">
+  <p:cSld>
+    <p:spTree>
+      <p:nvGrpSpPr>
+        <p:cNvPr id="1" name=""/>
+        <p:cNvGrpSpPr/>
+        <p:nvPr/>
+      </p:nvGrpSpPr>
+      <p:grpSpPr>
+        <a:xfrm>
+          <a:off x="0" y="0"/>
+          <a:ext cx="0" cy="0"/>
+          <a:chOff x="0" y="0"/>
+          <a:chExt cx="0" cy="0"/>
+        </a:xfrm>
+      </p:grpSpPr>
+      <p:sp>
+        <p:nvSpPr>
+          <p:cNvPr id="4" name="Slide Number Placeholder 3">
+            <a:extLst>
+              <a:ext uri="{FF2B5EF4-FFF2-40B4-BE49-F238E27FC236}">
+                <a16:creationId xmlns:a16="http://schemas.microsoft.com/office/drawing/2014/main" id="{1915C1A9-57BA-4ED9-B97B-6BF3DB55DAD4}"/>
+              </a:ext>
+            </a:extLst>
+          </p:cNvPr>
+          <p:cNvSpPr>
+            <a:spLocks noGrp="1"/>
+          </p:cNvSpPr>
+          <p:nvPr>
+            <p:ph type="sldNum" idx="12"/>
+          </p:nvPr>
+        </p:nvSpPr>
+        <p:spPr/>
+        <p:txBody>
+          <a:bodyPr/>
+          <a:lstStyle/>
+          <a:p>
+            <a:fld id="{FAC4D9A6-F092-9741-8C38-47C4EB7F0618}" type="slidenum">
+              <a:rPr lang="en-US" smtClean="0">
+                <a:solidFill>
+                  <a:srgbClr val="808080">
+                    <a:tint val="75000"/>
+                  </a:srgbClr>
+                </a:solidFill>
+              </a:rPr>
+              <a:pPr/>
+              <a:t>9</a:t>
+            </a:fld>
+            <a:endParaRPr lang="en-US">
+              <a:solidFill>
+                <a:srgbClr val="808080">
+                  <a:tint val="75000"/>
+                </a:srgbClr>
+              </a:solidFill>
+            </a:endParaRPr>
+          </a:p>
+        </p:txBody>
+      </p:sp>
+      <p:sp>
+        <p:nvSpPr>
+          <p:cNvPr id="6" name="Title 3">
+            <a:extLst>
+              <a:ext uri="{FF2B5EF4-FFF2-40B4-BE49-F238E27FC236}">
+                <a16:creationId xmlns:a16="http://schemas.microsoft.com/office/drawing/2014/main" id="{C7AF3132-15AC-4D72-B873-4995D752EE70}"/>
+              </a:ext>
+            </a:extLst>
+          </p:cNvPr>
+          <p:cNvSpPr txBox="1">
+            <a:spLocks/>
+          </p:cNvSpPr>
+          <p:nvPr/>
+        </p:nvSpPr>
+        <p:spPr>
+          <a:xfrm>
+            <a:off x="2435902" y="2713216"/>
+            <a:ext cx="4460198" cy="1874707"/>
+          </a:xfrm>
+          <a:prstGeom prst="rect">
+            <a:avLst/>
+          </a:prstGeom>
+        </p:spPr>
+        <p:txBody>
+          <a:bodyPr>
+            <a:noAutofit/>
+          </a:bodyPr>
+          <a:lstStyle>
+            <a:defPPr marR="0" lvl="0" algn="l" rtl="0">
+              <a:lnSpc>
+                <a:spcPct val="100000"/>
+              </a:lnSpc>
+              <a:spcBef>
+                <a:spcPts val="0"/>
+              </a:spcBef>
+              <a:spcAft>
+                <a:spcPts val="0"/>
+              </a:spcAft>
+            </a:defPPr>
+            <a:lvl1pPr marR="0" lvl="0" algn="l" rtl="0">
+              <a:lnSpc>
+                <a:spcPct val="100000"/>
+              </a:lnSpc>
+              <a:spcBef>
+                <a:spcPts val="0"/>
+              </a:spcBef>
+              <a:spcAft>
+                <a:spcPts val="0"/>
+              </a:spcAft>
+              <a:buClr>
+                <a:srgbClr val="000000"/>
+              </a:buClr>
+              <a:buFont typeface="Arial"/>
+              <a:defRPr sz="1400" b="0" i="0" u="none" strike="noStrike" cap="none">
+                <a:solidFill>
+                  <a:srgbClr val="000000"/>
+                </a:solidFill>
+                <a:latin typeface="Arial"/>
+                <a:ea typeface="Arial"/>
+                <a:cs typeface="Arial"/>
+                <a:sym typeface="Arial"/>
+              </a:defRPr>
+            </a:lvl1pPr>
+            <a:lvl2pPr marR="0" lvl="1" algn="l" rtl="0">
+              <a:lnSpc>
+                <a:spcPct val="100000"/>
+              </a:lnSpc>
+              <a:spcBef>
+                <a:spcPts val="0"/>
+              </a:spcBef>
+              <a:spcAft>
+                <a:spcPts val="0"/>
+              </a:spcAft>
+              <a:buClr>
+                <a:srgbClr val="000000"/>
+              </a:buClr>
+              <a:buFont typeface="Arial"/>
+              <a:defRPr sz="1400" b="0" i="0" u="none" strike="noStrike" cap="none">
+                <a:solidFill>
+                  <a:srgbClr val="000000"/>
+                </a:solidFill>
+                <a:latin typeface="Arial"/>
+                <a:ea typeface="Arial"/>
+                <a:cs typeface="Arial"/>
+                <a:sym typeface="Arial"/>
+              </a:defRPr>
+            </a:lvl2pPr>
+            <a:lvl3pPr marR="0" lvl="2" algn="l" rtl="0">
+              <a:lnSpc>
+                <a:spcPct val="100000"/>
+              </a:lnSpc>
+              <a:spcBef>
+                <a:spcPts val="0"/>
+              </a:spcBef>
+              <a:spcAft>
+                <a:spcPts val="0"/>
+              </a:spcAft>
+              <a:buClr>
+                <a:srgbClr val="000000"/>
+              </a:buClr>
+              <a:buFont typeface="Arial"/>
+              <a:defRPr sz="1400" b="0" i="0" u="none" strike="noStrike" cap="none">
+                <a:solidFill>
+                  <a:srgbClr val="000000"/>
+                </a:solidFill>
+                <a:latin typeface="Arial"/>
+                <a:ea typeface="Arial"/>
+                <a:cs typeface="Arial"/>
+                <a:sym typeface="Arial"/>
+              </a:defRPr>
+            </a:lvl3pPr>
+            <a:lvl4pPr marR="0" lvl="3" algn="l" rtl="0">
+              <a:lnSpc>
+                <a:spcPct val="100000"/>
+              </a:lnSpc>
+              <a:spcBef>
+                <a:spcPts val="0"/>
+              </a:spcBef>
+              <a:spcAft>
+                <a:spcPts val="0"/>
+              </a:spcAft>
+              <a:buClr>
+                <a:srgbClr val="000000"/>
+              </a:buClr>
+              <a:buFont typeface="Arial"/>
+              <a:defRPr sz="1400" b="0" i="0" u="none" strike="noStrike" cap="none">
+                <a:solidFill>
+                  <a:srgbClr val="000000"/>
+                </a:solidFill>
+                <a:latin typeface="Arial"/>
+                <a:ea typeface="Arial"/>
+                <a:cs typeface="Arial"/>
+                <a:sym typeface="Arial"/>
+              </a:defRPr>
+            </a:lvl4pPr>
+            <a:lvl5pPr marR="0" lvl="4" algn="l" rtl="0">
+              <a:lnSpc>
+                <a:spcPct val="100000"/>
+              </a:lnSpc>
+              <a:spcBef>
+                <a:spcPts val="0"/>
+              </a:spcBef>
+              <a:spcAft>
+                <a:spcPts val="0"/>
+              </a:spcAft>
+              <a:buClr>
+                <a:srgbClr val="000000"/>
+              </a:buClr>
+              <a:buFont typeface="Arial"/>
+              <a:defRPr sz="1400" b="0" i="0" u="none" strike="noStrike" cap="none">
+                <a:solidFill>
+                  <a:srgbClr val="000000"/>
+                </a:solidFill>
+                <a:latin typeface="Arial"/>
+                <a:ea typeface="Arial"/>
+                <a:cs typeface="Arial"/>
+                <a:sym typeface="Arial"/>
+              </a:defRPr>
+            </a:lvl5pPr>
+            <a:lvl6pPr marR="0" lvl="5" algn="l" rtl="0">
+              <a:lnSpc>
+                <a:spcPct val="100000"/>
+              </a:lnSpc>
+              <a:spcBef>
+                <a:spcPts val="0"/>
+              </a:spcBef>
+              <a:spcAft>
+                <a:spcPts val="0"/>
+              </a:spcAft>
+              <a:buClr>
+                <a:srgbClr val="000000"/>
+              </a:buClr>
+              <a:buFont typeface="Arial"/>
+              <a:defRPr sz="1400" b="0" i="0" u="none" strike="noStrike" cap="none">
+                <a:solidFill>
+                  <a:srgbClr val="000000"/>
+                </a:solidFill>
+                <a:latin typeface="Arial"/>
+                <a:ea typeface="Arial"/>
+                <a:cs typeface="Arial"/>
+                <a:sym typeface="Arial"/>
+              </a:defRPr>
+            </a:lvl6pPr>
+            <a:lvl7pPr marR="0" lvl="6" algn="l" rtl="0">
+              <a:lnSpc>
+                <a:spcPct val="100000"/>
+              </a:lnSpc>
+              <a:spcBef>
+                <a:spcPts val="0"/>
+              </a:spcBef>
+              <a:spcAft>
+                <a:spcPts val="0"/>
+              </a:spcAft>
+              <a:buClr>
+                <a:srgbClr val="000000"/>
+              </a:buClr>
+              <a:buFont typeface="Arial"/>
+              <a:defRPr sz="1400" b="0" i="0" u="none" strike="noStrike" cap="none">
+                <a:solidFill>
+                  <a:srgbClr val="000000"/>
+                </a:solidFill>
+                <a:latin typeface="Arial"/>
+                <a:ea typeface="Arial"/>
+                <a:cs typeface="Arial"/>
+                <a:sym typeface="Arial"/>
+              </a:defRPr>
+            </a:lvl7pPr>
+            <a:lvl8pPr marR="0" lvl="7" algn="l" rtl="0">
+              <a:lnSpc>
+                <a:spcPct val="100000"/>
+              </a:lnSpc>
+              <a:spcBef>
+                <a:spcPts val="0"/>
+              </a:spcBef>
+              <a:spcAft>
+                <a:spcPts val="0"/>
+              </a:spcAft>
+              <a:buClr>
+                <a:srgbClr val="000000"/>
+              </a:buClr>
+              <a:buFont typeface="Arial"/>
+              <a:defRPr sz="1400" b="0" i="0" u="none" strike="noStrike" cap="none">
+                <a:solidFill>
+                  <a:srgbClr val="000000"/>
+                </a:solidFill>
+                <a:latin typeface="Arial"/>
+                <a:ea typeface="Arial"/>
+                <a:cs typeface="Arial"/>
+                <a:sym typeface="Arial"/>
+              </a:defRPr>
+            </a:lvl8pPr>
+            <a:lvl9pPr marR="0" lvl="8" algn="l" rtl="0">
+              <a:lnSpc>
+                <a:spcPct val="100000"/>
+              </a:lnSpc>
+              <a:spcBef>
+                <a:spcPts val="0"/>
+              </a:spcBef>
+              <a:spcAft>
+                <a:spcPts val="0"/>
+              </a:spcAft>
+              <a:buClr>
+                <a:srgbClr val="000000"/>
+              </a:buClr>
+              <a:buFont typeface="Arial"/>
+              <a:defRPr sz="1400" b="0" i="0" u="none" strike="noStrike" cap="none">
+                <a:solidFill>
+                  <a:srgbClr val="000000"/>
+                </a:solidFill>
+                <a:latin typeface="Arial"/>
+                <a:ea typeface="Arial"/>
+                <a:cs typeface="Arial"/>
+                <a:sym typeface="Arial"/>
+              </a:defRPr>
+            </a:lvl9pPr>
+          </a:lstStyle>
+          <a:p>
+            <a:pPr algn="r"/>
+            <a:r>
+              <a:rPr lang="en-US" sz="8000" dirty="0"/>
+              <a:t> </a:t>
+            </a:r>
+            <a:r>
+              <a:rPr lang="en-US" sz="8000" dirty="0">
+                <a:solidFill>
+                  <a:schemeClr val="dk2"/>
+                </a:solidFill>
+                <a:latin typeface="Dosis ExtraLight"/>
+                <a:sym typeface="Dosis ExtraLight"/>
+              </a:rPr>
+              <a:t>+Logging</a:t>
+            </a:r>
+          </a:p>
+        </p:txBody>
+      </p:sp>
+      <p:sp>
+        <p:nvSpPr>
+          <p:cNvPr id="8" name="Title 3">
+            <a:extLst>
+              <a:ext uri="{FF2B5EF4-FFF2-40B4-BE49-F238E27FC236}">
+                <a16:creationId xmlns:a16="http://schemas.microsoft.com/office/drawing/2014/main" id="{92C1881D-AFD9-40B7-801E-F99E48ABEAFE}"/>
+              </a:ext>
+            </a:extLst>
+          </p:cNvPr>
+          <p:cNvSpPr txBox="1">
+            <a:spLocks/>
+          </p:cNvSpPr>
+          <p:nvPr/>
+        </p:nvSpPr>
+        <p:spPr>
+          <a:xfrm>
+            <a:off x="-175260" y="2713216"/>
+            <a:ext cx="3219384" cy="1874707"/>
+          </a:xfrm>
+          <a:prstGeom prst="rect">
+            <a:avLst/>
+          </a:prstGeom>
+        </p:spPr>
+        <p:txBody>
+          <a:bodyPr>
+            <a:noAutofit/>
+          </a:bodyPr>
+          <a:lstStyle>
+            <a:defPPr marR="0" lvl="0" algn="l" rtl="0">
+              <a:lnSpc>
+                <a:spcPct val="100000"/>
+              </a:lnSpc>
+              <a:spcBef>
+                <a:spcPts val="0"/>
+              </a:spcBef>
+              <a:spcAft>
+                <a:spcPts val="0"/>
+              </a:spcAft>
+            </a:defPPr>
+            <a:lvl1pPr marR="0" lvl="0" algn="l" rtl="0">
+              <a:lnSpc>
+                <a:spcPct val="100000"/>
+              </a:lnSpc>
+              <a:spcBef>
+                <a:spcPts val="0"/>
+              </a:spcBef>
+              <a:spcAft>
+                <a:spcPts val="0"/>
+              </a:spcAft>
+              <a:buClr>
+                <a:srgbClr val="000000"/>
+              </a:buClr>
+              <a:buFont typeface="Arial"/>
+              <a:defRPr sz="1400" b="0" i="0" u="none" strike="noStrike" cap="none">
+                <a:solidFill>
+                  <a:srgbClr val="000000"/>
+                </a:solidFill>
+                <a:latin typeface="Arial"/>
+                <a:ea typeface="Arial"/>
+                <a:cs typeface="Arial"/>
+                <a:sym typeface="Arial"/>
+              </a:defRPr>
+            </a:lvl1pPr>
+            <a:lvl2pPr marR="0" lvl="1" algn="l" rtl="0">
+              <a:lnSpc>
+                <a:spcPct val="100000"/>
+              </a:lnSpc>
+              <a:spcBef>
+                <a:spcPts val="0"/>
+              </a:spcBef>
+              <a:spcAft>
+                <a:spcPts val="0"/>
+              </a:spcAft>
+              <a:buClr>
+                <a:srgbClr val="000000"/>
+              </a:buClr>
+              <a:buFont typeface="Arial"/>
+              <a:defRPr sz="1400" b="0" i="0" u="none" strike="noStrike" cap="none">
+                <a:solidFill>
+                  <a:srgbClr val="000000"/>
+                </a:solidFill>
+                <a:latin typeface="Arial"/>
+                <a:ea typeface="Arial"/>
+                <a:cs typeface="Arial"/>
+                <a:sym typeface="Arial"/>
+              </a:defRPr>
+            </a:lvl2pPr>
+            <a:lvl3pPr marR="0" lvl="2" algn="l" rtl="0">
+              <a:lnSpc>
+                <a:spcPct val="100000"/>
+              </a:lnSpc>
+              <a:spcBef>
+                <a:spcPts val="0"/>
+              </a:spcBef>
+              <a:spcAft>
+                <a:spcPts val="0"/>
+              </a:spcAft>
+              <a:buClr>
+                <a:srgbClr val="000000"/>
+              </a:buClr>
+              <a:buFont typeface="Arial"/>
+              <a:defRPr sz="1400" b="0" i="0" u="none" strike="noStrike" cap="none">
+                <a:solidFill>
+                  <a:srgbClr val="000000"/>
+                </a:solidFill>
+                <a:latin typeface="Arial"/>
+                <a:ea typeface="Arial"/>
+                <a:cs typeface="Arial"/>
+                <a:sym typeface="Arial"/>
+              </a:defRPr>
+            </a:lvl3pPr>
+            <a:lvl4pPr marR="0" lvl="3" algn="l" rtl="0">
+              <a:lnSpc>
+                <a:spcPct val="100000"/>
+              </a:lnSpc>
+              <a:spcBef>
+                <a:spcPts val="0"/>
+              </a:spcBef>
+              <a:spcAft>
+                <a:spcPts val="0"/>
+              </a:spcAft>
+              <a:buClr>
+                <a:srgbClr val="000000"/>
+              </a:buClr>
+              <a:buFont typeface="Arial"/>
+              <a:defRPr sz="1400" b="0" i="0" u="none" strike="noStrike" cap="none">
+                <a:solidFill>
+                  <a:srgbClr val="000000"/>
+                </a:solidFill>
+                <a:latin typeface="Arial"/>
+                <a:ea typeface="Arial"/>
+                <a:cs typeface="Arial"/>
+                <a:sym typeface="Arial"/>
+              </a:defRPr>
+            </a:lvl4pPr>
+            <a:lvl5pPr marR="0" lvl="4" algn="l" rtl="0">
+              <a:lnSpc>
+                <a:spcPct val="100000"/>
+              </a:lnSpc>
+              <a:spcBef>
+                <a:spcPts val="0"/>
+              </a:spcBef>
+              <a:spcAft>
+                <a:spcPts val="0"/>
+              </a:spcAft>
+              <a:buClr>
+                <a:srgbClr val="000000"/>
+              </a:buClr>
+              <a:buFont typeface="Arial"/>
+              <a:defRPr sz="1400" b="0" i="0" u="none" strike="noStrike" cap="none">
+                <a:solidFill>
+                  <a:srgbClr val="000000"/>
+                </a:solidFill>
+                <a:latin typeface="Arial"/>
+                <a:ea typeface="Arial"/>
+                <a:cs typeface="Arial"/>
+                <a:sym typeface="Arial"/>
+              </a:defRPr>
+            </a:lvl5pPr>
+            <a:lvl6pPr marR="0" lvl="5" algn="l" rtl="0">
+              <a:lnSpc>
+                <a:spcPct val="100000"/>
+              </a:lnSpc>
+              <a:spcBef>
+                <a:spcPts val="0"/>
+              </a:spcBef>
+              <a:spcAft>
+                <a:spcPts val="0"/>
+              </a:spcAft>
+              <a:buClr>
+                <a:srgbClr val="000000"/>
+              </a:buClr>
+              <a:buFont typeface="Arial"/>
+              <a:defRPr sz="1400" b="0" i="0" u="none" strike="noStrike" cap="none">
+                <a:solidFill>
+                  <a:srgbClr val="000000"/>
+                </a:solidFill>
+                <a:latin typeface="Arial"/>
+                <a:ea typeface="Arial"/>
+                <a:cs typeface="Arial"/>
+                <a:sym typeface="Arial"/>
+              </a:defRPr>
+            </a:lvl6pPr>
+            <a:lvl7pPr marR="0" lvl="6" algn="l" rtl="0">
+              <a:lnSpc>
+                <a:spcPct val="100000"/>
+              </a:lnSpc>
+              <a:spcBef>
+                <a:spcPts val="0"/>
+              </a:spcBef>
+              <a:spcAft>
+                <a:spcPts val="0"/>
+              </a:spcAft>
+              <a:buClr>
+                <a:srgbClr val="000000"/>
+              </a:buClr>
+              <a:buFont typeface="Arial"/>
+              <a:defRPr sz="1400" b="0" i="0" u="none" strike="noStrike" cap="none">
+                <a:solidFill>
+                  <a:srgbClr val="000000"/>
+                </a:solidFill>
+                <a:latin typeface="Arial"/>
+                <a:ea typeface="Arial"/>
+                <a:cs typeface="Arial"/>
+                <a:sym typeface="Arial"/>
+              </a:defRPr>
+            </a:lvl7pPr>
+            <a:lvl8pPr marR="0" lvl="7" algn="l" rtl="0">
+              <a:lnSpc>
+                <a:spcPct val="100000"/>
+              </a:lnSpc>
+              <a:spcBef>
+                <a:spcPts val="0"/>
+              </a:spcBef>
+              <a:spcAft>
+                <a:spcPts val="0"/>
+              </a:spcAft>
+              <a:buClr>
+                <a:srgbClr val="000000"/>
+              </a:buClr>
+              <a:buFont typeface="Arial"/>
+              <a:defRPr sz="1400" b="0" i="0" u="none" strike="noStrike" cap="none">
+                <a:solidFill>
+                  <a:srgbClr val="000000"/>
+                </a:solidFill>
+                <a:latin typeface="Arial"/>
+                <a:ea typeface="Arial"/>
+                <a:cs typeface="Arial"/>
+                <a:sym typeface="Arial"/>
+              </a:defRPr>
+            </a:lvl8pPr>
+            <a:lvl9pPr marR="0" lvl="8" algn="l" rtl="0">
+              <a:lnSpc>
+                <a:spcPct val="100000"/>
+              </a:lnSpc>
+              <a:spcBef>
+                <a:spcPts val="0"/>
+              </a:spcBef>
+              <a:spcAft>
+                <a:spcPts val="0"/>
+              </a:spcAft>
+              <a:buClr>
+                <a:srgbClr val="000000"/>
+              </a:buClr>
+              <a:buFont typeface="Arial"/>
+              <a:defRPr sz="1400" b="0" i="0" u="none" strike="noStrike" cap="none">
+                <a:solidFill>
+                  <a:srgbClr val="000000"/>
+                </a:solidFill>
+                <a:latin typeface="Arial"/>
+                <a:ea typeface="Arial"/>
+                <a:cs typeface="Arial"/>
+                <a:sym typeface="Arial"/>
+              </a:defRPr>
+            </a:lvl9pPr>
+          </a:lstStyle>
+          <a:p>
+            <a:pPr algn="r"/>
+            <a:r>
+              <a:rPr lang="en-US" sz="8000" dirty="0">
+                <a:solidFill>
+                  <a:schemeClr val="dk2"/>
+                </a:solidFill>
+                <a:latin typeface="Dosis ExtraLight"/>
+                <a:sym typeface="Dosis ExtraLight"/>
+              </a:rPr>
+              <a:t>99,999</a:t>
+            </a:r>
+          </a:p>
+        </p:txBody>
+      </p:sp>
+      <p:grpSp>
+        <p:nvGrpSpPr>
+          <p:cNvPr id="5" name="Google Shape;4086;p39">
+            <a:extLst>
+              <a:ext uri="{FF2B5EF4-FFF2-40B4-BE49-F238E27FC236}">
+                <a16:creationId xmlns:a16="http://schemas.microsoft.com/office/drawing/2014/main" id="{E2D53497-7556-4549-B140-269F478C60CB}"/>
+              </a:ext>
+            </a:extLst>
+          </p:cNvPr>
+          <p:cNvGrpSpPr/>
+          <p:nvPr/>
+        </p:nvGrpSpPr>
+        <p:grpSpPr>
+          <a:xfrm>
+            <a:off x="4160107" y="395423"/>
+            <a:ext cx="972883" cy="953691"/>
+            <a:chOff x="5983625" y="301625"/>
+            <a:chExt cx="403000" cy="395050"/>
+          </a:xfrm>
+          <a:solidFill>
+            <a:schemeClr val="bg2"/>
+          </a:solidFill>
+        </p:grpSpPr>
+        <p:sp>
+          <p:nvSpPr>
+            <p:cNvPr id="7" name="Google Shape;4087;p39">
+              <a:extLst>
+                <a:ext uri="{FF2B5EF4-FFF2-40B4-BE49-F238E27FC236}">
+                  <a16:creationId xmlns:a16="http://schemas.microsoft.com/office/drawing/2014/main" id="{82282982-B4A7-4FB3-AB66-AD65471F4D6B}"/>
+                </a:ext>
+              </a:extLst>
+            </p:cNvPr>
+            <p:cNvSpPr/>
+            <p:nvPr/>
+          </p:nvSpPr>
+          <p:spPr>
+            <a:xfrm>
+              <a:off x="5983625" y="319925"/>
+              <a:ext cx="403000" cy="67200"/>
+            </a:xfrm>
+            <a:custGeom>
+              <a:avLst/>
+              <a:gdLst/>
+              <a:ahLst/>
+              <a:cxnLst/>
+              <a:rect l="l" t="t" r="r" b="b"/>
+              <a:pathLst>
+                <a:path w="16120" h="2688" extrusionOk="0">
+                  <a:moveTo>
+                    <a:pt x="3102" y="416"/>
+                  </a:moveTo>
+                  <a:lnTo>
+                    <a:pt x="3273" y="465"/>
+                  </a:lnTo>
+                  <a:lnTo>
+                    <a:pt x="3444" y="562"/>
+                  </a:lnTo>
+                  <a:lnTo>
+                    <a:pt x="3566" y="660"/>
+                  </a:lnTo>
+                  <a:lnTo>
+                    <a:pt x="3688" y="807"/>
+                  </a:lnTo>
+                  <a:lnTo>
+                    <a:pt x="3762" y="953"/>
+                  </a:lnTo>
+                  <a:lnTo>
+                    <a:pt x="3810" y="1124"/>
+                  </a:lnTo>
+                  <a:lnTo>
+                    <a:pt x="3835" y="1320"/>
+                  </a:lnTo>
+                  <a:lnTo>
+                    <a:pt x="3810" y="1491"/>
+                  </a:lnTo>
+                  <a:lnTo>
+                    <a:pt x="3762" y="1661"/>
+                  </a:lnTo>
+                  <a:lnTo>
+                    <a:pt x="3688" y="1808"/>
+                  </a:lnTo>
+                  <a:lnTo>
+                    <a:pt x="3566" y="1955"/>
+                  </a:lnTo>
+                  <a:lnTo>
+                    <a:pt x="3444" y="2052"/>
+                  </a:lnTo>
+                  <a:lnTo>
+                    <a:pt x="3273" y="2150"/>
+                  </a:lnTo>
+                  <a:lnTo>
+                    <a:pt x="3102" y="2199"/>
+                  </a:lnTo>
+                  <a:lnTo>
+                    <a:pt x="2931" y="2223"/>
+                  </a:lnTo>
+                  <a:lnTo>
+                    <a:pt x="2760" y="2199"/>
+                  </a:lnTo>
+                  <a:lnTo>
+                    <a:pt x="2589" y="2150"/>
+                  </a:lnTo>
+                  <a:lnTo>
+                    <a:pt x="2418" y="2052"/>
+                  </a:lnTo>
+                  <a:lnTo>
+                    <a:pt x="2296" y="1955"/>
+                  </a:lnTo>
+                  <a:lnTo>
+                    <a:pt x="2174" y="1808"/>
+                  </a:lnTo>
+                  <a:lnTo>
+                    <a:pt x="2101" y="1661"/>
+                  </a:lnTo>
+                  <a:lnTo>
+                    <a:pt x="2052" y="1491"/>
+                  </a:lnTo>
+                  <a:lnTo>
+                    <a:pt x="2028" y="1320"/>
+                  </a:lnTo>
+                  <a:lnTo>
+                    <a:pt x="2052" y="1124"/>
+                  </a:lnTo>
+                  <a:lnTo>
+                    <a:pt x="2101" y="953"/>
+                  </a:lnTo>
+                  <a:lnTo>
+                    <a:pt x="2174" y="807"/>
+                  </a:lnTo>
+                  <a:lnTo>
+                    <a:pt x="2296" y="660"/>
+                  </a:lnTo>
+                  <a:lnTo>
+                    <a:pt x="2418" y="562"/>
+                  </a:lnTo>
+                  <a:lnTo>
+                    <a:pt x="2589" y="465"/>
+                  </a:lnTo>
+                  <a:lnTo>
+                    <a:pt x="2760" y="416"/>
+                  </a:lnTo>
+                  <a:close/>
+                  <a:moveTo>
+                    <a:pt x="13360" y="416"/>
+                  </a:moveTo>
+                  <a:lnTo>
+                    <a:pt x="13531" y="465"/>
+                  </a:lnTo>
+                  <a:lnTo>
+                    <a:pt x="13702" y="562"/>
+                  </a:lnTo>
+                  <a:lnTo>
+                    <a:pt x="13824" y="660"/>
+                  </a:lnTo>
+                  <a:lnTo>
+                    <a:pt x="13946" y="807"/>
+                  </a:lnTo>
+                  <a:lnTo>
+                    <a:pt x="14019" y="953"/>
+                  </a:lnTo>
+                  <a:lnTo>
+                    <a:pt x="14068" y="1124"/>
+                  </a:lnTo>
+                  <a:lnTo>
+                    <a:pt x="14093" y="1320"/>
+                  </a:lnTo>
+                  <a:lnTo>
+                    <a:pt x="14068" y="1491"/>
+                  </a:lnTo>
+                  <a:lnTo>
+                    <a:pt x="14019" y="1661"/>
+                  </a:lnTo>
+                  <a:lnTo>
+                    <a:pt x="13946" y="1808"/>
+                  </a:lnTo>
+                  <a:lnTo>
+                    <a:pt x="13824" y="1955"/>
+                  </a:lnTo>
+                  <a:lnTo>
+                    <a:pt x="13702" y="2052"/>
+                  </a:lnTo>
+                  <a:lnTo>
+                    <a:pt x="13531" y="2150"/>
+                  </a:lnTo>
+                  <a:lnTo>
+                    <a:pt x="13360" y="2199"/>
+                  </a:lnTo>
+                  <a:lnTo>
+                    <a:pt x="13189" y="2223"/>
+                  </a:lnTo>
+                  <a:lnTo>
+                    <a:pt x="13018" y="2199"/>
+                  </a:lnTo>
+                  <a:lnTo>
+                    <a:pt x="12847" y="2150"/>
+                  </a:lnTo>
+                  <a:lnTo>
+                    <a:pt x="12676" y="2052"/>
+                  </a:lnTo>
+                  <a:lnTo>
+                    <a:pt x="12554" y="1955"/>
+                  </a:lnTo>
+                  <a:lnTo>
+                    <a:pt x="12432" y="1808"/>
+                  </a:lnTo>
+                  <a:lnTo>
+                    <a:pt x="12359" y="1661"/>
+                  </a:lnTo>
+                  <a:lnTo>
+                    <a:pt x="12310" y="1491"/>
+                  </a:lnTo>
+                  <a:lnTo>
+                    <a:pt x="12285" y="1320"/>
+                  </a:lnTo>
+                  <a:lnTo>
+                    <a:pt x="12310" y="1124"/>
+                  </a:lnTo>
+                  <a:lnTo>
+                    <a:pt x="12359" y="953"/>
+                  </a:lnTo>
+                  <a:lnTo>
+                    <a:pt x="12432" y="807"/>
+                  </a:lnTo>
+                  <a:lnTo>
+                    <a:pt x="12554" y="660"/>
+                  </a:lnTo>
+                  <a:lnTo>
+                    <a:pt x="12676" y="562"/>
+                  </a:lnTo>
+                  <a:lnTo>
+                    <a:pt x="12847" y="465"/>
+                  </a:lnTo>
+                  <a:lnTo>
+                    <a:pt x="13018" y="416"/>
+                  </a:lnTo>
+                  <a:close/>
+                  <a:moveTo>
+                    <a:pt x="0" y="1"/>
+                  </a:moveTo>
+                  <a:lnTo>
+                    <a:pt x="0" y="2687"/>
+                  </a:lnTo>
+                  <a:lnTo>
+                    <a:pt x="16120" y="2687"/>
+                  </a:lnTo>
+                  <a:lnTo>
+                    <a:pt x="16120" y="1"/>
+                  </a:lnTo>
+                  <a:close/>
+                </a:path>
+              </a:pathLst>
+            </a:custGeom>
+            <a:grpFill/>
+            <a:ln>
+              <a:noFill/>
+            </a:ln>
+          </p:spPr>
+          <p:txBody>
+            <a:bodyPr spcFirstLastPara="1" wrap="square" lIns="91425" tIns="91425" rIns="91425" bIns="91425" anchor="ctr" anchorCtr="0">
+              <a:noAutofit/>
+            </a:bodyPr>
+            <a:lstStyle/>
+            <a:p>
+              <a:pPr marL="0" lvl="0" indent="0" algn="l" rtl="0">
+                <a:spcBef>
+                  <a:spcPts val="0"/>
+                </a:spcBef>
+                <a:spcAft>
+                  <a:spcPts val="0"/>
+                </a:spcAft>
+                <a:buNone/>
+              </a:pPr>
+              <a:endParaRPr/>
+            </a:p>
+          </p:txBody>
+        </p:sp>
+        <p:sp>
+          <p:nvSpPr>
+            <p:cNvPr id="9" name="Google Shape;4088;p39">
+              <a:extLst>
+                <a:ext uri="{FF2B5EF4-FFF2-40B4-BE49-F238E27FC236}">
+                  <a16:creationId xmlns:a16="http://schemas.microsoft.com/office/drawing/2014/main" id="{74300AF7-68DC-466C-8FDC-53CD08BEC9CF}"/>
+                </a:ext>
+              </a:extLst>
+            </p:cNvPr>
+            <p:cNvSpPr/>
+            <p:nvPr/>
+          </p:nvSpPr>
+          <p:spPr>
+            <a:xfrm>
+              <a:off x="5983625" y="664900"/>
+              <a:ext cx="403000" cy="31775"/>
+            </a:xfrm>
+            <a:custGeom>
+              <a:avLst/>
+              <a:gdLst/>
+              <a:ahLst/>
+              <a:cxnLst/>
+              <a:rect l="l" t="t" r="r" b="b"/>
+              <a:pathLst>
+                <a:path w="16120" h="1271" extrusionOk="0">
+                  <a:moveTo>
+                    <a:pt x="0" y="1"/>
+                  </a:moveTo>
+                  <a:lnTo>
+                    <a:pt x="0" y="489"/>
+                  </a:lnTo>
+                  <a:lnTo>
+                    <a:pt x="25" y="660"/>
+                  </a:lnTo>
+                  <a:lnTo>
+                    <a:pt x="74" y="807"/>
+                  </a:lnTo>
+                  <a:lnTo>
+                    <a:pt x="147" y="929"/>
+                  </a:lnTo>
+                  <a:lnTo>
+                    <a:pt x="220" y="1051"/>
+                  </a:lnTo>
+                  <a:lnTo>
+                    <a:pt x="342" y="1149"/>
+                  </a:lnTo>
+                  <a:lnTo>
+                    <a:pt x="489" y="1222"/>
+                  </a:lnTo>
+                  <a:lnTo>
+                    <a:pt x="635" y="1271"/>
+                  </a:lnTo>
+                  <a:lnTo>
+                    <a:pt x="15485" y="1271"/>
+                  </a:lnTo>
+                  <a:lnTo>
+                    <a:pt x="15631" y="1222"/>
+                  </a:lnTo>
+                  <a:lnTo>
+                    <a:pt x="15778" y="1149"/>
+                  </a:lnTo>
+                  <a:lnTo>
+                    <a:pt x="15900" y="1051"/>
+                  </a:lnTo>
+                  <a:lnTo>
+                    <a:pt x="15973" y="929"/>
+                  </a:lnTo>
+                  <a:lnTo>
+                    <a:pt x="16046" y="807"/>
+                  </a:lnTo>
+                  <a:lnTo>
+                    <a:pt x="16095" y="660"/>
+                  </a:lnTo>
+                  <a:lnTo>
+                    <a:pt x="16120" y="489"/>
+                  </a:lnTo>
+                  <a:lnTo>
+                    <a:pt x="16120" y="1"/>
+                  </a:lnTo>
+                  <a:lnTo>
+                    <a:pt x="16095" y="172"/>
+                  </a:lnTo>
+                  <a:lnTo>
+                    <a:pt x="16046" y="318"/>
+                  </a:lnTo>
+                  <a:lnTo>
+                    <a:pt x="15973" y="440"/>
+                  </a:lnTo>
+                  <a:lnTo>
+                    <a:pt x="15900" y="562"/>
+                  </a:lnTo>
+                  <a:lnTo>
+                    <a:pt x="15778" y="660"/>
+                  </a:lnTo>
+                  <a:lnTo>
+                    <a:pt x="15631" y="733"/>
+                  </a:lnTo>
+                  <a:lnTo>
+                    <a:pt x="15485" y="782"/>
+                  </a:lnTo>
+                  <a:lnTo>
+                    <a:pt x="635" y="782"/>
+                  </a:lnTo>
+                  <a:lnTo>
+                    <a:pt x="489" y="733"/>
+                  </a:lnTo>
+                  <a:lnTo>
+                    <a:pt x="342" y="660"/>
+                  </a:lnTo>
+                  <a:lnTo>
+                    <a:pt x="220" y="562"/>
+                  </a:lnTo>
+                  <a:lnTo>
+                    <a:pt x="147" y="440"/>
+                  </a:lnTo>
+                  <a:lnTo>
+                    <a:pt x="74" y="318"/>
+                  </a:lnTo>
+                  <a:lnTo>
+                    <a:pt x="25" y="172"/>
+                  </a:lnTo>
+                  <a:lnTo>
+                    <a:pt x="0" y="1"/>
+                  </a:lnTo>
+                  <a:close/>
+                </a:path>
+              </a:pathLst>
+            </a:custGeom>
+            <a:grpFill/>
+            <a:ln>
+              <a:noFill/>
+            </a:ln>
+          </p:spPr>
+          <p:txBody>
+            <a:bodyPr spcFirstLastPara="1" wrap="square" lIns="91425" tIns="91425" rIns="91425" bIns="91425" anchor="ctr" anchorCtr="0">
+              <a:noAutofit/>
+            </a:bodyPr>
+            <a:lstStyle/>
+            <a:p>
+              <a:pPr marL="0" lvl="0" indent="0" algn="l" rtl="0">
+                <a:spcBef>
+                  <a:spcPts val="0"/>
+                </a:spcBef>
+                <a:spcAft>
+                  <a:spcPts val="0"/>
+                </a:spcAft>
+                <a:buNone/>
+              </a:pPr>
+              <a:endParaRPr/>
+            </a:p>
+          </p:txBody>
+        </p:sp>
+        <p:sp>
+          <p:nvSpPr>
+            <p:cNvPr id="10" name="Google Shape;4089;p39">
+              <a:extLst>
+                <a:ext uri="{FF2B5EF4-FFF2-40B4-BE49-F238E27FC236}">
+                  <a16:creationId xmlns:a16="http://schemas.microsoft.com/office/drawing/2014/main" id="{B02A0BF4-C424-4EAA-A4CC-B7CD92649042}"/>
+                </a:ext>
+              </a:extLst>
+            </p:cNvPr>
+            <p:cNvSpPr/>
+            <p:nvPr/>
+          </p:nvSpPr>
+          <p:spPr>
+            <a:xfrm>
+              <a:off x="6041025" y="301625"/>
+              <a:ext cx="29325" cy="63500"/>
+            </a:xfrm>
+            <a:custGeom>
+              <a:avLst/>
+              <a:gdLst/>
+              <a:ahLst/>
+              <a:cxnLst/>
+              <a:rect l="l" t="t" r="r" b="b"/>
+              <a:pathLst>
+                <a:path w="1173" h="2540" extrusionOk="0">
+                  <a:moveTo>
+                    <a:pt x="391" y="0"/>
+                  </a:moveTo>
+                  <a:lnTo>
+                    <a:pt x="293" y="49"/>
+                  </a:lnTo>
+                  <a:lnTo>
+                    <a:pt x="220" y="73"/>
+                  </a:lnTo>
+                  <a:lnTo>
+                    <a:pt x="147" y="147"/>
+                  </a:lnTo>
+                  <a:lnTo>
+                    <a:pt x="74" y="220"/>
+                  </a:lnTo>
+                  <a:lnTo>
+                    <a:pt x="49" y="293"/>
+                  </a:lnTo>
+                  <a:lnTo>
+                    <a:pt x="0" y="391"/>
+                  </a:lnTo>
+                  <a:lnTo>
+                    <a:pt x="0" y="488"/>
+                  </a:lnTo>
+                  <a:lnTo>
+                    <a:pt x="0" y="2052"/>
+                  </a:lnTo>
+                  <a:lnTo>
+                    <a:pt x="0" y="2149"/>
+                  </a:lnTo>
+                  <a:lnTo>
+                    <a:pt x="49" y="2247"/>
+                  </a:lnTo>
+                  <a:lnTo>
+                    <a:pt x="74" y="2320"/>
+                  </a:lnTo>
+                  <a:lnTo>
+                    <a:pt x="147" y="2393"/>
+                  </a:lnTo>
+                  <a:lnTo>
+                    <a:pt x="220" y="2467"/>
+                  </a:lnTo>
+                  <a:lnTo>
+                    <a:pt x="293" y="2491"/>
+                  </a:lnTo>
+                  <a:lnTo>
+                    <a:pt x="391" y="2540"/>
+                  </a:lnTo>
+                  <a:lnTo>
+                    <a:pt x="782" y="2540"/>
+                  </a:lnTo>
+                  <a:lnTo>
+                    <a:pt x="879" y="2491"/>
+                  </a:lnTo>
+                  <a:lnTo>
+                    <a:pt x="953" y="2467"/>
+                  </a:lnTo>
+                  <a:lnTo>
+                    <a:pt x="1026" y="2393"/>
+                  </a:lnTo>
+                  <a:lnTo>
+                    <a:pt x="1099" y="2320"/>
+                  </a:lnTo>
+                  <a:lnTo>
+                    <a:pt x="1124" y="2247"/>
+                  </a:lnTo>
+                  <a:lnTo>
+                    <a:pt x="1173" y="2149"/>
+                  </a:lnTo>
+                  <a:lnTo>
+                    <a:pt x="1173" y="2052"/>
+                  </a:lnTo>
+                  <a:lnTo>
+                    <a:pt x="1173" y="488"/>
+                  </a:lnTo>
+                  <a:lnTo>
+                    <a:pt x="1173" y="391"/>
+                  </a:lnTo>
+                  <a:lnTo>
+                    <a:pt x="1124" y="293"/>
+                  </a:lnTo>
+                  <a:lnTo>
+                    <a:pt x="1099" y="220"/>
+                  </a:lnTo>
+                  <a:lnTo>
+                    <a:pt x="1026" y="147"/>
+                  </a:lnTo>
+                  <a:lnTo>
+                    <a:pt x="953" y="73"/>
+                  </a:lnTo>
+                  <a:lnTo>
+                    <a:pt x="879" y="49"/>
+                  </a:lnTo>
+                  <a:lnTo>
+                    <a:pt x="782" y="0"/>
+                  </a:lnTo>
+                  <a:close/>
+                </a:path>
+              </a:pathLst>
+            </a:custGeom>
+            <a:grpFill/>
+            <a:ln>
+              <a:noFill/>
+            </a:ln>
+          </p:spPr>
+          <p:txBody>
+            <a:bodyPr spcFirstLastPara="1" wrap="square" lIns="91425" tIns="91425" rIns="91425" bIns="91425" anchor="ctr" anchorCtr="0">
+              <a:noAutofit/>
+            </a:bodyPr>
+            <a:lstStyle/>
+            <a:p>
+              <a:pPr marL="0" lvl="0" indent="0" algn="l" rtl="0">
+                <a:spcBef>
+                  <a:spcPts val="0"/>
+                </a:spcBef>
+                <a:spcAft>
+                  <a:spcPts val="0"/>
+                </a:spcAft>
+                <a:buNone/>
+              </a:pPr>
+              <a:endParaRPr/>
+            </a:p>
+          </p:txBody>
+        </p:sp>
+        <p:sp>
+          <p:nvSpPr>
+            <p:cNvPr id="11" name="Google Shape;4090;p39">
+              <a:extLst>
+                <a:ext uri="{FF2B5EF4-FFF2-40B4-BE49-F238E27FC236}">
+                  <a16:creationId xmlns:a16="http://schemas.microsoft.com/office/drawing/2014/main" id="{85FC5FE8-AC5F-4684-B939-3E3D5F432ED5}"/>
+                </a:ext>
+              </a:extLst>
+            </p:cNvPr>
+            <p:cNvSpPr/>
+            <p:nvPr/>
+          </p:nvSpPr>
+          <p:spPr>
+            <a:xfrm>
+              <a:off x="6297450" y="301625"/>
+              <a:ext cx="29350" cy="63500"/>
+            </a:xfrm>
+            <a:custGeom>
+              <a:avLst/>
+              <a:gdLst/>
+              <a:ahLst/>
+              <a:cxnLst/>
+              <a:rect l="l" t="t" r="r" b="b"/>
+              <a:pathLst>
+                <a:path w="1174" h="2540" extrusionOk="0">
+                  <a:moveTo>
+                    <a:pt x="392" y="0"/>
+                  </a:moveTo>
+                  <a:lnTo>
+                    <a:pt x="294" y="49"/>
+                  </a:lnTo>
+                  <a:lnTo>
+                    <a:pt x="221" y="73"/>
+                  </a:lnTo>
+                  <a:lnTo>
+                    <a:pt x="147" y="147"/>
+                  </a:lnTo>
+                  <a:lnTo>
+                    <a:pt x="74" y="220"/>
+                  </a:lnTo>
+                  <a:lnTo>
+                    <a:pt x="50" y="293"/>
+                  </a:lnTo>
+                  <a:lnTo>
+                    <a:pt x="1" y="391"/>
+                  </a:lnTo>
+                  <a:lnTo>
+                    <a:pt x="1" y="488"/>
+                  </a:lnTo>
+                  <a:lnTo>
+                    <a:pt x="1" y="2052"/>
+                  </a:lnTo>
+                  <a:lnTo>
+                    <a:pt x="1" y="2149"/>
+                  </a:lnTo>
+                  <a:lnTo>
+                    <a:pt x="50" y="2247"/>
+                  </a:lnTo>
+                  <a:lnTo>
+                    <a:pt x="74" y="2320"/>
+                  </a:lnTo>
+                  <a:lnTo>
+                    <a:pt x="147" y="2393"/>
+                  </a:lnTo>
+                  <a:lnTo>
+                    <a:pt x="221" y="2467"/>
+                  </a:lnTo>
+                  <a:lnTo>
+                    <a:pt x="294" y="2491"/>
+                  </a:lnTo>
+                  <a:lnTo>
+                    <a:pt x="392" y="2540"/>
+                  </a:lnTo>
+                  <a:lnTo>
+                    <a:pt x="782" y="2540"/>
+                  </a:lnTo>
+                  <a:lnTo>
+                    <a:pt x="880" y="2491"/>
+                  </a:lnTo>
+                  <a:lnTo>
+                    <a:pt x="953" y="2467"/>
+                  </a:lnTo>
+                  <a:lnTo>
+                    <a:pt x="1027" y="2393"/>
+                  </a:lnTo>
+                  <a:lnTo>
+                    <a:pt x="1100" y="2320"/>
+                  </a:lnTo>
+                  <a:lnTo>
+                    <a:pt x="1124" y="2247"/>
+                  </a:lnTo>
+                  <a:lnTo>
+                    <a:pt x="1173" y="2149"/>
+                  </a:lnTo>
+                  <a:lnTo>
+                    <a:pt x="1173" y="2052"/>
+                  </a:lnTo>
+                  <a:lnTo>
+                    <a:pt x="1173" y="488"/>
+                  </a:lnTo>
+                  <a:lnTo>
+                    <a:pt x="1173" y="391"/>
+                  </a:lnTo>
+                  <a:lnTo>
+                    <a:pt x="1124" y="293"/>
+                  </a:lnTo>
+                  <a:lnTo>
+                    <a:pt x="1100" y="220"/>
+                  </a:lnTo>
+                  <a:lnTo>
+                    <a:pt x="1027" y="147"/>
+                  </a:lnTo>
+                  <a:lnTo>
+                    <a:pt x="953" y="73"/>
+                  </a:lnTo>
+                  <a:lnTo>
+                    <a:pt x="880" y="49"/>
+                  </a:lnTo>
+                  <a:lnTo>
+                    <a:pt x="782" y="0"/>
+                  </a:lnTo>
+                  <a:close/>
+                </a:path>
+              </a:pathLst>
+            </a:custGeom>
+            <a:grpFill/>
+            <a:ln>
+              <a:noFill/>
+            </a:ln>
+          </p:spPr>
+          <p:txBody>
+            <a:bodyPr spcFirstLastPara="1" wrap="square" lIns="91425" tIns="91425" rIns="91425" bIns="91425" anchor="ctr" anchorCtr="0">
+              <a:noAutofit/>
+            </a:bodyPr>
+            <a:lstStyle/>
+            <a:p>
+              <a:pPr marL="0" lvl="0" indent="0" algn="l" rtl="0">
+                <a:spcBef>
+                  <a:spcPts val="0"/>
+                </a:spcBef>
+                <a:spcAft>
+                  <a:spcPts val="0"/>
+                </a:spcAft>
+                <a:buNone/>
+              </a:pPr>
+              <a:endParaRPr/>
+            </a:p>
+          </p:txBody>
+        </p:sp>
+        <p:sp>
+          <p:nvSpPr>
+            <p:cNvPr id="12" name="Google Shape;4091;p39">
+              <a:extLst>
+                <a:ext uri="{FF2B5EF4-FFF2-40B4-BE49-F238E27FC236}">
+                  <a16:creationId xmlns:a16="http://schemas.microsoft.com/office/drawing/2014/main" id="{76EC9396-145A-4E17-84FF-E237AAB71CB8}"/>
+                </a:ext>
+              </a:extLst>
+            </p:cNvPr>
+            <p:cNvSpPr/>
+            <p:nvPr/>
+          </p:nvSpPr>
+          <p:spPr>
+            <a:xfrm>
+              <a:off x="6097200" y="509200"/>
+              <a:ext cx="50700" cy="53775"/>
+            </a:xfrm>
+            <a:custGeom>
+              <a:avLst/>
+              <a:gdLst/>
+              <a:ahLst/>
+              <a:cxnLst/>
+              <a:rect l="l" t="t" r="r" b="b"/>
+              <a:pathLst>
+                <a:path w="2028" h="2151" extrusionOk="0">
+                  <a:moveTo>
+                    <a:pt x="0" y="1"/>
+                  </a:moveTo>
+                  <a:lnTo>
+                    <a:pt x="0" y="2150"/>
+                  </a:lnTo>
+                  <a:lnTo>
+                    <a:pt x="2027" y="2150"/>
+                  </a:lnTo>
+                  <a:lnTo>
+                    <a:pt x="2027" y="1"/>
+                  </a:lnTo>
+                  <a:close/>
+                </a:path>
+              </a:pathLst>
+            </a:custGeom>
+            <a:grpFill/>
+            <a:ln>
+              <a:noFill/>
+            </a:ln>
+          </p:spPr>
+          <p:txBody>
+            <a:bodyPr spcFirstLastPara="1" wrap="square" lIns="91425" tIns="91425" rIns="91425" bIns="91425" anchor="ctr" anchorCtr="0">
+              <a:noAutofit/>
+            </a:bodyPr>
+            <a:lstStyle/>
+            <a:p>
+              <a:pPr marL="0" lvl="0" indent="0" algn="l" rtl="0">
+                <a:spcBef>
+                  <a:spcPts val="0"/>
+                </a:spcBef>
+                <a:spcAft>
+                  <a:spcPts val="0"/>
+                </a:spcAft>
+                <a:buNone/>
+              </a:pPr>
+              <a:endParaRPr/>
+            </a:p>
+          </p:txBody>
+        </p:sp>
+        <p:sp>
+          <p:nvSpPr>
+            <p:cNvPr id="13" name="Google Shape;4092;p39">
+              <a:extLst>
+                <a:ext uri="{FF2B5EF4-FFF2-40B4-BE49-F238E27FC236}">
+                  <a16:creationId xmlns:a16="http://schemas.microsoft.com/office/drawing/2014/main" id="{4BE2F97F-66CB-4604-A36D-0FAD7C43965E}"/>
+                </a:ext>
+              </a:extLst>
+            </p:cNvPr>
+            <p:cNvSpPr/>
+            <p:nvPr/>
+          </p:nvSpPr>
+          <p:spPr>
+            <a:xfrm>
+              <a:off x="6097200" y="448150"/>
+              <a:ext cx="50700" cy="48875"/>
+            </a:xfrm>
+            <a:custGeom>
+              <a:avLst/>
+              <a:gdLst/>
+              <a:ahLst/>
+              <a:cxnLst/>
+              <a:rect l="l" t="t" r="r" b="b"/>
+              <a:pathLst>
+                <a:path w="2028" h="1955" extrusionOk="0">
+                  <a:moveTo>
+                    <a:pt x="0" y="1"/>
+                  </a:moveTo>
+                  <a:lnTo>
+                    <a:pt x="0" y="1954"/>
+                  </a:lnTo>
+                  <a:lnTo>
+                    <a:pt x="2027" y="1954"/>
+                  </a:lnTo>
+                  <a:lnTo>
+                    <a:pt x="2027" y="1"/>
+                  </a:lnTo>
+                  <a:close/>
+                </a:path>
+              </a:pathLst>
+            </a:custGeom>
+            <a:grpFill/>
+            <a:ln>
+              <a:noFill/>
+            </a:ln>
+          </p:spPr>
+          <p:txBody>
+            <a:bodyPr spcFirstLastPara="1" wrap="square" lIns="91425" tIns="91425" rIns="91425" bIns="91425" anchor="ctr" anchorCtr="0">
+              <a:noAutofit/>
+            </a:bodyPr>
+            <a:lstStyle/>
+            <a:p>
+              <a:pPr marL="0" lvl="0" indent="0" algn="l" rtl="0">
+                <a:spcBef>
+                  <a:spcPts val="0"/>
+                </a:spcBef>
+                <a:spcAft>
+                  <a:spcPts val="0"/>
+                </a:spcAft>
+                <a:buNone/>
+              </a:pPr>
+              <a:endParaRPr/>
+            </a:p>
+          </p:txBody>
+        </p:sp>
+        <p:sp>
+          <p:nvSpPr>
+            <p:cNvPr id="14" name="Google Shape;4093;p39">
+              <a:extLst>
+                <a:ext uri="{FF2B5EF4-FFF2-40B4-BE49-F238E27FC236}">
+                  <a16:creationId xmlns:a16="http://schemas.microsoft.com/office/drawing/2014/main" id="{5A150640-DC8D-430C-A438-4CB4BEE329B5}"/>
+                </a:ext>
+              </a:extLst>
+            </p:cNvPr>
+            <p:cNvSpPr/>
+            <p:nvPr/>
+          </p:nvSpPr>
+          <p:spPr>
+            <a:xfrm>
+              <a:off x="6097200" y="575150"/>
+              <a:ext cx="50700" cy="48875"/>
+            </a:xfrm>
+            <a:custGeom>
+              <a:avLst/>
+              <a:gdLst/>
+              <a:ahLst/>
+              <a:cxnLst/>
+              <a:rect l="l" t="t" r="r" b="b"/>
+              <a:pathLst>
+                <a:path w="2028" h="1955" extrusionOk="0">
+                  <a:moveTo>
+                    <a:pt x="0" y="1"/>
+                  </a:moveTo>
+                  <a:lnTo>
+                    <a:pt x="0" y="1954"/>
+                  </a:lnTo>
+                  <a:lnTo>
+                    <a:pt x="2027" y="1954"/>
+                  </a:lnTo>
+                  <a:lnTo>
+                    <a:pt x="2027" y="1"/>
+                  </a:lnTo>
+                  <a:close/>
+                </a:path>
+              </a:pathLst>
+            </a:custGeom>
+            <a:grpFill/>
+            <a:ln>
+              <a:noFill/>
+            </a:ln>
+          </p:spPr>
+          <p:txBody>
+            <a:bodyPr spcFirstLastPara="1" wrap="square" lIns="91425" tIns="91425" rIns="91425" bIns="91425" anchor="ctr" anchorCtr="0">
+              <a:noAutofit/>
+            </a:bodyPr>
+            <a:lstStyle/>
+            <a:p>
+              <a:pPr marL="0" lvl="0" indent="0" algn="l" rtl="0">
+                <a:spcBef>
+                  <a:spcPts val="0"/>
+                </a:spcBef>
+                <a:spcAft>
+                  <a:spcPts val="0"/>
+                </a:spcAft>
+                <a:buNone/>
+              </a:pPr>
+              <a:endParaRPr/>
+            </a:p>
+          </p:txBody>
+        </p:sp>
+        <p:sp>
+          <p:nvSpPr>
+            <p:cNvPr id="15" name="Google Shape;4094;p39">
+              <a:extLst>
+                <a:ext uri="{FF2B5EF4-FFF2-40B4-BE49-F238E27FC236}">
+                  <a16:creationId xmlns:a16="http://schemas.microsoft.com/office/drawing/2014/main" id="{8C18BDD6-D9C7-4C33-9651-270126A17E49}"/>
+                </a:ext>
+              </a:extLst>
+            </p:cNvPr>
+            <p:cNvSpPr/>
+            <p:nvPr/>
+          </p:nvSpPr>
+          <p:spPr>
+            <a:xfrm>
+              <a:off x="6160075" y="575150"/>
+              <a:ext cx="50100" cy="48875"/>
+            </a:xfrm>
+            <a:custGeom>
+              <a:avLst/>
+              <a:gdLst/>
+              <a:ahLst/>
+              <a:cxnLst/>
+              <a:rect l="l" t="t" r="r" b="b"/>
+              <a:pathLst>
+                <a:path w="2004" h="1955" extrusionOk="0">
+                  <a:moveTo>
+                    <a:pt x="1" y="1"/>
+                  </a:moveTo>
+                  <a:lnTo>
+                    <a:pt x="1" y="1954"/>
+                  </a:lnTo>
+                  <a:lnTo>
+                    <a:pt x="2003" y="1954"/>
+                  </a:lnTo>
+                  <a:lnTo>
+                    <a:pt x="2003" y="1"/>
+                  </a:lnTo>
+                  <a:close/>
+                </a:path>
+              </a:pathLst>
+            </a:custGeom>
+            <a:grpFill/>
+            <a:ln>
+              <a:noFill/>
+            </a:ln>
+          </p:spPr>
+          <p:txBody>
+            <a:bodyPr spcFirstLastPara="1" wrap="square" lIns="91425" tIns="91425" rIns="91425" bIns="91425" anchor="ctr" anchorCtr="0">
+              <a:noAutofit/>
+            </a:bodyPr>
+            <a:lstStyle/>
+            <a:p>
+              <a:pPr marL="0" lvl="0" indent="0" algn="l" rtl="0">
+                <a:spcBef>
+                  <a:spcPts val="0"/>
+                </a:spcBef>
+                <a:spcAft>
+                  <a:spcPts val="0"/>
+                </a:spcAft>
+                <a:buNone/>
+              </a:pPr>
+              <a:endParaRPr/>
+            </a:p>
+          </p:txBody>
+        </p:sp>
+        <p:sp>
+          <p:nvSpPr>
+            <p:cNvPr id="16" name="Google Shape;4095;p39">
+              <a:extLst>
+                <a:ext uri="{FF2B5EF4-FFF2-40B4-BE49-F238E27FC236}">
+                  <a16:creationId xmlns:a16="http://schemas.microsoft.com/office/drawing/2014/main" id="{56E85001-B947-4020-B17B-5D009DDC6484}"/>
+                </a:ext>
+              </a:extLst>
+            </p:cNvPr>
+            <p:cNvSpPr/>
+            <p:nvPr/>
+          </p:nvSpPr>
+          <p:spPr>
+            <a:xfrm>
+              <a:off x="6034300" y="509200"/>
+              <a:ext cx="50700" cy="53775"/>
+            </a:xfrm>
+            <a:custGeom>
+              <a:avLst/>
+              <a:gdLst/>
+              <a:ahLst/>
+              <a:cxnLst/>
+              <a:rect l="l" t="t" r="r" b="b"/>
+              <a:pathLst>
+                <a:path w="2028" h="2151" extrusionOk="0">
+                  <a:moveTo>
+                    <a:pt x="1" y="1"/>
+                  </a:moveTo>
+                  <a:lnTo>
+                    <a:pt x="1" y="2150"/>
+                  </a:lnTo>
+                  <a:lnTo>
+                    <a:pt x="2028" y="2150"/>
+                  </a:lnTo>
+                  <a:lnTo>
+                    <a:pt x="2028" y="1"/>
+                  </a:lnTo>
+                  <a:close/>
+                </a:path>
+              </a:pathLst>
+            </a:custGeom>
+            <a:grpFill/>
+            <a:ln>
+              <a:noFill/>
+            </a:ln>
+          </p:spPr>
+          <p:txBody>
+            <a:bodyPr spcFirstLastPara="1" wrap="square" lIns="91425" tIns="91425" rIns="91425" bIns="91425" anchor="ctr" anchorCtr="0">
+              <a:noAutofit/>
+            </a:bodyPr>
+            <a:lstStyle/>
+            <a:p>
+              <a:pPr marL="0" lvl="0" indent="0" algn="l" rtl="0">
+                <a:spcBef>
+                  <a:spcPts val="0"/>
+                </a:spcBef>
+                <a:spcAft>
+                  <a:spcPts val="0"/>
+                </a:spcAft>
+                <a:buNone/>
+              </a:pPr>
+              <a:endParaRPr/>
+            </a:p>
+          </p:txBody>
+        </p:sp>
+        <p:sp>
+          <p:nvSpPr>
+            <p:cNvPr id="17" name="Google Shape;4096;p39">
+              <a:extLst>
+                <a:ext uri="{FF2B5EF4-FFF2-40B4-BE49-F238E27FC236}">
+                  <a16:creationId xmlns:a16="http://schemas.microsoft.com/office/drawing/2014/main" id="{C392792B-0DD8-4E91-ACFF-4D6D67B37CE0}"/>
+                </a:ext>
+              </a:extLst>
+            </p:cNvPr>
+            <p:cNvSpPr/>
+            <p:nvPr/>
+          </p:nvSpPr>
+          <p:spPr>
+            <a:xfrm>
+              <a:off x="6034300" y="575150"/>
+              <a:ext cx="50700" cy="48875"/>
+            </a:xfrm>
+            <a:custGeom>
+              <a:avLst/>
+              <a:gdLst/>
+              <a:ahLst/>
+              <a:cxnLst/>
+              <a:rect l="l" t="t" r="r" b="b"/>
+              <a:pathLst>
+                <a:path w="2028" h="1955" extrusionOk="0">
+                  <a:moveTo>
+                    <a:pt x="1" y="1"/>
+                  </a:moveTo>
+                  <a:lnTo>
+                    <a:pt x="1" y="1954"/>
+                  </a:lnTo>
+                  <a:lnTo>
+                    <a:pt x="2028" y="1954"/>
+                  </a:lnTo>
+                  <a:lnTo>
+                    <a:pt x="2028" y="1"/>
+                  </a:lnTo>
+                  <a:close/>
+                </a:path>
+              </a:pathLst>
+            </a:custGeom>
+            <a:grpFill/>
+            <a:ln>
+              <a:noFill/>
+            </a:ln>
+          </p:spPr>
+          <p:txBody>
+            <a:bodyPr spcFirstLastPara="1" wrap="square" lIns="91425" tIns="91425" rIns="91425" bIns="91425" anchor="ctr" anchorCtr="0">
+              <a:noAutofit/>
+            </a:bodyPr>
+            <a:lstStyle/>
+            <a:p>
+              <a:pPr marL="0" lvl="0" indent="0" algn="l" rtl="0">
+                <a:spcBef>
+                  <a:spcPts val="0"/>
+                </a:spcBef>
+                <a:spcAft>
+                  <a:spcPts val="0"/>
+                </a:spcAft>
+                <a:buNone/>
+              </a:pPr>
+              <a:endParaRPr/>
+            </a:p>
+          </p:txBody>
+        </p:sp>
+        <p:sp>
+          <p:nvSpPr>
+            <p:cNvPr id="18" name="Google Shape;4097;p39">
+              <a:extLst>
+                <a:ext uri="{FF2B5EF4-FFF2-40B4-BE49-F238E27FC236}">
+                  <a16:creationId xmlns:a16="http://schemas.microsoft.com/office/drawing/2014/main" id="{14A21FB3-582F-43D0-89F8-9EEF68751BD8}"/>
+                </a:ext>
+              </a:extLst>
+            </p:cNvPr>
+            <p:cNvSpPr/>
+            <p:nvPr/>
+          </p:nvSpPr>
+          <p:spPr>
+            <a:xfrm>
+              <a:off x="6034300" y="448150"/>
+              <a:ext cx="50700" cy="48875"/>
+            </a:xfrm>
+            <a:custGeom>
+              <a:avLst/>
+              <a:gdLst/>
+              <a:ahLst/>
+              <a:cxnLst/>
+              <a:rect l="l" t="t" r="r" b="b"/>
+              <a:pathLst>
+                <a:path w="2028" h="1955" extrusionOk="0">
+                  <a:moveTo>
+                    <a:pt x="1" y="1"/>
+                  </a:moveTo>
+                  <a:lnTo>
+                    <a:pt x="1" y="1954"/>
+                  </a:lnTo>
+                  <a:lnTo>
+                    <a:pt x="2028" y="1954"/>
+                  </a:lnTo>
+                  <a:lnTo>
+                    <a:pt x="2028" y="1"/>
+                  </a:lnTo>
+                  <a:close/>
+                </a:path>
+              </a:pathLst>
+            </a:custGeom>
+            <a:grpFill/>
+            <a:ln>
+              <a:noFill/>
+            </a:ln>
+          </p:spPr>
+          <p:txBody>
+            <a:bodyPr spcFirstLastPara="1" wrap="square" lIns="91425" tIns="91425" rIns="91425" bIns="91425" anchor="ctr" anchorCtr="0">
+              <a:noAutofit/>
+            </a:bodyPr>
+            <a:lstStyle/>
+            <a:p>
+              <a:pPr marL="0" lvl="0" indent="0" algn="l" rtl="0">
+                <a:spcBef>
+                  <a:spcPts val="0"/>
+                </a:spcBef>
+                <a:spcAft>
+                  <a:spcPts val="0"/>
+                </a:spcAft>
+                <a:buNone/>
+              </a:pPr>
+              <a:endParaRPr/>
+            </a:p>
+          </p:txBody>
+        </p:sp>
+        <p:sp>
+          <p:nvSpPr>
+            <p:cNvPr id="19" name="Google Shape;4098;p39">
+              <a:extLst>
+                <a:ext uri="{FF2B5EF4-FFF2-40B4-BE49-F238E27FC236}">
+                  <a16:creationId xmlns:a16="http://schemas.microsoft.com/office/drawing/2014/main" id="{5259E827-2C73-494A-AD53-56A97C0EAF73}"/>
+                </a:ext>
+              </a:extLst>
+            </p:cNvPr>
+            <p:cNvSpPr/>
+            <p:nvPr/>
+          </p:nvSpPr>
+          <p:spPr>
+            <a:xfrm>
+              <a:off x="6160075" y="509200"/>
+              <a:ext cx="50100" cy="53775"/>
+            </a:xfrm>
+            <a:custGeom>
+              <a:avLst/>
+              <a:gdLst/>
+              <a:ahLst/>
+              <a:cxnLst/>
+              <a:rect l="l" t="t" r="r" b="b"/>
+              <a:pathLst>
+                <a:path w="2004" h="2151" extrusionOk="0">
+                  <a:moveTo>
+                    <a:pt x="1" y="1"/>
+                  </a:moveTo>
+                  <a:lnTo>
+                    <a:pt x="1" y="2150"/>
+                  </a:lnTo>
+                  <a:lnTo>
+                    <a:pt x="2003" y="2150"/>
+                  </a:lnTo>
+                  <a:lnTo>
+                    <a:pt x="2003" y="1"/>
+                  </a:lnTo>
+                  <a:close/>
+                </a:path>
+              </a:pathLst>
+            </a:custGeom>
+            <a:grpFill/>
+            <a:ln>
+              <a:noFill/>
+            </a:ln>
+          </p:spPr>
+          <p:txBody>
+            <a:bodyPr spcFirstLastPara="1" wrap="square" lIns="91425" tIns="91425" rIns="91425" bIns="91425" anchor="ctr" anchorCtr="0">
+              <a:noAutofit/>
+            </a:bodyPr>
+            <a:lstStyle/>
+            <a:p>
+              <a:pPr marL="0" lvl="0" indent="0" algn="l" rtl="0">
+                <a:spcBef>
+                  <a:spcPts val="0"/>
+                </a:spcBef>
+                <a:spcAft>
+                  <a:spcPts val="0"/>
+                </a:spcAft>
+                <a:buNone/>
+              </a:pPr>
+              <a:endParaRPr/>
+            </a:p>
+          </p:txBody>
+        </p:sp>
+        <p:sp>
+          <p:nvSpPr>
+            <p:cNvPr id="20" name="Google Shape;4099;p39">
+              <a:extLst>
+                <a:ext uri="{FF2B5EF4-FFF2-40B4-BE49-F238E27FC236}">
+                  <a16:creationId xmlns:a16="http://schemas.microsoft.com/office/drawing/2014/main" id="{44975912-3D62-4BE0-BD3D-4197E3D4F66E}"/>
+                </a:ext>
+              </a:extLst>
+            </p:cNvPr>
+            <p:cNvSpPr/>
+            <p:nvPr/>
+          </p:nvSpPr>
+          <p:spPr>
+            <a:xfrm>
+              <a:off x="5983625" y="399300"/>
+              <a:ext cx="403000" cy="272950"/>
+            </a:xfrm>
+            <a:custGeom>
+              <a:avLst/>
+              <a:gdLst/>
+              <a:ahLst/>
+              <a:cxnLst/>
+              <a:rect l="l" t="t" r="r" b="b"/>
+              <a:pathLst>
+                <a:path w="16120" h="10918" extrusionOk="0">
+                  <a:moveTo>
+                    <a:pt x="14434" y="1466"/>
+                  </a:moveTo>
+                  <a:lnTo>
+                    <a:pt x="14508" y="1515"/>
+                  </a:lnTo>
+                  <a:lnTo>
+                    <a:pt x="14557" y="1613"/>
+                  </a:lnTo>
+                  <a:lnTo>
+                    <a:pt x="14581" y="1710"/>
+                  </a:lnTo>
+                  <a:lnTo>
+                    <a:pt x="14581" y="9233"/>
+                  </a:lnTo>
+                  <a:lnTo>
+                    <a:pt x="14557" y="9330"/>
+                  </a:lnTo>
+                  <a:lnTo>
+                    <a:pt x="14508" y="9404"/>
+                  </a:lnTo>
+                  <a:lnTo>
+                    <a:pt x="14434" y="9452"/>
+                  </a:lnTo>
+                  <a:lnTo>
+                    <a:pt x="14337" y="9477"/>
+                  </a:lnTo>
+                  <a:lnTo>
+                    <a:pt x="1783" y="9477"/>
+                  </a:lnTo>
+                  <a:lnTo>
+                    <a:pt x="1686" y="9452"/>
+                  </a:lnTo>
+                  <a:lnTo>
+                    <a:pt x="1612" y="9404"/>
+                  </a:lnTo>
+                  <a:lnTo>
+                    <a:pt x="1564" y="9330"/>
+                  </a:lnTo>
+                  <a:lnTo>
+                    <a:pt x="1539" y="9233"/>
+                  </a:lnTo>
+                  <a:lnTo>
+                    <a:pt x="1539" y="1710"/>
+                  </a:lnTo>
+                  <a:lnTo>
+                    <a:pt x="1564" y="1613"/>
+                  </a:lnTo>
+                  <a:lnTo>
+                    <a:pt x="1612" y="1515"/>
+                  </a:lnTo>
+                  <a:lnTo>
+                    <a:pt x="1686" y="1466"/>
+                  </a:lnTo>
+                  <a:close/>
+                  <a:moveTo>
+                    <a:pt x="0" y="1"/>
+                  </a:moveTo>
+                  <a:lnTo>
+                    <a:pt x="0" y="10332"/>
+                  </a:lnTo>
+                  <a:lnTo>
+                    <a:pt x="25" y="10429"/>
+                  </a:lnTo>
+                  <a:lnTo>
+                    <a:pt x="74" y="10527"/>
+                  </a:lnTo>
+                  <a:lnTo>
+                    <a:pt x="147" y="10625"/>
+                  </a:lnTo>
+                  <a:lnTo>
+                    <a:pt x="220" y="10722"/>
+                  </a:lnTo>
+                  <a:lnTo>
+                    <a:pt x="342" y="10796"/>
+                  </a:lnTo>
+                  <a:lnTo>
+                    <a:pt x="489" y="10869"/>
+                  </a:lnTo>
+                  <a:lnTo>
+                    <a:pt x="635" y="10918"/>
+                  </a:lnTo>
+                  <a:lnTo>
+                    <a:pt x="15485" y="10918"/>
+                  </a:lnTo>
+                  <a:lnTo>
+                    <a:pt x="15631" y="10869"/>
+                  </a:lnTo>
+                  <a:lnTo>
+                    <a:pt x="15778" y="10796"/>
+                  </a:lnTo>
+                  <a:lnTo>
+                    <a:pt x="15900" y="10698"/>
+                  </a:lnTo>
+                  <a:lnTo>
+                    <a:pt x="15973" y="10576"/>
+                  </a:lnTo>
+                  <a:lnTo>
+                    <a:pt x="16046" y="10454"/>
+                  </a:lnTo>
+                  <a:lnTo>
+                    <a:pt x="16095" y="10307"/>
+                  </a:lnTo>
+                  <a:lnTo>
+                    <a:pt x="16120" y="10136"/>
+                  </a:lnTo>
+                  <a:lnTo>
+                    <a:pt x="16120" y="1"/>
+                  </a:lnTo>
+                  <a:close/>
+                </a:path>
+              </a:pathLst>
+            </a:custGeom>
+            <a:grpFill/>
+            <a:ln>
+              <a:noFill/>
+            </a:ln>
+          </p:spPr>
+          <p:txBody>
+            <a:bodyPr spcFirstLastPara="1" wrap="square" lIns="91425" tIns="91425" rIns="91425" bIns="91425" anchor="ctr" anchorCtr="0">
+              <a:noAutofit/>
+            </a:bodyPr>
+            <a:lstStyle/>
+            <a:p>
+              <a:pPr marL="0" lvl="0" indent="0" algn="l" rtl="0">
+                <a:spcBef>
+                  <a:spcPts val="0"/>
+                </a:spcBef>
+                <a:spcAft>
+                  <a:spcPts val="0"/>
+                </a:spcAft>
+                <a:buNone/>
+              </a:pPr>
+              <a:endParaRPr/>
+            </a:p>
+          </p:txBody>
+        </p:sp>
+        <p:sp>
+          <p:nvSpPr>
+            <p:cNvPr id="21" name="Google Shape;4100;p39">
+              <a:extLst>
+                <a:ext uri="{FF2B5EF4-FFF2-40B4-BE49-F238E27FC236}">
+                  <a16:creationId xmlns:a16="http://schemas.microsoft.com/office/drawing/2014/main" id="{A77B7002-DE6E-4F70-91AE-A93ED933E18C}"/>
+                </a:ext>
+              </a:extLst>
+            </p:cNvPr>
+            <p:cNvSpPr/>
+            <p:nvPr/>
+          </p:nvSpPr>
+          <p:spPr>
+            <a:xfrm>
+              <a:off x="6285250" y="575150"/>
+              <a:ext cx="50700" cy="48875"/>
+            </a:xfrm>
+            <a:custGeom>
+              <a:avLst/>
+              <a:gdLst/>
+              <a:ahLst/>
+              <a:cxnLst/>
+              <a:rect l="l" t="t" r="r" b="b"/>
+              <a:pathLst>
+                <a:path w="2028" h="1955" extrusionOk="0">
+                  <a:moveTo>
+                    <a:pt x="0" y="1"/>
+                  </a:moveTo>
+                  <a:lnTo>
+                    <a:pt x="0" y="1954"/>
+                  </a:lnTo>
+                  <a:lnTo>
+                    <a:pt x="2028" y="1954"/>
+                  </a:lnTo>
+                  <a:lnTo>
+                    <a:pt x="2028" y="1"/>
+                  </a:lnTo>
+                  <a:close/>
+                </a:path>
+              </a:pathLst>
+            </a:custGeom>
+            <a:grpFill/>
+            <a:ln>
+              <a:noFill/>
+            </a:ln>
+          </p:spPr>
+          <p:txBody>
+            <a:bodyPr spcFirstLastPara="1" wrap="square" lIns="91425" tIns="91425" rIns="91425" bIns="91425" anchor="ctr" anchorCtr="0">
+              <a:noAutofit/>
+            </a:bodyPr>
+            <a:lstStyle/>
+            <a:p>
+              <a:pPr marL="0" lvl="0" indent="0" algn="l" rtl="0">
+                <a:spcBef>
+                  <a:spcPts val="0"/>
+                </a:spcBef>
+                <a:spcAft>
+                  <a:spcPts val="0"/>
+                </a:spcAft>
+                <a:buNone/>
+              </a:pPr>
+              <a:endParaRPr/>
+            </a:p>
+          </p:txBody>
+        </p:sp>
+        <p:sp>
+          <p:nvSpPr>
+            <p:cNvPr id="22" name="Google Shape;4101;p39">
+              <a:extLst>
+                <a:ext uri="{FF2B5EF4-FFF2-40B4-BE49-F238E27FC236}">
+                  <a16:creationId xmlns:a16="http://schemas.microsoft.com/office/drawing/2014/main" id="{8F18B84B-9E44-4902-841C-2B3A9FD989FD}"/>
+                </a:ext>
+              </a:extLst>
+            </p:cNvPr>
+            <p:cNvSpPr/>
+            <p:nvPr/>
+          </p:nvSpPr>
+          <p:spPr>
+            <a:xfrm>
+              <a:off x="6285250" y="509200"/>
+              <a:ext cx="50700" cy="53775"/>
+            </a:xfrm>
+            <a:custGeom>
+              <a:avLst/>
+              <a:gdLst/>
+              <a:ahLst/>
+              <a:cxnLst/>
+              <a:rect l="l" t="t" r="r" b="b"/>
+              <a:pathLst>
+                <a:path w="2028" h="2151" extrusionOk="0">
+                  <a:moveTo>
+                    <a:pt x="0" y="1"/>
+                  </a:moveTo>
+                  <a:lnTo>
+                    <a:pt x="0" y="2150"/>
+                  </a:lnTo>
+                  <a:lnTo>
+                    <a:pt x="2028" y="2150"/>
+                  </a:lnTo>
+                  <a:lnTo>
+                    <a:pt x="2028" y="1"/>
+                  </a:lnTo>
+                  <a:close/>
+                </a:path>
+              </a:pathLst>
+            </a:custGeom>
+            <a:grpFill/>
+            <a:ln>
+              <a:noFill/>
+            </a:ln>
+          </p:spPr>
+          <p:txBody>
+            <a:bodyPr spcFirstLastPara="1" wrap="square" lIns="91425" tIns="91425" rIns="91425" bIns="91425" anchor="ctr" anchorCtr="0">
+              <a:noAutofit/>
+            </a:bodyPr>
+            <a:lstStyle/>
+            <a:p>
+              <a:pPr marL="0" lvl="0" indent="0" algn="l" rtl="0">
+                <a:spcBef>
+                  <a:spcPts val="0"/>
+                </a:spcBef>
+                <a:spcAft>
+                  <a:spcPts val="0"/>
+                </a:spcAft>
+                <a:buNone/>
+              </a:pPr>
+              <a:endParaRPr/>
+            </a:p>
+          </p:txBody>
+        </p:sp>
+        <p:sp>
+          <p:nvSpPr>
+            <p:cNvPr id="23" name="Google Shape;4102;p39">
+              <a:extLst>
+                <a:ext uri="{FF2B5EF4-FFF2-40B4-BE49-F238E27FC236}">
+                  <a16:creationId xmlns:a16="http://schemas.microsoft.com/office/drawing/2014/main" id="{14C9BEFF-38D5-4A93-B6E0-4742F530628D}"/>
+                </a:ext>
+              </a:extLst>
+            </p:cNvPr>
+            <p:cNvSpPr/>
+            <p:nvPr/>
+          </p:nvSpPr>
+          <p:spPr>
+            <a:xfrm>
+              <a:off x="6285250" y="448150"/>
+              <a:ext cx="50700" cy="48875"/>
+            </a:xfrm>
+            <a:custGeom>
+              <a:avLst/>
+              <a:gdLst/>
+              <a:ahLst/>
+              <a:cxnLst/>
+              <a:rect l="l" t="t" r="r" b="b"/>
+              <a:pathLst>
+                <a:path w="2028" h="1955" extrusionOk="0">
+                  <a:moveTo>
+                    <a:pt x="0" y="1"/>
+                  </a:moveTo>
+                  <a:lnTo>
+                    <a:pt x="0" y="1954"/>
+                  </a:lnTo>
+                  <a:lnTo>
+                    <a:pt x="2028" y="1954"/>
+                  </a:lnTo>
+                  <a:lnTo>
+                    <a:pt x="2028" y="1"/>
+                  </a:lnTo>
+                  <a:close/>
+                </a:path>
+              </a:pathLst>
+            </a:custGeom>
+            <a:grpFill/>
+            <a:ln>
+              <a:noFill/>
+            </a:ln>
+          </p:spPr>
+          <p:txBody>
+            <a:bodyPr spcFirstLastPara="1" wrap="square" lIns="91425" tIns="91425" rIns="91425" bIns="91425" anchor="ctr" anchorCtr="0">
+              <a:noAutofit/>
+            </a:bodyPr>
+            <a:lstStyle/>
+            <a:p>
+              <a:pPr marL="0" lvl="0" indent="0" algn="l" rtl="0">
+                <a:spcBef>
+                  <a:spcPts val="0"/>
+                </a:spcBef>
+                <a:spcAft>
+                  <a:spcPts val="0"/>
+                </a:spcAft>
+                <a:buNone/>
+              </a:pPr>
+              <a:endParaRPr/>
+            </a:p>
+          </p:txBody>
+        </p:sp>
+        <p:sp>
+          <p:nvSpPr>
+            <p:cNvPr id="24" name="Google Shape;4103;p39">
+              <a:extLst>
+                <a:ext uri="{FF2B5EF4-FFF2-40B4-BE49-F238E27FC236}">
+                  <a16:creationId xmlns:a16="http://schemas.microsoft.com/office/drawing/2014/main" id="{BEAB1FBD-29F7-47F3-A2EA-AB8B56179795}"/>
+                </a:ext>
+              </a:extLst>
+            </p:cNvPr>
+            <p:cNvSpPr/>
+            <p:nvPr/>
+          </p:nvSpPr>
+          <p:spPr>
+            <a:xfrm>
+              <a:off x="6222350" y="575150"/>
+              <a:ext cx="50700" cy="48875"/>
+            </a:xfrm>
+            <a:custGeom>
+              <a:avLst/>
+              <a:gdLst/>
+              <a:ahLst/>
+              <a:cxnLst/>
+              <a:rect l="l" t="t" r="r" b="b"/>
+              <a:pathLst>
+                <a:path w="2028" h="1955" extrusionOk="0">
+                  <a:moveTo>
+                    <a:pt x="1" y="1"/>
+                  </a:moveTo>
+                  <a:lnTo>
+                    <a:pt x="1" y="1954"/>
+                  </a:lnTo>
+                  <a:lnTo>
+                    <a:pt x="2028" y="1954"/>
+                  </a:lnTo>
+                  <a:lnTo>
+                    <a:pt x="2028" y="1"/>
+                  </a:lnTo>
+                  <a:close/>
+                </a:path>
+              </a:pathLst>
+            </a:custGeom>
+            <a:grpFill/>
+            <a:ln>
+              <a:noFill/>
+            </a:ln>
+          </p:spPr>
+          <p:txBody>
+            <a:bodyPr spcFirstLastPara="1" wrap="square" lIns="91425" tIns="91425" rIns="91425" bIns="91425" anchor="ctr" anchorCtr="0">
+              <a:noAutofit/>
+            </a:bodyPr>
+            <a:lstStyle/>
+            <a:p>
+              <a:pPr marL="0" lvl="0" indent="0" algn="l" rtl="0">
+                <a:spcBef>
+                  <a:spcPts val="0"/>
+                </a:spcBef>
+                <a:spcAft>
+                  <a:spcPts val="0"/>
+                </a:spcAft>
+                <a:buNone/>
+              </a:pPr>
+              <a:endParaRPr/>
+            </a:p>
+          </p:txBody>
+        </p:sp>
+        <p:sp>
+          <p:nvSpPr>
+            <p:cNvPr id="25" name="Google Shape;4104;p39">
+              <a:extLst>
+                <a:ext uri="{FF2B5EF4-FFF2-40B4-BE49-F238E27FC236}">
+                  <a16:creationId xmlns:a16="http://schemas.microsoft.com/office/drawing/2014/main" id="{54C0C3BC-1B20-4517-AB6C-52D1420D4807}"/>
+                </a:ext>
+              </a:extLst>
+            </p:cNvPr>
+            <p:cNvSpPr/>
+            <p:nvPr/>
+          </p:nvSpPr>
+          <p:spPr>
+            <a:xfrm>
+              <a:off x="6160075" y="448150"/>
+              <a:ext cx="50100" cy="48875"/>
+            </a:xfrm>
+            <a:custGeom>
+              <a:avLst/>
+              <a:gdLst/>
+              <a:ahLst/>
+              <a:cxnLst/>
+              <a:rect l="l" t="t" r="r" b="b"/>
+              <a:pathLst>
+                <a:path w="2004" h="1955" extrusionOk="0">
+                  <a:moveTo>
+                    <a:pt x="1" y="1"/>
+                  </a:moveTo>
+                  <a:lnTo>
+                    <a:pt x="1" y="1954"/>
+                  </a:lnTo>
+                  <a:lnTo>
+                    <a:pt x="2003" y="1954"/>
+                  </a:lnTo>
+                  <a:lnTo>
+                    <a:pt x="2003" y="1"/>
+                  </a:lnTo>
+                  <a:close/>
+                </a:path>
+              </a:pathLst>
+            </a:custGeom>
+            <a:grpFill/>
+            <a:ln>
+              <a:noFill/>
+            </a:ln>
+          </p:spPr>
+          <p:txBody>
+            <a:bodyPr spcFirstLastPara="1" wrap="square" lIns="91425" tIns="91425" rIns="91425" bIns="91425" anchor="ctr" anchorCtr="0">
+              <a:noAutofit/>
+            </a:bodyPr>
+            <a:lstStyle/>
+            <a:p>
+              <a:pPr marL="0" lvl="0" indent="0" algn="l" rtl="0">
+                <a:spcBef>
+                  <a:spcPts val="0"/>
+                </a:spcBef>
+                <a:spcAft>
+                  <a:spcPts val="0"/>
+                </a:spcAft>
+                <a:buNone/>
+              </a:pPr>
+              <a:endParaRPr/>
+            </a:p>
+          </p:txBody>
+        </p:sp>
+        <p:sp>
+          <p:nvSpPr>
+            <p:cNvPr id="26" name="Google Shape;4105;p39">
+              <a:extLst>
+                <a:ext uri="{FF2B5EF4-FFF2-40B4-BE49-F238E27FC236}">
+                  <a16:creationId xmlns:a16="http://schemas.microsoft.com/office/drawing/2014/main" id="{91B09DC3-54E2-4F83-87FC-6AE04180915A}"/>
+                </a:ext>
+              </a:extLst>
+            </p:cNvPr>
+            <p:cNvSpPr/>
+            <p:nvPr/>
+          </p:nvSpPr>
+          <p:spPr>
+            <a:xfrm>
+              <a:off x="6222350" y="509200"/>
+              <a:ext cx="50700" cy="53775"/>
+            </a:xfrm>
+            <a:custGeom>
+              <a:avLst/>
+              <a:gdLst/>
+              <a:ahLst/>
+              <a:cxnLst/>
+              <a:rect l="l" t="t" r="r" b="b"/>
+              <a:pathLst>
+                <a:path w="2028" h="2151" extrusionOk="0">
+                  <a:moveTo>
+                    <a:pt x="1" y="1"/>
+                  </a:moveTo>
+                  <a:lnTo>
+                    <a:pt x="1" y="2150"/>
+                  </a:lnTo>
+                  <a:lnTo>
+                    <a:pt x="2028" y="2150"/>
+                  </a:lnTo>
+                  <a:lnTo>
+                    <a:pt x="2028" y="1"/>
+                  </a:lnTo>
+                  <a:close/>
+                </a:path>
+              </a:pathLst>
+            </a:custGeom>
+            <a:grpFill/>
+            <a:ln>
+              <a:noFill/>
+            </a:ln>
+          </p:spPr>
+          <p:txBody>
+            <a:bodyPr spcFirstLastPara="1" wrap="square" lIns="91425" tIns="91425" rIns="91425" bIns="91425" anchor="ctr" anchorCtr="0">
+              <a:noAutofit/>
+            </a:bodyPr>
+            <a:lstStyle/>
+            <a:p>
+              <a:pPr marL="0" lvl="0" indent="0" algn="l" rtl="0">
+                <a:spcBef>
+                  <a:spcPts val="0"/>
+                </a:spcBef>
+                <a:spcAft>
+                  <a:spcPts val="0"/>
+                </a:spcAft>
+                <a:buNone/>
+              </a:pPr>
+              <a:endParaRPr/>
+            </a:p>
+          </p:txBody>
+        </p:sp>
+        <p:sp>
+          <p:nvSpPr>
+            <p:cNvPr id="27" name="Google Shape;4106;p39">
+              <a:extLst>
+                <a:ext uri="{FF2B5EF4-FFF2-40B4-BE49-F238E27FC236}">
+                  <a16:creationId xmlns:a16="http://schemas.microsoft.com/office/drawing/2014/main" id="{5DF1864C-E7EB-4F2F-A823-93DFA6758AAE}"/>
+                </a:ext>
+              </a:extLst>
+            </p:cNvPr>
+            <p:cNvSpPr/>
+            <p:nvPr/>
+          </p:nvSpPr>
+          <p:spPr>
+            <a:xfrm>
+              <a:off x="6222350" y="448150"/>
+              <a:ext cx="50700" cy="48875"/>
+            </a:xfrm>
+            <a:custGeom>
+              <a:avLst/>
+              <a:gdLst/>
+              <a:ahLst/>
+              <a:cxnLst/>
+              <a:rect l="l" t="t" r="r" b="b"/>
+              <a:pathLst>
+                <a:path w="2028" h="1955" extrusionOk="0">
+                  <a:moveTo>
+                    <a:pt x="1" y="1"/>
+                  </a:moveTo>
+                  <a:lnTo>
+                    <a:pt x="1" y="1954"/>
+                  </a:lnTo>
+                  <a:lnTo>
+                    <a:pt x="2028" y="1954"/>
+                  </a:lnTo>
+                  <a:lnTo>
+                    <a:pt x="2028" y="1"/>
+                  </a:lnTo>
+                  <a:close/>
+                </a:path>
+              </a:pathLst>
+            </a:custGeom>
+            <a:grpFill/>
+            <a:ln>
+              <a:noFill/>
+            </a:ln>
+          </p:spPr>
+          <p:txBody>
+            <a:bodyPr spcFirstLastPara="1" wrap="square" lIns="91425" tIns="91425" rIns="91425" bIns="91425" anchor="ctr" anchorCtr="0">
+              <a:noAutofit/>
+            </a:bodyPr>
+            <a:lstStyle/>
+            <a:p>
+              <a:pPr marL="0" lvl="0" indent="0" algn="l" rtl="0">
+                <a:spcBef>
+                  <a:spcPts val="0"/>
+                </a:spcBef>
+                <a:spcAft>
+                  <a:spcPts val="0"/>
+                </a:spcAft>
+                <a:buNone/>
+              </a:pPr>
+              <a:endParaRPr/>
+            </a:p>
+          </p:txBody>
+        </p:sp>
+      </p:grpSp>
+      <p:grpSp>
+        <p:nvGrpSpPr>
+          <p:cNvPr id="28" name="Google Shape;4107;p39">
+            <a:extLst>
+              <a:ext uri="{FF2B5EF4-FFF2-40B4-BE49-F238E27FC236}">
+                <a16:creationId xmlns:a16="http://schemas.microsoft.com/office/drawing/2014/main" id="{417286B6-10E8-4348-A262-CE2AB97C6E48}"/>
+              </a:ext>
+            </a:extLst>
+          </p:cNvPr>
+          <p:cNvGrpSpPr/>
+          <p:nvPr/>
+        </p:nvGrpSpPr>
+        <p:grpSpPr>
+          <a:xfrm>
+            <a:off x="4858808" y="1114734"/>
+            <a:ext cx="782057" cy="780876"/>
+            <a:chOff x="6660750" y="298550"/>
+            <a:chExt cx="396900" cy="396300"/>
+          </a:xfrm>
+          <a:solidFill>
+            <a:srgbClr val="01597F"/>
+          </a:solidFill>
+        </p:grpSpPr>
+        <p:sp>
+          <p:nvSpPr>
+            <p:cNvPr id="29" name="Google Shape;4108;p39">
+              <a:extLst>
+                <a:ext uri="{FF2B5EF4-FFF2-40B4-BE49-F238E27FC236}">
+                  <a16:creationId xmlns:a16="http://schemas.microsoft.com/office/drawing/2014/main" id="{B57EF967-207B-44D4-8172-0DBFAE335123}"/>
+                </a:ext>
+              </a:extLst>
+            </p:cNvPr>
+            <p:cNvSpPr/>
+            <p:nvPr/>
+          </p:nvSpPr>
+          <p:spPr>
+            <a:xfrm>
+              <a:off x="6660750" y="298550"/>
+              <a:ext cx="396900" cy="396300"/>
+            </a:xfrm>
+            <a:custGeom>
+              <a:avLst/>
+              <a:gdLst/>
+              <a:ahLst/>
+              <a:cxnLst/>
+              <a:rect l="l" t="t" r="r" b="b"/>
+              <a:pathLst>
+                <a:path w="15876" h="15852" extrusionOk="0">
+                  <a:moveTo>
+                    <a:pt x="8304" y="978"/>
+                  </a:moveTo>
+                  <a:lnTo>
+                    <a:pt x="8646" y="1002"/>
+                  </a:lnTo>
+                  <a:lnTo>
+                    <a:pt x="8988" y="1051"/>
+                  </a:lnTo>
+                  <a:lnTo>
+                    <a:pt x="9330" y="1100"/>
+                  </a:lnTo>
+                  <a:lnTo>
+                    <a:pt x="9672" y="1198"/>
+                  </a:lnTo>
+                  <a:lnTo>
+                    <a:pt x="10014" y="1271"/>
+                  </a:lnTo>
+                  <a:lnTo>
+                    <a:pt x="10332" y="1393"/>
+                  </a:lnTo>
+                  <a:lnTo>
+                    <a:pt x="10649" y="1515"/>
+                  </a:lnTo>
+                  <a:lnTo>
+                    <a:pt x="10942" y="1662"/>
+                  </a:lnTo>
+                  <a:lnTo>
+                    <a:pt x="11260" y="1808"/>
+                  </a:lnTo>
+                  <a:lnTo>
+                    <a:pt x="11553" y="1979"/>
+                  </a:lnTo>
+                  <a:lnTo>
+                    <a:pt x="11821" y="2150"/>
+                  </a:lnTo>
+                  <a:lnTo>
+                    <a:pt x="12090" y="2346"/>
+                  </a:lnTo>
+                  <a:lnTo>
+                    <a:pt x="12359" y="2565"/>
+                  </a:lnTo>
+                  <a:lnTo>
+                    <a:pt x="12603" y="2785"/>
+                  </a:lnTo>
+                  <a:lnTo>
+                    <a:pt x="12847" y="3005"/>
+                  </a:lnTo>
+                  <a:lnTo>
+                    <a:pt x="13091" y="3249"/>
+                  </a:lnTo>
+                  <a:lnTo>
+                    <a:pt x="13311" y="3493"/>
+                  </a:lnTo>
+                  <a:lnTo>
+                    <a:pt x="13507" y="3762"/>
+                  </a:lnTo>
+                  <a:lnTo>
+                    <a:pt x="13702" y="4031"/>
+                  </a:lnTo>
+                  <a:lnTo>
+                    <a:pt x="13897" y="4324"/>
+                  </a:lnTo>
+                  <a:lnTo>
+                    <a:pt x="14044" y="4617"/>
+                  </a:lnTo>
+                  <a:lnTo>
+                    <a:pt x="14215" y="4910"/>
+                  </a:lnTo>
+                  <a:lnTo>
+                    <a:pt x="14337" y="5227"/>
+                  </a:lnTo>
+                  <a:lnTo>
+                    <a:pt x="14483" y="5545"/>
+                  </a:lnTo>
+                  <a:lnTo>
+                    <a:pt x="14581" y="5862"/>
+                  </a:lnTo>
+                  <a:lnTo>
+                    <a:pt x="14679" y="6180"/>
+                  </a:lnTo>
+                  <a:lnTo>
+                    <a:pt x="14752" y="6522"/>
+                  </a:lnTo>
+                  <a:lnTo>
+                    <a:pt x="14825" y="6864"/>
+                  </a:lnTo>
+                  <a:lnTo>
+                    <a:pt x="14850" y="7206"/>
+                  </a:lnTo>
+                  <a:lnTo>
+                    <a:pt x="14899" y="7572"/>
+                  </a:lnTo>
+                  <a:lnTo>
+                    <a:pt x="14899" y="7938"/>
+                  </a:lnTo>
+                  <a:lnTo>
+                    <a:pt x="14899" y="8280"/>
+                  </a:lnTo>
+                  <a:lnTo>
+                    <a:pt x="14850" y="8647"/>
+                  </a:lnTo>
+                  <a:lnTo>
+                    <a:pt x="14825" y="8989"/>
+                  </a:lnTo>
+                  <a:lnTo>
+                    <a:pt x="14752" y="9331"/>
+                  </a:lnTo>
+                  <a:lnTo>
+                    <a:pt x="14679" y="9672"/>
+                  </a:lnTo>
+                  <a:lnTo>
+                    <a:pt x="14581" y="9990"/>
+                  </a:lnTo>
+                  <a:lnTo>
+                    <a:pt x="14483" y="10307"/>
+                  </a:lnTo>
+                  <a:lnTo>
+                    <a:pt x="14337" y="10625"/>
+                  </a:lnTo>
+                  <a:lnTo>
+                    <a:pt x="14215" y="10942"/>
+                  </a:lnTo>
+                  <a:lnTo>
+                    <a:pt x="14044" y="11236"/>
+                  </a:lnTo>
+                  <a:lnTo>
+                    <a:pt x="13897" y="11529"/>
+                  </a:lnTo>
+                  <a:lnTo>
+                    <a:pt x="13702" y="11822"/>
+                  </a:lnTo>
+                  <a:lnTo>
+                    <a:pt x="13507" y="12090"/>
+                  </a:lnTo>
+                  <a:lnTo>
+                    <a:pt x="13311" y="12359"/>
+                  </a:lnTo>
+                  <a:lnTo>
+                    <a:pt x="13091" y="12603"/>
+                  </a:lnTo>
+                  <a:lnTo>
+                    <a:pt x="12847" y="12847"/>
+                  </a:lnTo>
+                  <a:lnTo>
+                    <a:pt x="12603" y="13067"/>
+                  </a:lnTo>
+                  <a:lnTo>
+                    <a:pt x="12359" y="13287"/>
+                  </a:lnTo>
+                  <a:lnTo>
+                    <a:pt x="12090" y="13507"/>
+                  </a:lnTo>
+                  <a:lnTo>
+                    <a:pt x="11821" y="13702"/>
+                  </a:lnTo>
+                  <a:lnTo>
+                    <a:pt x="11553" y="13873"/>
+                  </a:lnTo>
+                  <a:lnTo>
+                    <a:pt x="11260" y="14044"/>
+                  </a:lnTo>
+                  <a:lnTo>
+                    <a:pt x="10942" y="14191"/>
+                  </a:lnTo>
+                  <a:lnTo>
+                    <a:pt x="10649" y="14337"/>
+                  </a:lnTo>
+                  <a:lnTo>
+                    <a:pt x="10332" y="14459"/>
+                  </a:lnTo>
+                  <a:lnTo>
+                    <a:pt x="10014" y="14581"/>
+                  </a:lnTo>
+                  <a:lnTo>
+                    <a:pt x="9672" y="14655"/>
+                  </a:lnTo>
+                  <a:lnTo>
+                    <a:pt x="9330" y="14752"/>
+                  </a:lnTo>
+                  <a:lnTo>
+                    <a:pt x="8988" y="14801"/>
+                  </a:lnTo>
+                  <a:lnTo>
+                    <a:pt x="8646" y="14850"/>
+                  </a:lnTo>
+                  <a:lnTo>
+                    <a:pt x="8304" y="14875"/>
+                  </a:lnTo>
+                  <a:lnTo>
+                    <a:pt x="7572" y="14875"/>
+                  </a:lnTo>
+                  <a:lnTo>
+                    <a:pt x="7230" y="14850"/>
+                  </a:lnTo>
+                  <a:lnTo>
+                    <a:pt x="6888" y="14801"/>
+                  </a:lnTo>
+                  <a:lnTo>
+                    <a:pt x="6546" y="14752"/>
+                  </a:lnTo>
+                  <a:lnTo>
+                    <a:pt x="6204" y="14655"/>
+                  </a:lnTo>
+                  <a:lnTo>
+                    <a:pt x="5862" y="14581"/>
+                  </a:lnTo>
+                  <a:lnTo>
+                    <a:pt x="5545" y="14459"/>
+                  </a:lnTo>
+                  <a:lnTo>
+                    <a:pt x="5227" y="14337"/>
+                  </a:lnTo>
+                  <a:lnTo>
+                    <a:pt x="4934" y="14191"/>
+                  </a:lnTo>
+                  <a:lnTo>
+                    <a:pt x="4617" y="14044"/>
+                  </a:lnTo>
+                  <a:lnTo>
+                    <a:pt x="4324" y="13873"/>
+                  </a:lnTo>
+                  <a:lnTo>
+                    <a:pt x="4055" y="13702"/>
+                  </a:lnTo>
+                  <a:lnTo>
+                    <a:pt x="3786" y="13507"/>
+                  </a:lnTo>
+                  <a:lnTo>
+                    <a:pt x="3518" y="13287"/>
+                  </a:lnTo>
+                  <a:lnTo>
+                    <a:pt x="3273" y="13067"/>
+                  </a:lnTo>
+                  <a:lnTo>
+                    <a:pt x="3029" y="12847"/>
+                  </a:lnTo>
+                  <a:lnTo>
+                    <a:pt x="2785" y="12603"/>
+                  </a:lnTo>
+                  <a:lnTo>
+                    <a:pt x="2565" y="12359"/>
+                  </a:lnTo>
+                  <a:lnTo>
+                    <a:pt x="2370" y="12090"/>
+                  </a:lnTo>
+                  <a:lnTo>
+                    <a:pt x="2174" y="11822"/>
+                  </a:lnTo>
+                  <a:lnTo>
+                    <a:pt x="1979" y="11529"/>
+                  </a:lnTo>
+                  <a:lnTo>
+                    <a:pt x="1832" y="11236"/>
+                  </a:lnTo>
+                  <a:lnTo>
+                    <a:pt x="1661" y="10942"/>
+                  </a:lnTo>
+                  <a:lnTo>
+                    <a:pt x="1539" y="10625"/>
+                  </a:lnTo>
+                  <a:lnTo>
+                    <a:pt x="1393" y="10307"/>
+                  </a:lnTo>
+                  <a:lnTo>
+                    <a:pt x="1295" y="9990"/>
+                  </a:lnTo>
+                  <a:lnTo>
+                    <a:pt x="1197" y="9672"/>
+                  </a:lnTo>
+                  <a:lnTo>
+                    <a:pt x="1124" y="9331"/>
+                  </a:lnTo>
+                  <a:lnTo>
+                    <a:pt x="1051" y="8989"/>
+                  </a:lnTo>
+                  <a:lnTo>
+                    <a:pt x="1026" y="8647"/>
+                  </a:lnTo>
+                  <a:lnTo>
+                    <a:pt x="978" y="8280"/>
+                  </a:lnTo>
+                  <a:lnTo>
+                    <a:pt x="978" y="7938"/>
+                  </a:lnTo>
+                  <a:lnTo>
+                    <a:pt x="978" y="7572"/>
+                  </a:lnTo>
+                  <a:lnTo>
+                    <a:pt x="1026" y="7206"/>
+                  </a:lnTo>
+                  <a:lnTo>
+                    <a:pt x="1051" y="6864"/>
+                  </a:lnTo>
+                  <a:lnTo>
+                    <a:pt x="1124" y="6522"/>
+                  </a:lnTo>
+                  <a:lnTo>
+                    <a:pt x="1197" y="6180"/>
+                  </a:lnTo>
+                  <a:lnTo>
+                    <a:pt x="1295" y="5862"/>
+                  </a:lnTo>
+                  <a:lnTo>
+                    <a:pt x="1393" y="5545"/>
+                  </a:lnTo>
+                  <a:lnTo>
+                    <a:pt x="1539" y="5227"/>
+                  </a:lnTo>
+                  <a:lnTo>
+                    <a:pt x="1661" y="4910"/>
+                  </a:lnTo>
+                  <a:lnTo>
+                    <a:pt x="1832" y="4617"/>
+                  </a:lnTo>
+                  <a:lnTo>
+                    <a:pt x="1979" y="4324"/>
+                  </a:lnTo>
+                  <a:lnTo>
+                    <a:pt x="2174" y="4031"/>
+                  </a:lnTo>
+                  <a:lnTo>
+                    <a:pt x="2370" y="3762"/>
+                  </a:lnTo>
+                  <a:lnTo>
+                    <a:pt x="2565" y="3493"/>
+                  </a:lnTo>
+                  <a:lnTo>
+                    <a:pt x="2785" y="3249"/>
+                  </a:lnTo>
+                  <a:lnTo>
+                    <a:pt x="3029" y="3005"/>
+                  </a:lnTo>
+                  <a:lnTo>
+                    <a:pt x="3273" y="2785"/>
+                  </a:lnTo>
+                  <a:lnTo>
+                    <a:pt x="3518" y="2565"/>
+                  </a:lnTo>
+                  <a:lnTo>
+                    <a:pt x="3786" y="2346"/>
+                  </a:lnTo>
+                  <a:lnTo>
+                    <a:pt x="4055" y="2150"/>
+                  </a:lnTo>
+                  <a:lnTo>
+                    <a:pt x="4324" y="1979"/>
+                  </a:lnTo>
+                  <a:lnTo>
+                    <a:pt x="4617" y="1808"/>
+                  </a:lnTo>
+                  <a:lnTo>
+                    <a:pt x="4934" y="1662"/>
+                  </a:lnTo>
+                  <a:lnTo>
+                    <a:pt x="5227" y="1515"/>
+                  </a:lnTo>
+                  <a:lnTo>
+                    <a:pt x="5545" y="1393"/>
+                  </a:lnTo>
+                  <a:lnTo>
+                    <a:pt x="5862" y="1271"/>
+                  </a:lnTo>
+                  <a:lnTo>
+                    <a:pt x="6204" y="1198"/>
+                  </a:lnTo>
+                  <a:lnTo>
+                    <a:pt x="6546" y="1100"/>
+                  </a:lnTo>
+                  <a:lnTo>
+                    <a:pt x="6888" y="1051"/>
+                  </a:lnTo>
+                  <a:lnTo>
+                    <a:pt x="7230" y="1002"/>
+                  </a:lnTo>
+                  <a:lnTo>
+                    <a:pt x="7572" y="978"/>
+                  </a:lnTo>
+                  <a:close/>
+                  <a:moveTo>
+                    <a:pt x="7523" y="1"/>
+                  </a:moveTo>
+                  <a:lnTo>
+                    <a:pt x="7132" y="25"/>
+                  </a:lnTo>
+                  <a:lnTo>
+                    <a:pt x="6741" y="74"/>
+                  </a:lnTo>
+                  <a:lnTo>
+                    <a:pt x="6351" y="147"/>
+                  </a:lnTo>
+                  <a:lnTo>
+                    <a:pt x="5960" y="245"/>
+                  </a:lnTo>
+                  <a:lnTo>
+                    <a:pt x="5569" y="343"/>
+                  </a:lnTo>
+                  <a:lnTo>
+                    <a:pt x="5203" y="465"/>
+                  </a:lnTo>
+                  <a:lnTo>
+                    <a:pt x="4861" y="611"/>
+                  </a:lnTo>
+                  <a:lnTo>
+                    <a:pt x="4494" y="782"/>
+                  </a:lnTo>
+                  <a:lnTo>
+                    <a:pt x="4153" y="953"/>
+                  </a:lnTo>
+                  <a:lnTo>
+                    <a:pt x="3835" y="1149"/>
+                  </a:lnTo>
+                  <a:lnTo>
+                    <a:pt x="3493" y="1344"/>
+                  </a:lnTo>
+                  <a:lnTo>
+                    <a:pt x="3200" y="1564"/>
+                  </a:lnTo>
+                  <a:lnTo>
+                    <a:pt x="2883" y="1808"/>
+                  </a:lnTo>
+                  <a:lnTo>
+                    <a:pt x="2614" y="2052"/>
+                  </a:lnTo>
+                  <a:lnTo>
+                    <a:pt x="2321" y="2321"/>
+                  </a:lnTo>
+                  <a:lnTo>
+                    <a:pt x="2077" y="2590"/>
+                  </a:lnTo>
+                  <a:lnTo>
+                    <a:pt x="1808" y="2883"/>
+                  </a:lnTo>
+                  <a:lnTo>
+                    <a:pt x="1588" y="3176"/>
+                  </a:lnTo>
+                  <a:lnTo>
+                    <a:pt x="1368" y="3493"/>
+                  </a:lnTo>
+                  <a:lnTo>
+                    <a:pt x="1149" y="3811"/>
+                  </a:lnTo>
+                  <a:lnTo>
+                    <a:pt x="953" y="4153"/>
+                  </a:lnTo>
+                  <a:lnTo>
+                    <a:pt x="782" y="4495"/>
+                  </a:lnTo>
+                  <a:lnTo>
+                    <a:pt x="636" y="4837"/>
+                  </a:lnTo>
+                  <a:lnTo>
+                    <a:pt x="489" y="5203"/>
+                  </a:lnTo>
+                  <a:lnTo>
+                    <a:pt x="367" y="5569"/>
+                  </a:lnTo>
+                  <a:lnTo>
+                    <a:pt x="245" y="5936"/>
+                  </a:lnTo>
+                  <a:lnTo>
+                    <a:pt x="172" y="6326"/>
+                  </a:lnTo>
+                  <a:lnTo>
+                    <a:pt x="98" y="6717"/>
+                  </a:lnTo>
+                  <a:lnTo>
+                    <a:pt x="49" y="7108"/>
+                  </a:lnTo>
+                  <a:lnTo>
+                    <a:pt x="25" y="7523"/>
+                  </a:lnTo>
+                  <a:lnTo>
+                    <a:pt x="1" y="7938"/>
+                  </a:lnTo>
+                  <a:lnTo>
+                    <a:pt x="25" y="8329"/>
+                  </a:lnTo>
+                  <a:lnTo>
+                    <a:pt x="49" y="8744"/>
+                  </a:lnTo>
+                  <a:lnTo>
+                    <a:pt x="98" y="9135"/>
+                  </a:lnTo>
+                  <a:lnTo>
+                    <a:pt x="172" y="9526"/>
+                  </a:lnTo>
+                  <a:lnTo>
+                    <a:pt x="245" y="9917"/>
+                  </a:lnTo>
+                  <a:lnTo>
+                    <a:pt x="367" y="10283"/>
+                  </a:lnTo>
+                  <a:lnTo>
+                    <a:pt x="489" y="10649"/>
+                  </a:lnTo>
+                  <a:lnTo>
+                    <a:pt x="636" y="11016"/>
+                  </a:lnTo>
+                  <a:lnTo>
+                    <a:pt x="782" y="11358"/>
+                  </a:lnTo>
+                  <a:lnTo>
+                    <a:pt x="953" y="11700"/>
+                  </a:lnTo>
+                  <a:lnTo>
+                    <a:pt x="1149" y="12041"/>
+                  </a:lnTo>
+                  <a:lnTo>
+                    <a:pt x="1368" y="12359"/>
+                  </a:lnTo>
+                  <a:lnTo>
+                    <a:pt x="1588" y="12676"/>
+                  </a:lnTo>
+                  <a:lnTo>
+                    <a:pt x="1808" y="12970"/>
+                  </a:lnTo>
+                  <a:lnTo>
+                    <a:pt x="2077" y="13263"/>
+                  </a:lnTo>
+                  <a:lnTo>
+                    <a:pt x="2321" y="13531"/>
+                  </a:lnTo>
+                  <a:lnTo>
+                    <a:pt x="2614" y="13800"/>
+                  </a:lnTo>
+                  <a:lnTo>
+                    <a:pt x="2883" y="14044"/>
+                  </a:lnTo>
+                  <a:lnTo>
+                    <a:pt x="3200" y="14288"/>
+                  </a:lnTo>
+                  <a:lnTo>
+                    <a:pt x="3493" y="14508"/>
+                  </a:lnTo>
+                  <a:lnTo>
+                    <a:pt x="3835" y="14704"/>
+                  </a:lnTo>
+                  <a:lnTo>
+                    <a:pt x="4153" y="14899"/>
+                  </a:lnTo>
+                  <a:lnTo>
+                    <a:pt x="4494" y="15070"/>
+                  </a:lnTo>
+                  <a:lnTo>
+                    <a:pt x="4861" y="15241"/>
+                  </a:lnTo>
+                  <a:lnTo>
+                    <a:pt x="5203" y="15387"/>
+                  </a:lnTo>
+                  <a:lnTo>
+                    <a:pt x="5569" y="15510"/>
+                  </a:lnTo>
+                  <a:lnTo>
+                    <a:pt x="5960" y="15607"/>
+                  </a:lnTo>
+                  <a:lnTo>
+                    <a:pt x="6351" y="15705"/>
+                  </a:lnTo>
+                  <a:lnTo>
+                    <a:pt x="6741" y="15778"/>
+                  </a:lnTo>
+                  <a:lnTo>
+                    <a:pt x="7132" y="15827"/>
+                  </a:lnTo>
+                  <a:lnTo>
+                    <a:pt x="7523" y="15851"/>
+                  </a:lnTo>
+                  <a:lnTo>
+                    <a:pt x="8353" y="15851"/>
+                  </a:lnTo>
+                  <a:lnTo>
+                    <a:pt x="8744" y="15827"/>
+                  </a:lnTo>
+                  <a:lnTo>
+                    <a:pt x="9135" y="15778"/>
+                  </a:lnTo>
+                  <a:lnTo>
+                    <a:pt x="9526" y="15705"/>
+                  </a:lnTo>
+                  <a:lnTo>
+                    <a:pt x="9916" y="15607"/>
+                  </a:lnTo>
+                  <a:lnTo>
+                    <a:pt x="10307" y="15510"/>
+                  </a:lnTo>
+                  <a:lnTo>
+                    <a:pt x="10673" y="15387"/>
+                  </a:lnTo>
+                  <a:lnTo>
+                    <a:pt x="11015" y="15241"/>
+                  </a:lnTo>
+                  <a:lnTo>
+                    <a:pt x="11382" y="15070"/>
+                  </a:lnTo>
+                  <a:lnTo>
+                    <a:pt x="11724" y="14899"/>
+                  </a:lnTo>
+                  <a:lnTo>
+                    <a:pt x="12041" y="14704"/>
+                  </a:lnTo>
+                  <a:lnTo>
+                    <a:pt x="12383" y="14508"/>
+                  </a:lnTo>
+                  <a:lnTo>
+                    <a:pt x="12676" y="14288"/>
+                  </a:lnTo>
+                  <a:lnTo>
+                    <a:pt x="12994" y="14044"/>
+                  </a:lnTo>
+                  <a:lnTo>
+                    <a:pt x="13262" y="13800"/>
+                  </a:lnTo>
+                  <a:lnTo>
+                    <a:pt x="13555" y="13531"/>
+                  </a:lnTo>
+                  <a:lnTo>
+                    <a:pt x="13800" y="13263"/>
+                  </a:lnTo>
+                  <a:lnTo>
+                    <a:pt x="14068" y="12970"/>
+                  </a:lnTo>
+                  <a:lnTo>
+                    <a:pt x="14288" y="12676"/>
+                  </a:lnTo>
+                  <a:lnTo>
+                    <a:pt x="14508" y="12359"/>
+                  </a:lnTo>
+                  <a:lnTo>
+                    <a:pt x="14728" y="12041"/>
+                  </a:lnTo>
+                  <a:lnTo>
+                    <a:pt x="14923" y="11700"/>
+                  </a:lnTo>
+                  <a:lnTo>
+                    <a:pt x="15094" y="11358"/>
+                  </a:lnTo>
+                  <a:lnTo>
+                    <a:pt x="15241" y="11016"/>
+                  </a:lnTo>
+                  <a:lnTo>
+                    <a:pt x="15387" y="10649"/>
+                  </a:lnTo>
+                  <a:lnTo>
+                    <a:pt x="15509" y="10283"/>
+                  </a:lnTo>
+                  <a:lnTo>
+                    <a:pt x="15631" y="9917"/>
+                  </a:lnTo>
+                  <a:lnTo>
+                    <a:pt x="15705" y="9526"/>
+                  </a:lnTo>
+                  <a:lnTo>
+                    <a:pt x="15778" y="9135"/>
+                  </a:lnTo>
+                  <a:lnTo>
+                    <a:pt x="15827" y="8744"/>
+                  </a:lnTo>
+                  <a:lnTo>
+                    <a:pt x="15851" y="8329"/>
+                  </a:lnTo>
+                  <a:lnTo>
+                    <a:pt x="15876" y="7938"/>
+                  </a:lnTo>
+                  <a:lnTo>
+                    <a:pt x="15851" y="7523"/>
+                  </a:lnTo>
+                  <a:lnTo>
+                    <a:pt x="15827" y="7108"/>
+                  </a:lnTo>
+                  <a:lnTo>
+                    <a:pt x="15778" y="6717"/>
+                  </a:lnTo>
+                  <a:lnTo>
+                    <a:pt x="15705" y="6326"/>
+                  </a:lnTo>
+                  <a:lnTo>
+                    <a:pt x="15631" y="5936"/>
+                  </a:lnTo>
+                  <a:lnTo>
+                    <a:pt x="15509" y="5569"/>
+                  </a:lnTo>
+                  <a:lnTo>
+                    <a:pt x="15387" y="5203"/>
+                  </a:lnTo>
+                  <a:lnTo>
+                    <a:pt x="15241" y="4837"/>
+                  </a:lnTo>
+                  <a:lnTo>
+                    <a:pt x="15094" y="4495"/>
+                  </a:lnTo>
+                  <a:lnTo>
+                    <a:pt x="14923" y="4153"/>
+                  </a:lnTo>
+                  <a:lnTo>
+                    <a:pt x="14728" y="3811"/>
+                  </a:lnTo>
+                  <a:lnTo>
+                    <a:pt x="14508" y="3493"/>
+                  </a:lnTo>
+                  <a:lnTo>
+                    <a:pt x="14288" y="3176"/>
+                  </a:lnTo>
+                  <a:lnTo>
+                    <a:pt x="14068" y="2883"/>
+                  </a:lnTo>
+                  <a:lnTo>
+                    <a:pt x="13800" y="2590"/>
+                  </a:lnTo>
+                  <a:lnTo>
+                    <a:pt x="13555" y="2321"/>
+                  </a:lnTo>
+                  <a:lnTo>
+                    <a:pt x="13262" y="2052"/>
+                  </a:lnTo>
+                  <a:lnTo>
+                    <a:pt x="12994" y="1808"/>
+                  </a:lnTo>
+                  <a:lnTo>
+                    <a:pt x="12676" y="1564"/>
+                  </a:lnTo>
+                  <a:lnTo>
+                    <a:pt x="12383" y="1344"/>
+                  </a:lnTo>
+                  <a:lnTo>
+                    <a:pt x="12041" y="1149"/>
+                  </a:lnTo>
+                  <a:lnTo>
+                    <a:pt x="11724" y="953"/>
+                  </a:lnTo>
+                  <a:lnTo>
+                    <a:pt x="11382" y="782"/>
+                  </a:lnTo>
+                  <a:lnTo>
+                    <a:pt x="11015" y="611"/>
+                  </a:lnTo>
+                  <a:lnTo>
+                    <a:pt x="10673" y="465"/>
+                  </a:lnTo>
+                  <a:lnTo>
+                    <a:pt x="10307" y="343"/>
+                  </a:lnTo>
+                  <a:lnTo>
+                    <a:pt x="9916" y="245"/>
+                  </a:lnTo>
+                  <a:lnTo>
+                    <a:pt x="9526" y="147"/>
+                  </a:lnTo>
+                  <a:lnTo>
+                    <a:pt x="9135" y="74"/>
+                  </a:lnTo>
+                  <a:lnTo>
+                    <a:pt x="8744" y="25"/>
+                  </a:lnTo>
+                  <a:lnTo>
+                    <a:pt x="8353" y="1"/>
+                  </a:lnTo>
+                  <a:close/>
+                </a:path>
+              </a:pathLst>
+            </a:custGeom>
+            <a:grpFill/>
+            <a:ln>
+              <a:noFill/>
+            </a:ln>
+          </p:spPr>
+          <p:txBody>
+            <a:bodyPr spcFirstLastPara="1" wrap="square" lIns="91425" tIns="91425" rIns="91425" bIns="91425" anchor="ctr" anchorCtr="0">
+              <a:noAutofit/>
+            </a:bodyPr>
+            <a:lstStyle/>
+            <a:p>
+              <a:pPr marL="0" lvl="0" indent="0" algn="l" rtl="0">
+                <a:spcBef>
+                  <a:spcPts val="0"/>
+                </a:spcBef>
+                <a:spcAft>
+                  <a:spcPts val="0"/>
+                </a:spcAft>
+                <a:buNone/>
+              </a:pPr>
+              <a:endParaRPr/>
+            </a:p>
+          </p:txBody>
+        </p:sp>
+        <p:sp>
+          <p:nvSpPr>
+            <p:cNvPr id="30" name="Google Shape;4109;p39">
+              <a:extLst>
+                <a:ext uri="{FF2B5EF4-FFF2-40B4-BE49-F238E27FC236}">
+                  <a16:creationId xmlns:a16="http://schemas.microsoft.com/office/drawing/2014/main" id="{2D804C21-9920-43BE-BDE3-13DD7BF9F821}"/>
+                </a:ext>
+              </a:extLst>
+            </p:cNvPr>
+            <p:cNvSpPr/>
+            <p:nvPr/>
+          </p:nvSpPr>
+          <p:spPr>
+            <a:xfrm>
+              <a:off x="6697400" y="335200"/>
+              <a:ext cx="323625" cy="323025"/>
+            </a:xfrm>
+            <a:custGeom>
+              <a:avLst/>
+              <a:gdLst/>
+              <a:ahLst/>
+              <a:cxnLst/>
+              <a:rect l="l" t="t" r="r" b="b"/>
+              <a:pathLst>
+                <a:path w="12945" h="12921" extrusionOk="0">
+                  <a:moveTo>
+                    <a:pt x="6472" y="1319"/>
+                  </a:moveTo>
+                  <a:lnTo>
+                    <a:pt x="6545" y="1344"/>
+                  </a:lnTo>
+                  <a:lnTo>
+                    <a:pt x="6619" y="1368"/>
+                  </a:lnTo>
+                  <a:lnTo>
+                    <a:pt x="6741" y="1441"/>
+                  </a:lnTo>
+                  <a:lnTo>
+                    <a:pt x="6838" y="1563"/>
+                  </a:lnTo>
+                  <a:lnTo>
+                    <a:pt x="6863" y="1637"/>
+                  </a:lnTo>
+                  <a:lnTo>
+                    <a:pt x="6863" y="1710"/>
+                  </a:lnTo>
+                  <a:lnTo>
+                    <a:pt x="6863" y="6301"/>
+                  </a:lnTo>
+                  <a:lnTo>
+                    <a:pt x="9061" y="8475"/>
+                  </a:lnTo>
+                  <a:lnTo>
+                    <a:pt x="9110" y="8548"/>
+                  </a:lnTo>
+                  <a:lnTo>
+                    <a:pt x="9134" y="8622"/>
+                  </a:lnTo>
+                  <a:lnTo>
+                    <a:pt x="9159" y="8768"/>
+                  </a:lnTo>
+                  <a:lnTo>
+                    <a:pt x="9134" y="8915"/>
+                  </a:lnTo>
+                  <a:lnTo>
+                    <a:pt x="9110" y="8988"/>
+                  </a:lnTo>
+                  <a:lnTo>
+                    <a:pt x="9061" y="9037"/>
+                  </a:lnTo>
+                  <a:lnTo>
+                    <a:pt x="8988" y="9086"/>
+                  </a:lnTo>
+                  <a:lnTo>
+                    <a:pt x="8914" y="9135"/>
+                  </a:lnTo>
+                  <a:lnTo>
+                    <a:pt x="8768" y="9159"/>
+                  </a:lnTo>
+                  <a:lnTo>
+                    <a:pt x="8621" y="9135"/>
+                  </a:lnTo>
+                  <a:lnTo>
+                    <a:pt x="8548" y="9086"/>
+                  </a:lnTo>
+                  <a:lnTo>
+                    <a:pt x="8499" y="9037"/>
+                  </a:lnTo>
+                  <a:lnTo>
+                    <a:pt x="6203" y="6741"/>
+                  </a:lnTo>
+                  <a:lnTo>
+                    <a:pt x="6130" y="6595"/>
+                  </a:lnTo>
+                  <a:lnTo>
+                    <a:pt x="6081" y="6472"/>
+                  </a:lnTo>
+                  <a:lnTo>
+                    <a:pt x="6081" y="1710"/>
+                  </a:lnTo>
+                  <a:lnTo>
+                    <a:pt x="6081" y="1637"/>
+                  </a:lnTo>
+                  <a:lnTo>
+                    <a:pt x="6106" y="1563"/>
+                  </a:lnTo>
+                  <a:lnTo>
+                    <a:pt x="6203" y="1441"/>
+                  </a:lnTo>
+                  <a:lnTo>
+                    <a:pt x="6326" y="1368"/>
+                  </a:lnTo>
+                  <a:lnTo>
+                    <a:pt x="6399" y="1344"/>
+                  </a:lnTo>
+                  <a:lnTo>
+                    <a:pt x="6472" y="1319"/>
+                  </a:lnTo>
+                  <a:close/>
+                  <a:moveTo>
+                    <a:pt x="6228" y="0"/>
+                  </a:moveTo>
+                  <a:lnTo>
+                    <a:pt x="5862" y="25"/>
+                  </a:lnTo>
+                  <a:lnTo>
+                    <a:pt x="5495" y="74"/>
+                  </a:lnTo>
+                  <a:lnTo>
+                    <a:pt x="5129" y="122"/>
+                  </a:lnTo>
+                  <a:lnTo>
+                    <a:pt x="4787" y="220"/>
+                  </a:lnTo>
+                  <a:lnTo>
+                    <a:pt x="4445" y="318"/>
+                  </a:lnTo>
+                  <a:lnTo>
+                    <a:pt x="4103" y="440"/>
+                  </a:lnTo>
+                  <a:lnTo>
+                    <a:pt x="3761" y="586"/>
+                  </a:lnTo>
+                  <a:lnTo>
+                    <a:pt x="3444" y="733"/>
+                  </a:lnTo>
+                  <a:lnTo>
+                    <a:pt x="3639" y="1050"/>
+                  </a:lnTo>
+                  <a:lnTo>
+                    <a:pt x="3663" y="1148"/>
+                  </a:lnTo>
+                  <a:lnTo>
+                    <a:pt x="3663" y="1246"/>
+                  </a:lnTo>
+                  <a:lnTo>
+                    <a:pt x="3615" y="1344"/>
+                  </a:lnTo>
+                  <a:lnTo>
+                    <a:pt x="3541" y="1392"/>
+                  </a:lnTo>
+                  <a:lnTo>
+                    <a:pt x="3493" y="1417"/>
+                  </a:lnTo>
+                  <a:lnTo>
+                    <a:pt x="3370" y="1417"/>
+                  </a:lnTo>
+                  <a:lnTo>
+                    <a:pt x="3297" y="1392"/>
+                  </a:lnTo>
+                  <a:lnTo>
+                    <a:pt x="3248" y="1368"/>
+                  </a:lnTo>
+                  <a:lnTo>
+                    <a:pt x="3224" y="1295"/>
+                  </a:lnTo>
+                  <a:lnTo>
+                    <a:pt x="3028" y="977"/>
+                  </a:lnTo>
+                  <a:lnTo>
+                    <a:pt x="2735" y="1197"/>
+                  </a:lnTo>
+                  <a:lnTo>
+                    <a:pt x="2442" y="1417"/>
+                  </a:lnTo>
+                  <a:lnTo>
+                    <a:pt x="2174" y="1637"/>
+                  </a:lnTo>
+                  <a:lnTo>
+                    <a:pt x="1905" y="1881"/>
+                  </a:lnTo>
+                  <a:lnTo>
+                    <a:pt x="1661" y="2150"/>
+                  </a:lnTo>
+                  <a:lnTo>
+                    <a:pt x="1417" y="2418"/>
+                  </a:lnTo>
+                  <a:lnTo>
+                    <a:pt x="1197" y="2711"/>
+                  </a:lnTo>
+                  <a:lnTo>
+                    <a:pt x="1001" y="3029"/>
+                  </a:lnTo>
+                  <a:lnTo>
+                    <a:pt x="1319" y="3200"/>
+                  </a:lnTo>
+                  <a:lnTo>
+                    <a:pt x="1392" y="3273"/>
+                  </a:lnTo>
+                  <a:lnTo>
+                    <a:pt x="1441" y="3346"/>
+                  </a:lnTo>
+                  <a:lnTo>
+                    <a:pt x="1441" y="3444"/>
+                  </a:lnTo>
+                  <a:lnTo>
+                    <a:pt x="1417" y="3542"/>
+                  </a:lnTo>
+                  <a:lnTo>
+                    <a:pt x="1368" y="3590"/>
+                  </a:lnTo>
+                  <a:lnTo>
+                    <a:pt x="1319" y="3639"/>
+                  </a:lnTo>
+                  <a:lnTo>
+                    <a:pt x="1246" y="3664"/>
+                  </a:lnTo>
+                  <a:lnTo>
+                    <a:pt x="1123" y="3664"/>
+                  </a:lnTo>
+                  <a:lnTo>
+                    <a:pt x="1075" y="3639"/>
+                  </a:lnTo>
+                  <a:lnTo>
+                    <a:pt x="757" y="3444"/>
+                  </a:lnTo>
+                  <a:lnTo>
+                    <a:pt x="586" y="3761"/>
+                  </a:lnTo>
+                  <a:lnTo>
+                    <a:pt x="464" y="4079"/>
+                  </a:lnTo>
+                  <a:lnTo>
+                    <a:pt x="342" y="4421"/>
+                  </a:lnTo>
+                  <a:lnTo>
+                    <a:pt x="220" y="4763"/>
+                  </a:lnTo>
+                  <a:lnTo>
+                    <a:pt x="147" y="5129"/>
+                  </a:lnTo>
+                  <a:lnTo>
+                    <a:pt x="73" y="5471"/>
+                  </a:lnTo>
+                  <a:lnTo>
+                    <a:pt x="24" y="5837"/>
+                  </a:lnTo>
+                  <a:lnTo>
+                    <a:pt x="0" y="6228"/>
+                  </a:lnTo>
+                  <a:lnTo>
+                    <a:pt x="659" y="6228"/>
+                  </a:lnTo>
+                  <a:lnTo>
+                    <a:pt x="757" y="6277"/>
+                  </a:lnTo>
+                  <a:lnTo>
+                    <a:pt x="806" y="6375"/>
+                  </a:lnTo>
+                  <a:lnTo>
+                    <a:pt x="806" y="6472"/>
+                  </a:lnTo>
+                  <a:lnTo>
+                    <a:pt x="806" y="6546"/>
+                  </a:lnTo>
+                  <a:lnTo>
+                    <a:pt x="757" y="6643"/>
+                  </a:lnTo>
+                  <a:lnTo>
+                    <a:pt x="659" y="6692"/>
+                  </a:lnTo>
+                  <a:lnTo>
+                    <a:pt x="562" y="6717"/>
+                  </a:lnTo>
+                  <a:lnTo>
+                    <a:pt x="0" y="6717"/>
+                  </a:lnTo>
+                  <a:lnTo>
+                    <a:pt x="24" y="7083"/>
+                  </a:lnTo>
+                  <a:lnTo>
+                    <a:pt x="73" y="7449"/>
+                  </a:lnTo>
+                  <a:lnTo>
+                    <a:pt x="147" y="7791"/>
+                  </a:lnTo>
+                  <a:lnTo>
+                    <a:pt x="220" y="8158"/>
+                  </a:lnTo>
+                  <a:lnTo>
+                    <a:pt x="342" y="8500"/>
+                  </a:lnTo>
+                  <a:lnTo>
+                    <a:pt x="464" y="8841"/>
+                  </a:lnTo>
+                  <a:lnTo>
+                    <a:pt x="586" y="9159"/>
+                  </a:lnTo>
+                  <a:lnTo>
+                    <a:pt x="757" y="9476"/>
+                  </a:lnTo>
+                  <a:lnTo>
+                    <a:pt x="1075" y="9305"/>
+                  </a:lnTo>
+                  <a:lnTo>
+                    <a:pt x="1172" y="9257"/>
+                  </a:lnTo>
+                  <a:lnTo>
+                    <a:pt x="1270" y="9281"/>
+                  </a:lnTo>
+                  <a:lnTo>
+                    <a:pt x="1343" y="9305"/>
+                  </a:lnTo>
+                  <a:lnTo>
+                    <a:pt x="1417" y="9379"/>
+                  </a:lnTo>
+                  <a:lnTo>
+                    <a:pt x="1441" y="9476"/>
+                  </a:lnTo>
+                  <a:lnTo>
+                    <a:pt x="1441" y="9574"/>
+                  </a:lnTo>
+                  <a:lnTo>
+                    <a:pt x="1392" y="9647"/>
+                  </a:lnTo>
+                  <a:lnTo>
+                    <a:pt x="1319" y="9721"/>
+                  </a:lnTo>
+                  <a:lnTo>
+                    <a:pt x="1001" y="9892"/>
+                  </a:lnTo>
+                  <a:lnTo>
+                    <a:pt x="1197" y="10209"/>
+                  </a:lnTo>
+                  <a:lnTo>
+                    <a:pt x="1417" y="10502"/>
+                  </a:lnTo>
+                  <a:lnTo>
+                    <a:pt x="1661" y="10771"/>
+                  </a:lnTo>
+                  <a:lnTo>
+                    <a:pt x="1905" y="11040"/>
+                  </a:lnTo>
+                  <a:lnTo>
+                    <a:pt x="2174" y="11284"/>
+                  </a:lnTo>
+                  <a:lnTo>
+                    <a:pt x="2442" y="11504"/>
+                  </a:lnTo>
+                  <a:lnTo>
+                    <a:pt x="2735" y="11723"/>
+                  </a:lnTo>
+                  <a:lnTo>
+                    <a:pt x="3028" y="11943"/>
+                  </a:lnTo>
+                  <a:lnTo>
+                    <a:pt x="3224" y="11626"/>
+                  </a:lnTo>
+                  <a:lnTo>
+                    <a:pt x="3273" y="11552"/>
+                  </a:lnTo>
+                  <a:lnTo>
+                    <a:pt x="3370" y="11504"/>
+                  </a:lnTo>
+                  <a:lnTo>
+                    <a:pt x="3468" y="11504"/>
+                  </a:lnTo>
+                  <a:lnTo>
+                    <a:pt x="3541" y="11528"/>
+                  </a:lnTo>
+                  <a:lnTo>
+                    <a:pt x="3615" y="11601"/>
+                  </a:lnTo>
+                  <a:lnTo>
+                    <a:pt x="3663" y="11675"/>
+                  </a:lnTo>
+                  <a:lnTo>
+                    <a:pt x="3663" y="11772"/>
+                  </a:lnTo>
+                  <a:lnTo>
+                    <a:pt x="3639" y="11870"/>
+                  </a:lnTo>
+                  <a:lnTo>
+                    <a:pt x="3444" y="12187"/>
+                  </a:lnTo>
+                  <a:lnTo>
+                    <a:pt x="3761" y="12334"/>
+                  </a:lnTo>
+                  <a:lnTo>
+                    <a:pt x="4103" y="12480"/>
+                  </a:lnTo>
+                  <a:lnTo>
+                    <a:pt x="4445" y="12603"/>
+                  </a:lnTo>
+                  <a:lnTo>
+                    <a:pt x="4787" y="12700"/>
+                  </a:lnTo>
+                  <a:lnTo>
+                    <a:pt x="5129" y="12798"/>
+                  </a:lnTo>
+                  <a:lnTo>
+                    <a:pt x="5495" y="12847"/>
+                  </a:lnTo>
+                  <a:lnTo>
+                    <a:pt x="5862" y="12896"/>
+                  </a:lnTo>
+                  <a:lnTo>
+                    <a:pt x="6228" y="12920"/>
+                  </a:lnTo>
+                  <a:lnTo>
+                    <a:pt x="6228" y="12358"/>
+                  </a:lnTo>
+                  <a:lnTo>
+                    <a:pt x="6252" y="12261"/>
+                  </a:lnTo>
+                  <a:lnTo>
+                    <a:pt x="6301" y="12187"/>
+                  </a:lnTo>
+                  <a:lnTo>
+                    <a:pt x="6374" y="12139"/>
+                  </a:lnTo>
+                  <a:lnTo>
+                    <a:pt x="6472" y="12114"/>
+                  </a:lnTo>
+                  <a:lnTo>
+                    <a:pt x="6570" y="12139"/>
+                  </a:lnTo>
+                  <a:lnTo>
+                    <a:pt x="6643" y="12187"/>
+                  </a:lnTo>
+                  <a:lnTo>
+                    <a:pt x="6692" y="12261"/>
+                  </a:lnTo>
+                  <a:lnTo>
+                    <a:pt x="6716" y="12358"/>
+                  </a:lnTo>
+                  <a:lnTo>
+                    <a:pt x="6716" y="12920"/>
+                  </a:lnTo>
+                  <a:lnTo>
+                    <a:pt x="7083" y="12896"/>
+                  </a:lnTo>
+                  <a:lnTo>
+                    <a:pt x="7449" y="12847"/>
+                  </a:lnTo>
+                  <a:lnTo>
+                    <a:pt x="7815" y="12798"/>
+                  </a:lnTo>
+                  <a:lnTo>
+                    <a:pt x="8157" y="12700"/>
+                  </a:lnTo>
+                  <a:lnTo>
+                    <a:pt x="8499" y="12603"/>
+                  </a:lnTo>
+                  <a:lnTo>
+                    <a:pt x="8841" y="12480"/>
+                  </a:lnTo>
+                  <a:lnTo>
+                    <a:pt x="9183" y="12334"/>
+                  </a:lnTo>
+                  <a:lnTo>
+                    <a:pt x="9501" y="12187"/>
+                  </a:lnTo>
+                  <a:lnTo>
+                    <a:pt x="9305" y="11870"/>
+                  </a:lnTo>
+                  <a:lnTo>
+                    <a:pt x="9281" y="11772"/>
+                  </a:lnTo>
+                  <a:lnTo>
+                    <a:pt x="9281" y="11675"/>
+                  </a:lnTo>
+                  <a:lnTo>
+                    <a:pt x="9330" y="11601"/>
+                  </a:lnTo>
+                  <a:lnTo>
+                    <a:pt x="9403" y="11528"/>
+                  </a:lnTo>
+                  <a:lnTo>
+                    <a:pt x="9476" y="11504"/>
+                  </a:lnTo>
+                  <a:lnTo>
+                    <a:pt x="9574" y="11504"/>
+                  </a:lnTo>
+                  <a:lnTo>
+                    <a:pt x="9672" y="11552"/>
+                  </a:lnTo>
+                  <a:lnTo>
+                    <a:pt x="9720" y="11626"/>
+                  </a:lnTo>
+                  <a:lnTo>
+                    <a:pt x="9916" y="11943"/>
+                  </a:lnTo>
+                  <a:lnTo>
+                    <a:pt x="10209" y="11723"/>
+                  </a:lnTo>
+                  <a:lnTo>
+                    <a:pt x="10502" y="11504"/>
+                  </a:lnTo>
+                  <a:lnTo>
+                    <a:pt x="10771" y="11284"/>
+                  </a:lnTo>
+                  <a:lnTo>
+                    <a:pt x="11039" y="11040"/>
+                  </a:lnTo>
+                  <a:lnTo>
+                    <a:pt x="11283" y="10771"/>
+                  </a:lnTo>
+                  <a:lnTo>
+                    <a:pt x="11528" y="10502"/>
+                  </a:lnTo>
+                  <a:lnTo>
+                    <a:pt x="11747" y="10209"/>
+                  </a:lnTo>
+                  <a:lnTo>
+                    <a:pt x="11943" y="9892"/>
+                  </a:lnTo>
+                  <a:lnTo>
+                    <a:pt x="11625" y="9721"/>
+                  </a:lnTo>
+                  <a:lnTo>
+                    <a:pt x="11552" y="9647"/>
+                  </a:lnTo>
+                  <a:lnTo>
+                    <a:pt x="11503" y="9574"/>
+                  </a:lnTo>
+                  <a:lnTo>
+                    <a:pt x="11503" y="9476"/>
+                  </a:lnTo>
+                  <a:lnTo>
+                    <a:pt x="11528" y="9379"/>
+                  </a:lnTo>
+                  <a:lnTo>
+                    <a:pt x="11601" y="9305"/>
+                  </a:lnTo>
+                  <a:lnTo>
+                    <a:pt x="11674" y="9281"/>
+                  </a:lnTo>
+                  <a:lnTo>
+                    <a:pt x="11772" y="9257"/>
+                  </a:lnTo>
+                  <a:lnTo>
+                    <a:pt x="11870" y="9305"/>
+                  </a:lnTo>
+                  <a:lnTo>
+                    <a:pt x="12187" y="9476"/>
+                  </a:lnTo>
+                  <a:lnTo>
+                    <a:pt x="12358" y="9159"/>
+                  </a:lnTo>
+                  <a:lnTo>
+                    <a:pt x="12480" y="8841"/>
+                  </a:lnTo>
+                  <a:lnTo>
+                    <a:pt x="12602" y="8500"/>
+                  </a:lnTo>
+                  <a:lnTo>
+                    <a:pt x="12724" y="8158"/>
+                  </a:lnTo>
+                  <a:lnTo>
+                    <a:pt x="12798" y="7791"/>
+                  </a:lnTo>
+                  <a:lnTo>
+                    <a:pt x="12871" y="7449"/>
+                  </a:lnTo>
+                  <a:lnTo>
+                    <a:pt x="12920" y="7083"/>
+                  </a:lnTo>
+                  <a:lnTo>
+                    <a:pt x="12944" y="6717"/>
+                  </a:lnTo>
+                  <a:lnTo>
+                    <a:pt x="12382" y="6717"/>
+                  </a:lnTo>
+                  <a:lnTo>
+                    <a:pt x="12285" y="6692"/>
+                  </a:lnTo>
+                  <a:lnTo>
+                    <a:pt x="12187" y="6643"/>
+                  </a:lnTo>
+                  <a:lnTo>
+                    <a:pt x="12138" y="6546"/>
+                  </a:lnTo>
+                  <a:lnTo>
+                    <a:pt x="12138" y="6472"/>
+                  </a:lnTo>
+                  <a:lnTo>
+                    <a:pt x="12138" y="6375"/>
+                  </a:lnTo>
+                  <a:lnTo>
+                    <a:pt x="12187" y="6277"/>
+                  </a:lnTo>
+                  <a:lnTo>
+                    <a:pt x="12285" y="6228"/>
+                  </a:lnTo>
+                  <a:lnTo>
+                    <a:pt x="12944" y="6228"/>
+                  </a:lnTo>
+                  <a:lnTo>
+                    <a:pt x="12920" y="5837"/>
+                  </a:lnTo>
+                  <a:lnTo>
+                    <a:pt x="12871" y="5471"/>
+                  </a:lnTo>
+                  <a:lnTo>
+                    <a:pt x="12798" y="5129"/>
+                  </a:lnTo>
+                  <a:lnTo>
+                    <a:pt x="12724" y="4763"/>
+                  </a:lnTo>
+                  <a:lnTo>
+                    <a:pt x="12602" y="4421"/>
+                  </a:lnTo>
+                  <a:lnTo>
+                    <a:pt x="12480" y="4079"/>
+                  </a:lnTo>
+                  <a:lnTo>
+                    <a:pt x="12358" y="3761"/>
+                  </a:lnTo>
+                  <a:lnTo>
+                    <a:pt x="12187" y="3444"/>
+                  </a:lnTo>
+                  <a:lnTo>
+                    <a:pt x="11870" y="3639"/>
+                  </a:lnTo>
+                  <a:lnTo>
+                    <a:pt x="11821" y="3664"/>
+                  </a:lnTo>
+                  <a:lnTo>
+                    <a:pt x="11699" y="3664"/>
+                  </a:lnTo>
+                  <a:lnTo>
+                    <a:pt x="11625" y="3639"/>
+                  </a:lnTo>
+                  <a:lnTo>
+                    <a:pt x="11577" y="3590"/>
+                  </a:lnTo>
+                  <a:lnTo>
+                    <a:pt x="11528" y="3542"/>
+                  </a:lnTo>
+                  <a:lnTo>
+                    <a:pt x="11503" y="3444"/>
+                  </a:lnTo>
+                  <a:lnTo>
+                    <a:pt x="11503" y="3346"/>
+                  </a:lnTo>
+                  <a:lnTo>
+                    <a:pt x="11552" y="3273"/>
+                  </a:lnTo>
+                  <a:lnTo>
+                    <a:pt x="11625" y="3200"/>
+                  </a:lnTo>
+                  <a:lnTo>
+                    <a:pt x="11943" y="3029"/>
+                  </a:lnTo>
+                  <a:lnTo>
+                    <a:pt x="11747" y="2711"/>
+                  </a:lnTo>
+                  <a:lnTo>
+                    <a:pt x="11528" y="2418"/>
+                  </a:lnTo>
+                  <a:lnTo>
+                    <a:pt x="11283" y="2150"/>
+                  </a:lnTo>
+                  <a:lnTo>
+                    <a:pt x="11039" y="1881"/>
+                  </a:lnTo>
+                  <a:lnTo>
+                    <a:pt x="10771" y="1637"/>
+                  </a:lnTo>
+                  <a:lnTo>
+                    <a:pt x="10502" y="1417"/>
+                  </a:lnTo>
+                  <a:lnTo>
+                    <a:pt x="10209" y="1197"/>
+                  </a:lnTo>
+                  <a:lnTo>
+                    <a:pt x="9916" y="977"/>
+                  </a:lnTo>
+                  <a:lnTo>
+                    <a:pt x="9720" y="1295"/>
+                  </a:lnTo>
+                  <a:lnTo>
+                    <a:pt x="9696" y="1368"/>
+                  </a:lnTo>
+                  <a:lnTo>
+                    <a:pt x="9647" y="1392"/>
+                  </a:lnTo>
+                  <a:lnTo>
+                    <a:pt x="9574" y="1417"/>
+                  </a:lnTo>
+                  <a:lnTo>
+                    <a:pt x="9452" y="1417"/>
+                  </a:lnTo>
+                  <a:lnTo>
+                    <a:pt x="9403" y="1392"/>
+                  </a:lnTo>
+                  <a:lnTo>
+                    <a:pt x="9330" y="1344"/>
+                  </a:lnTo>
+                  <a:lnTo>
+                    <a:pt x="9281" y="1246"/>
+                  </a:lnTo>
+                  <a:lnTo>
+                    <a:pt x="9281" y="1148"/>
+                  </a:lnTo>
+                  <a:lnTo>
+                    <a:pt x="9305" y="1050"/>
+                  </a:lnTo>
+                  <a:lnTo>
+                    <a:pt x="9501" y="733"/>
+                  </a:lnTo>
+                  <a:lnTo>
+                    <a:pt x="9183" y="586"/>
+                  </a:lnTo>
+                  <a:lnTo>
+                    <a:pt x="8841" y="440"/>
+                  </a:lnTo>
+                  <a:lnTo>
+                    <a:pt x="8499" y="318"/>
+                  </a:lnTo>
+                  <a:lnTo>
+                    <a:pt x="8157" y="220"/>
+                  </a:lnTo>
+                  <a:lnTo>
+                    <a:pt x="7815" y="122"/>
+                  </a:lnTo>
+                  <a:lnTo>
+                    <a:pt x="7449" y="74"/>
+                  </a:lnTo>
+                  <a:lnTo>
+                    <a:pt x="7083" y="25"/>
+                  </a:lnTo>
+                  <a:lnTo>
+                    <a:pt x="6716" y="0"/>
+                  </a:lnTo>
+                  <a:lnTo>
+                    <a:pt x="6716" y="562"/>
+                  </a:lnTo>
+                  <a:lnTo>
+                    <a:pt x="6692" y="660"/>
+                  </a:lnTo>
+                  <a:lnTo>
+                    <a:pt x="6643" y="733"/>
+                  </a:lnTo>
+                  <a:lnTo>
+                    <a:pt x="6570" y="782"/>
+                  </a:lnTo>
+                  <a:lnTo>
+                    <a:pt x="6472" y="806"/>
+                  </a:lnTo>
+                  <a:lnTo>
+                    <a:pt x="6374" y="782"/>
+                  </a:lnTo>
+                  <a:lnTo>
+                    <a:pt x="6301" y="733"/>
+                  </a:lnTo>
+                  <a:lnTo>
+                    <a:pt x="6252" y="660"/>
+                  </a:lnTo>
+                  <a:lnTo>
+                    <a:pt x="6228" y="562"/>
+                  </a:lnTo>
+                  <a:lnTo>
+                    <a:pt x="6228" y="0"/>
+                  </a:lnTo>
+                  <a:close/>
+                </a:path>
+              </a:pathLst>
+            </a:custGeom>
+            <a:grpFill/>
+            <a:ln>
+              <a:noFill/>
+            </a:ln>
+          </p:spPr>
+          <p:txBody>
+            <a:bodyPr spcFirstLastPara="1" wrap="square" lIns="91425" tIns="91425" rIns="91425" bIns="91425" anchor="ctr" anchorCtr="0">
+              <a:noAutofit/>
+            </a:bodyPr>
+            <a:lstStyle/>
+            <a:p>
+              <a:pPr marL="0" lvl="0" indent="0" algn="l" rtl="0">
+                <a:spcBef>
+                  <a:spcPts val="0"/>
+                </a:spcBef>
+                <a:spcAft>
+                  <a:spcPts val="0"/>
+                </a:spcAft>
+                <a:buNone/>
+              </a:pPr>
+              <a:endParaRPr/>
+            </a:p>
+          </p:txBody>
+        </p:sp>
+      </p:grpSp>
+      <p:sp>
+        <p:nvSpPr>
+          <p:cNvPr id="31" name="Title 3">
+            <a:extLst>
+              <a:ext uri="{FF2B5EF4-FFF2-40B4-BE49-F238E27FC236}">
+                <a16:creationId xmlns:a16="http://schemas.microsoft.com/office/drawing/2014/main" id="{38BD3CE1-7975-42D5-AF31-844BE047D31B}"/>
+              </a:ext>
+            </a:extLst>
+          </p:cNvPr>
+          <p:cNvSpPr txBox="1">
+            <a:spLocks/>
+          </p:cNvSpPr>
+          <p:nvPr/>
+        </p:nvSpPr>
+        <p:spPr>
+          <a:xfrm>
+            <a:off x="464695" y="3750033"/>
+            <a:ext cx="6962931" cy="1874707"/>
+          </a:xfrm>
+          <a:prstGeom prst="rect">
+            <a:avLst/>
+          </a:prstGeom>
+        </p:spPr>
+        <p:txBody>
+          <a:bodyPr>
+            <a:noAutofit/>
+          </a:bodyPr>
+          <a:lstStyle>
+            <a:defPPr marR="0" lvl="0" algn="l" rtl="0">
+              <a:lnSpc>
+                <a:spcPct val="100000"/>
+              </a:lnSpc>
+              <a:spcBef>
+                <a:spcPts val="0"/>
+              </a:spcBef>
+              <a:spcAft>
+                <a:spcPts val="0"/>
+              </a:spcAft>
+            </a:defPPr>
+            <a:lvl1pPr marR="0" lvl="0" algn="l" rtl="0">
+              <a:lnSpc>
+                <a:spcPct val="100000"/>
+              </a:lnSpc>
+              <a:spcBef>
+                <a:spcPts val="0"/>
+              </a:spcBef>
+              <a:spcAft>
+                <a:spcPts val="0"/>
+              </a:spcAft>
+              <a:buClr>
+                <a:srgbClr val="000000"/>
+              </a:buClr>
+              <a:buFont typeface="Arial"/>
+              <a:defRPr sz="1400" b="0" i="0" u="none" strike="noStrike" cap="none">
+                <a:solidFill>
+                  <a:srgbClr val="000000"/>
+                </a:solidFill>
+                <a:latin typeface="Arial"/>
+                <a:ea typeface="Arial"/>
+                <a:cs typeface="Arial"/>
+                <a:sym typeface="Arial"/>
+              </a:defRPr>
+            </a:lvl1pPr>
+            <a:lvl2pPr marR="0" lvl="1" algn="l" rtl="0">
+              <a:lnSpc>
+                <a:spcPct val="100000"/>
+              </a:lnSpc>
+              <a:spcBef>
+                <a:spcPts val="0"/>
+              </a:spcBef>
+              <a:spcAft>
+                <a:spcPts val="0"/>
+              </a:spcAft>
+              <a:buClr>
+                <a:srgbClr val="000000"/>
+              </a:buClr>
+              <a:buFont typeface="Arial"/>
+              <a:defRPr sz="1400" b="0" i="0" u="none" strike="noStrike" cap="none">
+                <a:solidFill>
+                  <a:srgbClr val="000000"/>
+                </a:solidFill>
+                <a:latin typeface="Arial"/>
+                <a:ea typeface="Arial"/>
+                <a:cs typeface="Arial"/>
+                <a:sym typeface="Arial"/>
+              </a:defRPr>
+            </a:lvl2pPr>
+            <a:lvl3pPr marR="0" lvl="2" algn="l" rtl="0">
+              <a:lnSpc>
+                <a:spcPct val="100000"/>
+              </a:lnSpc>
+              <a:spcBef>
+                <a:spcPts val="0"/>
+              </a:spcBef>
+              <a:spcAft>
+                <a:spcPts val="0"/>
+              </a:spcAft>
+              <a:buClr>
+                <a:srgbClr val="000000"/>
+              </a:buClr>
+              <a:buFont typeface="Arial"/>
+              <a:defRPr sz="1400" b="0" i="0" u="none" strike="noStrike" cap="none">
+                <a:solidFill>
+                  <a:srgbClr val="000000"/>
+                </a:solidFill>
+                <a:latin typeface="Arial"/>
+                <a:ea typeface="Arial"/>
+                <a:cs typeface="Arial"/>
+                <a:sym typeface="Arial"/>
+              </a:defRPr>
+            </a:lvl3pPr>
+            <a:lvl4pPr marR="0" lvl="3" algn="l" rtl="0">
+              <a:lnSpc>
+                <a:spcPct val="100000"/>
+              </a:lnSpc>
+              <a:spcBef>
+                <a:spcPts val="0"/>
+              </a:spcBef>
+              <a:spcAft>
+                <a:spcPts val="0"/>
+              </a:spcAft>
+              <a:buClr>
+                <a:srgbClr val="000000"/>
+              </a:buClr>
+              <a:buFont typeface="Arial"/>
+              <a:defRPr sz="1400" b="0" i="0" u="none" strike="noStrike" cap="none">
+                <a:solidFill>
+                  <a:srgbClr val="000000"/>
+                </a:solidFill>
+                <a:latin typeface="Arial"/>
+                <a:ea typeface="Arial"/>
+                <a:cs typeface="Arial"/>
+                <a:sym typeface="Arial"/>
+              </a:defRPr>
+            </a:lvl4pPr>
+            <a:lvl5pPr marR="0" lvl="4" algn="l" rtl="0">
+              <a:lnSpc>
+                <a:spcPct val="100000"/>
+              </a:lnSpc>
+              <a:spcBef>
+                <a:spcPts val="0"/>
+              </a:spcBef>
+              <a:spcAft>
+                <a:spcPts val="0"/>
+              </a:spcAft>
+              <a:buClr>
+                <a:srgbClr val="000000"/>
+              </a:buClr>
+              <a:buFont typeface="Arial"/>
+              <a:defRPr sz="1400" b="0" i="0" u="none" strike="noStrike" cap="none">
+                <a:solidFill>
+                  <a:srgbClr val="000000"/>
+                </a:solidFill>
+                <a:latin typeface="Arial"/>
+                <a:ea typeface="Arial"/>
+                <a:cs typeface="Arial"/>
+                <a:sym typeface="Arial"/>
+              </a:defRPr>
+            </a:lvl5pPr>
+            <a:lvl6pPr marR="0" lvl="5" algn="l" rtl="0">
+              <a:lnSpc>
+                <a:spcPct val="100000"/>
+              </a:lnSpc>
+              <a:spcBef>
+                <a:spcPts val="0"/>
+              </a:spcBef>
+              <a:spcAft>
+                <a:spcPts val="0"/>
+              </a:spcAft>
+              <a:buClr>
+                <a:srgbClr val="000000"/>
+              </a:buClr>
+              <a:buFont typeface="Arial"/>
+              <a:defRPr sz="1400" b="0" i="0" u="none" strike="noStrike" cap="none">
+                <a:solidFill>
+                  <a:srgbClr val="000000"/>
+                </a:solidFill>
+                <a:latin typeface="Arial"/>
+                <a:ea typeface="Arial"/>
+                <a:cs typeface="Arial"/>
+                <a:sym typeface="Arial"/>
+              </a:defRPr>
+            </a:lvl6pPr>
+            <a:lvl7pPr marR="0" lvl="6" algn="l" rtl="0">
+              <a:lnSpc>
+                <a:spcPct val="100000"/>
+              </a:lnSpc>
+              <a:spcBef>
+                <a:spcPts val="0"/>
+              </a:spcBef>
+              <a:spcAft>
+                <a:spcPts val="0"/>
+              </a:spcAft>
+              <a:buClr>
+                <a:srgbClr val="000000"/>
+              </a:buClr>
+              <a:buFont typeface="Arial"/>
+              <a:defRPr sz="1400" b="0" i="0" u="none" strike="noStrike" cap="none">
+                <a:solidFill>
+                  <a:srgbClr val="000000"/>
+                </a:solidFill>
+                <a:latin typeface="Arial"/>
+                <a:ea typeface="Arial"/>
+                <a:cs typeface="Arial"/>
+                <a:sym typeface="Arial"/>
+              </a:defRPr>
+            </a:lvl7pPr>
+            <a:lvl8pPr marR="0" lvl="7" algn="l" rtl="0">
+              <a:lnSpc>
+                <a:spcPct val="100000"/>
+              </a:lnSpc>
+              <a:spcBef>
+                <a:spcPts val="0"/>
+              </a:spcBef>
+              <a:spcAft>
+                <a:spcPts val="0"/>
+              </a:spcAft>
+              <a:buClr>
+                <a:srgbClr val="000000"/>
+              </a:buClr>
+              <a:buFont typeface="Arial"/>
+              <a:defRPr sz="1400" b="0" i="0" u="none" strike="noStrike" cap="none">
+                <a:solidFill>
+                  <a:srgbClr val="000000"/>
+                </a:solidFill>
+                <a:latin typeface="Arial"/>
+                <a:ea typeface="Arial"/>
+                <a:cs typeface="Arial"/>
+                <a:sym typeface="Arial"/>
+              </a:defRPr>
+            </a:lvl8pPr>
+            <a:lvl9pPr marR="0" lvl="8" algn="l" rtl="0">
+              <a:lnSpc>
+                <a:spcPct val="100000"/>
+              </a:lnSpc>
+              <a:spcBef>
+                <a:spcPts val="0"/>
+              </a:spcBef>
+              <a:spcAft>
+                <a:spcPts val="0"/>
+              </a:spcAft>
+              <a:buClr>
+                <a:srgbClr val="000000"/>
+              </a:buClr>
+              <a:buFont typeface="Arial"/>
+              <a:defRPr sz="1400" b="0" i="0" u="none" strike="noStrike" cap="none">
+                <a:solidFill>
+                  <a:srgbClr val="000000"/>
+                </a:solidFill>
+                <a:latin typeface="Arial"/>
+                <a:ea typeface="Arial"/>
+                <a:cs typeface="Arial"/>
+                <a:sym typeface="Arial"/>
+              </a:defRPr>
+            </a:lvl9pPr>
+          </a:lstStyle>
+          <a:p>
+            <a:pPr algn="r"/>
+            <a:r>
+              <a:rPr lang="en-US" sz="8000" dirty="0">
+                <a:solidFill>
+                  <a:schemeClr val="dk2"/>
+                </a:solidFill>
+                <a:latin typeface="Dosis ExtraLight"/>
+                <a:sym typeface="Dosis ExtraLight"/>
+              </a:rPr>
+              <a:t>Specific Logging</a:t>
+            </a:r>
+          </a:p>
+        </p:txBody>
+      </p:sp>
+    </p:spTree>
+    <p:extLst>
+      <p:ext uri="{BB962C8B-B14F-4D97-AF65-F5344CB8AC3E}">
+        <p14:creationId xmlns:p14="http://schemas.microsoft.com/office/powerpoint/2010/main" val="2479144374"/>
+      </p:ext>
+    </p:extLst>
+  </p:cSld>
+  <p:clrMapOvr>
+    <a:masterClrMapping/>
+  </p:clrMapOvr>
+  <p:timing>
+    <p:tnLst>
+      <p:par>
+        <p:cTn id="1" dur="indefinite" restart="never" nodeType="tmRoot">
+          <p:childTnLst>
+            <p:seq concurrent="1" nextAc="seek">
+              <p:cTn id="2" dur="indefinite" nodeType="mainSeq">
+                <p:childTnLst>
+                  <p:par>
+                    <p:cTn id="3" fill="hold">
+                      <p:stCondLst>
+                        <p:cond delay="indefinite"/>
+                      </p:stCondLst>
+                      <p:childTnLst>
+                        <p:par>
+                          <p:cTn id="4" fill="hold">
+                            <p:stCondLst>
+                              <p:cond delay="0"/>
+                            </p:stCondLst>
+                            <p:childTnLst>
+                              <p:par>
+                                <p:cTn id="5" presetID="22" presetClass="entr" presetSubtype="8" fill="hold" grpId="0" nodeType="clickEffect">
+                                  <p:stCondLst>
+                                    <p:cond delay="0"/>
+                                  </p:stCondLst>
+                                  <p:childTnLst>
+                                    <p:set>
+                                      <p:cBhvr>
+                                        <p:cTn id="6" dur="1" fill="hold">
+                                          <p:stCondLst>
+                                            <p:cond delay="0"/>
+                                          </p:stCondLst>
+                                        </p:cTn>
+                                        <p:tgtEl>
+                                          <p:spTgt spid="6"/>
+                                        </p:tgtEl>
+                                        <p:attrNameLst>
+                                          <p:attrName>style.visibility</p:attrName>
+                                        </p:attrNameLst>
+                                      </p:cBhvr>
+                                      <p:to>
+                                        <p:strVal val="visible"/>
+                                      </p:to>
+                                    </p:set>
+                                    <p:animEffect transition="in" filter="wipe(left)">
+                                      <p:cBhvr>
+                                        <p:cTn id="7" dur="500"/>
+                                        <p:tgtEl>
+                                          <p:spTgt spid="6"/>
+                                        </p:tgtEl>
+                                      </p:cBhvr>
+                                    </p:animEffect>
+                                  </p:childTnLst>
+                                </p:cTn>
+                              </p:par>
+                            </p:childTnLst>
+                          </p:cTn>
+                        </p:par>
+                      </p:childTnLst>
+                    </p:cTn>
+                  </p:par>
+                  <p:par>
+                    <p:cTn id="8" fill="hold">
+                      <p:stCondLst>
+                        <p:cond delay="indefinite"/>
+                      </p:stCondLst>
+                      <p:childTnLst>
+                        <p:par>
+                          <p:cTn id="9" fill="hold">
+                            <p:stCondLst>
+                              <p:cond delay="0"/>
+                            </p:stCondLst>
+                            <p:childTnLst>
+                              <p:par>
+                                <p:cTn id="10" presetID="22" presetClass="entr" presetSubtype="8" fill="hold" grpId="0" nodeType="clickEffect">
+                                  <p:stCondLst>
+                                    <p:cond delay="0"/>
+                                  </p:stCondLst>
+                                  <p:childTnLst>
+                                    <p:set>
+                                      <p:cBhvr>
+                                        <p:cTn id="11" dur="1" fill="hold">
+                                          <p:stCondLst>
+                                            <p:cond delay="0"/>
+                                          </p:stCondLst>
+                                        </p:cTn>
+                                        <p:tgtEl>
+                                          <p:spTgt spid="31"/>
+                                        </p:tgtEl>
+                                        <p:attrNameLst>
+                                          <p:attrName>style.visibility</p:attrName>
+                                        </p:attrNameLst>
+                                      </p:cBhvr>
+                                      <p:to>
+                                        <p:strVal val="visible"/>
+                                      </p:to>
+                                    </p:set>
+                                    <p:animEffect transition="in" filter="wipe(left)">
+                                      <p:cBhvr>
+                                        <p:cTn id="12" dur="500"/>
+                                        <p:tgtEl>
+                                          <p:spTgt spid="31"/>
+                                        </p:tgtEl>
+                                      </p:cBhvr>
+                                    </p:animEffect>
+                                  </p:childTnLst>
+                                </p:cTn>
+                              </p:par>
+                            </p:childTnLst>
+                          </p:cTn>
+                        </p:par>
+                      </p:childTnLst>
+                    </p:cTn>
+                  </p:par>
+                  <p:par>
+                    <p:cTn id="13" fill="hold">
+                      <p:stCondLst>
+                        <p:cond delay="indefinite"/>
+                      </p:stCondLst>
+                      <p:childTnLst>
+                        <p:par>
+                          <p:cTn id="14" fill="hold">
+                            <p:stCondLst>
+                              <p:cond delay="0"/>
+                            </p:stCondLst>
+                            <p:childTnLst>
+                              <p:par>
+                                <p:cTn id="15" presetID="1" presetClass="entr" presetSubtype="0" fill="hold" nodeType="clickEffect">
+                                  <p:stCondLst>
+                                    <p:cond delay="0"/>
+                                  </p:stCondLst>
+                                  <p:childTnLst>
+                                    <p:set>
+                                      <p:cBhvr>
+                                        <p:cTn id="16" dur="1" fill="hold">
+                                          <p:stCondLst>
+                                            <p:cond delay="0"/>
+                                          </p:stCondLst>
+                                        </p:cTn>
+                                        <p:tgtEl>
                                           <p:spTgt spid="5"/>
+                                        </p:tgtEl>
+                                        <p:attrNameLst>
+                                          <p:attrName>style.visibility</p:attrName>
+                                        </p:attrNameLst>
+                                      </p:cBhvr>
+                                      <p:to>
+                                        <p:strVal val="visible"/>
+                                      </p:to>
+                                    </p:set>
+                                  </p:childTnLst>
+                                </p:cTn>
+                              </p:par>
+                            </p:childTnLst>
+                          </p:cTn>
+                        </p:par>
+                      </p:childTnLst>
+                    </p:cTn>
+                  </p:par>
+                  <p:par>
+                    <p:cTn id="17" fill="hold">
+                      <p:stCondLst>
+                        <p:cond delay="indefinite"/>
+                      </p:stCondLst>
+                      <p:childTnLst>
+                        <p:par>
+                          <p:cTn id="18" fill="hold">
+                            <p:stCondLst>
+                              <p:cond delay="0"/>
+                            </p:stCondLst>
+                            <p:childTnLst>
+                              <p:par>
+                                <p:cTn id="19" presetID="1" presetClass="entr" presetSubtype="0" fill="hold" nodeType="clickEffect">
+                                  <p:stCondLst>
+                                    <p:cond delay="0"/>
+                                  </p:stCondLst>
+                                  <p:childTnLst>
+                                    <p:set>
+                                      <p:cBhvr>
+                                        <p:cTn id="20" dur="1" fill="hold">
+                                          <p:stCondLst>
+                                            <p:cond delay="0"/>
+                                          </p:stCondLst>
+                                        </p:cTn>
+                                        <p:tgtEl>
+                                          <p:spTgt spid="28"/>
                                         </p:tgtEl>
                                         <p:attrNameLst>
                                           <p:attrName>style.visibility</p:attrName>
@@ -56543,930 +63506,10 @@
       </p:par>
     </p:tnLst>
     <p:bldLst>
-      <p:bldP spid="5" grpId="0" animBg="1"/>
+      <p:bldP spid="6" grpId="0"/>
+      <p:bldP spid="31" grpId="0"/>
     </p:bldLst>
   </p:timing>
-</p:sld>
-</file>
-
-<file path=ppt/slides/slide8.xml><?xml version="1.0" encoding="utf-8"?>
-<p:sld xmlns:a="http://schemas.openxmlformats.org/drawingml/2006/main" xmlns:r="http://schemas.openxmlformats.org/officeDocument/2006/relationships" xmlns:p="http://schemas.openxmlformats.org/presentationml/2006/main">
-  <p:cSld>
-    <p:spTree>
-      <p:nvGrpSpPr>
-        <p:cNvPr id="1" name=""/>
-        <p:cNvGrpSpPr/>
-        <p:nvPr/>
-      </p:nvGrpSpPr>
-      <p:grpSpPr>
-        <a:xfrm>
-          <a:off x="0" y="0"/>
-          <a:ext cx="0" cy="0"/>
-          <a:chOff x="0" y="0"/>
-          <a:chExt cx="0" cy="0"/>
-        </a:xfrm>
-      </p:grpSpPr>
-      <p:sp>
-        <p:nvSpPr>
-          <p:cNvPr id="4" name="Title 3"/>
-          <p:cNvSpPr>
-            <a:spLocks noGrp="1"/>
-          </p:cNvSpPr>
-          <p:nvPr>
-            <p:ph type="ctrTitle"/>
-          </p:nvPr>
-        </p:nvSpPr>
-        <p:spPr>
-          <a:xfrm>
-            <a:off x="4419600" y="771818"/>
-            <a:ext cx="4648200" cy="3628732"/>
-          </a:xfrm>
-        </p:spPr>
-        <p:txBody>
-          <a:bodyPr>
-            <a:noAutofit/>
-          </a:bodyPr>
-          <a:lstStyle/>
-          <a:p>
-            <a:pPr algn="r"/>
-            <a:br>
-              <a:rPr lang="en-US" sz="8000" dirty="0"/>
-            </a:br>
-            <a:r>
-              <a:rPr lang="en-US" sz="8000" dirty="0"/>
-              <a:t> Databases</a:t>
-            </a:r>
-          </a:p>
-        </p:txBody>
-      </p:sp>
-      <p:sp>
-        <p:nvSpPr>
-          <p:cNvPr id="2" name="Magnetic Disk 1"/>
-          <p:cNvSpPr/>
-          <p:nvPr/>
-        </p:nvSpPr>
-        <p:spPr>
-          <a:xfrm>
-            <a:off x="304800" y="1123950"/>
-            <a:ext cx="2209800" cy="2362200"/>
-          </a:xfrm>
-          <a:prstGeom prst="flowChartMagneticDisk">
-            <a:avLst/>
-          </a:prstGeom>
-        </p:spPr>
-        <p:style>
-          <a:lnRef idx="1">
-            <a:schemeClr val="accent2"/>
-          </a:lnRef>
-          <a:fillRef idx="3">
-            <a:schemeClr val="accent2"/>
-          </a:fillRef>
-          <a:effectRef idx="2">
-            <a:schemeClr val="accent2"/>
-          </a:effectRef>
-          <a:fontRef idx="minor">
-            <a:schemeClr val="lt1"/>
-          </a:fontRef>
-        </p:style>
-        <p:txBody>
-          <a:bodyPr rtlCol="0" anchor="ctr"/>
-          <a:lstStyle/>
-          <a:p>
-            <a:pPr algn="ctr"/>
-            <a:endParaRPr lang="en-US" dirty="0"/>
-          </a:p>
-        </p:txBody>
-      </p:sp>
-      <p:pic>
-        <p:nvPicPr>
-          <p:cNvPr id="6" name="Picture 5" descr="Screen shot 2012-09-22 at 10.53.53 PM.png"/>
-          <p:cNvPicPr>
-            <a:picLocks noChangeAspect="1"/>
-          </p:cNvPicPr>
-          <p:nvPr/>
-        </p:nvPicPr>
-        <p:blipFill>
-          <a:blip r:embed="rId2">
-            <a:extLst>
-              <a:ext uri="{28A0092B-C50C-407E-A947-70E740481C1C}">
-                <a14:useLocalDpi xmlns:a14="http://schemas.microsoft.com/office/drawing/2010/main" val="0"/>
-              </a:ext>
-            </a:extLst>
-          </a:blip>
-          <a:stretch>
-            <a:fillRect/>
-          </a:stretch>
-        </p:blipFill>
-        <p:spPr>
-          <a:xfrm>
-            <a:off x="1828800" y="2190750"/>
-            <a:ext cx="2552700" cy="914400"/>
-          </a:xfrm>
-          <a:prstGeom prst="rect">
-            <a:avLst/>
-          </a:prstGeom>
-        </p:spPr>
-      </p:pic>
-      <p:sp>
-        <p:nvSpPr>
-          <p:cNvPr id="5" name="TextBox 4"/>
-          <p:cNvSpPr txBox="1"/>
-          <p:nvPr/>
-        </p:nvSpPr>
-        <p:spPr>
-          <a:xfrm>
-            <a:off x="3650129" y="2492276"/>
-            <a:ext cx="389850" cy="369332"/>
-          </a:xfrm>
-          <a:prstGeom prst="rect">
-            <a:avLst/>
-          </a:prstGeom>
-          <a:noFill/>
-        </p:spPr>
-        <p:txBody>
-          <a:bodyPr wrap="none" rtlCol="0">
-            <a:spAutoFit/>
-          </a:bodyPr>
-          <a:lstStyle/>
-          <a:p>
-            <a:r>
-              <a:rPr lang="en-US" dirty="0">
-                <a:solidFill>
-                  <a:srgbClr val="0EB600"/>
-                </a:solidFill>
-                <a:latin typeface="Zapf Dingbats"/>
-                <a:ea typeface="Zapf Dingbats"/>
-                <a:cs typeface="Zapf Dingbats"/>
-                <a:sym typeface="Zapf Dingbats"/>
-              </a:rPr>
-              <a:t>✔</a:t>
-            </a:r>
-            <a:endParaRPr lang="en-US" dirty="0">
-              <a:solidFill>
-                <a:srgbClr val="0EB600"/>
-              </a:solidFill>
-            </a:endParaRPr>
-          </a:p>
-        </p:txBody>
-      </p:sp>
-      <p:sp>
-        <p:nvSpPr>
-          <p:cNvPr id="7" name="Rectangle 6">
-            <a:extLst>
-              <a:ext uri="{FF2B5EF4-FFF2-40B4-BE49-F238E27FC236}">
-                <a16:creationId xmlns:a16="http://schemas.microsoft.com/office/drawing/2014/main" id="{3091D9EF-C7D9-4048-8DBF-929F93BC7D12}"/>
-              </a:ext>
-            </a:extLst>
-          </p:cNvPr>
-          <p:cNvSpPr>
-            <a:spLocks noChangeArrowheads="1"/>
-          </p:cNvSpPr>
-          <p:nvPr/>
-        </p:nvSpPr>
-        <p:spPr bwMode="auto">
-          <a:xfrm>
-            <a:off x="1819491" y="4566528"/>
-            <a:ext cx="5505033" cy="338554"/>
-          </a:xfrm>
-          <a:prstGeom prst="rect">
-            <a:avLst/>
-          </a:prstGeom>
-          <a:solidFill>
-            <a:srgbClr val="FFFFFF"/>
-          </a:solidFill>
-          <a:ln>
-            <a:noFill/>
-          </a:ln>
-          <a:effectLst/>
-          <a:extLst>
-            <a:ext uri="{91240B29-F687-4F45-9708-019B960494DF}">
-              <a14:hiddenLine xmlns:a14="http://schemas.microsoft.com/office/drawing/2010/main" w="9525">
-                <a:solidFill>
-                  <a:schemeClr val="tx1"/>
-                </a:solidFill>
-                <a:miter lim="800000"/>
-                <a:headEnd/>
-                <a:tailEnd/>
-              </a14:hiddenLine>
-            </a:ext>
-            <a:ext uri="{AF507438-7753-43E0-B8FC-AC1667EBCBE1}">
-              <a14:hiddenEffects xmlns:a14="http://schemas.microsoft.com/office/drawing/2010/main">
-                <a:effectLst>
-                  <a:outerShdw dist="35921" dir="2700000" algn="ctr" rotWithShape="0">
-                    <a:schemeClr val="bg2"/>
-                  </a:outerShdw>
-                </a:effectLst>
-              </a14:hiddenEffects>
-            </a:ext>
-          </a:extLst>
-        </p:spPr>
-        <p:txBody>
-          <a:bodyPr vert="horz" wrap="none" lIns="91440" tIns="45720" rIns="91440" bIns="45720" numCol="1" anchor="ctr" anchorCtr="0" compatLnSpc="1">
-            <a:prstTxWarp prst="textNoShape">
-              <a:avLst/>
-            </a:prstTxWarp>
-            <a:spAutoFit/>
-          </a:bodyPr>
-          <a:lstStyle/>
-          <a:p>
-            <a:pPr lvl="0" algn="ctr" eaLnBrk="0" fontAlgn="base" hangingPunct="0">
-              <a:spcBef>
-                <a:spcPct val="0"/>
-              </a:spcBef>
-              <a:spcAft>
-                <a:spcPct val="0"/>
-              </a:spcAft>
-              <a:buClrTx/>
-            </a:pPr>
-            <a:r>
-              <a:rPr kumimoji="0" lang="en-US" altLang="en-US" sz="1600" b="0" i="0" u="none" strike="noStrike" cap="none" normalizeH="0" baseline="0" dirty="0" err="1">
-                <a:ln>
-                  <a:noFill/>
-                </a:ln>
-                <a:solidFill>
-                  <a:srgbClr val="008080"/>
-                </a:solidFill>
-                <a:effectLst/>
-                <a:latin typeface="JetBrains Mono"/>
-              </a:rPr>
-              <a:t>DatabaseLogs</a:t>
-            </a:r>
-            <a:r>
-              <a:rPr kumimoji="0" lang="en-US" altLang="en-US" sz="1600" b="0" i="0" u="none" strike="noStrike" cap="none" normalizeH="0" baseline="0" dirty="0">
-                <a:ln>
-                  <a:noFill/>
-                </a:ln>
-                <a:solidFill>
-                  <a:srgbClr val="008080"/>
-                </a:solidFill>
-                <a:effectLst/>
-                <a:latin typeface="JetBrains Mono"/>
-              </a:rPr>
-              <a:t> </a:t>
-            </a:r>
-            <a:r>
-              <a:rPr kumimoji="0" lang="en-US" altLang="en-US" sz="1600" b="0" i="0" u="none" strike="noStrike" cap="none" normalizeH="0" baseline="0" dirty="0" err="1">
-                <a:ln>
-                  <a:noFill/>
-                </a:ln>
-                <a:solidFill>
-                  <a:srgbClr val="000000"/>
-                </a:solidFill>
-                <a:effectLst/>
-                <a:latin typeface="JetBrains Mono"/>
-              </a:rPr>
-              <a:t>sqlStatements</a:t>
-            </a:r>
-            <a:r>
-              <a:rPr kumimoji="0" lang="en-US" altLang="en-US" sz="1600" b="0" i="0" u="none" strike="noStrike" cap="none" normalizeH="0" baseline="0" dirty="0">
-                <a:ln>
-                  <a:noFill/>
-                </a:ln>
-                <a:solidFill>
-                  <a:srgbClr val="000000"/>
-                </a:solidFill>
-                <a:effectLst/>
-                <a:latin typeface="JetBrains Mono"/>
-              </a:rPr>
-              <a:t> </a:t>
-            </a:r>
-            <a:r>
-              <a:rPr kumimoji="0" lang="en-US" altLang="en-US" sz="1600" b="0" i="0" u="none" strike="noStrike" cap="none" normalizeH="0" baseline="0" dirty="0">
-                <a:ln>
-                  <a:noFill/>
-                </a:ln>
-                <a:solidFill>
-                  <a:srgbClr val="080808"/>
-                </a:solidFill>
-                <a:effectLst/>
-                <a:latin typeface="JetBrains Mono"/>
-              </a:rPr>
-              <a:t>= </a:t>
-            </a:r>
-            <a:r>
-              <a:rPr lang="en-US" altLang="en-US" sz="1600" dirty="0" err="1">
-                <a:solidFill>
-                  <a:srgbClr val="080808"/>
-                </a:solidFill>
-                <a:latin typeface="JetBrains Mono"/>
-              </a:rPr>
-              <a:t>insertIntoDatabase</a:t>
-            </a:r>
-            <a:r>
-              <a:rPr lang="en-US" altLang="en-US" sz="1600" dirty="0">
-                <a:solidFill>
-                  <a:srgbClr val="080808"/>
-                </a:solidFill>
-                <a:latin typeface="JetBrains Mono"/>
-              </a:rPr>
-              <a:t>(parameters);</a:t>
-            </a:r>
-            <a:endParaRPr kumimoji="0" lang="en-US" altLang="en-US" sz="4000" b="0" i="0" u="none" strike="noStrike" cap="none" normalizeH="0" baseline="0" dirty="0">
-              <a:ln>
-                <a:noFill/>
-              </a:ln>
-              <a:solidFill>
-                <a:schemeClr val="tx1"/>
-              </a:solidFill>
-              <a:effectLst/>
-              <a:latin typeface="Arial" panose="020B0604020202020204" pitchFamily="34" charset="0"/>
-            </a:endParaRPr>
-          </a:p>
-        </p:txBody>
-      </p:sp>
-      <p:sp>
-        <p:nvSpPr>
-          <p:cNvPr id="8" name="Rectangle 7">
-            <a:extLst>
-              <a:ext uri="{FF2B5EF4-FFF2-40B4-BE49-F238E27FC236}">
-                <a16:creationId xmlns:a16="http://schemas.microsoft.com/office/drawing/2014/main" id="{1F7F5BD1-2393-4A0F-8BD7-F13BE9F200AB}"/>
-              </a:ext>
-            </a:extLst>
-          </p:cNvPr>
-          <p:cNvSpPr>
-            <a:spLocks noChangeArrowheads="1"/>
-          </p:cNvSpPr>
-          <p:nvPr/>
-        </p:nvSpPr>
-        <p:spPr bwMode="auto">
-          <a:xfrm>
-            <a:off x="2860634" y="238418"/>
-            <a:ext cx="3422732" cy="338554"/>
-          </a:xfrm>
-          <a:prstGeom prst="rect">
-            <a:avLst/>
-          </a:prstGeom>
-          <a:solidFill>
-            <a:srgbClr val="FFFFFF"/>
-          </a:solidFill>
-          <a:ln>
-            <a:noFill/>
-          </a:ln>
-          <a:effectLst/>
-          <a:extLst>
-            <a:ext uri="{91240B29-F687-4F45-9708-019B960494DF}">
-              <a14:hiddenLine xmlns:a14="http://schemas.microsoft.com/office/drawing/2010/main" w="9525">
-                <a:solidFill>
-                  <a:schemeClr val="tx1"/>
-                </a:solidFill>
-                <a:miter lim="800000"/>
-                <a:headEnd/>
-                <a:tailEnd/>
-              </a14:hiddenLine>
-            </a:ext>
-            <a:ext uri="{AF507438-7753-43E0-B8FC-AC1667EBCBE1}">
-              <a14:hiddenEffects xmlns:a14="http://schemas.microsoft.com/office/drawing/2010/main">
-                <a:effectLst>
-                  <a:outerShdw dist="35921" dir="2700000" algn="ctr" rotWithShape="0">
-                    <a:schemeClr val="bg2"/>
-                  </a:outerShdw>
-                </a:effectLst>
-              </a14:hiddenEffects>
-            </a:ext>
-          </a:extLst>
-        </p:spPr>
-        <p:txBody>
-          <a:bodyPr vert="horz" wrap="none" lIns="91440" tIns="45720" rIns="91440" bIns="45720" numCol="1" anchor="ctr" anchorCtr="0" compatLnSpc="1">
-            <a:prstTxWarp prst="textNoShape">
-              <a:avLst/>
-            </a:prstTxWarp>
-            <a:spAutoFit/>
-          </a:bodyPr>
-          <a:lstStyle/>
-          <a:p>
-            <a:pPr marL="0" marR="0" lvl="0" indent="0" algn="l" defTabSz="914400" rtl="0" eaLnBrk="0" fontAlgn="base" latinLnBrk="0" hangingPunct="0">
-              <a:lnSpc>
-                <a:spcPct val="100000"/>
-              </a:lnSpc>
-              <a:spcBef>
-                <a:spcPct val="0"/>
-              </a:spcBef>
-              <a:spcAft>
-                <a:spcPct val="0"/>
-              </a:spcAft>
-              <a:buClrTx/>
-              <a:buSzTx/>
-              <a:buFontTx/>
-              <a:buNone/>
-              <a:tabLst/>
-            </a:pPr>
-            <a:r>
-              <a:rPr lang="en-US" altLang="en-US" sz="1600" dirty="0">
-                <a:solidFill>
-                  <a:srgbClr val="008080"/>
-                </a:solidFill>
-                <a:latin typeface="JetBrains Mono"/>
-              </a:rPr>
-              <a:t>v</a:t>
-            </a:r>
-            <a:r>
-              <a:rPr kumimoji="0" lang="en-US" altLang="en-US" sz="1600" b="0" i="0" u="none" strike="noStrike" cap="none" normalizeH="0" baseline="0" dirty="0">
-                <a:ln>
-                  <a:noFill/>
-                </a:ln>
-                <a:solidFill>
-                  <a:srgbClr val="008080"/>
-                </a:solidFill>
-                <a:effectLst/>
-                <a:latin typeface="JetBrains Mono"/>
-              </a:rPr>
-              <a:t>oid </a:t>
-            </a:r>
-            <a:r>
-              <a:rPr kumimoji="0" lang="en-US" altLang="en-US" sz="1600" b="0" i="0" u="none" strike="noStrike" cap="none" normalizeH="0" baseline="0" dirty="0" err="1">
-                <a:ln>
-                  <a:noFill/>
-                </a:ln>
-                <a:solidFill>
-                  <a:srgbClr val="080808"/>
-                </a:solidFill>
-                <a:effectLst/>
-                <a:latin typeface="JetBrains Mono"/>
-              </a:rPr>
-              <a:t>insertIntoDatabase</a:t>
-            </a:r>
-            <a:r>
-              <a:rPr kumimoji="0" lang="en-US" altLang="en-US" sz="1600" b="0" i="0" u="none" strike="noStrike" cap="none" normalizeH="0" baseline="0" dirty="0">
-                <a:ln>
-                  <a:noFill/>
-                </a:ln>
-                <a:solidFill>
-                  <a:srgbClr val="080808"/>
-                </a:solidFill>
-                <a:effectLst/>
-                <a:latin typeface="JetBrains Mono"/>
-              </a:rPr>
-              <a:t>(Parameters p)</a:t>
-            </a:r>
-            <a:endParaRPr kumimoji="0" lang="en-US" altLang="en-US" sz="4000" b="0" i="0" u="none" strike="noStrike" cap="none" normalizeH="0" baseline="0" dirty="0">
-              <a:ln>
-                <a:noFill/>
-              </a:ln>
-              <a:solidFill>
-                <a:schemeClr val="tx1"/>
-              </a:solidFill>
-              <a:effectLst/>
-              <a:latin typeface="Arial" panose="020B0604020202020204" pitchFamily="34" charset="0"/>
-            </a:endParaRPr>
-          </a:p>
-        </p:txBody>
-      </p:sp>
-    </p:spTree>
-    <p:extLst>
-      <p:ext uri="{BB962C8B-B14F-4D97-AF65-F5344CB8AC3E}">
-        <p14:creationId xmlns:p14="http://schemas.microsoft.com/office/powerpoint/2010/main" val="1302981609"/>
-      </p:ext>
-    </p:extLst>
-  </p:cSld>
-  <p:clrMapOvr>
-    <a:masterClrMapping/>
-  </p:clrMapOvr>
-  <p:timing>
-    <p:tnLst>
-      <p:par>
-        <p:cTn id="1" dur="indefinite" restart="never" nodeType="tmRoot">
-          <p:childTnLst>
-            <p:seq concurrent="1" nextAc="seek">
-              <p:cTn id="2" dur="indefinite" nodeType="mainSeq">
-                <p:childTnLst>
-                  <p:par>
-                    <p:cTn id="3" fill="hold">
-                      <p:stCondLst>
-                        <p:cond delay="indefinite"/>
-                      </p:stCondLst>
-                      <p:childTnLst>
-                        <p:par>
-                          <p:cTn id="4" fill="hold">
-                            <p:stCondLst>
-                              <p:cond delay="0"/>
-                            </p:stCondLst>
-                            <p:childTnLst>
-                              <p:par>
-                                <p:cTn id="5" presetID="1" presetClass="entr" presetSubtype="0" fill="hold" grpId="0" nodeType="clickEffect">
-                                  <p:stCondLst>
-                                    <p:cond delay="0"/>
-                                  </p:stCondLst>
-                                  <p:childTnLst>
-                                    <p:set>
-                                      <p:cBhvr>
-                                        <p:cTn id="6" dur="1" fill="hold">
-                                          <p:stCondLst>
-                                            <p:cond delay="0"/>
-                                          </p:stCondLst>
-                                        </p:cTn>
-                                        <p:tgtEl>
-                                          <p:spTgt spid="7"/>
-                                        </p:tgtEl>
-                                        <p:attrNameLst>
-                                          <p:attrName>style.visibility</p:attrName>
-                                        </p:attrNameLst>
-                                      </p:cBhvr>
-                                      <p:to>
-                                        <p:strVal val="visible"/>
-                                      </p:to>
-                                    </p:set>
-                                  </p:childTnLst>
-                                </p:cTn>
-                              </p:par>
-                            </p:childTnLst>
-                          </p:cTn>
-                        </p:par>
-                      </p:childTnLst>
-                    </p:cTn>
-                  </p:par>
-                </p:childTnLst>
-              </p:cTn>
-              <p:prevCondLst>
-                <p:cond evt="onPrev" delay="0">
-                  <p:tgtEl>
-                    <p:sldTgt/>
-                  </p:tgtEl>
-                </p:cond>
-              </p:prevCondLst>
-              <p:nextCondLst>
-                <p:cond evt="onNext" delay="0">
-                  <p:tgtEl>
-                    <p:sldTgt/>
-                  </p:tgtEl>
-                </p:cond>
-              </p:nextCondLst>
-            </p:seq>
-          </p:childTnLst>
-        </p:cTn>
-      </p:par>
-    </p:tnLst>
-    <p:bldLst>
-      <p:bldP spid="7" grpId="0" animBg="1"/>
-    </p:bldLst>
-  </p:timing>
-</p:sld>
-</file>
-
-<file path=ppt/slides/slide9.xml><?xml version="1.0" encoding="utf-8"?>
-<p:sld xmlns:a="http://schemas.openxmlformats.org/drawingml/2006/main" xmlns:r="http://schemas.openxmlformats.org/officeDocument/2006/relationships" xmlns:p="http://schemas.openxmlformats.org/presentationml/2006/main">
-  <p:cSld>
-    <p:spTree>
-      <p:nvGrpSpPr>
-        <p:cNvPr id="1" name="Shape 3975"/>
-        <p:cNvGrpSpPr/>
-        <p:nvPr/>
-      </p:nvGrpSpPr>
-      <p:grpSpPr>
-        <a:xfrm>
-          <a:off x="0" y="0"/>
-          <a:ext cx="0" cy="0"/>
-          <a:chOff x="0" y="0"/>
-          <a:chExt cx="0" cy="0"/>
-        </a:xfrm>
-      </p:grpSpPr>
-      <p:sp>
-        <p:nvSpPr>
-          <p:cNvPr id="3982" name="Google Shape;3982;p29"/>
-          <p:cNvSpPr txBox="1">
-            <a:spLocks noGrp="1"/>
-          </p:cNvSpPr>
-          <p:nvPr>
-            <p:ph type="sldNum" idx="12"/>
-          </p:nvPr>
-        </p:nvSpPr>
-        <p:spPr>
-          <a:prstGeom prst="rect">
-            <a:avLst/>
-          </a:prstGeom>
-        </p:spPr>
-        <p:txBody>
-          <a:bodyPr spcFirstLastPara="1" wrap="square" lIns="91425" tIns="91425" rIns="91425" bIns="91425" anchor="ctr" anchorCtr="0">
-            <a:noAutofit/>
-          </a:bodyPr>
-          <a:lstStyle/>
-          <a:p>
-            <a:pPr marL="0" lvl="0" indent="0" algn="l" rtl="0">
-              <a:spcBef>
-                <a:spcPts val="0"/>
-              </a:spcBef>
-              <a:spcAft>
-                <a:spcPts val="0"/>
-              </a:spcAft>
-              <a:buNone/>
-            </a:pPr>
-            <a:fld id="{00000000-1234-1234-1234-123412341234}" type="slidenum">
-              <a:rPr lang="en"/>
-              <a:t>9</a:t>
-            </a:fld>
-            <a:endParaRPr/>
-          </a:p>
-        </p:txBody>
-      </p:sp>
-      <p:sp>
-        <p:nvSpPr>
-          <p:cNvPr id="3" name="Google Shape;3978;p29">
-            <a:extLst>
-              <a:ext uri="{FF2B5EF4-FFF2-40B4-BE49-F238E27FC236}">
-                <a16:creationId xmlns:a16="http://schemas.microsoft.com/office/drawing/2014/main" id="{771A0D18-A4AB-448E-A743-1E3BC1FFA1B1}"/>
-              </a:ext>
-            </a:extLst>
-          </p:cNvPr>
-          <p:cNvSpPr/>
-          <p:nvPr/>
-        </p:nvSpPr>
-        <p:spPr>
-          <a:xfrm>
-            <a:off x="360715" y="355493"/>
-            <a:ext cx="868680" cy="868680"/>
-          </a:xfrm>
-          <a:prstGeom prst="rect">
-            <a:avLst/>
-          </a:prstGeom>
-          <a:noFill/>
-          <a:ln w="76200" cap="flat" cmpd="sng">
-            <a:solidFill>
-              <a:schemeClr val="accent3"/>
-            </a:solidFill>
-            <a:prstDash val="solid"/>
-            <a:miter lim="8000"/>
-            <a:headEnd type="none" w="sm" len="sm"/>
-            <a:tailEnd type="none" w="sm" len="sm"/>
-          </a:ln>
-        </p:spPr>
-        <p:txBody>
-          <a:bodyPr spcFirstLastPara="1" wrap="square" lIns="91425" tIns="91425" rIns="91425" bIns="91425" anchor="ctr" anchorCtr="0">
-            <a:noAutofit/>
-          </a:bodyPr>
-          <a:lstStyle/>
-          <a:p>
-            <a:pPr marL="0" lvl="0" indent="0" algn="ctr" rtl="0">
-              <a:spcBef>
-                <a:spcPts val="0"/>
-              </a:spcBef>
-              <a:spcAft>
-                <a:spcPts val="0"/>
-              </a:spcAft>
-              <a:buNone/>
-            </a:pPr>
-            <a:r>
-              <a:rPr lang="en" sz="1000" dirty="0">
-                <a:solidFill>
-                  <a:srgbClr val="003B55"/>
-                </a:solidFill>
-                <a:latin typeface="Titillium Web Light"/>
-                <a:ea typeface="Titillium Web Light"/>
-                <a:cs typeface="Titillium Web Light"/>
-                <a:sym typeface="Titillium Web Light"/>
-              </a:rPr>
-              <a:t>1. #ifdef TESTING</a:t>
-            </a:r>
-            <a:endParaRPr sz="1000" dirty="0">
-              <a:solidFill>
-                <a:srgbClr val="003B55"/>
-              </a:solidFill>
-              <a:latin typeface="Titillium Web Light"/>
-              <a:ea typeface="Titillium Web Light"/>
-              <a:cs typeface="Titillium Web Light"/>
-              <a:sym typeface="Titillium Web Light"/>
-            </a:endParaRPr>
-          </a:p>
-        </p:txBody>
-      </p:sp>
-      <p:sp>
-        <p:nvSpPr>
-          <p:cNvPr id="12" name="TextBox 11">
-            <a:extLst>
-              <a:ext uri="{FF2B5EF4-FFF2-40B4-BE49-F238E27FC236}">
-                <a16:creationId xmlns:a16="http://schemas.microsoft.com/office/drawing/2014/main" id="{3326CB82-1EEA-4F60-8324-5D96599EDCE4}"/>
-              </a:ext>
-            </a:extLst>
-          </p:cNvPr>
-          <p:cNvSpPr txBox="1"/>
-          <p:nvPr/>
-        </p:nvSpPr>
-        <p:spPr>
-          <a:xfrm>
-            <a:off x="640231" y="1640649"/>
-            <a:ext cx="5650566" cy="2308324"/>
-          </a:xfrm>
-          <a:prstGeom prst="rect">
-            <a:avLst/>
-          </a:prstGeom>
-          <a:noFill/>
-        </p:spPr>
-        <p:txBody>
-          <a:bodyPr wrap="square">
-            <a:spAutoFit/>
-          </a:bodyPr>
-          <a:lstStyle/>
-          <a:p>
-            <a:r>
-              <a:rPr lang="en-US" sz="1600" dirty="0">
-                <a:solidFill>
-                  <a:srgbClr val="0000FF"/>
-                </a:solidFill>
-                <a:latin typeface="Consolas" panose="020B0609020204030204" pitchFamily="49" charset="0"/>
-              </a:rPr>
-              <a:t>int</a:t>
-            </a:r>
-            <a:r>
-              <a:rPr lang="en-US" sz="1600" dirty="0">
-                <a:solidFill>
-                  <a:srgbClr val="000000"/>
-                </a:solidFill>
-                <a:latin typeface="Consolas" panose="020B0609020204030204" pitchFamily="49" charset="0"/>
-              </a:rPr>
-              <a:t> </a:t>
-            </a:r>
-            <a:r>
-              <a:rPr lang="en-US" sz="1600" dirty="0" err="1">
-                <a:solidFill>
-                  <a:srgbClr val="000000"/>
-                </a:solidFill>
-                <a:latin typeface="Consolas" panose="020B0609020204030204" pitchFamily="49" charset="0"/>
-              </a:rPr>
-              <a:t>getID</a:t>
-            </a:r>
-            <a:r>
-              <a:rPr lang="en-US" sz="1600" dirty="0">
-                <a:solidFill>
-                  <a:srgbClr val="000000"/>
-                </a:solidFill>
-                <a:latin typeface="Consolas" panose="020B0609020204030204" pitchFamily="49" charset="0"/>
-              </a:rPr>
-              <a:t>()</a:t>
-            </a:r>
-          </a:p>
-          <a:p>
-            <a:r>
-              <a:rPr lang="en-US" sz="1600" dirty="0">
-                <a:solidFill>
-                  <a:srgbClr val="000000"/>
-                </a:solidFill>
-                <a:latin typeface="Consolas" panose="020B0609020204030204" pitchFamily="49" charset="0"/>
-              </a:rPr>
-              <a:t>{</a:t>
-            </a:r>
-          </a:p>
-          <a:p>
-            <a:r>
-              <a:rPr lang="en-US" sz="1600" dirty="0">
-                <a:solidFill>
-                  <a:srgbClr val="808080"/>
-                </a:solidFill>
-                <a:latin typeface="Consolas" panose="020B0609020204030204" pitchFamily="49" charset="0"/>
-              </a:rPr>
-              <a:t>#ifdef</a:t>
-            </a:r>
-            <a:r>
-              <a:rPr lang="en-US" sz="1600" dirty="0">
-                <a:solidFill>
-                  <a:srgbClr val="000000"/>
-                </a:solidFill>
-                <a:latin typeface="Consolas" panose="020B0609020204030204" pitchFamily="49" charset="0"/>
-              </a:rPr>
-              <a:t> TESTING</a:t>
-            </a:r>
-          </a:p>
-          <a:p>
-            <a:r>
-              <a:rPr lang="en-US" sz="1600" dirty="0">
-                <a:solidFill>
-                  <a:srgbClr val="000000"/>
-                </a:solidFill>
-                <a:latin typeface="Consolas" panose="020B0609020204030204" pitchFamily="49" charset="0"/>
-              </a:rPr>
-              <a:t>    </a:t>
-            </a:r>
-            <a:r>
-              <a:rPr lang="en-US" sz="1600" dirty="0" err="1">
-                <a:solidFill>
-                  <a:srgbClr val="000000"/>
-                </a:solidFill>
-                <a:latin typeface="Consolas" panose="020B0609020204030204" pitchFamily="49" charset="0"/>
-              </a:rPr>
-              <a:t>srand</a:t>
-            </a:r>
-            <a:r>
-              <a:rPr lang="en-US" sz="1600" dirty="0">
-                <a:solidFill>
-                  <a:srgbClr val="000000"/>
-                </a:solidFill>
-                <a:latin typeface="Consolas" panose="020B0609020204030204" pitchFamily="49" charset="0"/>
-              </a:rPr>
-              <a:t>(500);</a:t>
-            </a:r>
-          </a:p>
-          <a:p>
-            <a:r>
-              <a:rPr lang="en-US" sz="1600" dirty="0">
-                <a:solidFill>
-                  <a:srgbClr val="808080"/>
-                </a:solidFill>
-                <a:latin typeface="Consolas" panose="020B0609020204030204" pitchFamily="49" charset="0"/>
-              </a:rPr>
-              <a:t>#else</a:t>
-            </a:r>
-            <a:endParaRPr lang="en-US" sz="1600" dirty="0">
-              <a:solidFill>
-                <a:srgbClr val="000000"/>
-              </a:solidFill>
-              <a:latin typeface="Consolas" panose="020B0609020204030204" pitchFamily="49" charset="0"/>
-            </a:endParaRPr>
-          </a:p>
-          <a:p>
-            <a:r>
-              <a:rPr lang="en-US" sz="1600" dirty="0">
-                <a:solidFill>
-                  <a:srgbClr val="000000"/>
-                </a:solidFill>
-                <a:latin typeface="Consolas" panose="020B0609020204030204" pitchFamily="49" charset="0"/>
-              </a:rPr>
-              <a:t>    </a:t>
-            </a:r>
-            <a:r>
-              <a:rPr lang="en-US" sz="1600" dirty="0" err="1">
-                <a:solidFill>
-                  <a:srgbClr val="000000"/>
-                </a:solidFill>
-                <a:latin typeface="Consolas" panose="020B0609020204030204" pitchFamily="49" charset="0"/>
-              </a:rPr>
-              <a:t>srand</a:t>
-            </a:r>
-            <a:r>
-              <a:rPr lang="en-US" sz="1600" dirty="0">
-                <a:solidFill>
-                  <a:srgbClr val="000000"/>
-                </a:solidFill>
-                <a:latin typeface="Consolas" panose="020B0609020204030204" pitchFamily="49" charset="0"/>
-              </a:rPr>
-              <a:t>(time(0));</a:t>
-            </a:r>
-          </a:p>
-          <a:p>
-            <a:r>
-              <a:rPr lang="en-US" sz="1600" dirty="0">
-                <a:solidFill>
-                  <a:srgbClr val="808080"/>
-                </a:solidFill>
-                <a:latin typeface="Consolas" panose="020B0609020204030204" pitchFamily="49" charset="0"/>
-              </a:rPr>
-              <a:t>#endif</a:t>
-            </a:r>
-            <a:endParaRPr lang="en-US" sz="1600" dirty="0">
-              <a:solidFill>
-                <a:srgbClr val="000000"/>
-              </a:solidFill>
-              <a:latin typeface="Consolas" panose="020B0609020204030204" pitchFamily="49" charset="0"/>
-            </a:endParaRPr>
-          </a:p>
-          <a:p>
-            <a:r>
-              <a:rPr lang="en-US" sz="1600" dirty="0">
-                <a:solidFill>
-                  <a:srgbClr val="000000"/>
-                </a:solidFill>
-                <a:latin typeface="Consolas" panose="020B0609020204030204" pitchFamily="49" charset="0"/>
-              </a:rPr>
-              <a:t>    </a:t>
-            </a:r>
-            <a:r>
-              <a:rPr lang="en-US" sz="1600" dirty="0">
-                <a:solidFill>
-                  <a:srgbClr val="0000FF"/>
-                </a:solidFill>
-                <a:latin typeface="Consolas" panose="020B0609020204030204" pitchFamily="49" charset="0"/>
-              </a:rPr>
-              <a:t>return</a:t>
-            </a:r>
-            <a:r>
-              <a:rPr lang="en-US" sz="1600" dirty="0">
-                <a:solidFill>
-                  <a:srgbClr val="000000"/>
-                </a:solidFill>
-                <a:latin typeface="Consolas" panose="020B0609020204030204" pitchFamily="49" charset="0"/>
-              </a:rPr>
-              <a:t> (rand() % 10 + 1);</a:t>
-            </a:r>
-          </a:p>
-          <a:p>
-            <a:r>
-              <a:rPr lang="en-US" sz="1600" dirty="0">
-                <a:solidFill>
-                  <a:srgbClr val="000000"/>
-                </a:solidFill>
-                <a:latin typeface="Consolas" panose="020B0609020204030204" pitchFamily="49" charset="0"/>
-              </a:rPr>
-              <a:t>}</a:t>
-            </a:r>
-          </a:p>
-        </p:txBody>
-      </p:sp>
-    </p:spTree>
-    <p:extLst>
-      <p:ext uri="{BB962C8B-B14F-4D97-AF65-F5344CB8AC3E}">
-        <p14:creationId xmlns:p14="http://schemas.microsoft.com/office/powerpoint/2010/main" val="1058803651"/>
-      </p:ext>
-    </p:extLst>
-  </p:cSld>
-  <p:clrMapOvr>
-    <a:masterClrMapping/>
-  </p:clrMapOvr>
 </p:sld>
 </file>
 
